--- a/Study cases/breastcancer/Breast cancer.pptx
+++ b/Study cases/breastcancer/Breast cancer.pptx
@@ -5,14 +5,14 @@
     <p:sldMasterId id="2147483648" r:id="rId1"/>
   </p:sldMasterIdLst>
   <p:sldIdLst>
-    <p:sldId id="256" r:id="rId2"/>
-    <p:sldId id="257" r:id="rId3"/>
-    <p:sldId id="258" r:id="rId4"/>
-    <p:sldId id="259" r:id="rId5"/>
-    <p:sldId id="260" r:id="rId6"/>
-    <p:sldId id="261" r:id="rId7"/>
-    <p:sldId id="262" r:id="rId8"/>
-    <p:sldId id="263" r:id="rId9"/>
+    <p:sldId id="264" r:id="rId2"/>
+    <p:sldId id="256" r:id="rId3"/>
+    <p:sldId id="257" r:id="rId4"/>
+    <p:sldId id="258" r:id="rId5"/>
+    <p:sldId id="259" r:id="rId6"/>
+    <p:sldId id="260" r:id="rId7"/>
+    <p:sldId id="261" r:id="rId8"/>
+    <p:sldId id="262" r:id="rId9"/>
   </p:sldIdLst>
   <p:sldSz cx="12192000" cy="6858000"/>
   <p:notesSz cx="6858000" cy="9144000"/>
@@ -268,7 +268,7 @@
           <a:p>
             <a:fld id="{682CB48D-0125-4568-9D26-C9DBBF36EE83}" type="datetimeFigureOut">
               <a:rPr lang="en-NZ" smtClean="0"/>
-              <a:t>7/08/2023</a:t>
+              <a:t>11/08/2023</a:t>
             </a:fld>
             <a:endParaRPr lang="en-NZ"/>
           </a:p>
@@ -468,7 +468,7 @@
           <a:p>
             <a:fld id="{682CB48D-0125-4568-9D26-C9DBBF36EE83}" type="datetimeFigureOut">
               <a:rPr lang="en-NZ" smtClean="0"/>
-              <a:t>7/08/2023</a:t>
+              <a:t>11/08/2023</a:t>
             </a:fld>
             <a:endParaRPr lang="en-NZ"/>
           </a:p>
@@ -678,7 +678,7 @@
           <a:p>
             <a:fld id="{682CB48D-0125-4568-9D26-C9DBBF36EE83}" type="datetimeFigureOut">
               <a:rPr lang="en-NZ" smtClean="0"/>
-              <a:t>7/08/2023</a:t>
+              <a:t>11/08/2023</a:t>
             </a:fld>
             <a:endParaRPr lang="en-NZ"/>
           </a:p>
@@ -878,7 +878,7 @@
           <a:p>
             <a:fld id="{682CB48D-0125-4568-9D26-C9DBBF36EE83}" type="datetimeFigureOut">
               <a:rPr lang="en-NZ" smtClean="0"/>
-              <a:t>7/08/2023</a:t>
+              <a:t>11/08/2023</a:t>
             </a:fld>
             <a:endParaRPr lang="en-NZ"/>
           </a:p>
@@ -1154,7 +1154,7 @@
           <a:p>
             <a:fld id="{682CB48D-0125-4568-9D26-C9DBBF36EE83}" type="datetimeFigureOut">
               <a:rPr lang="en-NZ" smtClean="0"/>
-              <a:t>7/08/2023</a:t>
+              <a:t>11/08/2023</a:t>
             </a:fld>
             <a:endParaRPr lang="en-NZ"/>
           </a:p>
@@ -1422,7 +1422,7 @@
           <a:p>
             <a:fld id="{682CB48D-0125-4568-9D26-C9DBBF36EE83}" type="datetimeFigureOut">
               <a:rPr lang="en-NZ" smtClean="0"/>
-              <a:t>7/08/2023</a:t>
+              <a:t>11/08/2023</a:t>
             </a:fld>
             <a:endParaRPr lang="en-NZ"/>
           </a:p>
@@ -1837,7 +1837,7 @@
           <a:p>
             <a:fld id="{682CB48D-0125-4568-9D26-C9DBBF36EE83}" type="datetimeFigureOut">
               <a:rPr lang="en-NZ" smtClean="0"/>
-              <a:t>7/08/2023</a:t>
+              <a:t>11/08/2023</a:t>
             </a:fld>
             <a:endParaRPr lang="en-NZ"/>
           </a:p>
@@ -1979,7 +1979,7 @@
           <a:p>
             <a:fld id="{682CB48D-0125-4568-9D26-C9DBBF36EE83}" type="datetimeFigureOut">
               <a:rPr lang="en-NZ" smtClean="0"/>
-              <a:t>7/08/2023</a:t>
+              <a:t>11/08/2023</a:t>
             </a:fld>
             <a:endParaRPr lang="en-NZ"/>
           </a:p>
@@ -2092,7 +2092,7 @@
           <a:p>
             <a:fld id="{682CB48D-0125-4568-9D26-C9DBBF36EE83}" type="datetimeFigureOut">
               <a:rPr lang="en-NZ" smtClean="0"/>
-              <a:t>7/08/2023</a:t>
+              <a:t>11/08/2023</a:t>
             </a:fld>
             <a:endParaRPr lang="en-NZ"/>
           </a:p>
@@ -2405,7 +2405,7 @@
           <a:p>
             <a:fld id="{682CB48D-0125-4568-9D26-C9DBBF36EE83}" type="datetimeFigureOut">
               <a:rPr lang="en-NZ" smtClean="0"/>
-              <a:t>7/08/2023</a:t>
+              <a:t>11/08/2023</a:t>
             </a:fld>
             <a:endParaRPr lang="en-NZ"/>
           </a:p>
@@ -2694,7 +2694,7 @@
           <a:p>
             <a:fld id="{682CB48D-0125-4568-9D26-C9DBBF36EE83}" type="datetimeFigureOut">
               <a:rPr lang="en-NZ" smtClean="0"/>
-              <a:t>7/08/2023</a:t>
+              <a:t>11/08/2023</a:t>
             </a:fld>
             <a:endParaRPr lang="en-NZ"/>
           </a:p>
@@ -2937,7 +2937,7 @@
           <a:p>
             <a:fld id="{682CB48D-0125-4568-9D26-C9DBBF36EE83}" type="datetimeFigureOut">
               <a:rPr lang="en-NZ" smtClean="0"/>
-              <a:t>7/08/2023</a:t>
+              <a:t>11/08/2023</a:t>
             </a:fld>
             <a:endParaRPr lang="en-NZ"/>
           </a:p>
@@ -3340,6 +3340,3431 @@
 <file path=ppt/slides/slide1.xml><?xml version="1.0" encoding="utf-8"?>
 <p:sld xmlns:a="http://schemas.openxmlformats.org/drawingml/2006/main" xmlns:r="http://schemas.openxmlformats.org/officeDocument/2006/relationships" xmlns:p="http://schemas.openxmlformats.org/presentationml/2006/main">
   <p:cSld>
+    <p:bg>
+      <p:bgPr>
+        <a:solidFill>
+          <a:schemeClr val="bg1"/>
+        </a:solidFill>
+        <a:effectLst/>
+      </p:bgPr>
+    </p:bg>
+    <p:spTree>
+      <p:nvGrpSpPr>
+        <p:cNvPr id="1" name=""/>
+        <p:cNvGrpSpPr/>
+        <p:nvPr/>
+      </p:nvGrpSpPr>
+      <p:grpSpPr>
+        <a:xfrm>
+          <a:off x="0" y="0"/>
+          <a:ext cx="0" cy="0"/>
+          <a:chOff x="0" y="0"/>
+          <a:chExt cx="0" cy="0"/>
+        </a:xfrm>
+      </p:grpSpPr>
+      <p:sp useBgFill="1">
+        <p:nvSpPr>
+          <p:cNvPr id="14" name="Rectangle 8">
+            <a:extLst>
+              <a:ext uri="{FF2B5EF4-FFF2-40B4-BE49-F238E27FC236}">
+                <a16:creationId xmlns:a16="http://schemas.microsoft.com/office/drawing/2014/main" id="{8FC9BE17-9A7B-462D-AE50-3D8777387304}"/>
+              </a:ext>
+              <a:ext uri="{C183D7F6-B498-43B3-948B-1728B52AA6E4}">
+                <adec:decorative xmlns:adec="http://schemas.microsoft.com/office/drawing/2017/decorative" val="1"/>
+              </a:ext>
+            </a:extLst>
+          </p:cNvPr>
+          <p:cNvSpPr>
+            <a:spLocks noGrp="1" noRot="1" noChangeAspect="1" noMove="1" noResize="1" noEditPoints="1" noAdjustHandles="1" noChangeArrowheads="1" noChangeShapeType="1" noTextEdit="1"/>
+          </p:cNvSpPr>
+          <p:nvPr>
+            <p:extLst>
+              <p:ext uri="{386F3935-93C4-4BCD-93E2-E3B085C9AB24}">
+                <p16:designElem xmlns:p16="http://schemas.microsoft.com/office/powerpoint/2015/main" val="1"/>
+              </p:ext>
+            </p:extLst>
+          </p:nvPr>
+        </p:nvSpPr>
+        <p:spPr>
+          <a:xfrm>
+            <a:off x="0" y="0"/>
+            <a:ext cx="12192000" cy="6858000"/>
+          </a:xfrm>
+          <a:prstGeom prst="rect">
+            <a:avLst/>
+          </a:prstGeom>
+          <a:ln>
+            <a:noFill/>
+          </a:ln>
+        </p:spPr>
+        <p:style>
+          <a:lnRef idx="2">
+            <a:schemeClr val="accent1">
+              <a:shade val="50000"/>
+            </a:schemeClr>
+          </a:lnRef>
+          <a:fillRef idx="1">
+            <a:schemeClr val="accent1"/>
+          </a:fillRef>
+          <a:effectRef idx="0">
+            <a:schemeClr val="accent1"/>
+          </a:effectRef>
+          <a:fontRef idx="minor">
+            <a:schemeClr val="lt1"/>
+          </a:fontRef>
+        </p:style>
+        <p:txBody>
+          <a:bodyPr rtlCol="0" anchor="ctr"/>
+          <a:lstStyle/>
+          <a:p>
+            <a:pPr algn="ctr"/>
+            <a:endParaRPr lang="en-US"/>
+          </a:p>
+        </p:txBody>
+      </p:sp>
+      <p:pic>
+        <p:nvPicPr>
+          <p:cNvPr id="16" name="Picture 4">
+            <a:extLst>
+              <a:ext uri="{FF2B5EF4-FFF2-40B4-BE49-F238E27FC236}">
+                <a16:creationId xmlns:a16="http://schemas.microsoft.com/office/drawing/2014/main" id="{9408C05B-FDDC-BB85-35C3-DC7776315241}"/>
+              </a:ext>
+            </a:extLst>
+          </p:cNvPr>
+          <p:cNvPicPr>
+            <a:picLocks noChangeAspect="1"/>
+          </p:cNvPicPr>
+          <p:nvPr/>
+        </p:nvPicPr>
+        <p:blipFill rotWithShape="1">
+          <a:blip r:embed="rId2"/>
+          <a:srcRect r="16575" b="-1"/>
+          <a:stretch/>
+        </p:blipFill>
+        <p:spPr>
+          <a:xfrm>
+            <a:off x="3523488" y="10"/>
+            <a:ext cx="8668512" cy="6857990"/>
+          </a:xfrm>
+          <a:prstGeom prst="rect">
+            <a:avLst/>
+          </a:prstGeom>
+        </p:spPr>
+      </p:pic>
+      <p:sp>
+        <p:nvSpPr>
+          <p:cNvPr id="17" name="Rectangle 10">
+            <a:extLst>
+              <a:ext uri="{FF2B5EF4-FFF2-40B4-BE49-F238E27FC236}">
+                <a16:creationId xmlns:a16="http://schemas.microsoft.com/office/drawing/2014/main" id="{3EBE8569-6AEC-4B8C-8D53-2DE337CDBA65}"/>
+              </a:ext>
+              <a:ext uri="{C183D7F6-B498-43B3-948B-1728B52AA6E4}">
+                <adec:decorative xmlns:adec="http://schemas.microsoft.com/office/drawing/2017/decorative" val="1"/>
+              </a:ext>
+            </a:extLst>
+          </p:cNvPr>
+          <p:cNvSpPr>
+            <a:spLocks noGrp="1" noRot="1" noChangeAspect="1" noMove="1" noResize="1" noEditPoints="1" noAdjustHandles="1" noChangeArrowheads="1" noChangeShapeType="1" noTextEdit="1"/>
+          </p:cNvSpPr>
+          <p:nvPr>
+            <p:extLst>
+              <p:ext uri="{386F3935-93C4-4BCD-93E2-E3B085C9AB24}">
+                <p16:designElem xmlns:p16="http://schemas.microsoft.com/office/powerpoint/2015/main" val="1"/>
+              </p:ext>
+            </p:extLst>
+          </p:nvPr>
+        </p:nvSpPr>
+        <p:spPr>
+          <a:xfrm>
+            <a:off x="2" y="0"/>
+            <a:ext cx="9756601" cy="6858000"/>
+          </a:xfrm>
+          <a:prstGeom prst="rect">
+            <a:avLst/>
+          </a:prstGeom>
+          <a:gradFill>
+            <a:gsLst>
+              <a:gs pos="58000">
+                <a:schemeClr val="bg1"/>
+              </a:gs>
+              <a:gs pos="35000">
+                <a:schemeClr val="bg1">
+                  <a:alpha val="78000"/>
+                </a:schemeClr>
+              </a:gs>
+              <a:gs pos="19000">
+                <a:schemeClr val="bg1">
+                  <a:alpha val="38000"/>
+                </a:schemeClr>
+              </a:gs>
+              <a:gs pos="0">
+                <a:schemeClr val="bg1">
+                  <a:alpha val="0"/>
+                </a:schemeClr>
+              </a:gs>
+              <a:gs pos="100000">
+                <a:schemeClr val="bg1"/>
+              </a:gs>
+            </a:gsLst>
+            <a:lin ang="10800000" scaled="0"/>
+          </a:gradFill>
+          <a:ln>
+            <a:noFill/>
+          </a:ln>
+        </p:spPr>
+        <p:style>
+          <a:lnRef idx="2">
+            <a:schemeClr val="accent1">
+              <a:shade val="50000"/>
+            </a:schemeClr>
+          </a:lnRef>
+          <a:fillRef idx="1">
+            <a:schemeClr val="accent1"/>
+          </a:fillRef>
+          <a:effectRef idx="0">
+            <a:schemeClr val="accent1"/>
+          </a:effectRef>
+          <a:fontRef idx="minor">
+            <a:schemeClr val="lt1"/>
+          </a:fontRef>
+        </p:style>
+        <p:txBody>
+          <a:bodyPr rtlCol="0" anchor="ctr"/>
+          <a:lstStyle/>
+          <a:p>
+            <a:pPr algn="ctr"/>
+            <a:endParaRPr lang="en-US" dirty="0"/>
+          </a:p>
+        </p:txBody>
+      </p:sp>
+      <p:sp>
+        <p:nvSpPr>
+          <p:cNvPr id="2" name="Title 1">
+            <a:extLst>
+              <a:ext uri="{FF2B5EF4-FFF2-40B4-BE49-F238E27FC236}">
+                <a16:creationId xmlns:a16="http://schemas.microsoft.com/office/drawing/2014/main" id="{B61243A6-D790-D6AA-BE08-B7DD289091CC}"/>
+              </a:ext>
+            </a:extLst>
+          </p:cNvPr>
+          <p:cNvSpPr>
+            <a:spLocks noGrp="1"/>
+          </p:cNvSpPr>
+          <p:nvPr>
+            <p:ph type="ctrTitle"/>
+          </p:nvPr>
+        </p:nvSpPr>
+        <p:spPr>
+          <a:xfrm>
+            <a:off x="371094" y="1161288"/>
+            <a:ext cx="3438144" cy="1124712"/>
+          </a:xfrm>
+        </p:spPr>
+        <p:txBody>
+          <a:bodyPr vert="horz" lIns="91440" tIns="45720" rIns="91440" bIns="45720" rtlCol="0" anchor="b">
+            <a:normAutofit/>
+          </a:bodyPr>
+          <a:lstStyle/>
+          <a:p>
+            <a:pPr algn="l"/>
+            <a:r>
+              <a:rPr lang="en-US" sz="2800" dirty="0"/>
+              <a:t>Case study: Breast cancer</a:t>
+            </a:r>
+          </a:p>
+        </p:txBody>
+      </p:sp>
+      <p:sp>
+        <p:nvSpPr>
+          <p:cNvPr id="13" name="Rectangle 12">
+            <a:extLst>
+              <a:ext uri="{FF2B5EF4-FFF2-40B4-BE49-F238E27FC236}">
+                <a16:creationId xmlns:a16="http://schemas.microsoft.com/office/drawing/2014/main" id="{55D4142C-5077-457F-A6AD-3FECFDB39685}"/>
+              </a:ext>
+              <a:ext uri="{C183D7F6-B498-43B3-948B-1728B52AA6E4}">
+                <adec:decorative xmlns:adec="http://schemas.microsoft.com/office/drawing/2017/decorative" val="1"/>
+              </a:ext>
+            </a:extLst>
+          </p:cNvPr>
+          <p:cNvSpPr>
+            <a:spLocks noGrp="1" noRot="1" noChangeAspect="1" noMove="1" noResize="1" noEditPoints="1" noAdjustHandles="1" noChangeArrowheads="1" noChangeShapeType="1" noTextEdit="1"/>
+          </p:cNvSpPr>
+          <p:nvPr>
+            <p:extLst>
+              <p:ext uri="{386F3935-93C4-4BCD-93E2-E3B085C9AB24}">
+                <p16:designElem xmlns:p16="http://schemas.microsoft.com/office/powerpoint/2015/main" val="1"/>
+              </p:ext>
+            </p:extLst>
+          </p:nvPr>
+        </p:nvSpPr>
+        <p:spPr>
+          <a:xfrm rot="5400000">
+            <a:off x="662559" y="605790"/>
+            <a:ext cx="73152" cy="548640"/>
+          </a:xfrm>
+          <a:prstGeom prst="rect">
+            <a:avLst/>
+          </a:prstGeom>
+          <a:solidFill>
+            <a:schemeClr val="accent2"/>
+          </a:solidFill>
+          <a:ln>
+            <a:noFill/>
+          </a:ln>
+        </p:spPr>
+        <p:style>
+          <a:lnRef idx="2">
+            <a:schemeClr val="accent1">
+              <a:shade val="50000"/>
+            </a:schemeClr>
+          </a:lnRef>
+          <a:fillRef idx="1">
+            <a:schemeClr val="accent1"/>
+          </a:fillRef>
+          <a:effectRef idx="0">
+            <a:schemeClr val="accent1"/>
+          </a:effectRef>
+          <a:fontRef idx="minor">
+            <a:schemeClr val="lt1"/>
+          </a:fontRef>
+        </p:style>
+        <p:txBody>
+          <a:bodyPr rtlCol="0" anchor="ctr"/>
+          <a:lstStyle/>
+          <a:p>
+            <a:pPr algn="ctr"/>
+            <a:endParaRPr lang="en-US">
+              <a:solidFill>
+                <a:prstClr val="white"/>
+              </a:solidFill>
+              <a:latin typeface="Calibri" panose="020F0502020204030204"/>
+            </a:endParaRPr>
+          </a:p>
+        </p:txBody>
+      </p:sp>
+      <p:sp>
+        <p:nvSpPr>
+          <p:cNvPr id="15" name="Rectangle 14">
+            <a:extLst>
+              <a:ext uri="{FF2B5EF4-FFF2-40B4-BE49-F238E27FC236}">
+                <a16:creationId xmlns:a16="http://schemas.microsoft.com/office/drawing/2014/main" id="{7A5F0580-5EE9-419F-96EE-B6529EF6E7D0}"/>
+              </a:ext>
+              <a:ext uri="{C183D7F6-B498-43B3-948B-1728B52AA6E4}">
+                <adec:decorative xmlns:adec="http://schemas.microsoft.com/office/drawing/2017/decorative" val="1"/>
+              </a:ext>
+            </a:extLst>
+          </p:cNvPr>
+          <p:cNvSpPr>
+            <a:spLocks noGrp="1" noRot="1" noChangeAspect="1" noMove="1" noResize="1" noEditPoints="1" noAdjustHandles="1" noChangeArrowheads="1" noChangeShapeType="1" noTextEdit="1"/>
+          </p:cNvSpPr>
+          <p:nvPr>
+            <p:extLst>
+              <p:ext uri="{386F3935-93C4-4BCD-93E2-E3B085C9AB24}">
+                <p16:designElem xmlns:p16="http://schemas.microsoft.com/office/powerpoint/2015/main" val="1"/>
+              </p:ext>
+            </p:extLst>
+          </p:nvPr>
+        </p:nvSpPr>
+        <p:spPr>
+          <a:xfrm>
+            <a:off x="428244" y="2443480"/>
+            <a:ext cx="3300984" cy="9144"/>
+          </a:xfrm>
+          <a:prstGeom prst="rect">
+            <a:avLst/>
+          </a:prstGeom>
+          <a:solidFill>
+            <a:srgbClr val="D5D5D5"/>
+          </a:solidFill>
+          <a:ln w="3175">
+            <a:solidFill>
+              <a:srgbClr val="D5D5D5"/>
+            </a:solidFill>
+          </a:ln>
+          <a:effectLst/>
+        </p:spPr>
+        <p:style>
+          <a:lnRef idx="2">
+            <a:schemeClr val="accent1">
+              <a:shade val="50000"/>
+            </a:schemeClr>
+          </a:lnRef>
+          <a:fillRef idx="1">
+            <a:schemeClr val="accent1"/>
+          </a:fillRef>
+          <a:effectRef idx="0">
+            <a:schemeClr val="accent1"/>
+          </a:effectRef>
+          <a:fontRef idx="minor">
+            <a:schemeClr val="lt1"/>
+          </a:fontRef>
+        </p:style>
+        <p:txBody>
+          <a:bodyPr rtlCol="0" anchor="ctr"/>
+          <a:lstStyle/>
+          <a:p>
+            <a:pPr marL="0" marR="0" lvl="0" indent="0" algn="ctr" defTabSz="914400" rtl="0" eaLnBrk="1" fontAlgn="auto" latinLnBrk="0" hangingPunct="1">
+              <a:lnSpc>
+                <a:spcPct val="100000"/>
+              </a:lnSpc>
+              <a:spcBef>
+                <a:spcPts val="0"/>
+              </a:spcBef>
+              <a:spcAft>
+                <a:spcPts val="0"/>
+              </a:spcAft>
+              <a:buClrTx/>
+              <a:buSzTx/>
+              <a:buFontTx/>
+              <a:buNone/>
+              <a:tabLst/>
+              <a:defRPr/>
+            </a:pPr>
+            <a:endParaRPr kumimoji="0" lang="en-US" sz="1800" b="0" i="0" u="none" strike="noStrike" kern="1200" cap="none" spc="0" normalizeH="0" baseline="0" noProof="0">
+              <a:ln>
+                <a:noFill/>
+              </a:ln>
+              <a:solidFill>
+                <a:prstClr val="white"/>
+              </a:solidFill>
+              <a:effectLst/>
+              <a:uLnTx/>
+              <a:uFillTx/>
+              <a:latin typeface="Calibri" panose="020F0502020204030204"/>
+              <a:ea typeface="+mn-ea"/>
+              <a:cs typeface="+mn-cs"/>
+            </a:endParaRPr>
+          </a:p>
+        </p:txBody>
+      </p:sp>
+      <p:sp>
+        <p:nvSpPr>
+          <p:cNvPr id="3" name="Subtitle 2">
+            <a:extLst>
+              <a:ext uri="{FF2B5EF4-FFF2-40B4-BE49-F238E27FC236}">
+                <a16:creationId xmlns:a16="http://schemas.microsoft.com/office/drawing/2014/main" id="{E0F431F1-838A-69E3-042F-2EB7429BE52A}"/>
+              </a:ext>
+            </a:extLst>
+          </p:cNvPr>
+          <p:cNvSpPr>
+            <a:spLocks noGrp="1"/>
+          </p:cNvSpPr>
+          <p:nvPr>
+            <p:ph type="subTitle" idx="1"/>
+          </p:nvPr>
+        </p:nvSpPr>
+        <p:spPr>
+          <a:xfrm>
+            <a:off x="371094" y="2718054"/>
+            <a:ext cx="3438906" cy="3207258"/>
+          </a:xfrm>
+        </p:spPr>
+        <p:txBody>
+          <a:bodyPr vert="horz" lIns="91440" tIns="45720" rIns="91440" bIns="45720" rtlCol="0" anchor="t">
+            <a:normAutofit fontScale="77500" lnSpcReduction="20000"/>
+          </a:bodyPr>
+          <a:lstStyle/>
+          <a:p>
+            <a:pPr indent="-228600" algn="l">
+              <a:lnSpc>
+                <a:spcPct val="160000"/>
+              </a:lnSpc>
+              <a:buFont typeface="Arial" panose="020B0604020202020204" pitchFamily="34" charset="0"/>
+              <a:buChar char="•"/>
+            </a:pPr>
+            <a:r>
+              <a:rPr lang="en-US" sz="2000" dirty="0">
+                <a:latin typeface="Arial" panose="020B0604020202020204" pitchFamily="34" charset="0"/>
+                <a:cs typeface="Arial" panose="020B0604020202020204" pitchFamily="34" charset="0"/>
+              </a:rPr>
+              <a:t>Hypothesis: all variables are equally important to help distinguish the presence of breast cancer</a:t>
+            </a:r>
+          </a:p>
+          <a:p>
+            <a:pPr indent="-228600" algn="l">
+              <a:lnSpc>
+                <a:spcPct val="160000"/>
+              </a:lnSpc>
+              <a:buFont typeface="Arial" panose="020B0604020202020204" pitchFamily="34" charset="0"/>
+              <a:buChar char="•"/>
+            </a:pPr>
+            <a:r>
+              <a:rPr lang="en-US" sz="2000" dirty="0">
+                <a:latin typeface="Arial" panose="020B0604020202020204" pitchFamily="34" charset="0"/>
+                <a:cs typeface="Arial" panose="020B0604020202020204" pitchFamily="34" charset="0"/>
+              </a:rPr>
+              <a:t>Objectives: </a:t>
+            </a:r>
+          </a:p>
+          <a:p>
+            <a:pPr marL="342900" indent="-228600" algn="l">
+              <a:lnSpc>
+                <a:spcPct val="160000"/>
+              </a:lnSpc>
+              <a:buFont typeface="Arial" panose="020B0604020202020204" pitchFamily="34" charset="0"/>
+              <a:buChar char="•"/>
+            </a:pPr>
+            <a:r>
+              <a:rPr lang="en-US" sz="2000" dirty="0">
+                <a:latin typeface="Arial" panose="020B0604020202020204" pitchFamily="34" charset="0"/>
+                <a:cs typeface="Arial" panose="020B0604020202020204" pitchFamily="34" charset="0"/>
+              </a:rPr>
+              <a:t>Detection of breast cancer</a:t>
+            </a:r>
+          </a:p>
+          <a:p>
+            <a:pPr marL="342900" indent="-228600" algn="l">
+              <a:lnSpc>
+                <a:spcPct val="160000"/>
+              </a:lnSpc>
+              <a:buFont typeface="Arial" panose="020B0604020202020204" pitchFamily="34" charset="0"/>
+              <a:buChar char="•"/>
+            </a:pPr>
+            <a:r>
+              <a:rPr lang="en-US" sz="2000" dirty="0">
+                <a:latin typeface="Arial" panose="020B0604020202020204" pitchFamily="34" charset="0"/>
+                <a:cs typeface="Arial" panose="020B0604020202020204" pitchFamily="34" charset="0"/>
+              </a:rPr>
+              <a:t>identifying important features helps rapidly detect breast cancer</a:t>
+            </a:r>
+          </a:p>
+          <a:p>
+            <a:pPr indent="-228600" algn="l">
+              <a:buFont typeface="Arial" panose="020B0604020202020204" pitchFamily="34" charset="0"/>
+              <a:buChar char="•"/>
+            </a:pPr>
+            <a:endParaRPr lang="en-US" sz="1700" dirty="0"/>
+          </a:p>
+        </p:txBody>
+      </p:sp>
+    </p:spTree>
+    <p:extLst>
+      <p:ext uri="{BB962C8B-B14F-4D97-AF65-F5344CB8AC3E}">
+        <p14:creationId xmlns:p14="http://schemas.microsoft.com/office/powerpoint/2010/main" val="2329575739"/>
+      </p:ext>
+    </p:extLst>
+  </p:cSld>
+  <p:clrMapOvr>
+    <a:masterClrMapping/>
+  </p:clrMapOvr>
+</p:sld>
+</file>
+
+<file path=ppt/slides/slide2.xml><?xml version="1.0" encoding="utf-8"?>
+<p:sld xmlns:a="http://schemas.openxmlformats.org/drawingml/2006/main" xmlns:r="http://schemas.openxmlformats.org/officeDocument/2006/relationships" xmlns:p="http://schemas.openxmlformats.org/presentationml/2006/main">
+  <p:cSld>
+    <p:bg>
+      <p:bgPr>
+        <a:solidFill>
+          <a:schemeClr val="bg1"/>
+        </a:solidFill>
+        <a:effectLst/>
+      </p:bgPr>
+    </p:bg>
+    <p:spTree>
+      <p:nvGrpSpPr>
+        <p:cNvPr id="1" name=""/>
+        <p:cNvGrpSpPr/>
+        <p:nvPr/>
+      </p:nvGrpSpPr>
+      <p:grpSpPr>
+        <a:xfrm>
+          <a:off x="0" y="0"/>
+          <a:ext cx="0" cy="0"/>
+          <a:chOff x="0" y="0"/>
+          <a:chExt cx="0" cy="0"/>
+        </a:xfrm>
+      </p:grpSpPr>
+      <p:sp useBgFill="1">
+        <p:nvSpPr>
+          <p:cNvPr id="15" name="Rectangle 14">
+            <a:extLst>
+              <a:ext uri="{FF2B5EF4-FFF2-40B4-BE49-F238E27FC236}">
+                <a16:creationId xmlns:a16="http://schemas.microsoft.com/office/drawing/2014/main" id="{53B021B3-DE93-4AB7-8A18-CF5F1CED88B8}"/>
+              </a:ext>
+              <a:ext uri="{C183D7F6-B498-43B3-948B-1728B52AA6E4}">
+                <adec:decorative xmlns:adec="http://schemas.microsoft.com/office/drawing/2017/decorative" val="1"/>
+              </a:ext>
+            </a:extLst>
+          </p:cNvPr>
+          <p:cNvSpPr>
+            <a:spLocks noGrp="1" noRot="1" noChangeAspect="1" noMove="1" noResize="1" noEditPoints="1" noAdjustHandles="1" noChangeArrowheads="1" noChangeShapeType="1" noTextEdit="1"/>
+          </p:cNvSpPr>
+          <p:nvPr>
+            <p:extLst>
+              <p:ext uri="{386F3935-93C4-4BCD-93E2-E3B085C9AB24}">
+                <p16:designElem xmlns:p16="http://schemas.microsoft.com/office/powerpoint/2015/main" val="1"/>
+              </p:ext>
+            </p:extLst>
+          </p:nvPr>
+        </p:nvSpPr>
+        <p:spPr>
+          <a:xfrm>
+            <a:off x="0" y="0"/>
+            <a:ext cx="12192000" cy="6858000"/>
+          </a:xfrm>
+          <a:prstGeom prst="rect">
+            <a:avLst/>
+          </a:prstGeom>
+          <a:ln>
+            <a:noFill/>
+          </a:ln>
+        </p:spPr>
+        <p:style>
+          <a:lnRef idx="2">
+            <a:schemeClr val="accent1">
+              <a:shade val="50000"/>
+            </a:schemeClr>
+          </a:lnRef>
+          <a:fillRef idx="1">
+            <a:schemeClr val="accent1"/>
+          </a:fillRef>
+          <a:effectRef idx="0">
+            <a:schemeClr val="accent1"/>
+          </a:effectRef>
+          <a:fontRef idx="minor">
+            <a:schemeClr val="lt1"/>
+          </a:fontRef>
+        </p:style>
+        <p:txBody>
+          <a:bodyPr rtlCol="0" anchor="ctr"/>
+          <a:lstStyle/>
+          <a:p>
+            <a:pPr algn="ctr"/>
+            <a:endParaRPr lang="en-US"/>
+          </a:p>
+        </p:txBody>
+      </p:sp>
+      <p:sp>
+        <p:nvSpPr>
+          <p:cNvPr id="2" name="TextBox 1">
+            <a:extLst>
+              <a:ext uri="{FF2B5EF4-FFF2-40B4-BE49-F238E27FC236}">
+                <a16:creationId xmlns:a16="http://schemas.microsoft.com/office/drawing/2014/main" id="{5A2E63F1-1B0C-9DEE-CBDB-7633D12031B4}"/>
+              </a:ext>
+            </a:extLst>
+          </p:cNvPr>
+          <p:cNvSpPr txBox="1"/>
+          <p:nvPr/>
+        </p:nvSpPr>
+        <p:spPr>
+          <a:xfrm>
+            <a:off x="841248" y="256032"/>
+            <a:ext cx="10506456" cy="1014984"/>
+          </a:xfrm>
+          <a:prstGeom prst="rect">
+            <a:avLst/>
+          </a:prstGeom>
+        </p:spPr>
+        <p:txBody>
+          <a:bodyPr vert="horz" lIns="91440" tIns="45720" rIns="91440" bIns="45720" rtlCol="0" anchor="b">
+            <a:normAutofit/>
+          </a:bodyPr>
+          <a:lstStyle/>
+          <a:p>
+            <a:pPr>
+              <a:lnSpc>
+                <a:spcPct val="90000"/>
+              </a:lnSpc>
+              <a:spcBef>
+                <a:spcPct val="0"/>
+              </a:spcBef>
+              <a:spcAft>
+                <a:spcPts val="600"/>
+              </a:spcAft>
+            </a:pPr>
+            <a:r>
+              <a:rPr lang="en-US" sz="3100" kern="1200">
+                <a:solidFill>
+                  <a:schemeClr val="tx1"/>
+                </a:solidFill>
+                <a:latin typeface="+mj-lt"/>
+                <a:ea typeface="+mj-ea"/>
+                <a:cs typeface="+mj-cs"/>
+              </a:rPr>
+              <a:t>Classification of breast cancer patients (1) from non-breast cancer (0) using Principal component analysis (PCA) </a:t>
+            </a:r>
+          </a:p>
+        </p:txBody>
+      </p:sp>
+      <p:sp>
+        <p:nvSpPr>
+          <p:cNvPr id="17" name="Rectangle 16">
+            <a:extLst>
+              <a:ext uri="{FF2B5EF4-FFF2-40B4-BE49-F238E27FC236}">
+                <a16:creationId xmlns:a16="http://schemas.microsoft.com/office/drawing/2014/main" id="{52D502E5-F6B4-4D58-B4AE-FC466FF15EE8}"/>
+              </a:ext>
+              <a:ext uri="{C183D7F6-B498-43B3-948B-1728B52AA6E4}">
+                <adec:decorative xmlns:adec="http://schemas.microsoft.com/office/drawing/2017/decorative" val="1"/>
+              </a:ext>
+            </a:extLst>
+          </p:cNvPr>
+          <p:cNvSpPr>
+            <a:spLocks noGrp="1" noRot="1" noChangeAspect="1" noMove="1" noResize="1" noEditPoints="1" noAdjustHandles="1" noChangeArrowheads="1" noChangeShapeType="1" noTextEdit="1"/>
+          </p:cNvSpPr>
+          <p:nvPr>
+            <p:extLst>
+              <p:ext uri="{386F3935-93C4-4BCD-93E2-E3B085C9AB24}">
+                <p16:designElem xmlns:p16="http://schemas.microsoft.com/office/powerpoint/2015/main" val="1"/>
+              </p:ext>
+            </p:extLst>
+          </p:nvPr>
+        </p:nvSpPr>
+        <p:spPr>
+          <a:xfrm>
+            <a:off x="865953" y="1634502"/>
+            <a:ext cx="10451592" cy="18288"/>
+          </a:xfrm>
+          <a:prstGeom prst="rect">
+            <a:avLst/>
+          </a:prstGeom>
+          <a:solidFill>
+            <a:srgbClr val="D5D5D5"/>
+          </a:solidFill>
+          <a:ln w="3175">
+            <a:noFill/>
+          </a:ln>
+          <a:effectLst/>
+        </p:spPr>
+        <p:style>
+          <a:lnRef idx="2">
+            <a:schemeClr val="accent1">
+              <a:shade val="50000"/>
+            </a:schemeClr>
+          </a:lnRef>
+          <a:fillRef idx="1">
+            <a:schemeClr val="accent1"/>
+          </a:fillRef>
+          <a:effectRef idx="0">
+            <a:schemeClr val="accent1"/>
+          </a:effectRef>
+          <a:fontRef idx="minor">
+            <a:schemeClr val="lt1"/>
+          </a:fontRef>
+        </p:style>
+        <p:txBody>
+          <a:bodyPr rtlCol="0" anchor="ctr"/>
+          <a:lstStyle/>
+          <a:p>
+            <a:pPr algn="ctr"/>
+            <a:endParaRPr lang="en-US">
+              <a:solidFill>
+                <a:prstClr val="white"/>
+              </a:solidFill>
+              <a:latin typeface="Calibri" panose="020F0502020204030204"/>
+            </a:endParaRPr>
+          </a:p>
+        </p:txBody>
+      </p:sp>
+      <p:sp>
+        <p:nvSpPr>
+          <p:cNvPr id="19" name="Rectangle 18">
+            <a:extLst>
+              <a:ext uri="{FF2B5EF4-FFF2-40B4-BE49-F238E27FC236}">
+                <a16:creationId xmlns:a16="http://schemas.microsoft.com/office/drawing/2014/main" id="{9DECDBF4-02B6-4BB4-B65B-B8107AD6A9E8}"/>
+              </a:ext>
+              <a:ext uri="{C183D7F6-B498-43B3-948B-1728B52AA6E4}">
+                <adec:decorative xmlns:adec="http://schemas.microsoft.com/office/drawing/2017/decorative" val="1"/>
+              </a:ext>
+            </a:extLst>
+          </p:cNvPr>
+          <p:cNvSpPr>
+            <a:spLocks noGrp="1" noRot="1" noChangeAspect="1" noMove="1" noResize="1" noEditPoints="1" noAdjustHandles="1" noChangeArrowheads="1" noChangeShapeType="1" noTextEdit="1"/>
+          </p:cNvSpPr>
+          <p:nvPr>
+            <p:extLst>
+              <p:ext uri="{386F3935-93C4-4BCD-93E2-E3B085C9AB24}">
+                <p16:designElem xmlns:p16="http://schemas.microsoft.com/office/powerpoint/2015/main" val="1"/>
+              </p:ext>
+            </p:extLst>
+          </p:nvPr>
+        </p:nvSpPr>
+        <p:spPr>
+          <a:xfrm flipV="1">
+            <a:off x="841248" y="1538176"/>
+            <a:ext cx="1873457" cy="109814"/>
+          </a:xfrm>
+          <a:prstGeom prst="rect">
+            <a:avLst/>
+          </a:prstGeom>
+          <a:solidFill>
+            <a:schemeClr val="accent2"/>
+          </a:solidFill>
+          <a:ln>
+            <a:noFill/>
+          </a:ln>
+        </p:spPr>
+        <p:style>
+          <a:lnRef idx="2">
+            <a:schemeClr val="accent1">
+              <a:shade val="50000"/>
+            </a:schemeClr>
+          </a:lnRef>
+          <a:fillRef idx="1">
+            <a:schemeClr val="accent1"/>
+          </a:fillRef>
+          <a:effectRef idx="0">
+            <a:schemeClr val="accent1"/>
+          </a:effectRef>
+          <a:fontRef idx="minor">
+            <a:schemeClr val="lt1"/>
+          </a:fontRef>
+        </p:style>
+        <p:txBody>
+          <a:bodyPr rtlCol="0" anchor="ctr"/>
+          <a:lstStyle/>
+          <a:p>
+            <a:pPr algn="ctr"/>
+            <a:endParaRPr lang="en-US">
+              <a:solidFill>
+                <a:prstClr val="white"/>
+              </a:solidFill>
+              <a:latin typeface="Calibri" panose="020F0502020204030204"/>
+            </a:endParaRPr>
+          </a:p>
+        </p:txBody>
+      </p:sp>
+      <p:pic>
+        <p:nvPicPr>
+          <p:cNvPr id="5" name="Picture 4">
+            <a:extLst>
+              <a:ext uri="{FF2B5EF4-FFF2-40B4-BE49-F238E27FC236}">
+                <a16:creationId xmlns:a16="http://schemas.microsoft.com/office/drawing/2014/main" id="{F9B4A547-740B-6037-6A89-F4C9AA6EE05C}"/>
+              </a:ext>
+            </a:extLst>
+          </p:cNvPr>
+          <p:cNvPicPr>
+            <a:picLocks noChangeAspect="1"/>
+          </p:cNvPicPr>
+          <p:nvPr/>
+        </p:nvPicPr>
+        <p:blipFill>
+          <a:blip r:embed="rId2"/>
+          <a:stretch>
+            <a:fillRect/>
+          </a:stretch>
+        </p:blipFill>
+        <p:spPr>
+          <a:xfrm>
+            <a:off x="6435759" y="1926266"/>
+            <a:ext cx="3546797" cy="2358530"/>
+          </a:xfrm>
+          <a:prstGeom prst="rect">
+            <a:avLst/>
+          </a:prstGeom>
+        </p:spPr>
+      </p:pic>
+      <p:sp>
+        <p:nvSpPr>
+          <p:cNvPr id="6" name="TextBox 5">
+            <a:extLst>
+              <a:ext uri="{FF2B5EF4-FFF2-40B4-BE49-F238E27FC236}">
+                <a16:creationId xmlns:a16="http://schemas.microsoft.com/office/drawing/2014/main" id="{400D47EF-B31C-9330-896B-D98C42B11CCF}"/>
+              </a:ext>
+            </a:extLst>
+          </p:cNvPr>
+          <p:cNvSpPr txBox="1"/>
+          <p:nvPr/>
+        </p:nvSpPr>
+        <p:spPr>
+          <a:xfrm>
+            <a:off x="3267518" y="2470443"/>
+            <a:ext cx="994311" cy="286232"/>
+          </a:xfrm>
+          <a:prstGeom prst="rect">
+            <a:avLst/>
+          </a:prstGeom>
+          <a:noFill/>
+        </p:spPr>
+        <p:txBody>
+          <a:bodyPr wrap="none" rtlCol="0">
+            <a:spAutoFit/>
+          </a:bodyPr>
+          <a:lstStyle/>
+          <a:p>
+            <a:pPr defTabSz="640080">
+              <a:spcAft>
+                <a:spcPts val="600"/>
+              </a:spcAft>
+            </a:pPr>
+            <a:r>
+              <a:rPr lang="en-US" sz="1260" kern="1200">
+                <a:solidFill>
+                  <a:schemeClr val="tx1"/>
+                </a:solidFill>
+                <a:latin typeface="+mn-lt"/>
+                <a:ea typeface="+mn-ea"/>
+                <a:cs typeface="+mn-cs"/>
+              </a:rPr>
+              <a:t>PCA analysis</a:t>
+            </a:r>
+            <a:endParaRPr lang="en-NZ"/>
+          </a:p>
+        </p:txBody>
+      </p:sp>
+      <p:pic>
+        <p:nvPicPr>
+          <p:cNvPr id="8" name="Picture 7">
+            <a:extLst>
+              <a:ext uri="{FF2B5EF4-FFF2-40B4-BE49-F238E27FC236}">
+                <a16:creationId xmlns:a16="http://schemas.microsoft.com/office/drawing/2014/main" id="{A057DE44-00FE-C1DD-0BE4-821F7DAB5253}"/>
+              </a:ext>
+            </a:extLst>
+          </p:cNvPr>
+          <p:cNvPicPr>
+            <a:picLocks noChangeAspect="1"/>
+          </p:cNvPicPr>
+          <p:nvPr/>
+        </p:nvPicPr>
+        <p:blipFill>
+          <a:blip r:embed="rId3"/>
+          <a:stretch>
+            <a:fillRect/>
+          </a:stretch>
+        </p:blipFill>
+        <p:spPr>
+          <a:xfrm>
+            <a:off x="2209444" y="2828366"/>
+            <a:ext cx="3348752" cy="2232502"/>
+          </a:xfrm>
+          <a:prstGeom prst="rect">
+            <a:avLst/>
+          </a:prstGeom>
+        </p:spPr>
+      </p:pic>
+      <p:pic>
+        <p:nvPicPr>
+          <p:cNvPr id="10" name="Picture 9">
+            <a:extLst>
+              <a:ext uri="{FF2B5EF4-FFF2-40B4-BE49-F238E27FC236}">
+                <a16:creationId xmlns:a16="http://schemas.microsoft.com/office/drawing/2014/main" id="{B29AF275-E4E3-6B3C-2442-8C722943F731}"/>
+              </a:ext>
+            </a:extLst>
+          </p:cNvPr>
+          <p:cNvPicPr>
+            <a:picLocks noChangeAspect="1"/>
+          </p:cNvPicPr>
+          <p:nvPr/>
+        </p:nvPicPr>
+        <p:blipFill>
+          <a:blip r:embed="rId4"/>
+          <a:stretch>
+            <a:fillRect/>
+          </a:stretch>
+        </p:blipFill>
+        <p:spPr>
+          <a:xfrm>
+            <a:off x="6797682" y="4159483"/>
+            <a:ext cx="2822951" cy="2124307"/>
+          </a:xfrm>
+          <a:prstGeom prst="rect">
+            <a:avLst/>
+          </a:prstGeom>
+        </p:spPr>
+      </p:pic>
+    </p:spTree>
+    <p:extLst>
+      <p:ext uri="{BB962C8B-B14F-4D97-AF65-F5344CB8AC3E}">
+        <p14:creationId xmlns:p14="http://schemas.microsoft.com/office/powerpoint/2010/main" val="2526964036"/>
+      </p:ext>
+    </p:extLst>
+  </p:cSld>
+  <p:clrMapOvr>
+    <a:masterClrMapping/>
+  </p:clrMapOvr>
+</p:sld>
+</file>
+
+<file path=ppt/slides/slide3.xml><?xml version="1.0" encoding="utf-8"?>
+<p:sld xmlns:a="http://schemas.openxmlformats.org/drawingml/2006/main" xmlns:r="http://schemas.openxmlformats.org/officeDocument/2006/relationships" xmlns:p="http://schemas.openxmlformats.org/presentationml/2006/main">
+  <p:cSld>
+    <p:bg>
+      <p:bgPr>
+        <a:solidFill>
+          <a:schemeClr val="bg1"/>
+        </a:solidFill>
+        <a:effectLst/>
+      </p:bgPr>
+    </p:bg>
+    <p:spTree>
+      <p:nvGrpSpPr>
+        <p:cNvPr id="1" name=""/>
+        <p:cNvGrpSpPr/>
+        <p:nvPr/>
+      </p:nvGrpSpPr>
+      <p:grpSpPr>
+        <a:xfrm>
+          <a:off x="0" y="0"/>
+          <a:ext cx="0" cy="0"/>
+          <a:chOff x="0" y="0"/>
+          <a:chExt cx="0" cy="0"/>
+        </a:xfrm>
+      </p:grpSpPr>
+      <p:sp>
+        <p:nvSpPr>
+          <p:cNvPr id="15" name="Rectangle 14">
+            <a:extLst>
+              <a:ext uri="{FF2B5EF4-FFF2-40B4-BE49-F238E27FC236}">
+                <a16:creationId xmlns:a16="http://schemas.microsoft.com/office/drawing/2014/main" id="{B9FF99BD-075F-4761-A995-6FC574BD25EA}"/>
+              </a:ext>
+              <a:ext uri="{C183D7F6-B498-43B3-948B-1728B52AA6E4}">
+                <adec:decorative xmlns:adec="http://schemas.microsoft.com/office/drawing/2017/decorative" val="1"/>
+              </a:ext>
+            </a:extLst>
+          </p:cNvPr>
+          <p:cNvSpPr>
+            <a:spLocks noGrp="1" noRot="1" noChangeAspect="1" noMove="1" noResize="1" noEditPoints="1" noAdjustHandles="1" noChangeArrowheads="1" noChangeShapeType="1" noTextEdit="1"/>
+          </p:cNvSpPr>
+          <p:nvPr>
+            <p:extLst>
+              <p:ext uri="{386F3935-93C4-4BCD-93E2-E3B085C9AB24}">
+                <p16:designElem xmlns:p16="http://schemas.microsoft.com/office/powerpoint/2015/main" val="1"/>
+              </p:ext>
+            </p:extLst>
+          </p:nvPr>
+        </p:nvSpPr>
+        <p:spPr>
+          <a:xfrm>
+            <a:off x="0" y="0"/>
+            <a:ext cx="12192000" cy="6858000"/>
+          </a:xfrm>
+          <a:prstGeom prst="rect">
+            <a:avLst/>
+          </a:prstGeom>
+          <a:solidFill>
+            <a:schemeClr val="bg1">
+              <a:lumMod val="65000"/>
+            </a:schemeClr>
+          </a:solidFill>
+          <a:ln>
+            <a:noFill/>
+          </a:ln>
+        </p:spPr>
+        <p:style>
+          <a:lnRef idx="2">
+            <a:schemeClr val="accent1">
+              <a:shade val="50000"/>
+            </a:schemeClr>
+          </a:lnRef>
+          <a:fillRef idx="1">
+            <a:schemeClr val="accent1"/>
+          </a:fillRef>
+          <a:effectRef idx="0">
+            <a:schemeClr val="accent1"/>
+          </a:effectRef>
+          <a:fontRef idx="minor">
+            <a:schemeClr val="lt1"/>
+          </a:fontRef>
+        </p:style>
+        <p:txBody>
+          <a:bodyPr rtlCol="0" anchor="ctr"/>
+          <a:lstStyle/>
+          <a:p>
+            <a:pPr algn="ctr"/>
+            <a:endParaRPr lang="en-US"/>
+          </a:p>
+        </p:txBody>
+      </p:sp>
+      <p:sp>
+        <p:nvSpPr>
+          <p:cNvPr id="17" name="Rectangle 16">
+            <a:extLst>
+              <a:ext uri="{FF2B5EF4-FFF2-40B4-BE49-F238E27FC236}">
+                <a16:creationId xmlns:a16="http://schemas.microsoft.com/office/drawing/2014/main" id="{A7B21A54-9BA3-4EA9-B460-5A829ADD9051}"/>
+              </a:ext>
+              <a:ext uri="{C183D7F6-B498-43B3-948B-1728B52AA6E4}">
+                <adec:decorative xmlns:adec="http://schemas.microsoft.com/office/drawing/2017/decorative" val="1"/>
+              </a:ext>
+            </a:extLst>
+          </p:cNvPr>
+          <p:cNvSpPr>
+            <a:spLocks noGrp="1" noRot="1" noChangeAspect="1" noMove="1" noResize="1" noEditPoints="1" noAdjustHandles="1" noChangeArrowheads="1" noChangeShapeType="1" noTextEdit="1"/>
+          </p:cNvSpPr>
+          <p:nvPr>
+            <p:extLst>
+              <p:ext uri="{386F3935-93C4-4BCD-93E2-E3B085C9AB24}">
+                <p16:designElem xmlns:p16="http://schemas.microsoft.com/office/powerpoint/2015/main" val="1"/>
+              </p:ext>
+            </p:extLst>
+          </p:nvPr>
+        </p:nvSpPr>
+        <p:spPr>
+          <a:xfrm>
+            <a:off x="477012" y="480060"/>
+            <a:ext cx="11237976" cy="5897880"/>
+          </a:xfrm>
+          <a:prstGeom prst="rect">
+            <a:avLst/>
+          </a:prstGeom>
+          <a:noFill/>
+          <a:ln>
+            <a:solidFill>
+              <a:schemeClr val="bg1"/>
+            </a:solidFill>
+          </a:ln>
+        </p:spPr>
+        <p:style>
+          <a:lnRef idx="2">
+            <a:schemeClr val="accent1">
+              <a:shade val="50000"/>
+            </a:schemeClr>
+          </a:lnRef>
+          <a:fillRef idx="1">
+            <a:schemeClr val="accent1"/>
+          </a:fillRef>
+          <a:effectRef idx="0">
+            <a:schemeClr val="accent1"/>
+          </a:effectRef>
+          <a:fontRef idx="minor">
+            <a:schemeClr val="lt1"/>
+          </a:fontRef>
+        </p:style>
+        <p:txBody>
+          <a:bodyPr rtlCol="0" anchor="ctr"/>
+          <a:lstStyle/>
+          <a:p>
+            <a:pPr algn="ctr"/>
+            <a:endParaRPr lang="en-US"/>
+          </a:p>
+        </p:txBody>
+      </p:sp>
+      <p:sp>
+        <p:nvSpPr>
+          <p:cNvPr id="19" name="Rectangle 18">
+            <a:extLst>
+              <a:ext uri="{FF2B5EF4-FFF2-40B4-BE49-F238E27FC236}">
+                <a16:creationId xmlns:a16="http://schemas.microsoft.com/office/drawing/2014/main" id="{6FA8F714-B9D8-488A-8CCA-E9948FF913A9}"/>
+              </a:ext>
+              <a:ext uri="{C183D7F6-B498-43B3-948B-1728B52AA6E4}">
+                <adec:decorative xmlns:adec="http://schemas.microsoft.com/office/drawing/2017/decorative" val="1"/>
+              </a:ext>
+            </a:extLst>
+          </p:cNvPr>
+          <p:cNvSpPr>
+            <a:spLocks noGrp="1" noRot="1" noChangeAspect="1" noMove="1" noResize="1" noEditPoints="1" noAdjustHandles="1" noChangeArrowheads="1" noChangeShapeType="1" noTextEdit="1"/>
+          </p:cNvSpPr>
+          <p:nvPr>
+            <p:extLst>
+              <p:ext uri="{386F3935-93C4-4BCD-93E2-E3B085C9AB24}">
+                <p16:designElem xmlns:p16="http://schemas.microsoft.com/office/powerpoint/2015/main" val="1"/>
+              </p:ext>
+            </p:extLst>
+          </p:nvPr>
+        </p:nvSpPr>
+        <p:spPr>
+          <a:xfrm>
+            <a:off x="643466" y="643468"/>
+            <a:ext cx="10905067" cy="5571066"/>
+          </a:xfrm>
+          <a:prstGeom prst="rect">
+            <a:avLst/>
+          </a:prstGeom>
+          <a:solidFill>
+            <a:srgbClr val="FFFFFF"/>
+          </a:solidFill>
+          <a:ln>
+            <a:noFill/>
+          </a:ln>
+        </p:spPr>
+        <p:style>
+          <a:lnRef idx="2">
+            <a:schemeClr val="accent1">
+              <a:shade val="50000"/>
+            </a:schemeClr>
+          </a:lnRef>
+          <a:fillRef idx="1">
+            <a:schemeClr val="accent1"/>
+          </a:fillRef>
+          <a:effectRef idx="0">
+            <a:schemeClr val="accent1"/>
+          </a:effectRef>
+          <a:fontRef idx="minor">
+            <a:schemeClr val="lt1"/>
+          </a:fontRef>
+        </p:style>
+        <p:txBody>
+          <a:bodyPr rtlCol="0" anchor="ctr"/>
+          <a:lstStyle/>
+          <a:p>
+            <a:pPr algn="ctr"/>
+            <a:endParaRPr lang="en-US"/>
+          </a:p>
+        </p:txBody>
+      </p:sp>
+      <p:sp>
+        <p:nvSpPr>
+          <p:cNvPr id="5" name="TextBox 4">
+            <a:extLst>
+              <a:ext uri="{FF2B5EF4-FFF2-40B4-BE49-F238E27FC236}">
+                <a16:creationId xmlns:a16="http://schemas.microsoft.com/office/drawing/2014/main" id="{A9B27968-EFC2-331E-AAD6-EE3BD604B11A}"/>
+              </a:ext>
+            </a:extLst>
+          </p:cNvPr>
+          <p:cNvSpPr txBox="1"/>
+          <p:nvPr/>
+        </p:nvSpPr>
+        <p:spPr>
+          <a:xfrm>
+            <a:off x="6996830" y="996018"/>
+            <a:ext cx="2586414" cy="2160079"/>
+          </a:xfrm>
+          <a:prstGeom prst="rect">
+            <a:avLst/>
+          </a:prstGeom>
+          <a:noFill/>
+        </p:spPr>
+        <p:txBody>
+          <a:bodyPr wrap="none" rtlCol="0">
+            <a:spAutoFit/>
+          </a:bodyPr>
+          <a:lstStyle/>
+          <a:p>
+            <a:pPr defTabSz="630936">
+              <a:spcAft>
+                <a:spcPts val="600"/>
+              </a:spcAft>
+            </a:pPr>
+            <a:r>
+              <a:rPr lang="en-US" sz="1242" kern="1200" dirty="0">
+                <a:solidFill>
+                  <a:schemeClr val="tx1"/>
+                </a:solidFill>
+                <a:latin typeface="+mn-lt"/>
+                <a:ea typeface="+mn-ea"/>
+                <a:cs typeface="+mn-cs"/>
+              </a:rPr>
+              <a:t>Important variables:</a:t>
+            </a:r>
+          </a:p>
+          <a:p>
+            <a:pPr defTabSz="630936">
+              <a:spcAft>
+                <a:spcPts val="600"/>
+              </a:spcAft>
+            </a:pPr>
+            <a:endParaRPr lang="en-US" sz="1242" kern="1200" dirty="0">
+              <a:solidFill>
+                <a:schemeClr val="tx1"/>
+              </a:solidFill>
+              <a:latin typeface="+mn-lt"/>
+              <a:ea typeface="+mn-ea"/>
+              <a:cs typeface="+mn-cs"/>
+            </a:endParaRPr>
+          </a:p>
+          <a:p>
+            <a:pPr defTabSz="630936">
+              <a:spcAft>
+                <a:spcPts val="600"/>
+              </a:spcAft>
+            </a:pPr>
+            <a:r>
+              <a:rPr lang="en-US" sz="1242" b="1" kern="1200" dirty="0">
+                <a:solidFill>
+                  <a:srgbClr val="FF0000"/>
+                </a:solidFill>
+                <a:latin typeface="+mn-lt"/>
+                <a:ea typeface="+mn-ea"/>
+                <a:cs typeface="+mn-cs"/>
+              </a:rPr>
+              <a:t>Mean fractal dimension &amp; worst FD</a:t>
+            </a:r>
+          </a:p>
+          <a:p>
+            <a:pPr defTabSz="630936">
+              <a:spcAft>
+                <a:spcPts val="600"/>
+              </a:spcAft>
+            </a:pPr>
+            <a:r>
+              <a:rPr lang="en-US" sz="1242" kern="1200" dirty="0">
+                <a:solidFill>
+                  <a:schemeClr val="tx1"/>
+                </a:solidFill>
+                <a:latin typeface="+mn-lt"/>
+                <a:ea typeface="+mn-ea"/>
+                <a:cs typeface="+mn-cs"/>
+              </a:rPr>
+              <a:t>Mean symmetry &amp; worst symmetry</a:t>
+            </a:r>
+          </a:p>
+          <a:p>
+            <a:pPr defTabSz="630936">
+              <a:spcAft>
+                <a:spcPts val="600"/>
+              </a:spcAft>
+            </a:pPr>
+            <a:r>
+              <a:rPr lang="en-US" sz="1242" kern="1200" dirty="0">
+                <a:solidFill>
+                  <a:schemeClr val="tx1"/>
+                </a:solidFill>
+                <a:latin typeface="+mn-lt"/>
+                <a:ea typeface="+mn-ea"/>
+                <a:cs typeface="+mn-cs"/>
+              </a:rPr>
+              <a:t>Mean area &amp; worst area </a:t>
+            </a:r>
+          </a:p>
+          <a:p>
+            <a:pPr defTabSz="630936">
+              <a:spcAft>
+                <a:spcPts val="600"/>
+              </a:spcAft>
+            </a:pPr>
+            <a:r>
+              <a:rPr lang="en-US" sz="1242" kern="1200" dirty="0">
+                <a:solidFill>
+                  <a:schemeClr val="tx1"/>
+                </a:solidFill>
+                <a:latin typeface="+mn-lt"/>
+                <a:ea typeface="+mn-ea"/>
+                <a:cs typeface="+mn-cs"/>
+              </a:rPr>
+              <a:t>Mean smoothness worst smoothness</a:t>
+            </a:r>
+          </a:p>
+          <a:p>
+            <a:pPr defTabSz="630936">
+              <a:spcAft>
+                <a:spcPts val="600"/>
+              </a:spcAft>
+            </a:pPr>
+            <a:r>
+              <a:rPr lang="en-US" sz="1242" kern="1200" dirty="0">
+                <a:solidFill>
+                  <a:schemeClr val="tx1"/>
+                </a:solidFill>
+                <a:latin typeface="+mn-lt"/>
+                <a:ea typeface="+mn-ea"/>
+                <a:cs typeface="+mn-cs"/>
+              </a:rPr>
+              <a:t>Mean perimeter &amp; worst perimeter</a:t>
+            </a:r>
+          </a:p>
+          <a:p>
+            <a:pPr defTabSz="630936">
+              <a:spcAft>
+                <a:spcPts val="600"/>
+              </a:spcAft>
+            </a:pPr>
+            <a:r>
+              <a:rPr lang="en-US" sz="1242" kern="1200" dirty="0">
+                <a:solidFill>
+                  <a:schemeClr val="tx1"/>
+                </a:solidFill>
+                <a:latin typeface="+mn-lt"/>
+                <a:ea typeface="+mn-ea"/>
+                <a:cs typeface="+mn-cs"/>
+              </a:rPr>
+              <a:t>Mean texture &amp; worst texture </a:t>
+            </a:r>
+            <a:endParaRPr lang="en-NZ" dirty="0"/>
+          </a:p>
+        </p:txBody>
+      </p:sp>
+      <p:pic>
+        <p:nvPicPr>
+          <p:cNvPr id="7" name="Picture 6">
+            <a:extLst>
+              <a:ext uri="{FF2B5EF4-FFF2-40B4-BE49-F238E27FC236}">
+                <a16:creationId xmlns:a16="http://schemas.microsoft.com/office/drawing/2014/main" id="{4E1F45D0-8E93-A843-59BD-8AE0DC9C447D}"/>
+              </a:ext>
+            </a:extLst>
+          </p:cNvPr>
+          <p:cNvPicPr>
+            <a:picLocks noChangeAspect="1"/>
+          </p:cNvPicPr>
+          <p:nvPr/>
+        </p:nvPicPr>
+        <p:blipFill>
+          <a:blip r:embed="rId2"/>
+          <a:stretch>
+            <a:fillRect/>
+          </a:stretch>
+        </p:blipFill>
+        <p:spPr>
+          <a:xfrm>
+            <a:off x="1639712" y="784503"/>
+            <a:ext cx="4943164" cy="2559402"/>
+          </a:xfrm>
+          <a:prstGeom prst="rect">
+            <a:avLst/>
+          </a:prstGeom>
+        </p:spPr>
+      </p:pic>
+      <p:pic>
+        <p:nvPicPr>
+          <p:cNvPr id="9" name="Picture 8">
+            <a:extLst>
+              <a:ext uri="{FF2B5EF4-FFF2-40B4-BE49-F238E27FC236}">
+                <a16:creationId xmlns:a16="http://schemas.microsoft.com/office/drawing/2014/main" id="{2AAAD57D-C103-713D-0B1E-08E96EDF1327}"/>
+              </a:ext>
+            </a:extLst>
+          </p:cNvPr>
+          <p:cNvPicPr>
+            <a:picLocks noChangeAspect="1"/>
+          </p:cNvPicPr>
+          <p:nvPr/>
+        </p:nvPicPr>
+        <p:blipFill>
+          <a:blip r:embed="rId3"/>
+          <a:stretch>
+            <a:fillRect/>
+          </a:stretch>
+        </p:blipFill>
+        <p:spPr>
+          <a:xfrm>
+            <a:off x="1639711" y="3343905"/>
+            <a:ext cx="4943164" cy="2842319"/>
+          </a:xfrm>
+          <a:prstGeom prst="rect">
+            <a:avLst/>
+          </a:prstGeom>
+        </p:spPr>
+      </p:pic>
+      <p:sp>
+        <p:nvSpPr>
+          <p:cNvPr id="10" name="TextBox 9">
+            <a:extLst>
+              <a:ext uri="{FF2B5EF4-FFF2-40B4-BE49-F238E27FC236}">
+                <a16:creationId xmlns:a16="http://schemas.microsoft.com/office/drawing/2014/main" id="{64AE02C6-B65B-AD83-1770-DA7F4AD7337B}"/>
+              </a:ext>
+            </a:extLst>
+          </p:cNvPr>
+          <p:cNvSpPr txBox="1"/>
+          <p:nvPr/>
+        </p:nvSpPr>
+        <p:spPr>
+          <a:xfrm>
+            <a:off x="6996830" y="3830759"/>
+            <a:ext cx="2586414" cy="1891993"/>
+          </a:xfrm>
+          <a:prstGeom prst="rect">
+            <a:avLst/>
+          </a:prstGeom>
+          <a:noFill/>
+        </p:spPr>
+        <p:txBody>
+          <a:bodyPr wrap="none" rtlCol="0">
+            <a:spAutoFit/>
+          </a:bodyPr>
+          <a:lstStyle/>
+          <a:p>
+            <a:pPr defTabSz="630936">
+              <a:spcAft>
+                <a:spcPts val="600"/>
+              </a:spcAft>
+            </a:pPr>
+            <a:r>
+              <a:rPr lang="en-US" sz="1242" kern="1200" dirty="0">
+                <a:solidFill>
+                  <a:schemeClr val="tx1"/>
+                </a:solidFill>
+                <a:latin typeface="+mn-lt"/>
+                <a:ea typeface="+mn-ea"/>
+                <a:cs typeface="+mn-cs"/>
+              </a:rPr>
+              <a:t>Important variables:</a:t>
+            </a:r>
+          </a:p>
+          <a:p>
+            <a:pPr defTabSz="630936">
+              <a:spcAft>
+                <a:spcPts val="600"/>
+              </a:spcAft>
+            </a:pPr>
+            <a:r>
+              <a:rPr lang="en-US" sz="1242" kern="1200" dirty="0">
+                <a:solidFill>
+                  <a:schemeClr val="tx1"/>
+                </a:solidFill>
+                <a:latin typeface="+mn-lt"/>
+                <a:ea typeface="+mn-ea"/>
+                <a:cs typeface="+mn-cs"/>
+              </a:rPr>
+              <a:t>Mean fractal dimension &amp; worst FD</a:t>
+            </a:r>
+          </a:p>
+          <a:p>
+            <a:pPr defTabSz="630936">
+              <a:spcAft>
+                <a:spcPts val="600"/>
+              </a:spcAft>
+            </a:pPr>
+            <a:r>
+              <a:rPr lang="en-US" sz="1242" kern="1200" dirty="0">
+                <a:solidFill>
+                  <a:schemeClr val="tx1"/>
+                </a:solidFill>
+                <a:latin typeface="+mn-lt"/>
+                <a:ea typeface="+mn-ea"/>
+                <a:cs typeface="+mn-cs"/>
+              </a:rPr>
+              <a:t>Mean symmetry &amp; worst symmetry</a:t>
+            </a:r>
+          </a:p>
+          <a:p>
+            <a:pPr defTabSz="630936">
+              <a:spcAft>
+                <a:spcPts val="600"/>
+              </a:spcAft>
+            </a:pPr>
+            <a:r>
+              <a:rPr lang="en-US" sz="1242" kern="1200" dirty="0">
+                <a:solidFill>
+                  <a:schemeClr val="tx1"/>
+                </a:solidFill>
+                <a:latin typeface="+mn-lt"/>
+                <a:ea typeface="+mn-ea"/>
+                <a:cs typeface="+mn-cs"/>
+              </a:rPr>
+              <a:t>Mean area &amp; worst area </a:t>
+            </a:r>
+          </a:p>
+          <a:p>
+            <a:pPr defTabSz="630936">
+              <a:spcAft>
+                <a:spcPts val="600"/>
+              </a:spcAft>
+            </a:pPr>
+            <a:r>
+              <a:rPr lang="en-US" sz="1242" kern="1200" dirty="0">
+                <a:solidFill>
+                  <a:schemeClr val="tx1"/>
+                </a:solidFill>
+                <a:latin typeface="+mn-lt"/>
+                <a:ea typeface="+mn-ea"/>
+                <a:cs typeface="+mn-cs"/>
+              </a:rPr>
+              <a:t>Mean smoothness worst smoothness</a:t>
+            </a:r>
+          </a:p>
+          <a:p>
+            <a:pPr defTabSz="630936">
+              <a:spcAft>
+                <a:spcPts val="600"/>
+              </a:spcAft>
+            </a:pPr>
+            <a:r>
+              <a:rPr lang="en-US" sz="1242" kern="1200" dirty="0">
+                <a:solidFill>
+                  <a:schemeClr val="tx1"/>
+                </a:solidFill>
+                <a:latin typeface="+mn-lt"/>
+                <a:ea typeface="+mn-ea"/>
+                <a:cs typeface="+mn-cs"/>
+              </a:rPr>
+              <a:t>Mean perimeter &amp; worst perimeter</a:t>
+            </a:r>
+          </a:p>
+          <a:p>
+            <a:pPr defTabSz="630936">
+              <a:spcAft>
+                <a:spcPts val="600"/>
+              </a:spcAft>
+            </a:pPr>
+            <a:r>
+              <a:rPr lang="en-US" sz="1242" b="1" kern="1200" dirty="0">
+                <a:solidFill>
+                  <a:srgbClr val="FF0000"/>
+                </a:solidFill>
+                <a:latin typeface="+mn-lt"/>
+                <a:ea typeface="+mn-ea"/>
+                <a:cs typeface="+mn-cs"/>
+              </a:rPr>
+              <a:t>Mean texture &amp; worst texture </a:t>
+            </a:r>
+            <a:endParaRPr lang="en-NZ" b="1" dirty="0">
+              <a:solidFill>
+                <a:srgbClr val="FF0000"/>
+              </a:solidFill>
+            </a:endParaRPr>
+          </a:p>
+        </p:txBody>
+      </p:sp>
+    </p:spTree>
+    <p:extLst>
+      <p:ext uri="{BB962C8B-B14F-4D97-AF65-F5344CB8AC3E}">
+        <p14:creationId xmlns:p14="http://schemas.microsoft.com/office/powerpoint/2010/main" val="3862661207"/>
+      </p:ext>
+    </p:extLst>
+  </p:cSld>
+  <p:clrMapOvr>
+    <a:masterClrMapping/>
+  </p:clrMapOvr>
+</p:sld>
+</file>
+
+<file path=ppt/slides/slide4.xml><?xml version="1.0" encoding="utf-8"?>
+<p:sld xmlns:a="http://schemas.openxmlformats.org/drawingml/2006/main" xmlns:r="http://schemas.openxmlformats.org/officeDocument/2006/relationships" xmlns:p="http://schemas.openxmlformats.org/presentationml/2006/main">
+  <p:cSld>
+    <p:bg>
+      <p:bgPr>
+        <a:solidFill>
+          <a:schemeClr val="bg1"/>
+        </a:solidFill>
+        <a:effectLst/>
+      </p:bgPr>
+    </p:bg>
+    <p:spTree>
+      <p:nvGrpSpPr>
+        <p:cNvPr id="1" name=""/>
+        <p:cNvGrpSpPr/>
+        <p:nvPr/>
+      </p:nvGrpSpPr>
+      <p:grpSpPr>
+        <a:xfrm>
+          <a:off x="0" y="0"/>
+          <a:ext cx="0" cy="0"/>
+          <a:chOff x="0" y="0"/>
+          <a:chExt cx="0" cy="0"/>
+        </a:xfrm>
+      </p:grpSpPr>
+      <p:sp>
+        <p:nvSpPr>
+          <p:cNvPr id="14" name="Rectangle 13">
+            <a:extLst>
+              <a:ext uri="{FF2B5EF4-FFF2-40B4-BE49-F238E27FC236}">
+                <a16:creationId xmlns:a16="http://schemas.microsoft.com/office/drawing/2014/main" id="{86FF76B9-219D-4469-AF87-0236D29032F1}"/>
+              </a:ext>
+              <a:ext uri="{C183D7F6-B498-43B3-948B-1728B52AA6E4}">
+                <adec:decorative xmlns:adec="http://schemas.microsoft.com/office/drawing/2017/decorative" val="1"/>
+              </a:ext>
+            </a:extLst>
+          </p:cNvPr>
+          <p:cNvSpPr>
+            <a:spLocks noGrp="1" noRot="1" noChangeAspect="1" noMove="1" noResize="1" noEditPoints="1" noAdjustHandles="1" noChangeArrowheads="1" noChangeShapeType="1" noTextEdit="1"/>
+          </p:cNvSpPr>
+          <p:nvPr>
+            <p:extLst>
+              <p:ext uri="{386F3935-93C4-4BCD-93E2-E3B085C9AB24}">
+                <p16:designElem xmlns:p16="http://schemas.microsoft.com/office/powerpoint/2015/main" val="1"/>
+              </p:ext>
+            </p:extLst>
+          </p:nvPr>
+        </p:nvSpPr>
+        <p:spPr>
+          <a:xfrm>
+            <a:off x="0" y="0"/>
+            <a:ext cx="12192000" cy="6858000"/>
+          </a:xfrm>
+          <a:prstGeom prst="rect">
+            <a:avLst/>
+          </a:prstGeom>
+          <a:solidFill>
+            <a:schemeClr val="bg1"/>
+          </a:solidFill>
+          <a:ln>
+            <a:noFill/>
+          </a:ln>
+        </p:spPr>
+        <p:style>
+          <a:lnRef idx="2">
+            <a:schemeClr val="accent1">
+              <a:shade val="50000"/>
+            </a:schemeClr>
+          </a:lnRef>
+          <a:fillRef idx="1">
+            <a:schemeClr val="accent1"/>
+          </a:fillRef>
+          <a:effectRef idx="0">
+            <a:schemeClr val="accent1"/>
+          </a:effectRef>
+          <a:fontRef idx="minor">
+            <a:schemeClr val="lt1"/>
+          </a:fontRef>
+        </p:style>
+        <p:txBody>
+          <a:bodyPr rtlCol="0" anchor="ctr"/>
+          <a:lstStyle/>
+          <a:p>
+            <a:pPr algn="ctr"/>
+            <a:endParaRPr lang="en-US" dirty="0"/>
+          </a:p>
+        </p:txBody>
+      </p:sp>
+      <p:grpSp>
+        <p:nvGrpSpPr>
+          <p:cNvPr id="16" name="Group 15">
+            <a:extLst>
+              <a:ext uri="{FF2B5EF4-FFF2-40B4-BE49-F238E27FC236}">
+                <a16:creationId xmlns:a16="http://schemas.microsoft.com/office/drawing/2014/main" id="{DB88BD78-87E1-424D-B479-C37D8E41B12E}"/>
+              </a:ext>
+              <a:ext uri="{C183D7F6-B498-43B3-948B-1728B52AA6E4}">
+                <adec:decorative xmlns:adec="http://schemas.microsoft.com/office/drawing/2017/decorative" val="1"/>
+              </a:ext>
+            </a:extLst>
+          </p:cNvPr>
+          <p:cNvGrpSpPr>
+            <a:grpSpLocks noGrp="1" noUngrp="1" noRot="1" noChangeAspect="1" noMove="1" noResize="1"/>
+          </p:cNvGrpSpPr>
+          <p:nvPr>
+            <p:extLst>
+              <p:ext uri="{386F3935-93C4-4BCD-93E2-E3B085C9AB24}">
+                <p16:designElem xmlns:p16="http://schemas.microsoft.com/office/powerpoint/2015/main" val="1"/>
+              </p:ext>
+            </p:extLst>
+          </p:nvPr>
+        </p:nvGrpSpPr>
+        <p:grpSpPr>
+          <a:xfrm flipH="1">
+            <a:off x="10964637" y="2358"/>
+            <a:ext cx="1876653" cy="1766008"/>
+            <a:chOff x="-648769" y="2358"/>
+            <a:chExt cx="1876653" cy="1766008"/>
+          </a:xfrm>
+        </p:grpSpPr>
+        <p:sp>
+          <p:nvSpPr>
+            <p:cNvPr id="17" name="Freeform: Shape 16">
+              <a:extLst>
+                <a:ext uri="{FF2B5EF4-FFF2-40B4-BE49-F238E27FC236}">
+                  <a16:creationId xmlns:a16="http://schemas.microsoft.com/office/drawing/2014/main" id="{C05EB894-9410-4B20-95E4-7A25101AB895}"/>
+                </a:ext>
+                <a:ext uri="{C183D7F6-B498-43B3-948B-1728B52AA6E4}">
+                  <adec:decorative xmlns:adec="http://schemas.microsoft.com/office/drawing/2017/decorative" val="1"/>
+                </a:ext>
+              </a:extLst>
+            </p:cNvPr>
+            <p:cNvSpPr/>
+            <p:nvPr>
+              <p:extLst>
+                <p:ext uri="{386F3935-93C4-4BCD-93E2-E3B085C9AB24}">
+                  <p16:designElem xmlns:p16="http://schemas.microsoft.com/office/powerpoint/2015/main" val="1"/>
+                </p:ext>
+              </p:extLst>
+            </p:nvPr>
+          </p:nvSpPr>
+          <p:spPr>
+            <a:xfrm rot="2700000">
+              <a:off x="-415188" y="-231223"/>
+              <a:ext cx="1409491" cy="1876653"/>
+            </a:xfrm>
+            <a:custGeom>
+              <a:avLst/>
+              <a:gdLst>
+                <a:gd name="connsiteX0" fmla="*/ 0 w 1409491"/>
+                <a:gd name="connsiteY0" fmla="*/ 643075 h 1876653"/>
+                <a:gd name="connsiteX1" fmla="*/ 643075 w 1409491"/>
+                <a:gd name="connsiteY1" fmla="*/ 0 h 1876653"/>
+                <a:gd name="connsiteX2" fmla="*/ 1409491 w 1409491"/>
+                <a:gd name="connsiteY2" fmla="*/ 0 h 1876653"/>
+                <a:gd name="connsiteX3" fmla="*/ 1409491 w 1409491"/>
+                <a:gd name="connsiteY3" fmla="*/ 1876653 h 1876653"/>
+                <a:gd name="connsiteX4" fmla="*/ 1233578 w 1409491"/>
+                <a:gd name="connsiteY4" fmla="*/ 1876653 h 1876653"/>
+              </a:gdLst>
+              <a:ahLst/>
+              <a:cxnLst>
+                <a:cxn ang="0">
+                  <a:pos x="connsiteX0" y="connsiteY0"/>
+                </a:cxn>
+                <a:cxn ang="0">
+                  <a:pos x="connsiteX1" y="connsiteY1"/>
+                </a:cxn>
+                <a:cxn ang="0">
+                  <a:pos x="connsiteX2" y="connsiteY2"/>
+                </a:cxn>
+                <a:cxn ang="0">
+                  <a:pos x="connsiteX3" y="connsiteY3"/>
+                </a:cxn>
+                <a:cxn ang="0">
+                  <a:pos x="connsiteX4" y="connsiteY4"/>
+                </a:cxn>
+              </a:cxnLst>
+              <a:rect l="l" t="t" r="r" b="b"/>
+              <a:pathLst>
+                <a:path w="1409491" h="1876653">
+                  <a:moveTo>
+                    <a:pt x="0" y="643075"/>
+                  </a:moveTo>
+                  <a:lnTo>
+                    <a:pt x="643075" y="0"/>
+                  </a:lnTo>
+                  <a:lnTo>
+                    <a:pt x="1409491" y="0"/>
+                  </a:lnTo>
+                  <a:lnTo>
+                    <a:pt x="1409491" y="1876653"/>
+                  </a:lnTo>
+                  <a:lnTo>
+                    <a:pt x="1233578" y="1876653"/>
+                  </a:lnTo>
+                  <a:close/>
+                </a:path>
+              </a:pathLst>
+            </a:custGeom>
+            <a:solidFill>
+              <a:schemeClr val="accent1">
+                <a:alpha val="30000"/>
+              </a:schemeClr>
+            </a:solidFill>
+            <a:ln>
+              <a:noFill/>
+            </a:ln>
+          </p:spPr>
+          <p:style>
+            <a:lnRef idx="2">
+              <a:schemeClr val="accent1">
+                <a:shade val="50000"/>
+              </a:schemeClr>
+            </a:lnRef>
+            <a:fillRef idx="1">
+              <a:schemeClr val="accent1"/>
+            </a:fillRef>
+            <a:effectRef idx="0">
+              <a:schemeClr val="accent1"/>
+            </a:effectRef>
+            <a:fontRef idx="minor">
+              <a:schemeClr val="lt1"/>
+            </a:fontRef>
+          </p:style>
+          <p:txBody>
+            <a:bodyPr rtlCol="0" anchor="ctr"/>
+            <a:lstStyle/>
+            <a:p>
+              <a:pPr algn="ctr"/>
+              <a:endParaRPr lang="en-US"/>
+            </a:p>
+          </p:txBody>
+        </p:sp>
+        <p:sp>
+          <p:nvSpPr>
+            <p:cNvPr id="18" name="Rectangle 17">
+              <a:extLst>
+                <a:ext uri="{FF2B5EF4-FFF2-40B4-BE49-F238E27FC236}">
+                  <a16:creationId xmlns:a16="http://schemas.microsoft.com/office/drawing/2014/main" id="{166E38B6-B050-4340-8E8F-3A971DADC031}"/>
+                </a:ext>
+                <a:ext uri="{C183D7F6-B498-43B3-948B-1728B52AA6E4}">
+                  <adec:decorative xmlns:adec="http://schemas.microsoft.com/office/drawing/2017/decorative" val="1"/>
+                </a:ext>
+              </a:extLst>
+            </p:cNvPr>
+            <p:cNvSpPr/>
+            <p:nvPr>
+              <p:extLst>
+                <p:ext uri="{386F3935-93C4-4BCD-93E2-E3B085C9AB24}">
+                  <p16:designElem xmlns:p16="http://schemas.microsoft.com/office/powerpoint/2015/main" val="1"/>
+                </p:ext>
+              </p:extLst>
+            </p:nvPr>
+          </p:nvSpPr>
+          <p:spPr>
+            <a:xfrm rot="2700000">
+              <a:off x="301285" y="1282788"/>
+              <a:ext cx="485578" cy="485578"/>
+            </a:xfrm>
+            <a:prstGeom prst="rect">
+              <a:avLst/>
+            </a:prstGeom>
+            <a:solidFill>
+              <a:schemeClr val="accent1">
+                <a:alpha val="30000"/>
+              </a:schemeClr>
+            </a:solidFill>
+            <a:ln>
+              <a:noFill/>
+            </a:ln>
+          </p:spPr>
+          <p:style>
+            <a:lnRef idx="2">
+              <a:schemeClr val="accent1">
+                <a:shade val="50000"/>
+              </a:schemeClr>
+            </a:lnRef>
+            <a:fillRef idx="1">
+              <a:schemeClr val="accent1"/>
+            </a:fillRef>
+            <a:effectRef idx="0">
+              <a:schemeClr val="accent1"/>
+            </a:effectRef>
+            <a:fontRef idx="minor">
+              <a:schemeClr val="lt1"/>
+            </a:fontRef>
+          </p:style>
+          <p:txBody>
+            <a:bodyPr rtlCol="0" anchor="ctr"/>
+            <a:lstStyle/>
+            <a:p>
+              <a:pPr algn="ctr"/>
+              <a:endParaRPr lang="en-US"/>
+            </a:p>
+          </p:txBody>
+        </p:sp>
+      </p:grpSp>
+      <p:sp>
+        <p:nvSpPr>
+          <p:cNvPr id="20" name="Rectangle 19">
+            <a:extLst>
+              <a:ext uri="{FF2B5EF4-FFF2-40B4-BE49-F238E27FC236}">
+                <a16:creationId xmlns:a16="http://schemas.microsoft.com/office/drawing/2014/main" id="{2E80C965-DB6D-4F81-9E9E-B027384D0BD6}"/>
+              </a:ext>
+              <a:ext uri="{C183D7F6-B498-43B3-948B-1728B52AA6E4}">
+                <adec:decorative xmlns:adec="http://schemas.microsoft.com/office/drawing/2017/decorative" val="1"/>
+              </a:ext>
+            </a:extLst>
+          </p:cNvPr>
+          <p:cNvSpPr>
+            <a:spLocks noGrp="1" noRot="1" noChangeAspect="1" noMove="1" noResize="1" noEditPoints="1" noAdjustHandles="1" noChangeArrowheads="1" noChangeShapeType="1" noTextEdit="1"/>
+          </p:cNvSpPr>
+          <p:nvPr>
+            <p:extLst>
+              <p:ext uri="{386F3935-93C4-4BCD-93E2-E3B085C9AB24}">
+                <p16:designElem xmlns:p16="http://schemas.microsoft.com/office/powerpoint/2015/main" val="1"/>
+              </p:ext>
+            </p:extLst>
+          </p:nvPr>
+        </p:nvSpPr>
+        <p:spPr>
+          <a:xfrm rot="2700000">
+            <a:off x="2737196" y="6033666"/>
+            <a:ext cx="645368" cy="645368"/>
+          </a:xfrm>
+          <a:prstGeom prst="rect">
+            <a:avLst/>
+          </a:prstGeom>
+          <a:solidFill>
+            <a:schemeClr val="accent4">
+              <a:alpha val="30000"/>
+            </a:schemeClr>
+          </a:solidFill>
+          <a:ln>
+            <a:noFill/>
+          </a:ln>
+        </p:spPr>
+        <p:style>
+          <a:lnRef idx="2">
+            <a:schemeClr val="accent1">
+              <a:shade val="50000"/>
+            </a:schemeClr>
+          </a:lnRef>
+          <a:fillRef idx="1">
+            <a:schemeClr val="accent1"/>
+          </a:fillRef>
+          <a:effectRef idx="0">
+            <a:schemeClr val="accent1"/>
+          </a:effectRef>
+          <a:fontRef idx="minor">
+            <a:schemeClr val="lt1"/>
+          </a:fontRef>
+        </p:style>
+        <p:txBody>
+          <a:bodyPr rtlCol="0" anchor="ctr"/>
+          <a:lstStyle/>
+          <a:p>
+            <a:pPr algn="ctr"/>
+            <a:endParaRPr lang="en-US"/>
+          </a:p>
+        </p:txBody>
+      </p:sp>
+      <p:sp>
+        <p:nvSpPr>
+          <p:cNvPr id="22" name="Isosceles Triangle 21">
+            <a:extLst>
+              <a:ext uri="{FF2B5EF4-FFF2-40B4-BE49-F238E27FC236}">
+                <a16:creationId xmlns:a16="http://schemas.microsoft.com/office/drawing/2014/main" id="{633C5E46-DAC5-4661-9C87-22B08E2A512F}"/>
+              </a:ext>
+              <a:ext uri="{C183D7F6-B498-43B3-948B-1728B52AA6E4}">
+                <adec:decorative xmlns:adec="http://schemas.microsoft.com/office/drawing/2017/decorative" val="1"/>
+              </a:ext>
+            </a:extLst>
+          </p:cNvPr>
+          <p:cNvSpPr>
+            <a:spLocks noGrp="1" noRot="1" noChangeAspect="1" noMove="1" noResize="1" noEditPoints="1" noAdjustHandles="1" noChangeArrowheads="1" noChangeShapeType="1" noTextEdit="1"/>
+          </p:cNvSpPr>
+          <p:nvPr>
+            <p:extLst>
+              <p:ext uri="{386F3935-93C4-4BCD-93E2-E3B085C9AB24}">
+                <p16:designElem xmlns:p16="http://schemas.microsoft.com/office/powerpoint/2015/main" val="1"/>
+              </p:ext>
+            </p:extLst>
+          </p:nvPr>
+        </p:nvSpPr>
+        <p:spPr>
+          <a:xfrm>
+            <a:off x="1343436" y="5721108"/>
+            <a:ext cx="2261965" cy="1136891"/>
+          </a:xfrm>
+          <a:prstGeom prst="triangle">
+            <a:avLst>
+              <a:gd name="adj" fmla="val 50000"/>
+            </a:avLst>
+          </a:prstGeom>
+          <a:solidFill>
+            <a:schemeClr val="accent4">
+              <a:alpha val="30000"/>
+            </a:schemeClr>
+          </a:solidFill>
+          <a:ln>
+            <a:noFill/>
+          </a:ln>
+        </p:spPr>
+        <p:style>
+          <a:lnRef idx="2">
+            <a:schemeClr val="accent1">
+              <a:shade val="50000"/>
+            </a:schemeClr>
+          </a:lnRef>
+          <a:fillRef idx="1">
+            <a:schemeClr val="accent1"/>
+          </a:fillRef>
+          <a:effectRef idx="0">
+            <a:schemeClr val="accent1"/>
+          </a:effectRef>
+          <a:fontRef idx="minor">
+            <a:schemeClr val="lt1"/>
+          </a:fontRef>
+        </p:style>
+        <p:txBody>
+          <a:bodyPr rtlCol="0" anchor="ctr"/>
+          <a:lstStyle/>
+          <a:p>
+            <a:pPr algn="ctr"/>
+            <a:endParaRPr lang="en-US"/>
+          </a:p>
+        </p:txBody>
+      </p:sp>
+      <p:pic>
+        <p:nvPicPr>
+          <p:cNvPr id="5" name="Picture 4">
+            <a:extLst>
+              <a:ext uri="{FF2B5EF4-FFF2-40B4-BE49-F238E27FC236}">
+                <a16:creationId xmlns:a16="http://schemas.microsoft.com/office/drawing/2014/main" id="{67F0D473-17C0-3892-CBEE-4B5BF2AA8347}"/>
+              </a:ext>
+            </a:extLst>
+          </p:cNvPr>
+          <p:cNvPicPr>
+            <a:picLocks noChangeAspect="1"/>
+          </p:cNvPicPr>
+          <p:nvPr/>
+        </p:nvPicPr>
+        <p:blipFill>
+          <a:blip r:embed="rId2"/>
+          <a:stretch>
+            <a:fillRect/>
+          </a:stretch>
+        </p:blipFill>
+        <p:spPr>
+          <a:xfrm>
+            <a:off x="1105691" y="643467"/>
+            <a:ext cx="4806262" cy="2763601"/>
+          </a:xfrm>
+          <a:prstGeom prst="rect">
+            <a:avLst/>
+          </a:prstGeom>
+        </p:spPr>
+      </p:pic>
+      <p:sp>
+        <p:nvSpPr>
+          <p:cNvPr id="6" name="TextBox 5">
+            <a:extLst>
+              <a:ext uri="{FF2B5EF4-FFF2-40B4-BE49-F238E27FC236}">
+                <a16:creationId xmlns:a16="http://schemas.microsoft.com/office/drawing/2014/main" id="{96CD8BCE-3B2D-A2FA-FFC7-65C140F6860C}"/>
+              </a:ext>
+            </a:extLst>
+          </p:cNvPr>
+          <p:cNvSpPr txBox="1"/>
+          <p:nvPr/>
+        </p:nvSpPr>
+        <p:spPr>
+          <a:xfrm>
+            <a:off x="6848525" y="643467"/>
+            <a:ext cx="3294748" cy="2603277"/>
+          </a:xfrm>
+          <a:prstGeom prst="rect">
+            <a:avLst/>
+          </a:prstGeom>
+          <a:noFill/>
+        </p:spPr>
+        <p:txBody>
+          <a:bodyPr wrap="none" rtlCol="0">
+            <a:spAutoFit/>
+          </a:bodyPr>
+          <a:lstStyle/>
+          <a:p>
+            <a:pPr defTabSz="813816">
+              <a:spcAft>
+                <a:spcPts val="600"/>
+              </a:spcAft>
+            </a:pPr>
+            <a:r>
+              <a:rPr lang="en-US" sz="1602" kern="1200" dirty="0">
+                <a:solidFill>
+                  <a:schemeClr val="tx1"/>
+                </a:solidFill>
+                <a:latin typeface="+mn-lt"/>
+                <a:ea typeface="+mn-ea"/>
+                <a:cs typeface="+mn-cs"/>
+              </a:rPr>
+              <a:t>Important variables:</a:t>
+            </a:r>
+          </a:p>
+          <a:p>
+            <a:pPr defTabSz="813816">
+              <a:spcAft>
+                <a:spcPts val="600"/>
+              </a:spcAft>
+            </a:pPr>
+            <a:endParaRPr lang="en-US" sz="1602" kern="1200" dirty="0">
+              <a:solidFill>
+                <a:schemeClr val="tx1"/>
+              </a:solidFill>
+              <a:latin typeface="+mn-lt"/>
+              <a:ea typeface="+mn-ea"/>
+              <a:cs typeface="+mn-cs"/>
+            </a:endParaRPr>
+          </a:p>
+          <a:p>
+            <a:pPr defTabSz="813816">
+              <a:spcAft>
+                <a:spcPts val="600"/>
+              </a:spcAft>
+            </a:pPr>
+            <a:r>
+              <a:rPr lang="en-US" sz="1602" kern="1200" dirty="0">
+                <a:solidFill>
+                  <a:schemeClr val="tx1"/>
+                </a:solidFill>
+                <a:latin typeface="+mn-lt"/>
+                <a:ea typeface="+mn-ea"/>
+                <a:cs typeface="+mn-cs"/>
+              </a:rPr>
+              <a:t>Mean fractal dimension &amp; worst FD</a:t>
+            </a:r>
+          </a:p>
+          <a:p>
+            <a:pPr defTabSz="813816">
+              <a:spcAft>
+                <a:spcPts val="600"/>
+              </a:spcAft>
+            </a:pPr>
+            <a:r>
+              <a:rPr lang="en-US" sz="1602" b="1" kern="1200" dirty="0">
+                <a:solidFill>
+                  <a:srgbClr val="FF0000"/>
+                </a:solidFill>
+                <a:latin typeface="+mn-lt"/>
+                <a:ea typeface="+mn-ea"/>
+                <a:cs typeface="+mn-cs"/>
+              </a:rPr>
+              <a:t>Mean symmetry &amp; worst symmetry</a:t>
+            </a:r>
+          </a:p>
+          <a:p>
+            <a:pPr defTabSz="813816">
+              <a:spcAft>
+                <a:spcPts val="600"/>
+              </a:spcAft>
+            </a:pPr>
+            <a:r>
+              <a:rPr lang="en-US" sz="1602" kern="1200" dirty="0">
+                <a:solidFill>
+                  <a:schemeClr val="tx1"/>
+                </a:solidFill>
+                <a:latin typeface="+mn-lt"/>
+                <a:ea typeface="+mn-ea"/>
+                <a:cs typeface="+mn-cs"/>
+              </a:rPr>
+              <a:t>Mean area &amp; worst area </a:t>
+            </a:r>
+          </a:p>
+          <a:p>
+            <a:pPr defTabSz="813816">
+              <a:spcAft>
+                <a:spcPts val="600"/>
+              </a:spcAft>
+            </a:pPr>
+            <a:r>
+              <a:rPr lang="en-US" sz="1602" kern="1200" dirty="0">
+                <a:solidFill>
+                  <a:schemeClr val="tx1"/>
+                </a:solidFill>
+                <a:latin typeface="+mn-lt"/>
+                <a:ea typeface="+mn-ea"/>
+                <a:cs typeface="+mn-cs"/>
+              </a:rPr>
+              <a:t>Mean smoothness worst smoothness</a:t>
+            </a:r>
+          </a:p>
+          <a:p>
+            <a:pPr defTabSz="813816">
+              <a:spcAft>
+                <a:spcPts val="600"/>
+              </a:spcAft>
+            </a:pPr>
+            <a:r>
+              <a:rPr lang="en-US" sz="1602" kern="1200" dirty="0">
+                <a:solidFill>
+                  <a:schemeClr val="tx1"/>
+                </a:solidFill>
+                <a:latin typeface="+mn-lt"/>
+                <a:ea typeface="+mn-ea"/>
+                <a:cs typeface="+mn-cs"/>
+              </a:rPr>
+              <a:t>Mean perimeter &amp; worst perimeter</a:t>
+            </a:r>
+          </a:p>
+          <a:p>
+            <a:pPr defTabSz="813816">
+              <a:spcAft>
+                <a:spcPts val="600"/>
+              </a:spcAft>
+            </a:pPr>
+            <a:r>
+              <a:rPr lang="en-US" sz="1602" kern="1200" dirty="0">
+                <a:solidFill>
+                  <a:schemeClr val="tx1"/>
+                </a:solidFill>
+                <a:latin typeface="+mn-lt"/>
+                <a:ea typeface="+mn-ea"/>
+                <a:cs typeface="+mn-cs"/>
+              </a:rPr>
+              <a:t>Mean texture &amp; worst texture </a:t>
+            </a:r>
+            <a:endParaRPr lang="en-NZ" dirty="0"/>
+          </a:p>
+        </p:txBody>
+      </p:sp>
+      <p:pic>
+        <p:nvPicPr>
+          <p:cNvPr id="8" name="Picture 7">
+            <a:extLst>
+              <a:ext uri="{FF2B5EF4-FFF2-40B4-BE49-F238E27FC236}">
+                <a16:creationId xmlns:a16="http://schemas.microsoft.com/office/drawing/2014/main" id="{AC431862-21FB-9070-D179-08E38E290A85}"/>
+              </a:ext>
+            </a:extLst>
+          </p:cNvPr>
+          <p:cNvPicPr>
+            <a:picLocks noChangeAspect="1"/>
+          </p:cNvPicPr>
+          <p:nvPr/>
+        </p:nvPicPr>
+        <p:blipFill>
+          <a:blip r:embed="rId3"/>
+          <a:stretch>
+            <a:fillRect/>
+          </a:stretch>
+        </p:blipFill>
+        <p:spPr>
+          <a:xfrm>
+            <a:off x="1105691" y="3529291"/>
+            <a:ext cx="4669984" cy="2685241"/>
+          </a:xfrm>
+          <a:prstGeom prst="rect">
+            <a:avLst/>
+          </a:prstGeom>
+        </p:spPr>
+      </p:pic>
+      <p:sp>
+        <p:nvSpPr>
+          <p:cNvPr id="9" name="TextBox 8">
+            <a:extLst>
+              <a:ext uri="{FF2B5EF4-FFF2-40B4-BE49-F238E27FC236}">
+                <a16:creationId xmlns:a16="http://schemas.microsoft.com/office/drawing/2014/main" id="{5246DDC1-8553-2E64-852F-11CFA396CCF6}"/>
+              </a:ext>
+            </a:extLst>
+          </p:cNvPr>
+          <p:cNvSpPr txBox="1"/>
+          <p:nvPr/>
+        </p:nvSpPr>
+        <p:spPr>
+          <a:xfrm>
+            <a:off x="7119111" y="4000704"/>
+            <a:ext cx="3294748" cy="2279791"/>
+          </a:xfrm>
+          <a:prstGeom prst="rect">
+            <a:avLst/>
+          </a:prstGeom>
+          <a:noFill/>
+        </p:spPr>
+        <p:txBody>
+          <a:bodyPr wrap="none" rtlCol="0">
+            <a:spAutoFit/>
+          </a:bodyPr>
+          <a:lstStyle/>
+          <a:p>
+            <a:pPr defTabSz="813816">
+              <a:spcAft>
+                <a:spcPts val="600"/>
+              </a:spcAft>
+            </a:pPr>
+            <a:r>
+              <a:rPr lang="en-US" sz="1602" kern="1200" dirty="0">
+                <a:solidFill>
+                  <a:schemeClr val="tx1"/>
+                </a:solidFill>
+                <a:latin typeface="+mn-lt"/>
+                <a:ea typeface="+mn-ea"/>
+                <a:cs typeface="+mn-cs"/>
+              </a:rPr>
+              <a:t>Important variables:</a:t>
+            </a:r>
+          </a:p>
+          <a:p>
+            <a:pPr defTabSz="813816">
+              <a:spcAft>
+                <a:spcPts val="600"/>
+              </a:spcAft>
+            </a:pPr>
+            <a:r>
+              <a:rPr lang="en-US" sz="1602" kern="1200" dirty="0">
+                <a:solidFill>
+                  <a:srgbClr val="FF0000"/>
+                </a:solidFill>
+                <a:latin typeface="+mn-lt"/>
+                <a:ea typeface="+mn-ea"/>
+                <a:cs typeface="+mn-cs"/>
+              </a:rPr>
+              <a:t>Mean fractal dimension &amp; worst FD</a:t>
+            </a:r>
+          </a:p>
+          <a:p>
+            <a:pPr defTabSz="813816">
+              <a:spcAft>
+                <a:spcPts val="600"/>
+              </a:spcAft>
+            </a:pPr>
+            <a:r>
+              <a:rPr lang="en-US" sz="1602" kern="1200" dirty="0">
+                <a:solidFill>
+                  <a:schemeClr val="tx1"/>
+                </a:solidFill>
+                <a:latin typeface="+mn-lt"/>
+                <a:ea typeface="+mn-ea"/>
+                <a:cs typeface="+mn-cs"/>
+              </a:rPr>
+              <a:t>Mean symmetry &amp; worst symmetry</a:t>
+            </a:r>
+          </a:p>
+          <a:p>
+            <a:pPr defTabSz="813816">
+              <a:spcAft>
+                <a:spcPts val="600"/>
+              </a:spcAft>
+            </a:pPr>
+            <a:r>
+              <a:rPr lang="en-US" sz="1602" kern="1200" dirty="0">
+                <a:solidFill>
+                  <a:schemeClr val="tx1"/>
+                </a:solidFill>
+                <a:latin typeface="+mn-lt"/>
+                <a:ea typeface="+mn-ea"/>
+                <a:cs typeface="+mn-cs"/>
+              </a:rPr>
+              <a:t>Mean area &amp; worst area </a:t>
+            </a:r>
+          </a:p>
+          <a:p>
+            <a:pPr defTabSz="813816">
+              <a:spcAft>
+                <a:spcPts val="600"/>
+              </a:spcAft>
+            </a:pPr>
+            <a:r>
+              <a:rPr lang="en-US" sz="1602" kern="1200" dirty="0">
+                <a:solidFill>
+                  <a:srgbClr val="FF0000"/>
+                </a:solidFill>
+                <a:latin typeface="+mn-lt"/>
+                <a:ea typeface="+mn-ea"/>
+                <a:cs typeface="+mn-cs"/>
+              </a:rPr>
+              <a:t>Mean smoothness worst smoothness</a:t>
+            </a:r>
+          </a:p>
+          <a:p>
+            <a:pPr defTabSz="813816">
+              <a:spcAft>
+                <a:spcPts val="600"/>
+              </a:spcAft>
+            </a:pPr>
+            <a:r>
+              <a:rPr lang="en-US" sz="1602" kern="1200" dirty="0">
+                <a:solidFill>
+                  <a:schemeClr val="tx1"/>
+                </a:solidFill>
+                <a:latin typeface="+mn-lt"/>
+                <a:ea typeface="+mn-ea"/>
+                <a:cs typeface="+mn-cs"/>
+              </a:rPr>
+              <a:t>Mean perimeter &amp; worst perimeter</a:t>
+            </a:r>
+          </a:p>
+          <a:p>
+            <a:pPr defTabSz="813816">
+              <a:spcAft>
+                <a:spcPts val="600"/>
+              </a:spcAft>
+            </a:pPr>
+            <a:r>
+              <a:rPr lang="en-US" sz="1602" kern="1200" dirty="0">
+                <a:solidFill>
+                  <a:schemeClr val="tx1"/>
+                </a:solidFill>
+                <a:latin typeface="+mn-lt"/>
+                <a:ea typeface="+mn-ea"/>
+                <a:cs typeface="+mn-cs"/>
+              </a:rPr>
+              <a:t>Mean texture &amp; worst texture </a:t>
+            </a:r>
+            <a:endParaRPr lang="en-NZ" dirty="0"/>
+          </a:p>
+        </p:txBody>
+      </p:sp>
+    </p:spTree>
+    <p:extLst>
+      <p:ext uri="{BB962C8B-B14F-4D97-AF65-F5344CB8AC3E}">
+        <p14:creationId xmlns:p14="http://schemas.microsoft.com/office/powerpoint/2010/main" val="1197110385"/>
+      </p:ext>
+    </p:extLst>
+  </p:cSld>
+  <p:clrMapOvr>
+    <a:masterClrMapping/>
+  </p:clrMapOvr>
+</p:sld>
+</file>
+
+<file path=ppt/slides/slide5.xml><?xml version="1.0" encoding="utf-8"?>
+<p:sld xmlns:a="http://schemas.openxmlformats.org/drawingml/2006/main" xmlns:r="http://schemas.openxmlformats.org/officeDocument/2006/relationships" xmlns:p="http://schemas.openxmlformats.org/presentationml/2006/main">
+  <p:cSld>
+    <p:bg>
+      <p:bgPr>
+        <a:solidFill>
+          <a:schemeClr val="bg1"/>
+        </a:solidFill>
+        <a:effectLst/>
+      </p:bgPr>
+    </p:bg>
+    <p:spTree>
+      <p:nvGrpSpPr>
+        <p:cNvPr id="1" name=""/>
+        <p:cNvGrpSpPr/>
+        <p:nvPr/>
+      </p:nvGrpSpPr>
+      <p:grpSpPr>
+        <a:xfrm>
+          <a:off x="0" y="0"/>
+          <a:ext cx="0" cy="0"/>
+          <a:chOff x="0" y="0"/>
+          <a:chExt cx="0" cy="0"/>
+        </a:xfrm>
+      </p:grpSpPr>
+      <p:sp useBgFill="1">
+        <p:nvSpPr>
+          <p:cNvPr id="17" name="Rectangle 16">
+            <a:extLst>
+              <a:ext uri="{FF2B5EF4-FFF2-40B4-BE49-F238E27FC236}">
+                <a16:creationId xmlns:a16="http://schemas.microsoft.com/office/drawing/2014/main" id="{524E9777-DF7E-45E5-B387-86C306DA64AB}"/>
+              </a:ext>
+              <a:ext uri="{C183D7F6-B498-43B3-948B-1728B52AA6E4}">
+                <adec:decorative xmlns:adec="http://schemas.microsoft.com/office/drawing/2017/decorative" val="1"/>
+              </a:ext>
+            </a:extLst>
+          </p:cNvPr>
+          <p:cNvSpPr>
+            <a:spLocks noGrp="1" noRot="1" noChangeAspect="1" noMove="1" noResize="1" noEditPoints="1" noAdjustHandles="1" noChangeArrowheads="1" noChangeShapeType="1" noTextEdit="1"/>
+          </p:cNvSpPr>
+          <p:nvPr>
+            <p:extLst>
+              <p:ext uri="{386F3935-93C4-4BCD-93E2-E3B085C9AB24}">
+                <p16:designElem xmlns:p16="http://schemas.microsoft.com/office/powerpoint/2015/main" val="1"/>
+              </p:ext>
+            </p:extLst>
+          </p:nvPr>
+        </p:nvSpPr>
+        <p:spPr>
+          <a:xfrm>
+            <a:off x="0" y="0"/>
+            <a:ext cx="12191999" cy="6857365"/>
+          </a:xfrm>
+          <a:prstGeom prst="rect">
+            <a:avLst/>
+          </a:prstGeom>
+          <a:ln>
+            <a:noFill/>
+          </a:ln>
+        </p:spPr>
+        <p:style>
+          <a:lnRef idx="2">
+            <a:schemeClr val="accent1">
+              <a:shade val="50000"/>
+            </a:schemeClr>
+          </a:lnRef>
+          <a:fillRef idx="1">
+            <a:schemeClr val="accent1"/>
+          </a:fillRef>
+          <a:effectRef idx="0">
+            <a:schemeClr val="accent1"/>
+          </a:effectRef>
+          <a:fontRef idx="minor">
+            <a:schemeClr val="lt1"/>
+          </a:fontRef>
+        </p:style>
+        <p:txBody>
+          <a:bodyPr rtlCol="0" anchor="ctr"/>
+          <a:lstStyle/>
+          <a:p>
+            <a:pPr algn="ctr"/>
+            <a:endParaRPr lang="en-US"/>
+          </a:p>
+        </p:txBody>
+      </p:sp>
+      <p:sp>
+        <p:nvSpPr>
+          <p:cNvPr id="19" name="Rectangle 18">
+            <a:extLst>
+              <a:ext uri="{FF2B5EF4-FFF2-40B4-BE49-F238E27FC236}">
+                <a16:creationId xmlns:a16="http://schemas.microsoft.com/office/drawing/2014/main" id="{90464369-70FA-42AF-948F-80664CA7BFE5}"/>
+              </a:ext>
+              <a:ext uri="{C183D7F6-B498-43B3-948B-1728B52AA6E4}">
+                <adec:decorative xmlns:adec="http://schemas.microsoft.com/office/drawing/2017/decorative" val="1"/>
+              </a:ext>
+            </a:extLst>
+          </p:cNvPr>
+          <p:cNvSpPr>
+            <a:spLocks noGrp="1" noRot="1" noChangeAspect="1" noMove="1" noResize="1" noEditPoints="1" noAdjustHandles="1" noChangeArrowheads="1" noChangeShapeType="1" noTextEdit="1"/>
+          </p:cNvSpPr>
+          <p:nvPr>
+            <p:extLst>
+              <p:ext uri="{386F3935-93C4-4BCD-93E2-E3B085C9AB24}">
+                <p16:designElem xmlns:p16="http://schemas.microsoft.com/office/powerpoint/2015/main" val="1"/>
+              </p:ext>
+            </p:extLst>
+          </p:nvPr>
+        </p:nvSpPr>
+        <p:spPr>
+          <a:xfrm>
+            <a:off x="0" y="0"/>
+            <a:ext cx="12192000" cy="2146816"/>
+          </a:xfrm>
+          <a:prstGeom prst="rect">
+            <a:avLst/>
+          </a:prstGeom>
+          <a:solidFill>
+            <a:schemeClr val="bg1">
+              <a:lumMod val="85000"/>
+              <a:alpha val="35000"/>
+            </a:schemeClr>
+          </a:solidFill>
+          <a:ln>
+            <a:noFill/>
+          </a:ln>
+        </p:spPr>
+        <p:style>
+          <a:lnRef idx="2">
+            <a:schemeClr val="accent1">
+              <a:shade val="50000"/>
+            </a:schemeClr>
+          </a:lnRef>
+          <a:fillRef idx="1">
+            <a:schemeClr val="accent1"/>
+          </a:fillRef>
+          <a:effectRef idx="0">
+            <a:schemeClr val="accent1"/>
+          </a:effectRef>
+          <a:fontRef idx="minor">
+            <a:schemeClr val="lt1"/>
+          </a:fontRef>
+        </p:style>
+        <p:txBody>
+          <a:bodyPr rtlCol="0" anchor="ctr"/>
+          <a:lstStyle/>
+          <a:p>
+            <a:pPr algn="ctr"/>
+            <a:endParaRPr lang="en-US"/>
+          </a:p>
+        </p:txBody>
+      </p:sp>
+      <p:sp>
+        <p:nvSpPr>
+          <p:cNvPr id="6" name="TextBox 5">
+            <a:extLst>
+              <a:ext uri="{FF2B5EF4-FFF2-40B4-BE49-F238E27FC236}">
+                <a16:creationId xmlns:a16="http://schemas.microsoft.com/office/drawing/2014/main" id="{ECB9E5FF-A8E9-4C28-5B61-03FEF08C5977}"/>
+              </a:ext>
+            </a:extLst>
+          </p:cNvPr>
+          <p:cNvSpPr txBox="1"/>
+          <p:nvPr/>
+        </p:nvSpPr>
+        <p:spPr>
+          <a:xfrm>
+            <a:off x="587987" y="2620641"/>
+            <a:ext cx="3634877" cy="3023702"/>
+          </a:xfrm>
+          <a:prstGeom prst="rect">
+            <a:avLst/>
+          </a:prstGeom>
+        </p:spPr>
+        <p:txBody>
+          <a:bodyPr vert="horz" lIns="91440" tIns="45720" rIns="91440" bIns="45720" rtlCol="0" anchor="ctr">
+            <a:normAutofit/>
+          </a:bodyPr>
+          <a:lstStyle/>
+          <a:p>
+            <a:pPr indent="-228600">
+              <a:lnSpc>
+                <a:spcPct val="90000"/>
+              </a:lnSpc>
+              <a:spcAft>
+                <a:spcPts val="600"/>
+              </a:spcAft>
+              <a:buFont typeface="Arial" panose="020B0604020202020204" pitchFamily="34" charset="0"/>
+              <a:buChar char="•"/>
+            </a:pPr>
+            <a:r>
+              <a:rPr lang="en-US" dirty="0"/>
+              <a:t>PCA analysis: after dropping 8 variables</a:t>
+            </a:r>
+            <a:endParaRPr lang="en-US"/>
+          </a:p>
+        </p:txBody>
+      </p:sp>
+      <p:sp>
+        <p:nvSpPr>
+          <p:cNvPr id="21" name="Rectangle 20">
+            <a:extLst>
+              <a:ext uri="{FF2B5EF4-FFF2-40B4-BE49-F238E27FC236}">
+                <a16:creationId xmlns:a16="http://schemas.microsoft.com/office/drawing/2014/main" id="{A6604B49-AD5C-4590-B051-06C8222ECD99}"/>
+              </a:ext>
+              <a:ext uri="{C183D7F6-B498-43B3-948B-1728B52AA6E4}">
+                <adec:decorative xmlns:adec="http://schemas.microsoft.com/office/drawing/2017/decorative" val="1"/>
+              </a:ext>
+            </a:extLst>
+          </p:cNvPr>
+          <p:cNvSpPr>
+            <a:spLocks noGrp="1" noRot="1" noChangeAspect="1" noMove="1" noResize="1" noEditPoints="1" noAdjustHandles="1" noChangeArrowheads="1" noChangeShapeType="1" noTextEdit="1"/>
+          </p:cNvSpPr>
+          <p:nvPr>
+            <p:extLst>
+              <p:ext uri="{386F3935-93C4-4BCD-93E2-E3B085C9AB24}">
+                <p16:designElem xmlns:p16="http://schemas.microsoft.com/office/powerpoint/2015/main" val="1"/>
+              </p:ext>
+            </p:extLst>
+          </p:nvPr>
+        </p:nvSpPr>
+        <p:spPr>
+          <a:xfrm rot="16200000" flipH="1">
+            <a:off x="5669568" y="277912"/>
+            <a:ext cx="524256" cy="11863390"/>
+          </a:xfrm>
+          <a:prstGeom prst="rect">
+            <a:avLst/>
+          </a:prstGeom>
+          <a:solidFill>
+            <a:schemeClr val="accent4"/>
+          </a:solidFill>
+          <a:ln>
+            <a:noFill/>
+          </a:ln>
+        </p:spPr>
+        <p:style>
+          <a:lnRef idx="2">
+            <a:schemeClr val="accent1">
+              <a:shade val="50000"/>
+            </a:schemeClr>
+          </a:lnRef>
+          <a:fillRef idx="1">
+            <a:schemeClr val="accent1"/>
+          </a:fillRef>
+          <a:effectRef idx="0">
+            <a:schemeClr val="accent1"/>
+          </a:effectRef>
+          <a:fontRef idx="minor">
+            <a:schemeClr val="lt1"/>
+          </a:fontRef>
+        </p:style>
+        <p:txBody>
+          <a:bodyPr rtlCol="0" anchor="ctr"/>
+          <a:lstStyle/>
+          <a:p>
+            <a:pPr algn="ctr"/>
+            <a:endParaRPr lang="en-US"/>
+          </a:p>
+        </p:txBody>
+      </p:sp>
+      <p:sp>
+        <p:nvSpPr>
+          <p:cNvPr id="23" name="Rectangle 22">
+            <a:extLst>
+              <a:ext uri="{FF2B5EF4-FFF2-40B4-BE49-F238E27FC236}">
+                <a16:creationId xmlns:a16="http://schemas.microsoft.com/office/drawing/2014/main" id="{A648176E-454C-437C-B0FC-9B82FCF32B24}"/>
+              </a:ext>
+              <a:ext uri="{C183D7F6-B498-43B3-948B-1728B52AA6E4}">
+                <adec:decorative xmlns:adec="http://schemas.microsoft.com/office/drawing/2017/decorative" val="1"/>
+              </a:ext>
+            </a:extLst>
+          </p:cNvPr>
+          <p:cNvSpPr>
+            <a:spLocks noGrp="1" noRot="1" noChangeAspect="1" noMove="1" noResize="1" noEditPoints="1" noAdjustHandles="1" noChangeArrowheads="1" noChangeShapeType="1" noTextEdit="1"/>
+          </p:cNvSpPr>
+          <p:nvPr>
+            <p:extLst>
+              <p:ext uri="{386F3935-93C4-4BCD-93E2-E3B085C9AB24}">
+                <p16:designElem xmlns:p16="http://schemas.microsoft.com/office/powerpoint/2015/main" val="1"/>
+              </p:ext>
+            </p:extLst>
+          </p:nvPr>
+        </p:nvSpPr>
+        <p:spPr>
+          <a:xfrm rot="5400000">
+            <a:off x="11771105" y="6131892"/>
+            <a:ext cx="524256" cy="152382"/>
+          </a:xfrm>
+          <a:prstGeom prst="rect">
+            <a:avLst/>
+          </a:prstGeom>
+          <a:solidFill>
+            <a:schemeClr val="accent4"/>
+          </a:solidFill>
+          <a:ln>
+            <a:noFill/>
+          </a:ln>
+        </p:spPr>
+        <p:style>
+          <a:lnRef idx="2">
+            <a:schemeClr val="accent1">
+              <a:shade val="50000"/>
+            </a:schemeClr>
+          </a:lnRef>
+          <a:fillRef idx="1">
+            <a:schemeClr val="accent1"/>
+          </a:fillRef>
+          <a:effectRef idx="0">
+            <a:schemeClr val="accent1"/>
+          </a:effectRef>
+          <a:fontRef idx="minor">
+            <a:schemeClr val="lt1"/>
+          </a:fontRef>
+        </p:style>
+        <p:txBody>
+          <a:bodyPr rtlCol="0" anchor="ctr"/>
+          <a:lstStyle/>
+          <a:p>
+            <a:pPr algn="ctr"/>
+            <a:endParaRPr lang="en-US"/>
+          </a:p>
+        </p:txBody>
+      </p:sp>
+      <p:sp>
+        <p:nvSpPr>
+          <p:cNvPr id="25" name="Rectangle 24">
+            <a:extLst>
+              <a:ext uri="{FF2B5EF4-FFF2-40B4-BE49-F238E27FC236}">
+                <a16:creationId xmlns:a16="http://schemas.microsoft.com/office/drawing/2014/main" id="{4335D5A6-AB7A-4677-8D44-034515D66C4B}"/>
+              </a:ext>
+              <a:ext uri="{C183D7F6-B498-43B3-948B-1728B52AA6E4}">
+                <adec:decorative xmlns:adec="http://schemas.microsoft.com/office/drawing/2017/decorative" val="1"/>
+              </a:ext>
+            </a:extLst>
+          </p:cNvPr>
+          <p:cNvSpPr>
+            <a:spLocks noGrp="1" noRot="1" noChangeAspect="1" noMove="1" noResize="1" noEditPoints="1" noAdjustHandles="1" noChangeArrowheads="1" noChangeShapeType="1" noTextEdit="1"/>
+          </p:cNvSpPr>
+          <p:nvPr>
+            <p:extLst>
+              <p:ext uri="{386F3935-93C4-4BCD-93E2-E3B085C9AB24}">
+                <p16:designElem xmlns:p16="http://schemas.microsoft.com/office/powerpoint/2015/main" val="1"/>
+              </p:ext>
+            </p:extLst>
+          </p:nvPr>
+        </p:nvSpPr>
+        <p:spPr>
+          <a:xfrm>
+            <a:off x="4804757" y="703666"/>
+            <a:ext cx="7168911" cy="5638114"/>
+          </a:xfrm>
+          <a:prstGeom prst="rect">
+            <a:avLst/>
+          </a:prstGeom>
+          <a:solidFill>
+            <a:schemeClr val="bg1"/>
+          </a:solidFill>
+          <a:ln>
+            <a:noFill/>
+          </a:ln>
+          <a:effectLst>
+            <a:outerShdw blurRad="139700" dist="127000" dir="5400000" algn="t" rotWithShape="0">
+              <a:prstClr val="black">
+                <a:alpha val="15000"/>
+              </a:prstClr>
+            </a:outerShdw>
+          </a:effectLst>
+        </p:spPr>
+        <p:style>
+          <a:lnRef idx="2">
+            <a:schemeClr val="accent1">
+              <a:shade val="50000"/>
+            </a:schemeClr>
+          </a:lnRef>
+          <a:fillRef idx="1">
+            <a:schemeClr val="accent1"/>
+          </a:fillRef>
+          <a:effectRef idx="0">
+            <a:schemeClr val="accent1"/>
+          </a:effectRef>
+          <a:fontRef idx="minor">
+            <a:schemeClr val="lt1"/>
+          </a:fontRef>
+        </p:style>
+        <p:txBody>
+          <a:bodyPr rtlCol="0" anchor="ctr"/>
+          <a:lstStyle/>
+          <a:p>
+            <a:pPr algn="ctr"/>
+            <a:endParaRPr lang="en-US"/>
+          </a:p>
+        </p:txBody>
+      </p:sp>
+      <p:pic>
+        <p:nvPicPr>
+          <p:cNvPr id="8" name="Picture 7">
+            <a:extLst>
+              <a:ext uri="{FF2B5EF4-FFF2-40B4-BE49-F238E27FC236}">
+                <a16:creationId xmlns:a16="http://schemas.microsoft.com/office/drawing/2014/main" id="{723BF09B-868F-7AAA-16D4-D7014A38823A}"/>
+              </a:ext>
+            </a:extLst>
+          </p:cNvPr>
+          <p:cNvPicPr>
+            <a:picLocks noChangeAspect="1"/>
+          </p:cNvPicPr>
+          <p:nvPr/>
+        </p:nvPicPr>
+        <p:blipFill>
+          <a:blip r:embed="rId2"/>
+          <a:stretch>
+            <a:fillRect/>
+          </a:stretch>
+        </p:blipFill>
+        <p:spPr>
+          <a:xfrm>
+            <a:off x="5061949" y="978793"/>
+            <a:ext cx="2121408" cy="1447419"/>
+          </a:xfrm>
+          <a:prstGeom prst="rect">
+            <a:avLst/>
+          </a:prstGeom>
+        </p:spPr>
+      </p:pic>
+      <p:pic>
+        <p:nvPicPr>
+          <p:cNvPr id="10" name="Picture 9">
+            <a:extLst>
+              <a:ext uri="{FF2B5EF4-FFF2-40B4-BE49-F238E27FC236}">
+                <a16:creationId xmlns:a16="http://schemas.microsoft.com/office/drawing/2014/main" id="{8C260F12-DD26-DFF6-C0B1-7953F88C9EEB}"/>
+              </a:ext>
+            </a:extLst>
+          </p:cNvPr>
+          <p:cNvPicPr>
+            <a:picLocks noChangeAspect="1"/>
+          </p:cNvPicPr>
+          <p:nvPr/>
+        </p:nvPicPr>
+        <p:blipFill>
+          <a:blip r:embed="rId3"/>
+          <a:stretch>
+            <a:fillRect/>
+          </a:stretch>
+        </p:blipFill>
+        <p:spPr>
+          <a:xfrm>
+            <a:off x="7341319" y="980578"/>
+            <a:ext cx="2121408" cy="1447419"/>
+          </a:xfrm>
+          <a:prstGeom prst="rect">
+            <a:avLst/>
+          </a:prstGeom>
+        </p:spPr>
+      </p:pic>
+      <p:pic>
+        <p:nvPicPr>
+          <p:cNvPr id="5" name="Picture 4">
+            <a:extLst>
+              <a:ext uri="{FF2B5EF4-FFF2-40B4-BE49-F238E27FC236}">
+                <a16:creationId xmlns:a16="http://schemas.microsoft.com/office/drawing/2014/main" id="{EE3782B7-7003-621E-F279-D28B4977896A}"/>
+              </a:ext>
+            </a:extLst>
+          </p:cNvPr>
+          <p:cNvPicPr>
+            <a:picLocks noChangeAspect="1"/>
+          </p:cNvPicPr>
+          <p:nvPr/>
+        </p:nvPicPr>
+        <p:blipFill>
+          <a:blip r:embed="rId4"/>
+          <a:stretch>
+            <a:fillRect/>
+          </a:stretch>
+        </p:blipFill>
+        <p:spPr>
+          <a:xfrm>
+            <a:off x="9620689" y="995366"/>
+            <a:ext cx="2121408" cy="1414272"/>
+          </a:xfrm>
+          <a:prstGeom prst="rect">
+            <a:avLst/>
+          </a:prstGeom>
+        </p:spPr>
+      </p:pic>
+      <p:pic>
+        <p:nvPicPr>
+          <p:cNvPr id="12" name="Picture 11">
+            <a:extLst>
+              <a:ext uri="{FF2B5EF4-FFF2-40B4-BE49-F238E27FC236}">
+                <a16:creationId xmlns:a16="http://schemas.microsoft.com/office/drawing/2014/main" id="{DF11A678-DDD2-1814-414A-C98A1F00A83D}"/>
+              </a:ext>
+            </a:extLst>
+          </p:cNvPr>
+          <p:cNvPicPr>
+            <a:picLocks noChangeAspect="1"/>
+          </p:cNvPicPr>
+          <p:nvPr/>
+        </p:nvPicPr>
+        <p:blipFill>
+          <a:blip r:embed="rId5"/>
+          <a:stretch>
+            <a:fillRect/>
+          </a:stretch>
+        </p:blipFill>
+        <p:spPr>
+          <a:xfrm>
+            <a:off x="5061949" y="2810508"/>
+            <a:ext cx="6680148" cy="3122968"/>
+          </a:xfrm>
+          <a:prstGeom prst="rect">
+            <a:avLst/>
+          </a:prstGeom>
+        </p:spPr>
+      </p:pic>
+    </p:spTree>
+    <p:extLst>
+      <p:ext uri="{BB962C8B-B14F-4D97-AF65-F5344CB8AC3E}">
+        <p14:creationId xmlns:p14="http://schemas.microsoft.com/office/powerpoint/2010/main" val="3209596447"/>
+      </p:ext>
+    </p:extLst>
+  </p:cSld>
+  <p:clrMapOvr>
+    <a:masterClrMapping/>
+  </p:clrMapOvr>
+</p:sld>
+</file>
+
+<file path=ppt/slides/slide6.xml><?xml version="1.0" encoding="utf-8"?>
+<p:sld xmlns:a="http://schemas.openxmlformats.org/drawingml/2006/main" xmlns:r="http://schemas.openxmlformats.org/officeDocument/2006/relationships" xmlns:p="http://schemas.openxmlformats.org/presentationml/2006/main">
+  <p:cSld>
+    <p:bg>
+      <p:bgPr>
+        <a:solidFill>
+          <a:schemeClr val="bg1"/>
+        </a:solidFill>
+        <a:effectLst/>
+      </p:bgPr>
+    </p:bg>
+    <p:spTree>
+      <p:nvGrpSpPr>
+        <p:cNvPr id="1" name=""/>
+        <p:cNvGrpSpPr/>
+        <p:nvPr/>
+      </p:nvGrpSpPr>
+      <p:grpSpPr>
+        <a:xfrm>
+          <a:off x="0" y="0"/>
+          <a:ext cx="0" cy="0"/>
+          <a:chOff x="0" y="0"/>
+          <a:chExt cx="0" cy="0"/>
+        </a:xfrm>
+      </p:grpSpPr>
+      <p:sp useBgFill="1">
+        <p:nvSpPr>
+          <p:cNvPr id="11" name="Rectangle 10">
+            <a:extLst>
+              <a:ext uri="{FF2B5EF4-FFF2-40B4-BE49-F238E27FC236}">
+                <a16:creationId xmlns:a16="http://schemas.microsoft.com/office/drawing/2014/main" id="{F5A5F1D7-F0D0-4687-9BD3-CA6A0714C634}"/>
+              </a:ext>
+              <a:ext uri="{C183D7F6-B498-43B3-948B-1728B52AA6E4}">
+                <adec:decorative xmlns:adec="http://schemas.microsoft.com/office/drawing/2017/decorative" val="1"/>
+              </a:ext>
+            </a:extLst>
+          </p:cNvPr>
+          <p:cNvSpPr>
+            <a:spLocks noGrp="1" noRot="1" noChangeAspect="1" noMove="1" noResize="1" noEditPoints="1" noAdjustHandles="1" noChangeArrowheads="1" noChangeShapeType="1" noTextEdit="1"/>
+          </p:cNvSpPr>
+          <p:nvPr>
+            <p:extLst>
+              <p:ext uri="{386F3935-93C4-4BCD-93E2-E3B085C9AB24}">
+                <p16:designElem xmlns:p16="http://schemas.microsoft.com/office/powerpoint/2015/main" val="1"/>
+              </p:ext>
+            </p:extLst>
+          </p:nvPr>
+        </p:nvSpPr>
+        <p:spPr>
+          <a:xfrm>
+            <a:off x="0" y="0"/>
+            <a:ext cx="12191999" cy="6857365"/>
+          </a:xfrm>
+          <a:prstGeom prst="rect">
+            <a:avLst/>
+          </a:prstGeom>
+          <a:ln>
+            <a:noFill/>
+          </a:ln>
+        </p:spPr>
+        <p:style>
+          <a:lnRef idx="2">
+            <a:schemeClr val="accent1">
+              <a:shade val="50000"/>
+            </a:schemeClr>
+          </a:lnRef>
+          <a:fillRef idx="1">
+            <a:schemeClr val="accent1"/>
+          </a:fillRef>
+          <a:effectRef idx="0">
+            <a:schemeClr val="accent1"/>
+          </a:effectRef>
+          <a:fontRef idx="minor">
+            <a:schemeClr val="lt1"/>
+          </a:fontRef>
+        </p:style>
+        <p:txBody>
+          <a:bodyPr rtlCol="0" anchor="ctr"/>
+          <a:lstStyle/>
+          <a:p>
+            <a:pPr algn="ctr"/>
+            <a:endParaRPr lang="en-US"/>
+          </a:p>
+        </p:txBody>
+      </p:sp>
+      <p:grpSp>
+        <p:nvGrpSpPr>
+          <p:cNvPr id="13" name="Group 12">
+            <a:extLst>
+              <a:ext uri="{FF2B5EF4-FFF2-40B4-BE49-F238E27FC236}">
+                <a16:creationId xmlns:a16="http://schemas.microsoft.com/office/drawing/2014/main" id="{AE1C45F0-260A-458C-96ED-C1F6D2151219}"/>
+              </a:ext>
+              <a:ext uri="{C183D7F6-B498-43B3-948B-1728B52AA6E4}">
+                <adec:decorative xmlns:adec="http://schemas.microsoft.com/office/drawing/2017/decorative" val="1"/>
+              </a:ext>
+            </a:extLst>
+          </p:cNvPr>
+          <p:cNvGrpSpPr>
+            <a:grpSpLocks noGrp="1" noUngrp="1" noRot="1" noChangeAspect="1" noMove="1" noResize="1"/>
+          </p:cNvGrpSpPr>
+          <p:nvPr>
+            <p:extLst>
+              <p:ext uri="{386F3935-93C4-4BCD-93E2-E3B085C9AB24}">
+                <p16:designElem xmlns:p16="http://schemas.microsoft.com/office/powerpoint/2015/main" val="1"/>
+              </p:ext>
+            </p:extLst>
+          </p:nvPr>
+        </p:nvGrpSpPr>
+        <p:grpSpPr>
+          <a:xfrm>
+            <a:off x="4" y="1062849"/>
+            <a:ext cx="731521" cy="673460"/>
+            <a:chOff x="3940602" y="308034"/>
+            <a:chExt cx="2116791" cy="3428999"/>
+          </a:xfrm>
+          <a:solidFill>
+            <a:schemeClr val="accent4"/>
+          </a:solidFill>
+        </p:grpSpPr>
+        <p:sp>
+          <p:nvSpPr>
+            <p:cNvPr id="14" name="Rectangle 13">
+              <a:extLst>
+                <a:ext uri="{FF2B5EF4-FFF2-40B4-BE49-F238E27FC236}">
+                  <a16:creationId xmlns:a16="http://schemas.microsoft.com/office/drawing/2014/main" id="{A6604B49-AD5C-4590-B051-06C8222ECD99}"/>
+                </a:ext>
+                <a:ext uri="{C183D7F6-B498-43B3-948B-1728B52AA6E4}">
+                  <adec:decorative xmlns:adec="http://schemas.microsoft.com/office/drawing/2017/decorative" val="1"/>
+                </a:ext>
+              </a:extLst>
+            </p:cNvPr>
+            <p:cNvSpPr/>
+            <p:nvPr>
+              <p:extLst>
+                <p:ext uri="{386F3935-93C4-4BCD-93E2-E3B085C9AB24}">
+                  <p16:designElem xmlns:p16="http://schemas.microsoft.com/office/powerpoint/2015/main" val="1"/>
+                </p:ext>
+              </p:extLst>
+            </p:nvPr>
+          </p:nvSpPr>
+          <p:spPr>
+            <a:xfrm>
+              <a:off x="3940602" y="308034"/>
+              <a:ext cx="566743" cy="3428999"/>
+            </a:xfrm>
+            <a:prstGeom prst="rect">
+              <a:avLst/>
+            </a:prstGeom>
+            <a:grpFill/>
+            <a:ln>
+              <a:noFill/>
+            </a:ln>
+          </p:spPr>
+          <p:style>
+            <a:lnRef idx="2">
+              <a:schemeClr val="accent1">
+                <a:shade val="50000"/>
+              </a:schemeClr>
+            </a:lnRef>
+            <a:fillRef idx="1">
+              <a:schemeClr val="accent1"/>
+            </a:fillRef>
+            <a:effectRef idx="0">
+              <a:schemeClr val="accent1"/>
+            </a:effectRef>
+            <a:fontRef idx="minor">
+              <a:schemeClr val="lt1"/>
+            </a:fontRef>
+          </p:style>
+          <p:txBody>
+            <a:bodyPr rtlCol="0" anchor="ctr"/>
+            <a:lstStyle/>
+            <a:p>
+              <a:pPr algn="ctr"/>
+              <a:endParaRPr lang="en-US"/>
+            </a:p>
+          </p:txBody>
+        </p:sp>
+        <p:sp>
+          <p:nvSpPr>
+            <p:cNvPr id="15" name="Rectangle 14">
+              <a:extLst>
+                <a:ext uri="{FF2B5EF4-FFF2-40B4-BE49-F238E27FC236}">
+                  <a16:creationId xmlns:a16="http://schemas.microsoft.com/office/drawing/2014/main" id="{743ECCAF-29C5-4537-947C-7EA1292463DB}"/>
+                </a:ext>
+                <a:ext uri="{C183D7F6-B498-43B3-948B-1728B52AA6E4}">
+                  <adec:decorative xmlns:adec="http://schemas.microsoft.com/office/drawing/2017/decorative" val="1"/>
+                </a:ext>
+              </a:extLst>
+            </p:cNvPr>
+            <p:cNvSpPr/>
+            <p:nvPr>
+              <p:extLst>
+                <p:ext uri="{386F3935-93C4-4BCD-93E2-E3B085C9AB24}">
+                  <p16:designElem xmlns:p16="http://schemas.microsoft.com/office/powerpoint/2015/main" val="1"/>
+                </p:ext>
+              </p:extLst>
+            </p:nvPr>
+          </p:nvSpPr>
+          <p:spPr>
+            <a:xfrm>
+              <a:off x="4715626" y="308034"/>
+              <a:ext cx="566743" cy="3428999"/>
+            </a:xfrm>
+            <a:prstGeom prst="rect">
+              <a:avLst/>
+            </a:prstGeom>
+            <a:grpFill/>
+            <a:ln>
+              <a:noFill/>
+            </a:ln>
+          </p:spPr>
+          <p:style>
+            <a:lnRef idx="2">
+              <a:schemeClr val="accent1">
+                <a:shade val="50000"/>
+              </a:schemeClr>
+            </a:lnRef>
+            <a:fillRef idx="1">
+              <a:schemeClr val="accent1"/>
+            </a:fillRef>
+            <a:effectRef idx="0">
+              <a:schemeClr val="accent1"/>
+            </a:effectRef>
+            <a:fontRef idx="minor">
+              <a:schemeClr val="lt1"/>
+            </a:fontRef>
+          </p:style>
+          <p:txBody>
+            <a:bodyPr rtlCol="0" anchor="ctr"/>
+            <a:lstStyle/>
+            <a:p>
+              <a:pPr algn="ctr"/>
+              <a:endParaRPr lang="en-US"/>
+            </a:p>
+          </p:txBody>
+        </p:sp>
+        <p:sp>
+          <p:nvSpPr>
+            <p:cNvPr id="16" name="Rectangle 15">
+              <a:extLst>
+                <a:ext uri="{FF2B5EF4-FFF2-40B4-BE49-F238E27FC236}">
+                  <a16:creationId xmlns:a16="http://schemas.microsoft.com/office/drawing/2014/main" id="{ED49787B-8DE6-4467-AD0A-8DECC6E0C2D6}"/>
+                </a:ext>
+                <a:ext uri="{C183D7F6-B498-43B3-948B-1728B52AA6E4}">
+                  <adec:decorative xmlns:adec="http://schemas.microsoft.com/office/drawing/2017/decorative" val="1"/>
+                </a:ext>
+              </a:extLst>
+            </p:cNvPr>
+            <p:cNvSpPr/>
+            <p:nvPr>
+              <p:extLst>
+                <p:ext uri="{386F3935-93C4-4BCD-93E2-E3B085C9AB24}">
+                  <p16:designElem xmlns:p16="http://schemas.microsoft.com/office/powerpoint/2015/main" val="1"/>
+                </p:ext>
+              </p:extLst>
+            </p:nvPr>
+          </p:nvSpPr>
+          <p:spPr>
+            <a:xfrm>
+              <a:off x="5490650" y="308034"/>
+              <a:ext cx="566743" cy="3428999"/>
+            </a:xfrm>
+            <a:prstGeom prst="rect">
+              <a:avLst/>
+            </a:prstGeom>
+            <a:grpFill/>
+            <a:ln>
+              <a:noFill/>
+            </a:ln>
+          </p:spPr>
+          <p:style>
+            <a:lnRef idx="2">
+              <a:schemeClr val="accent1">
+                <a:shade val="50000"/>
+              </a:schemeClr>
+            </a:lnRef>
+            <a:fillRef idx="1">
+              <a:schemeClr val="accent1"/>
+            </a:fillRef>
+            <a:effectRef idx="0">
+              <a:schemeClr val="accent1"/>
+            </a:effectRef>
+            <a:fontRef idx="minor">
+              <a:schemeClr val="lt1"/>
+            </a:fontRef>
+          </p:style>
+          <p:txBody>
+            <a:bodyPr rtlCol="0" anchor="ctr"/>
+            <a:lstStyle/>
+            <a:p>
+              <a:pPr algn="ctr"/>
+              <a:endParaRPr lang="en-US"/>
+            </a:p>
+          </p:txBody>
+        </p:sp>
+      </p:grpSp>
+      <p:sp>
+        <p:nvSpPr>
+          <p:cNvPr id="18" name="Rectangle 17">
+            <a:extLst>
+              <a:ext uri="{FF2B5EF4-FFF2-40B4-BE49-F238E27FC236}">
+                <a16:creationId xmlns:a16="http://schemas.microsoft.com/office/drawing/2014/main" id="{D5B0017B-2ECA-49AF-B397-DC140825DF8D}"/>
+              </a:ext>
+              <a:ext uri="{C183D7F6-B498-43B3-948B-1728B52AA6E4}">
+                <adec:decorative xmlns:adec="http://schemas.microsoft.com/office/drawing/2017/decorative" val="1"/>
+              </a:ext>
+            </a:extLst>
+          </p:cNvPr>
+          <p:cNvSpPr>
+            <a:spLocks noGrp="1" noRot="1" noChangeAspect="1" noMove="1" noResize="1" noEditPoints="1" noAdjustHandles="1" noChangeArrowheads="1" noChangeShapeType="1" noTextEdit="1"/>
+          </p:cNvSpPr>
+          <p:nvPr>
+            <p:extLst>
+              <p:ext uri="{386F3935-93C4-4BCD-93E2-E3B085C9AB24}">
+                <p16:designElem xmlns:p16="http://schemas.microsoft.com/office/powerpoint/2015/main" val="1"/>
+              </p:ext>
+            </p:extLst>
+          </p:nvPr>
+        </p:nvSpPr>
+        <p:spPr>
+          <a:xfrm>
+            <a:off x="640080" y="656150"/>
+            <a:ext cx="5590787" cy="1431591"/>
+          </a:xfrm>
+          <a:prstGeom prst="rect">
+            <a:avLst/>
+          </a:prstGeom>
+          <a:solidFill>
+            <a:schemeClr val="bg1"/>
+          </a:solidFill>
+          <a:ln>
+            <a:noFill/>
+          </a:ln>
+          <a:effectLst>
+            <a:outerShdw blurRad="139700" dist="127000" dir="5400000" algn="t" rotWithShape="0">
+              <a:prstClr val="black">
+                <a:alpha val="15000"/>
+              </a:prstClr>
+            </a:outerShdw>
+          </a:effectLst>
+        </p:spPr>
+        <p:style>
+          <a:lnRef idx="2">
+            <a:schemeClr val="accent1">
+              <a:shade val="50000"/>
+            </a:schemeClr>
+          </a:lnRef>
+          <a:fillRef idx="1">
+            <a:schemeClr val="accent1"/>
+          </a:fillRef>
+          <a:effectRef idx="0">
+            <a:schemeClr val="accent1"/>
+          </a:effectRef>
+          <a:fontRef idx="minor">
+            <a:schemeClr val="lt1"/>
+          </a:fontRef>
+        </p:style>
+        <p:txBody>
+          <a:bodyPr rtlCol="0" anchor="ctr"/>
+          <a:lstStyle/>
+          <a:p>
+            <a:pPr algn="ctr"/>
+            <a:endParaRPr lang="en-US"/>
+          </a:p>
+        </p:txBody>
+      </p:sp>
+      <p:sp>
+        <p:nvSpPr>
+          <p:cNvPr id="2" name="TextBox 1">
+            <a:extLst>
+              <a:ext uri="{FF2B5EF4-FFF2-40B4-BE49-F238E27FC236}">
+                <a16:creationId xmlns:a16="http://schemas.microsoft.com/office/drawing/2014/main" id="{ACF17ED6-B8D3-92A7-7BE3-2F080C0B6EAD}"/>
+              </a:ext>
+            </a:extLst>
+          </p:cNvPr>
+          <p:cNvSpPr txBox="1"/>
+          <p:nvPr/>
+        </p:nvSpPr>
+        <p:spPr>
+          <a:xfrm>
+            <a:off x="1045029" y="2524721"/>
+            <a:ext cx="4991629" cy="3677123"/>
+          </a:xfrm>
+          <a:prstGeom prst="rect">
+            <a:avLst/>
+          </a:prstGeom>
+        </p:spPr>
+        <p:txBody>
+          <a:bodyPr vert="horz" lIns="91440" tIns="45720" rIns="91440" bIns="45720" rtlCol="0" anchor="ctr">
+            <a:normAutofit/>
+          </a:bodyPr>
+          <a:lstStyle/>
+          <a:p>
+            <a:pPr indent="-228600">
+              <a:lnSpc>
+                <a:spcPct val="90000"/>
+              </a:lnSpc>
+              <a:spcAft>
+                <a:spcPts val="600"/>
+              </a:spcAft>
+              <a:buFont typeface="Arial" panose="020B0604020202020204" pitchFamily="34" charset="0"/>
+              <a:buChar char="•"/>
+            </a:pPr>
+            <a:r>
+              <a:rPr lang="en-US"/>
+              <a:t>Correlation heatmap between important variables</a:t>
+            </a:r>
+          </a:p>
+        </p:txBody>
+      </p:sp>
+      <p:cxnSp>
+        <p:nvCxnSpPr>
+          <p:cNvPr id="20" name="Straight Connector 19">
+            <a:extLst>
+              <a:ext uri="{FF2B5EF4-FFF2-40B4-BE49-F238E27FC236}">
+                <a16:creationId xmlns:a16="http://schemas.microsoft.com/office/drawing/2014/main" id="{6CF1BAF6-AD41-4082-B212-8A1F9A2E8779}"/>
+              </a:ext>
+              <a:ext uri="{C183D7F6-B498-43B3-948B-1728B52AA6E4}">
+                <adec:decorative xmlns:adec="http://schemas.microsoft.com/office/drawing/2017/decorative" val="1"/>
+              </a:ext>
+            </a:extLst>
+          </p:cNvPr>
+          <p:cNvCxnSpPr>
+            <a:cxnSpLocks noGrp="1" noRot="1" noChangeAspect="1" noMove="1" noResize="1" noEditPoints="1" noAdjustHandles="1" noChangeArrowheads="1" noChangeShapeType="1"/>
+          </p:cNvCxnSpPr>
+          <p:nvPr>
+            <p:extLst>
+              <p:ext uri="{386F3935-93C4-4BCD-93E2-E3B085C9AB24}">
+                <p16:designElem xmlns:p16="http://schemas.microsoft.com/office/powerpoint/2015/main" val="1"/>
+              </p:ext>
+            </p:extLst>
+          </p:nvPr>
+        </p:nvCxnSpPr>
+        <p:spPr>
+          <a:xfrm flipH="1">
+            <a:off x="838200" y="6492240"/>
+            <a:ext cx="10515600" cy="0"/>
+          </a:xfrm>
+          <a:prstGeom prst="line">
+            <a:avLst/>
+          </a:prstGeom>
+          <a:ln w="57150">
+            <a:solidFill>
+              <a:schemeClr val="accent4"/>
+            </a:solidFill>
+          </a:ln>
+        </p:spPr>
+        <p:style>
+          <a:lnRef idx="1">
+            <a:schemeClr val="accent1"/>
+          </a:lnRef>
+          <a:fillRef idx="0">
+            <a:schemeClr val="accent1"/>
+          </a:fillRef>
+          <a:effectRef idx="0">
+            <a:schemeClr val="accent1"/>
+          </a:effectRef>
+          <a:fontRef idx="minor">
+            <a:schemeClr val="tx1"/>
+          </a:fontRef>
+        </p:style>
+      </p:cxnSp>
+      <p:pic>
+        <p:nvPicPr>
+          <p:cNvPr id="4" name="Picture 3">
+            <a:extLst>
+              <a:ext uri="{FF2B5EF4-FFF2-40B4-BE49-F238E27FC236}">
+                <a16:creationId xmlns:a16="http://schemas.microsoft.com/office/drawing/2014/main" id="{2938C05B-C610-7C54-90D2-6B5D6D911697}"/>
+              </a:ext>
+            </a:extLst>
+          </p:cNvPr>
+          <p:cNvPicPr>
+            <a:picLocks noChangeAspect="1"/>
+          </p:cNvPicPr>
+          <p:nvPr/>
+        </p:nvPicPr>
+        <p:blipFill>
+          <a:blip r:embed="rId2"/>
+          <a:stretch>
+            <a:fillRect/>
+          </a:stretch>
+        </p:blipFill>
+        <p:spPr>
+          <a:xfrm>
+            <a:off x="6006308" y="1068526"/>
+            <a:ext cx="6047700" cy="4836404"/>
+          </a:xfrm>
+          <a:prstGeom prst="rect">
+            <a:avLst/>
+          </a:prstGeom>
+        </p:spPr>
+      </p:pic>
+    </p:spTree>
+    <p:extLst>
+      <p:ext uri="{BB962C8B-B14F-4D97-AF65-F5344CB8AC3E}">
+        <p14:creationId xmlns:p14="http://schemas.microsoft.com/office/powerpoint/2010/main" val="254873656"/>
+      </p:ext>
+    </p:extLst>
+  </p:cSld>
+  <p:clrMapOvr>
+    <a:masterClrMapping/>
+  </p:clrMapOvr>
+</p:sld>
+</file>
+
+<file path=ppt/slides/slide7.xml><?xml version="1.0" encoding="utf-8"?>
+<p:sld xmlns:a="http://schemas.openxmlformats.org/drawingml/2006/main" xmlns:r="http://schemas.openxmlformats.org/officeDocument/2006/relationships" xmlns:p="http://schemas.openxmlformats.org/presentationml/2006/main">
+  <p:cSld>
+    <p:bg>
+      <p:bgPr>
+        <a:solidFill>
+          <a:schemeClr val="bg1"/>
+        </a:solidFill>
+        <a:effectLst/>
+      </p:bgPr>
+    </p:bg>
     <p:spTree>
       <p:nvGrpSpPr>
         <p:cNvPr id="1" name=""/>
@@ -3356,10 +6781,10 @@
       </p:grpSpPr>
       <p:pic>
         <p:nvPicPr>
-          <p:cNvPr id="5" name="Picture 4">
-            <a:extLst>
-              <a:ext uri="{FF2B5EF4-FFF2-40B4-BE49-F238E27FC236}">
-                <a16:creationId xmlns:a16="http://schemas.microsoft.com/office/drawing/2014/main" id="{F9B4A547-740B-6037-6A89-F4C9AA6EE05C}"/>
+          <p:cNvPr id="7" name="Picture 6">
+            <a:extLst>
+              <a:ext uri="{FF2B5EF4-FFF2-40B4-BE49-F238E27FC236}">
+                <a16:creationId xmlns:a16="http://schemas.microsoft.com/office/drawing/2014/main" id="{0289442B-8AD9-E219-D94B-6852E34218C3}"/>
               </a:ext>
             </a:extLst>
           </p:cNvPr>
@@ -3376,56 +6801,72 @@
         </p:blipFill>
         <p:spPr>
           <a:xfrm>
-            <a:off x="6408733" y="0"/>
-            <a:ext cx="5003174" cy="3326984"/>
+            <a:off x="1648489" y="643467"/>
+            <a:ext cx="3685821" cy="2543217"/>
           </a:xfrm>
           <a:prstGeom prst="rect">
             <a:avLst/>
           </a:prstGeom>
         </p:spPr>
       </p:pic>
-      <p:sp>
-        <p:nvSpPr>
-          <p:cNvPr id="6" name="TextBox 5">
-            <a:extLst>
-              <a:ext uri="{FF2B5EF4-FFF2-40B4-BE49-F238E27FC236}">
-                <a16:creationId xmlns:a16="http://schemas.microsoft.com/office/drawing/2014/main" id="{400D47EF-B31C-9330-896B-D98C42B11CCF}"/>
-              </a:ext>
-            </a:extLst>
-          </p:cNvPr>
-          <p:cNvSpPr txBox="1"/>
-          <p:nvPr/>
-        </p:nvSpPr>
+      <p:cxnSp>
+        <p:nvCxnSpPr>
+          <p:cNvPr id="17" name="Straight Connector 16">
+            <a:extLst>
+              <a:ext uri="{FF2B5EF4-FFF2-40B4-BE49-F238E27FC236}">
+                <a16:creationId xmlns:a16="http://schemas.microsoft.com/office/drawing/2014/main" id="{91B6081D-D3E8-4209-B85B-EB1C655A6272}"/>
+              </a:ext>
+              <a:ext uri="{C183D7F6-B498-43B3-948B-1728B52AA6E4}">
+                <adec:decorative xmlns:adec="http://schemas.microsoft.com/office/drawing/2017/decorative" val="1"/>
+              </a:ext>
+            </a:extLst>
+          </p:cNvPr>
+          <p:cNvCxnSpPr>
+            <a:cxnSpLocks noGrp="1" noRot="1" noChangeAspect="1" noMove="1" noResize="1" noEditPoints="1" noAdjustHandles="1" noChangeArrowheads="1" noChangeShapeType="1"/>
+          </p:cNvCxnSpPr>
+          <p:nvPr>
+            <p:extLst>
+              <p:ext uri="{386F3935-93C4-4BCD-93E2-E3B085C9AB24}">
+                <p16:designElem xmlns:p16="http://schemas.microsoft.com/office/powerpoint/2015/main" val="1"/>
+              </p:ext>
+            </p:extLst>
+          </p:nvPr>
+        </p:nvCxnSpPr>
         <p:spPr>
           <a:xfrm>
-            <a:off x="2163076" y="172720"/>
-            <a:ext cx="1343125" cy="369332"/>
-          </a:xfrm>
-          <a:prstGeom prst="rect">
+            <a:off x="6091214" y="1111170"/>
+            <a:ext cx="11040" cy="4645103"/>
+          </a:xfrm>
+          <a:prstGeom prst="line">
             <a:avLst/>
           </a:prstGeom>
-          <a:noFill/>
-        </p:spPr>
-        <p:txBody>
-          <a:bodyPr wrap="none" rtlCol="0">
-            <a:spAutoFit/>
-          </a:bodyPr>
-          <a:lstStyle/>
-          <a:p>
-            <a:r>
-              <a:rPr lang="en-US" dirty="0"/>
-              <a:t>PCA analysis</a:t>
-            </a:r>
-            <a:endParaRPr lang="en-NZ" dirty="0"/>
-          </a:p>
-        </p:txBody>
-      </p:sp>
+          <a:ln w="19050">
+            <a:solidFill>
+              <a:srgbClr val="7F7F7F"/>
+            </a:solidFill>
+          </a:ln>
+        </p:spPr>
+        <p:style>
+          <a:lnRef idx="1">
+            <a:schemeClr val="accent1"/>
+          </a:lnRef>
+          <a:fillRef idx="0">
+            <a:schemeClr val="accent1"/>
+          </a:fillRef>
+          <a:effectRef idx="0">
+            <a:schemeClr val="accent1"/>
+          </a:effectRef>
+          <a:fontRef idx="minor">
+            <a:schemeClr val="tx1"/>
+          </a:fontRef>
+        </p:style>
+      </p:cxnSp>
       <p:pic>
         <p:nvPicPr>
-          <p:cNvPr id="8" name="Picture 7">
-            <a:extLst>
-              <a:ext uri="{FF2B5EF4-FFF2-40B4-BE49-F238E27FC236}">
-                <a16:creationId xmlns:a16="http://schemas.microsoft.com/office/drawing/2014/main" id="{A057DE44-00FE-C1DD-0BE4-821F7DAB5253}"/>
+          <p:cNvPr id="5" name="Picture 4">
+            <a:extLst>
+              <a:ext uri="{FF2B5EF4-FFF2-40B4-BE49-F238E27FC236}">
+                <a16:creationId xmlns:a16="http://schemas.microsoft.com/office/drawing/2014/main" id="{DC2C7366-67F3-16B2-24CC-17CCD4A7A55E}"/>
               </a:ext>
             </a:extLst>
           </p:cNvPr>
@@ -3442,20 +6883,124 @@
         </p:blipFill>
         <p:spPr>
           <a:xfrm>
-            <a:off x="580650" y="460772"/>
-            <a:ext cx="4723809" cy="3149206"/>
+            <a:off x="6781991" y="643467"/>
+            <a:ext cx="3845590" cy="2543217"/>
           </a:xfrm>
           <a:prstGeom prst="rect">
             <a:avLst/>
           </a:prstGeom>
         </p:spPr>
       </p:pic>
+      <p:cxnSp>
+        <p:nvCxnSpPr>
+          <p:cNvPr id="19" name="Straight Connector 18">
+            <a:extLst>
+              <a:ext uri="{FF2B5EF4-FFF2-40B4-BE49-F238E27FC236}">
+                <a16:creationId xmlns:a16="http://schemas.microsoft.com/office/drawing/2014/main" id="{28CA55E4-1295-45C8-BA05-5A9E705B749A}"/>
+              </a:ext>
+              <a:ext uri="{C183D7F6-B498-43B3-948B-1728B52AA6E4}">
+                <adec:decorative xmlns:adec="http://schemas.microsoft.com/office/drawing/2017/decorative" val="1"/>
+              </a:ext>
+            </a:extLst>
+          </p:cNvPr>
+          <p:cNvCxnSpPr>
+            <a:cxnSpLocks noGrp="1" noRot="1" noChangeAspect="1" noMove="1" noResize="1" noEditPoints="1" noAdjustHandles="1" noChangeArrowheads="1" noChangeShapeType="1"/>
+          </p:cNvCxnSpPr>
+          <p:nvPr>
+            <p:extLst>
+              <p:ext uri="{386F3935-93C4-4BCD-93E2-E3B085C9AB24}">
+                <p16:designElem xmlns:p16="http://schemas.microsoft.com/office/powerpoint/2015/main" val="1"/>
+              </p:ext>
+            </p:extLst>
+          </p:nvPr>
+        </p:nvCxnSpPr>
+        <p:spPr>
+          <a:xfrm>
+            <a:off x="1403027" y="3428998"/>
+            <a:ext cx="4188904" cy="1"/>
+          </a:xfrm>
+          <a:prstGeom prst="line">
+            <a:avLst/>
+          </a:prstGeom>
+          <a:ln w="19050">
+            <a:solidFill>
+              <a:srgbClr val="7F7F7F"/>
+            </a:solidFill>
+          </a:ln>
+        </p:spPr>
+        <p:style>
+          <a:lnRef idx="1">
+            <a:schemeClr val="accent1"/>
+          </a:lnRef>
+          <a:fillRef idx="0">
+            <a:schemeClr val="accent1"/>
+          </a:fillRef>
+          <a:effectRef idx="0">
+            <a:schemeClr val="accent1"/>
+          </a:effectRef>
+          <a:fontRef idx="minor">
+            <a:schemeClr val="tx1"/>
+          </a:fontRef>
+        </p:style>
+      </p:cxnSp>
+      <p:cxnSp>
+        <p:nvCxnSpPr>
+          <p:cNvPr id="21" name="Straight Connector 20">
+            <a:extLst>
+              <a:ext uri="{FF2B5EF4-FFF2-40B4-BE49-F238E27FC236}">
+                <a16:creationId xmlns:a16="http://schemas.microsoft.com/office/drawing/2014/main" id="{08C5794E-A9A1-4A23-AF68-C79A7822334C}"/>
+              </a:ext>
+              <a:ext uri="{C183D7F6-B498-43B3-948B-1728B52AA6E4}">
+                <adec:decorative xmlns:adec="http://schemas.microsoft.com/office/drawing/2017/decorative" val="1"/>
+              </a:ext>
+            </a:extLst>
+          </p:cNvPr>
+          <p:cNvCxnSpPr>
+            <a:cxnSpLocks noGrp="1" noRot="1" noChangeAspect="1" noMove="1" noResize="1" noEditPoints="1" noAdjustHandles="1" noChangeArrowheads="1" noChangeShapeType="1"/>
+          </p:cNvCxnSpPr>
+          <p:nvPr>
+            <p:extLst>
+              <p:ext uri="{386F3935-93C4-4BCD-93E2-E3B085C9AB24}">
+                <p16:designElem xmlns:p16="http://schemas.microsoft.com/office/powerpoint/2015/main" val="1"/>
+              </p:ext>
+            </p:extLst>
+          </p:nvPr>
+        </p:nvCxnSpPr>
+        <p:spPr>
+          <a:xfrm>
+            <a:off x="6610334" y="3428998"/>
+            <a:ext cx="4188904" cy="1"/>
+          </a:xfrm>
+          <a:prstGeom prst="line">
+            <a:avLst/>
+          </a:prstGeom>
+          <a:ln w="19050">
+            <a:solidFill>
+              <a:srgbClr val="7F7F7F"/>
+            </a:solidFill>
+          </a:ln>
+        </p:spPr>
+        <p:style>
+          <a:lnRef idx="1">
+            <a:schemeClr val="accent1"/>
+          </a:lnRef>
+          <a:fillRef idx="0">
+            <a:schemeClr val="accent1"/>
+          </a:fillRef>
+          <a:effectRef idx="0">
+            <a:schemeClr val="accent1"/>
+          </a:effectRef>
+          <a:fontRef idx="minor">
+            <a:schemeClr val="tx1"/>
+          </a:fontRef>
+        </p:style>
+      </p:cxnSp>
       <p:pic>
         <p:nvPicPr>
-          <p:cNvPr id="10" name="Picture 9">
-            <a:extLst>
-              <a:ext uri="{FF2B5EF4-FFF2-40B4-BE49-F238E27FC236}">
-                <a16:creationId xmlns:a16="http://schemas.microsoft.com/office/drawing/2014/main" id="{B29AF275-E4E3-6B3C-2442-8C722943F731}"/>
+          <p:cNvPr id="9" name="Picture 8">
+            <a:extLst>
+              <a:ext uri="{FF2B5EF4-FFF2-40B4-BE49-F238E27FC236}">
+                <a16:creationId xmlns:a16="http://schemas.microsoft.com/office/drawing/2014/main" id="{36459F9E-805F-623D-280F-5DF263DFF398}"/>
               </a:ext>
             </a:extLst>
           </p:cNvPr>
@@ -3472,8 +7017,38 @@
         </p:blipFill>
         <p:spPr>
           <a:xfrm>
-            <a:off x="6695753" y="3326984"/>
-            <a:ext cx="3611880" cy="3611880"/>
+            <a:off x="1659844" y="3671316"/>
+            <a:ext cx="3663110" cy="2545862"/>
+          </a:xfrm>
+          <a:prstGeom prst="rect">
+            <a:avLst/>
+          </a:prstGeom>
+        </p:spPr>
+      </p:pic>
+      <p:pic>
+        <p:nvPicPr>
+          <p:cNvPr id="12" name="Picture 11">
+            <a:extLst>
+              <a:ext uri="{FF2B5EF4-FFF2-40B4-BE49-F238E27FC236}">
+                <a16:creationId xmlns:a16="http://schemas.microsoft.com/office/drawing/2014/main" id="{D9C5A000-E022-43D5-EF4A-11ADA08E339D}"/>
+              </a:ext>
+            </a:extLst>
+          </p:cNvPr>
+          <p:cNvPicPr>
+            <a:picLocks noChangeAspect="1"/>
+          </p:cNvPicPr>
+          <p:nvPr/>
+        </p:nvPicPr>
+        <p:blipFill>
+          <a:blip r:embed="rId5"/>
+          <a:stretch>
+            <a:fillRect/>
+          </a:stretch>
+        </p:blipFill>
+        <p:spPr>
+          <a:xfrm>
+            <a:off x="6919143" y="3671316"/>
+            <a:ext cx="3571285" cy="2553469"/>
           </a:xfrm>
           <a:prstGeom prst="rect">
             <a:avLst/>
@@ -3483,7 +7058,7 @@
     </p:spTree>
     <p:extLst>
       <p:ext uri="{BB962C8B-B14F-4D97-AF65-F5344CB8AC3E}">
-        <p14:creationId xmlns:p14="http://schemas.microsoft.com/office/powerpoint/2010/main" val="2526964036"/>
+        <p14:creationId xmlns:p14="http://schemas.microsoft.com/office/powerpoint/2010/main" val="2218779817"/>
       </p:ext>
     </p:extLst>
   </p:cSld>
@@ -3493,9 +7068,17 @@
 </p:sld>
 </file>
 
-<file path=ppt/slides/slide2.xml><?xml version="1.0" encoding="utf-8"?>
+<file path=ppt/slides/slide8.xml><?xml version="1.0" encoding="utf-8"?>
 <p:sld xmlns:a="http://schemas.openxmlformats.org/drawingml/2006/main" xmlns:r="http://schemas.openxmlformats.org/officeDocument/2006/relationships" xmlns:p="http://schemas.openxmlformats.org/presentationml/2006/main">
   <p:cSld>
+    <p:bg>
+      <p:bgPr>
+        <a:solidFill>
+          <a:schemeClr val="bg1"/>
+        </a:solidFill>
+        <a:effectLst/>
+      </p:bgPr>
+    </p:bg>
     <p:spTree>
       <p:nvGrpSpPr>
         <p:cNvPr id="1" name=""/>
@@ -3510,87 +7093,72 @@
           <a:chExt cx="0" cy="0"/>
         </a:xfrm>
       </p:grpSpPr>
-      <p:sp>
-        <p:nvSpPr>
-          <p:cNvPr id="5" name="TextBox 4">
-            <a:extLst>
-              <a:ext uri="{FF2B5EF4-FFF2-40B4-BE49-F238E27FC236}">
-                <a16:creationId xmlns:a16="http://schemas.microsoft.com/office/drawing/2014/main" id="{A9B27968-EFC2-331E-AAD6-EE3BD604B11A}"/>
-              </a:ext>
-            </a:extLst>
-          </p:cNvPr>
-          <p:cNvSpPr txBox="1"/>
-          <p:nvPr/>
+      <p:sp useBgFill="1">
+        <p:nvSpPr>
+          <p:cNvPr id="21" name="Rectangle 8">
+            <a:extLst>
+              <a:ext uri="{FF2B5EF4-FFF2-40B4-BE49-F238E27FC236}">
+                <a16:creationId xmlns:a16="http://schemas.microsoft.com/office/drawing/2014/main" id="{A51A0227-072A-4F5F-928C-E2C3E5CCD10C}"/>
+              </a:ext>
+              <a:ext uri="{C183D7F6-B498-43B3-948B-1728B52AA6E4}">
+                <adec:decorative xmlns:adec="http://schemas.microsoft.com/office/drawing/2017/decorative" val="1"/>
+              </a:ext>
+            </a:extLst>
+          </p:cNvPr>
+          <p:cNvSpPr>
+            <a:spLocks noGrp="1" noRot="1" noChangeAspect="1" noMove="1" noResize="1" noEditPoints="1" noAdjustHandles="1" noChangeArrowheads="1" noChangeShapeType="1" noTextEdit="1"/>
+          </p:cNvSpPr>
+          <p:nvPr>
+            <p:extLst>
+              <p:ext uri="{386F3935-93C4-4BCD-93E2-E3B085C9AB24}">
+                <p16:designElem xmlns:p16="http://schemas.microsoft.com/office/powerpoint/2015/main" val="1"/>
+              </p:ext>
+            </p:extLst>
+          </p:nvPr>
         </p:nvSpPr>
         <p:spPr>
           <a:xfrm>
-            <a:off x="6602095" y="447040"/>
-            <a:ext cx="3680175" cy="2308324"/>
+            <a:off x="0" y="0"/>
+            <a:ext cx="12188952" cy="6858000"/>
           </a:xfrm>
           <a:prstGeom prst="rect">
             <a:avLst/>
           </a:prstGeom>
-          <a:noFill/>
-        </p:spPr>
-        <p:txBody>
-          <a:bodyPr wrap="none" rtlCol="0">
-            <a:spAutoFit/>
-          </a:bodyPr>
-          <a:lstStyle/>
-          <a:p>
-            <a:r>
-              <a:rPr lang="en-US" dirty="0"/>
-              <a:t>Important variables:</a:t>
-            </a:r>
-          </a:p>
-          <a:p>
-            <a:endParaRPr lang="en-US" dirty="0"/>
-          </a:p>
-          <a:p>
-            <a:r>
-              <a:rPr lang="en-US" dirty="0"/>
-              <a:t>Mean fractal dimension &amp; worst FD</a:t>
-            </a:r>
-          </a:p>
-          <a:p>
-            <a:r>
-              <a:rPr lang="en-US" dirty="0"/>
-              <a:t>Mean symmetry &amp; worst symmetry</a:t>
-            </a:r>
-          </a:p>
-          <a:p>
-            <a:r>
-              <a:rPr lang="en-US" dirty="0"/>
-              <a:t>Mean area &amp; worst area </a:t>
-            </a:r>
-          </a:p>
-          <a:p>
-            <a:r>
-              <a:rPr lang="en-US" dirty="0"/>
-              <a:t>Mean smoothness worst smoothness</a:t>
-            </a:r>
-          </a:p>
-          <a:p>
-            <a:r>
-              <a:rPr lang="en-US" dirty="0"/>
-              <a:t>Mean perimeter &amp; worst perimeter</a:t>
-            </a:r>
-          </a:p>
-          <a:p>
-            <a:r>
-              <a:rPr lang="en-US" dirty="0"/>
-              <a:t>Mean texture &amp; worst texture </a:t>
-            </a:r>
-            <a:endParaRPr lang="en-NZ" dirty="0"/>
+          <a:ln>
+            <a:noFill/>
+          </a:ln>
+        </p:spPr>
+        <p:style>
+          <a:lnRef idx="2">
+            <a:schemeClr val="accent1">
+              <a:shade val="50000"/>
+            </a:schemeClr>
+          </a:lnRef>
+          <a:fillRef idx="1">
+            <a:schemeClr val="accent1"/>
+          </a:fillRef>
+          <a:effectRef idx="0">
+            <a:schemeClr val="accent1"/>
+          </a:effectRef>
+          <a:fontRef idx="minor">
+            <a:schemeClr val="lt1"/>
+          </a:fontRef>
+        </p:style>
+        <p:txBody>
+          <a:bodyPr rtlCol="0" anchor="ctr"/>
+          <a:lstStyle/>
+          <a:p>
+            <a:pPr algn="ctr"/>
+            <a:endParaRPr lang="en-US"/>
           </a:p>
         </p:txBody>
       </p:sp>
       <p:pic>
         <p:nvPicPr>
-          <p:cNvPr id="7" name="Picture 6">
-            <a:extLst>
-              <a:ext uri="{FF2B5EF4-FFF2-40B4-BE49-F238E27FC236}">
-                <a16:creationId xmlns:a16="http://schemas.microsoft.com/office/drawing/2014/main" id="{4E1F45D0-8E93-A843-59BD-8AE0DC9C447D}"/>
+          <p:cNvPr id="3" name="Picture 2">
+            <a:extLst>
+              <a:ext uri="{FF2B5EF4-FFF2-40B4-BE49-F238E27FC236}">
+                <a16:creationId xmlns:a16="http://schemas.microsoft.com/office/drawing/2014/main" id="{AA422AB3-970D-C397-6148-C62678E7D2C6}"/>
               </a:ext>
             </a:extLst>
           </p:cNvPr>
@@ -3607,8 +7175,8 @@
         </p:blipFill>
         <p:spPr>
           <a:xfrm>
-            <a:off x="414304" y="235913"/>
-            <a:ext cx="5553193" cy="3193087"/>
+            <a:off x="463296" y="354972"/>
+            <a:ext cx="5471160" cy="3857167"/>
           </a:xfrm>
           <a:prstGeom prst="rect">
             <a:avLst/>
@@ -3617,10 +7185,10 @@
       </p:pic>
       <p:pic>
         <p:nvPicPr>
-          <p:cNvPr id="9" name="Picture 8">
-            <a:extLst>
-              <a:ext uri="{FF2B5EF4-FFF2-40B4-BE49-F238E27FC236}">
-                <a16:creationId xmlns:a16="http://schemas.microsoft.com/office/drawing/2014/main" id="{2AAAD57D-C103-713D-0B1E-08E96EDF1327}"/>
+          <p:cNvPr id="4" name="Picture 3">
+            <a:extLst>
+              <a:ext uri="{FF2B5EF4-FFF2-40B4-BE49-F238E27FC236}">
+                <a16:creationId xmlns:a16="http://schemas.microsoft.com/office/drawing/2014/main" id="{3A946418-B61F-DF6F-EA30-069000B6C64E}"/>
               </a:ext>
             </a:extLst>
           </p:cNvPr>
@@ -3637,8 +7205,8 @@
         </p:blipFill>
         <p:spPr>
           <a:xfrm>
-            <a:off x="252381" y="3344566"/>
-            <a:ext cx="6110320" cy="3513434"/>
+            <a:off x="6254496" y="354972"/>
+            <a:ext cx="5471160" cy="3857167"/>
           </a:xfrm>
           <a:prstGeom prst="rect">
             <a:avLst/>
@@ -3647,10 +7215,233 @@
       </p:pic>
       <p:sp>
         <p:nvSpPr>
-          <p:cNvPr id="10" name="TextBox 9">
-            <a:extLst>
-              <a:ext uri="{FF2B5EF4-FFF2-40B4-BE49-F238E27FC236}">
-                <a16:creationId xmlns:a16="http://schemas.microsoft.com/office/drawing/2014/main" id="{64AE02C6-B65B-AD83-1770-DA7F4AD7337B}"/>
+          <p:cNvPr id="22" name="sketchy line">
+            <a:extLst>
+              <a:ext uri="{FF2B5EF4-FFF2-40B4-BE49-F238E27FC236}">
+                <a16:creationId xmlns:a16="http://schemas.microsoft.com/office/drawing/2014/main" id="{35D99776-4B38-47DF-A302-11AD9AF87ACA}"/>
+              </a:ext>
+              <a:ext uri="{C183D7F6-B498-43B3-948B-1728B52AA6E4}">
+                <adec:decorative xmlns:adec="http://schemas.microsoft.com/office/drawing/2017/decorative" val="1"/>
+              </a:ext>
+            </a:extLst>
+          </p:cNvPr>
+          <p:cNvSpPr>
+            <a:spLocks noGrp="1" noRot="1" noChangeAspect="1" noMove="1" noResize="1" noEditPoints="1" noAdjustHandles="1" noChangeArrowheads="1" noChangeShapeType="1" noTextEdit="1"/>
+          </p:cNvSpPr>
+          <p:nvPr>
+            <p:extLst>
+              <p:ext uri="{386F3935-93C4-4BCD-93E2-E3B085C9AB24}">
+                <p16:designElem xmlns:p16="http://schemas.microsoft.com/office/powerpoint/2015/main" val="1"/>
+              </p:ext>
+            </p:extLst>
+          </p:nvPr>
+        </p:nvSpPr>
+        <p:spPr>
+          <a:xfrm rot="5400000">
+            <a:off x="4337304" y="5292566"/>
+            <a:ext cx="1554480" cy="18288"/>
+          </a:xfrm>
+          <a:custGeom>
+            <a:avLst/>
+            <a:gdLst>
+              <a:gd name="connsiteX0" fmla="*/ 0 w 1554480"/>
+              <a:gd name="connsiteY0" fmla="*/ 0 h 18288"/>
+              <a:gd name="connsiteX1" fmla="*/ 549250 w 1554480"/>
+              <a:gd name="connsiteY1" fmla="*/ 0 h 18288"/>
+              <a:gd name="connsiteX2" fmla="*/ 1082954 w 1554480"/>
+              <a:gd name="connsiteY2" fmla="*/ 0 h 18288"/>
+              <a:gd name="connsiteX3" fmla="*/ 1554480 w 1554480"/>
+              <a:gd name="connsiteY3" fmla="*/ 0 h 18288"/>
+              <a:gd name="connsiteX4" fmla="*/ 1554480 w 1554480"/>
+              <a:gd name="connsiteY4" fmla="*/ 18288 h 18288"/>
+              <a:gd name="connsiteX5" fmla="*/ 1067410 w 1554480"/>
+              <a:gd name="connsiteY5" fmla="*/ 18288 h 18288"/>
+              <a:gd name="connsiteX6" fmla="*/ 549250 w 1554480"/>
+              <a:gd name="connsiteY6" fmla="*/ 18288 h 18288"/>
+              <a:gd name="connsiteX7" fmla="*/ 0 w 1554480"/>
+              <a:gd name="connsiteY7" fmla="*/ 18288 h 18288"/>
+              <a:gd name="connsiteX8" fmla="*/ 0 w 1554480"/>
+              <a:gd name="connsiteY8" fmla="*/ 0 h 18288"/>
+            </a:gdLst>
+            <a:ahLst/>
+            <a:cxnLst>
+              <a:cxn ang="0">
+                <a:pos x="connsiteX0" y="connsiteY0"/>
+              </a:cxn>
+              <a:cxn ang="0">
+                <a:pos x="connsiteX1" y="connsiteY1"/>
+              </a:cxn>
+              <a:cxn ang="0">
+                <a:pos x="connsiteX2" y="connsiteY2"/>
+              </a:cxn>
+              <a:cxn ang="0">
+                <a:pos x="connsiteX3" y="connsiteY3"/>
+              </a:cxn>
+              <a:cxn ang="0">
+                <a:pos x="connsiteX4" y="connsiteY4"/>
+              </a:cxn>
+              <a:cxn ang="0">
+                <a:pos x="connsiteX5" y="connsiteY5"/>
+              </a:cxn>
+              <a:cxn ang="0">
+                <a:pos x="connsiteX6" y="connsiteY6"/>
+              </a:cxn>
+              <a:cxn ang="0">
+                <a:pos x="connsiteX7" y="connsiteY7"/>
+              </a:cxn>
+              <a:cxn ang="0">
+                <a:pos x="connsiteX8" y="connsiteY8"/>
+              </a:cxn>
+            </a:cxnLst>
+            <a:rect l="l" t="t" r="r" b="b"/>
+            <a:pathLst>
+              <a:path w="1554480" h="18288" fill="none" extrusionOk="0">
+                <a:moveTo>
+                  <a:pt x="0" y="0"/>
+                </a:moveTo>
+                <a:cubicBezTo>
+                  <a:pt x="114141" y="-19864"/>
+                  <a:pt x="345055" y="-1657"/>
+                  <a:pt x="549250" y="0"/>
+                </a:cubicBezTo>
+                <a:cubicBezTo>
+                  <a:pt x="753445" y="1657"/>
+                  <a:pt x="862292" y="-5674"/>
+                  <a:pt x="1082954" y="0"/>
+                </a:cubicBezTo>
+                <a:cubicBezTo>
+                  <a:pt x="1303616" y="5674"/>
+                  <a:pt x="1363530" y="4537"/>
+                  <a:pt x="1554480" y="0"/>
+                </a:cubicBezTo>
+                <a:cubicBezTo>
+                  <a:pt x="1554963" y="7176"/>
+                  <a:pt x="1553909" y="13682"/>
+                  <a:pt x="1554480" y="18288"/>
+                </a:cubicBezTo>
+                <a:cubicBezTo>
+                  <a:pt x="1338847" y="6127"/>
+                  <a:pt x="1215066" y="37851"/>
+                  <a:pt x="1067410" y="18288"/>
+                </a:cubicBezTo>
+                <a:cubicBezTo>
+                  <a:pt x="919754" y="-1275"/>
+                  <a:pt x="800465" y="3080"/>
+                  <a:pt x="549250" y="18288"/>
+                </a:cubicBezTo>
+                <a:cubicBezTo>
+                  <a:pt x="298035" y="33496"/>
+                  <a:pt x="158868" y="22769"/>
+                  <a:pt x="0" y="18288"/>
+                </a:cubicBezTo>
+                <a:cubicBezTo>
+                  <a:pt x="-655" y="13237"/>
+                  <a:pt x="709" y="4645"/>
+                  <a:pt x="0" y="0"/>
+                </a:cubicBezTo>
+                <a:close/>
+              </a:path>
+              <a:path w="1554480" h="18288" stroke="0" extrusionOk="0">
+                <a:moveTo>
+                  <a:pt x="0" y="0"/>
+                </a:moveTo>
+                <a:cubicBezTo>
+                  <a:pt x="249941" y="-58"/>
+                  <a:pt x="367334" y="23448"/>
+                  <a:pt x="502615" y="0"/>
+                </a:cubicBezTo>
+                <a:cubicBezTo>
+                  <a:pt x="637897" y="-23448"/>
+                  <a:pt x="813653" y="-20418"/>
+                  <a:pt x="974141" y="0"/>
+                </a:cubicBezTo>
+                <a:cubicBezTo>
+                  <a:pt x="1134629" y="20418"/>
+                  <a:pt x="1268772" y="6288"/>
+                  <a:pt x="1554480" y="0"/>
+                </a:cubicBezTo>
+                <a:cubicBezTo>
+                  <a:pt x="1554917" y="7222"/>
+                  <a:pt x="1555359" y="13299"/>
+                  <a:pt x="1554480" y="18288"/>
+                </a:cubicBezTo>
+                <a:cubicBezTo>
+                  <a:pt x="1336087" y="12172"/>
+                  <a:pt x="1310024" y="19759"/>
+                  <a:pt x="1067410" y="18288"/>
+                </a:cubicBezTo>
+                <a:cubicBezTo>
+                  <a:pt x="824796" y="16818"/>
+                  <a:pt x="787902" y="34647"/>
+                  <a:pt x="518160" y="18288"/>
+                </a:cubicBezTo>
+                <a:cubicBezTo>
+                  <a:pt x="248418" y="1930"/>
+                  <a:pt x="133160" y="9205"/>
+                  <a:pt x="0" y="18288"/>
+                </a:cubicBezTo>
+                <a:cubicBezTo>
+                  <a:pt x="-643" y="9451"/>
+                  <a:pt x="-340" y="7114"/>
+                  <a:pt x="0" y="0"/>
+                </a:cubicBezTo>
+                <a:close/>
+              </a:path>
+            </a:pathLst>
+          </a:custGeom>
+          <a:solidFill>
+            <a:schemeClr val="accent2"/>
+          </a:solidFill>
+          <a:ln w="41275" cap="rnd">
+            <a:solidFill>
+              <a:schemeClr val="accent2"/>
+            </a:solidFill>
+            <a:round/>
+            <a:extLst>
+              <a:ext uri="{C807C97D-BFC1-408E-A445-0C87EB9F89A2}">
+                <ask:lineSketchStyleProps xmlns:ask="http://schemas.microsoft.com/office/drawing/2018/sketchyshapes" sd="1219033472">
+                  <a:prstGeom prst="rect">
+                    <a:avLst/>
+                  </a:prstGeom>
+                  <ask:type>
+                    <ask:lineSketchFreehand/>
+                  </ask:type>
+                </ask:lineSketchStyleProps>
+              </a:ext>
+            </a:extLst>
+          </a:ln>
+        </p:spPr>
+        <p:style>
+          <a:lnRef idx="2">
+            <a:schemeClr val="accent1">
+              <a:shade val="50000"/>
+            </a:schemeClr>
+          </a:lnRef>
+          <a:fillRef idx="1">
+            <a:schemeClr val="accent1"/>
+          </a:fillRef>
+          <a:effectRef idx="0">
+            <a:schemeClr val="accent1"/>
+          </a:effectRef>
+          <a:fontRef idx="minor">
+            <a:schemeClr val="lt1"/>
+          </a:fontRef>
+        </p:style>
+        <p:txBody>
+          <a:bodyPr rtlCol="0" anchor="ctr"/>
+          <a:lstStyle/>
+          <a:p>
+            <a:pPr algn="ctr"/>
+            <a:endParaRPr lang="en-US"/>
+          </a:p>
+        </p:txBody>
+      </p:sp>
+      <p:sp>
+        <p:nvSpPr>
+          <p:cNvPr id="2" name="TextBox 1">
+            <a:extLst>
+              <a:ext uri="{FF2B5EF4-FFF2-40B4-BE49-F238E27FC236}">
+                <a16:creationId xmlns:a16="http://schemas.microsoft.com/office/drawing/2014/main" id="{3B256935-E5E1-F7A5-57D0-47325E754858}"/>
               </a:ext>
             </a:extLst>
           </p:cNvPr>
@@ -3659,877 +7450,40 @@
         </p:nvSpPr>
         <p:spPr>
           <a:xfrm>
-            <a:off x="6602094" y="3609340"/>
-            <a:ext cx="3680175" cy="2308324"/>
+            <a:off x="5333999" y="4440365"/>
+            <a:ext cx="6214871" cy="1722691"/>
           </a:xfrm>
           <a:prstGeom prst="rect">
             <a:avLst/>
           </a:prstGeom>
-          <a:noFill/>
-        </p:spPr>
-        <p:txBody>
-          <a:bodyPr wrap="none" rtlCol="0">
-            <a:spAutoFit/>
+        </p:spPr>
+        <p:txBody>
+          <a:bodyPr vert="horz" lIns="91440" tIns="45720" rIns="91440" bIns="45720" rtlCol="0" anchor="ctr">
+            <a:normAutofit/>
           </a:bodyPr>
           <a:lstStyle/>
           <a:p>
-            <a:r>
-              <a:rPr lang="en-US" dirty="0"/>
-              <a:t>Important variables:</a:t>
-            </a:r>
-          </a:p>
-          <a:p>
-            <a:endParaRPr lang="en-US" dirty="0"/>
-          </a:p>
-          <a:p>
-            <a:r>
-              <a:rPr lang="en-US" dirty="0"/>
-              <a:t>Mean fractal dimension &amp; worst FD</a:t>
-            </a:r>
-          </a:p>
-          <a:p>
-            <a:r>
-              <a:rPr lang="en-US" dirty="0"/>
-              <a:t>Mean symmetry &amp; worst symmetry</a:t>
-            </a:r>
-          </a:p>
-          <a:p>
-            <a:r>
-              <a:rPr lang="en-US" dirty="0"/>
-              <a:t>Mean area &amp; worst area </a:t>
-            </a:r>
-          </a:p>
-          <a:p>
-            <a:r>
-              <a:rPr lang="en-US" dirty="0"/>
-              <a:t>Mean smoothness worst smoothness</a:t>
-            </a:r>
-          </a:p>
-          <a:p>
-            <a:r>
-              <a:rPr lang="en-US" dirty="0"/>
-              <a:t>Mean perimeter &amp; worst perimeter</a:t>
-            </a:r>
-          </a:p>
-          <a:p>
-            <a:r>
-              <a:rPr lang="en-US" b="1" dirty="0">
-                <a:solidFill>
-                  <a:srgbClr val="FF0000"/>
-                </a:solidFill>
-              </a:rPr>
-              <a:t>Mean texture &amp; worst texture </a:t>
-            </a:r>
-            <a:endParaRPr lang="en-NZ" b="1" dirty="0">
-              <a:solidFill>
-                <a:srgbClr val="FF0000"/>
-              </a:solidFill>
-            </a:endParaRPr>
-          </a:p>
-        </p:txBody>
-      </p:sp>
-    </p:spTree>
-    <p:extLst>
-      <p:ext uri="{BB962C8B-B14F-4D97-AF65-F5344CB8AC3E}">
-        <p14:creationId xmlns:p14="http://schemas.microsoft.com/office/powerpoint/2010/main" val="3862661207"/>
-      </p:ext>
-    </p:extLst>
-  </p:cSld>
-  <p:clrMapOvr>
-    <a:masterClrMapping/>
-  </p:clrMapOvr>
-</p:sld>
-</file>
-
-<file path=ppt/slides/slide3.xml><?xml version="1.0" encoding="utf-8"?>
-<p:sld xmlns:a="http://schemas.openxmlformats.org/drawingml/2006/main" xmlns:r="http://schemas.openxmlformats.org/officeDocument/2006/relationships" xmlns:p="http://schemas.openxmlformats.org/presentationml/2006/main">
-  <p:cSld>
-    <p:spTree>
-      <p:nvGrpSpPr>
-        <p:cNvPr id="1" name=""/>
-        <p:cNvGrpSpPr/>
-        <p:nvPr/>
-      </p:nvGrpSpPr>
-      <p:grpSpPr>
-        <a:xfrm>
-          <a:off x="0" y="0"/>
-          <a:ext cx="0" cy="0"/>
-          <a:chOff x="0" y="0"/>
-          <a:chExt cx="0" cy="0"/>
-        </a:xfrm>
-      </p:grpSpPr>
-      <p:pic>
-        <p:nvPicPr>
-          <p:cNvPr id="5" name="Picture 4">
-            <a:extLst>
-              <a:ext uri="{FF2B5EF4-FFF2-40B4-BE49-F238E27FC236}">
-                <a16:creationId xmlns:a16="http://schemas.microsoft.com/office/drawing/2014/main" id="{67F0D473-17C0-3892-CBEE-4B5BF2AA8347}"/>
-              </a:ext>
-            </a:extLst>
-          </p:cNvPr>
-          <p:cNvPicPr>
-            <a:picLocks noChangeAspect="1"/>
-          </p:cNvPicPr>
-          <p:nvPr/>
-        </p:nvPicPr>
-        <p:blipFill>
-          <a:blip r:embed="rId2"/>
-          <a:stretch>
-            <a:fillRect/>
-          </a:stretch>
-        </p:blipFill>
-        <p:spPr>
-          <a:xfrm>
-            <a:off x="825944" y="422531"/>
-            <a:ext cx="5374831" cy="3090528"/>
-          </a:xfrm>
-          <a:prstGeom prst="rect">
-            <a:avLst/>
-          </a:prstGeom>
-        </p:spPr>
-      </p:pic>
-      <p:sp>
-        <p:nvSpPr>
-          <p:cNvPr id="6" name="TextBox 5">
-            <a:extLst>
-              <a:ext uri="{FF2B5EF4-FFF2-40B4-BE49-F238E27FC236}">
-                <a16:creationId xmlns:a16="http://schemas.microsoft.com/office/drawing/2014/main" id="{96CD8BCE-3B2D-A2FA-FFC7-65C140F6860C}"/>
-              </a:ext>
-            </a:extLst>
-          </p:cNvPr>
-          <p:cNvSpPr txBox="1"/>
-          <p:nvPr/>
-        </p:nvSpPr>
-        <p:spPr>
-          <a:xfrm>
-            <a:off x="8164194" y="1009015"/>
-            <a:ext cx="3680175" cy="2308324"/>
-          </a:xfrm>
-          <a:prstGeom prst="rect">
-            <a:avLst/>
-          </a:prstGeom>
-          <a:noFill/>
-        </p:spPr>
-        <p:txBody>
-          <a:bodyPr wrap="none" rtlCol="0">
-            <a:spAutoFit/>
-          </a:bodyPr>
-          <a:lstStyle/>
-          <a:p>
-            <a:r>
-              <a:rPr lang="en-US" dirty="0"/>
-              <a:t>Important variables:</a:t>
-            </a:r>
-          </a:p>
-          <a:p>
-            <a:endParaRPr lang="en-US" dirty="0"/>
-          </a:p>
-          <a:p>
-            <a:r>
-              <a:rPr lang="en-US" dirty="0"/>
-              <a:t>Mean fractal dimension &amp; worst FD</a:t>
-            </a:r>
-          </a:p>
-          <a:p>
-            <a:r>
-              <a:rPr lang="en-US" b="1" dirty="0">
-                <a:solidFill>
-                  <a:srgbClr val="FF0000"/>
-                </a:solidFill>
-              </a:rPr>
-              <a:t>Mean symmetry &amp; worst symmetry</a:t>
-            </a:r>
-          </a:p>
-          <a:p>
-            <a:r>
-              <a:rPr lang="en-US" dirty="0"/>
-              <a:t>Mean area &amp; worst area </a:t>
-            </a:r>
-          </a:p>
-          <a:p>
-            <a:r>
-              <a:rPr lang="en-US" dirty="0"/>
-              <a:t>Mean smoothness worst smoothness</a:t>
-            </a:r>
-          </a:p>
-          <a:p>
-            <a:r>
-              <a:rPr lang="en-US" dirty="0"/>
-              <a:t>Mean perimeter &amp; worst perimeter</a:t>
-            </a:r>
-          </a:p>
-          <a:p>
-            <a:r>
-              <a:rPr lang="en-US" dirty="0"/>
-              <a:t>Mean texture &amp; worst texture </a:t>
-            </a:r>
-            <a:endParaRPr lang="en-NZ" dirty="0"/>
-          </a:p>
-        </p:txBody>
-      </p:sp>
-      <p:pic>
-        <p:nvPicPr>
-          <p:cNvPr id="8" name="Picture 7">
-            <a:extLst>
-              <a:ext uri="{FF2B5EF4-FFF2-40B4-BE49-F238E27FC236}">
-                <a16:creationId xmlns:a16="http://schemas.microsoft.com/office/drawing/2014/main" id="{AC431862-21FB-9070-D179-08E38E290A85}"/>
-              </a:ext>
-            </a:extLst>
-          </p:cNvPr>
-          <p:cNvPicPr>
-            <a:picLocks noChangeAspect="1"/>
-          </p:cNvPicPr>
-          <p:nvPr/>
-        </p:nvPicPr>
-        <p:blipFill>
-          <a:blip r:embed="rId3"/>
-          <a:stretch>
-            <a:fillRect/>
-          </a:stretch>
-        </p:blipFill>
-        <p:spPr>
-          <a:xfrm>
-            <a:off x="825944" y="3649741"/>
-            <a:ext cx="5222431" cy="3002898"/>
-          </a:xfrm>
-          <a:prstGeom prst="rect">
-            <a:avLst/>
-          </a:prstGeom>
-        </p:spPr>
-      </p:pic>
-      <p:sp>
-        <p:nvSpPr>
-          <p:cNvPr id="9" name="TextBox 8">
-            <a:extLst>
-              <a:ext uri="{FF2B5EF4-FFF2-40B4-BE49-F238E27FC236}">
-                <a16:creationId xmlns:a16="http://schemas.microsoft.com/office/drawing/2014/main" id="{5246DDC1-8553-2E64-852F-11CFA396CCF6}"/>
-              </a:ext>
-            </a:extLst>
-          </p:cNvPr>
-          <p:cNvSpPr txBox="1"/>
-          <p:nvPr/>
-        </p:nvSpPr>
-        <p:spPr>
-          <a:xfrm>
-            <a:off x="8307069" y="3809365"/>
-            <a:ext cx="3680175" cy="2308324"/>
-          </a:xfrm>
-          <a:prstGeom prst="rect">
-            <a:avLst/>
-          </a:prstGeom>
-          <a:noFill/>
-        </p:spPr>
-        <p:txBody>
-          <a:bodyPr wrap="none" rtlCol="0">
-            <a:spAutoFit/>
-          </a:bodyPr>
-          <a:lstStyle/>
-          <a:p>
-            <a:r>
-              <a:rPr lang="en-US" dirty="0"/>
-              <a:t>Important variables:</a:t>
-            </a:r>
-          </a:p>
-          <a:p>
-            <a:endParaRPr lang="en-US" dirty="0"/>
-          </a:p>
-          <a:p>
-            <a:r>
-              <a:rPr lang="en-US" dirty="0">
-                <a:solidFill>
-                  <a:srgbClr val="FF0000"/>
-                </a:solidFill>
-              </a:rPr>
-              <a:t>Mean fractal dimension &amp; worst FD</a:t>
-            </a:r>
-          </a:p>
-          <a:p>
-            <a:r>
-              <a:rPr lang="en-US" dirty="0"/>
-              <a:t>Mean symmetry &amp; worst symmetry</a:t>
-            </a:r>
-          </a:p>
-          <a:p>
-            <a:r>
-              <a:rPr lang="en-US" dirty="0"/>
-              <a:t>Mean area &amp; worst area </a:t>
-            </a:r>
-          </a:p>
-          <a:p>
-            <a:r>
-              <a:rPr lang="en-US" dirty="0">
-                <a:solidFill>
-                  <a:srgbClr val="FF0000"/>
-                </a:solidFill>
-              </a:rPr>
-              <a:t>Mean smoothness worst smoothness</a:t>
-            </a:r>
-          </a:p>
-          <a:p>
-            <a:r>
-              <a:rPr lang="en-US" dirty="0"/>
-              <a:t>Mean perimeter &amp; worst perimeter</a:t>
-            </a:r>
-          </a:p>
-          <a:p>
-            <a:r>
-              <a:rPr lang="en-US" dirty="0"/>
-              <a:t>Mean texture &amp; worst texture </a:t>
-            </a:r>
-            <a:endParaRPr lang="en-NZ" dirty="0"/>
-          </a:p>
-        </p:txBody>
-      </p:sp>
-    </p:spTree>
-    <p:extLst>
-      <p:ext uri="{BB962C8B-B14F-4D97-AF65-F5344CB8AC3E}">
-        <p14:creationId xmlns:p14="http://schemas.microsoft.com/office/powerpoint/2010/main" val="1197110385"/>
-      </p:ext>
-    </p:extLst>
-  </p:cSld>
-  <p:clrMapOvr>
-    <a:masterClrMapping/>
-  </p:clrMapOvr>
-</p:sld>
-</file>
-
-<file path=ppt/slides/slide4.xml><?xml version="1.0" encoding="utf-8"?>
-<p:sld xmlns:a="http://schemas.openxmlformats.org/drawingml/2006/main" xmlns:r="http://schemas.openxmlformats.org/officeDocument/2006/relationships" xmlns:p="http://schemas.openxmlformats.org/presentationml/2006/main">
-  <p:cSld>
-    <p:spTree>
-      <p:nvGrpSpPr>
-        <p:cNvPr id="1" name=""/>
-        <p:cNvGrpSpPr/>
-        <p:nvPr/>
-      </p:nvGrpSpPr>
-      <p:grpSpPr>
-        <a:xfrm>
-          <a:off x="0" y="0"/>
-          <a:ext cx="0" cy="0"/>
-          <a:chOff x="0" y="0"/>
-          <a:chExt cx="0" cy="0"/>
-        </a:xfrm>
-      </p:grpSpPr>
-      <p:pic>
-        <p:nvPicPr>
-          <p:cNvPr id="5" name="Picture 4">
-            <a:extLst>
-              <a:ext uri="{FF2B5EF4-FFF2-40B4-BE49-F238E27FC236}">
-                <a16:creationId xmlns:a16="http://schemas.microsoft.com/office/drawing/2014/main" id="{EE3782B7-7003-621E-F279-D28B4977896A}"/>
-              </a:ext>
-            </a:extLst>
-          </p:cNvPr>
-          <p:cNvPicPr>
-            <a:picLocks noChangeAspect="1"/>
-          </p:cNvPicPr>
-          <p:nvPr/>
-        </p:nvPicPr>
-        <p:blipFill>
-          <a:blip r:embed="rId2"/>
-          <a:stretch>
-            <a:fillRect/>
-          </a:stretch>
-        </p:blipFill>
-        <p:spPr>
-          <a:xfrm>
-            <a:off x="307635" y="542052"/>
-            <a:ext cx="3786845" cy="2524563"/>
-          </a:xfrm>
-          <a:prstGeom prst="rect">
-            <a:avLst/>
-          </a:prstGeom>
-        </p:spPr>
-      </p:pic>
-      <p:sp>
-        <p:nvSpPr>
-          <p:cNvPr id="6" name="TextBox 5">
-            <a:extLst>
-              <a:ext uri="{FF2B5EF4-FFF2-40B4-BE49-F238E27FC236}">
-                <a16:creationId xmlns:a16="http://schemas.microsoft.com/office/drawing/2014/main" id="{ECB9E5FF-A8E9-4C28-5B61-03FEF08C5977}"/>
-              </a:ext>
-            </a:extLst>
-          </p:cNvPr>
-          <p:cNvSpPr txBox="1"/>
-          <p:nvPr/>
-        </p:nvSpPr>
-        <p:spPr>
-          <a:xfrm>
-            <a:off x="2163076" y="172720"/>
-            <a:ext cx="3866508" cy="369332"/>
-          </a:xfrm>
-          <a:prstGeom prst="rect">
-            <a:avLst/>
-          </a:prstGeom>
-          <a:noFill/>
-        </p:spPr>
-        <p:txBody>
-          <a:bodyPr wrap="none" rtlCol="0">
-            <a:spAutoFit/>
-          </a:bodyPr>
-          <a:lstStyle/>
-          <a:p>
-            <a:r>
-              <a:rPr lang="en-US" dirty="0"/>
-              <a:t>PCA analysis: after dropping 8 variables</a:t>
-            </a:r>
-            <a:endParaRPr lang="en-NZ" dirty="0"/>
-          </a:p>
-        </p:txBody>
-      </p:sp>
-      <p:pic>
-        <p:nvPicPr>
-          <p:cNvPr id="8" name="Picture 7">
-            <a:extLst>
-              <a:ext uri="{FF2B5EF4-FFF2-40B4-BE49-F238E27FC236}">
-                <a16:creationId xmlns:a16="http://schemas.microsoft.com/office/drawing/2014/main" id="{723BF09B-868F-7AAA-16D4-D7014A38823A}"/>
-              </a:ext>
-            </a:extLst>
-          </p:cNvPr>
-          <p:cNvPicPr>
-            <a:picLocks noChangeAspect="1"/>
-          </p:cNvPicPr>
-          <p:nvPr/>
-        </p:nvPicPr>
-        <p:blipFill>
-          <a:blip r:embed="rId3"/>
-          <a:stretch>
-            <a:fillRect/>
-          </a:stretch>
-        </p:blipFill>
-        <p:spPr>
-          <a:xfrm>
-            <a:off x="0" y="3358296"/>
-            <a:ext cx="4876190" cy="3326984"/>
-          </a:xfrm>
-          <a:prstGeom prst="rect">
-            <a:avLst/>
-          </a:prstGeom>
-        </p:spPr>
-      </p:pic>
-      <p:pic>
-        <p:nvPicPr>
-          <p:cNvPr id="10" name="Picture 9">
-            <a:extLst>
-              <a:ext uri="{FF2B5EF4-FFF2-40B4-BE49-F238E27FC236}">
-                <a16:creationId xmlns:a16="http://schemas.microsoft.com/office/drawing/2014/main" id="{8C260F12-DD26-DFF6-C0B1-7953F88C9EEB}"/>
-              </a:ext>
-            </a:extLst>
-          </p:cNvPr>
-          <p:cNvPicPr>
-            <a:picLocks noChangeAspect="1"/>
-          </p:cNvPicPr>
-          <p:nvPr/>
-        </p:nvPicPr>
-        <p:blipFill>
-          <a:blip r:embed="rId4"/>
-          <a:stretch>
-            <a:fillRect/>
-          </a:stretch>
-        </p:blipFill>
-        <p:spPr>
-          <a:xfrm>
-            <a:off x="4968545" y="542052"/>
-            <a:ext cx="4876190" cy="3326984"/>
-          </a:xfrm>
-          <a:prstGeom prst="rect">
-            <a:avLst/>
-          </a:prstGeom>
-        </p:spPr>
-      </p:pic>
-      <p:pic>
-        <p:nvPicPr>
-          <p:cNvPr id="12" name="Picture 11">
-            <a:extLst>
-              <a:ext uri="{FF2B5EF4-FFF2-40B4-BE49-F238E27FC236}">
-                <a16:creationId xmlns:a16="http://schemas.microsoft.com/office/drawing/2014/main" id="{DF11A678-DDD2-1814-414A-C98A1F00A83D}"/>
-              </a:ext>
-            </a:extLst>
-          </p:cNvPr>
-          <p:cNvPicPr>
-            <a:picLocks noChangeAspect="1"/>
-          </p:cNvPicPr>
-          <p:nvPr/>
-        </p:nvPicPr>
-        <p:blipFill>
-          <a:blip r:embed="rId5"/>
-          <a:stretch>
-            <a:fillRect/>
-          </a:stretch>
-        </p:blipFill>
-        <p:spPr>
-          <a:xfrm>
-            <a:off x="5090466" y="3869036"/>
-            <a:ext cx="5751104" cy="2690695"/>
-          </a:xfrm>
-          <a:prstGeom prst="rect">
-            <a:avLst/>
-          </a:prstGeom>
-        </p:spPr>
-      </p:pic>
-    </p:spTree>
-    <p:extLst>
-      <p:ext uri="{BB962C8B-B14F-4D97-AF65-F5344CB8AC3E}">
-        <p14:creationId xmlns:p14="http://schemas.microsoft.com/office/powerpoint/2010/main" val="3209596447"/>
-      </p:ext>
-    </p:extLst>
-  </p:cSld>
-  <p:clrMapOvr>
-    <a:masterClrMapping/>
-  </p:clrMapOvr>
-</p:sld>
-</file>
-
-<file path=ppt/slides/slide5.xml><?xml version="1.0" encoding="utf-8"?>
-<p:sld xmlns:a="http://schemas.openxmlformats.org/drawingml/2006/main" xmlns:r="http://schemas.openxmlformats.org/officeDocument/2006/relationships" xmlns:p="http://schemas.openxmlformats.org/presentationml/2006/main">
-  <p:cSld>
-    <p:spTree>
-      <p:nvGrpSpPr>
-        <p:cNvPr id="1" name=""/>
-        <p:cNvGrpSpPr/>
-        <p:nvPr/>
-      </p:nvGrpSpPr>
-      <p:grpSpPr>
-        <a:xfrm>
-          <a:off x="0" y="0"/>
-          <a:ext cx="0" cy="0"/>
-          <a:chOff x="0" y="0"/>
-          <a:chExt cx="0" cy="0"/>
-        </a:xfrm>
-      </p:grpSpPr>
-      <p:pic>
-        <p:nvPicPr>
-          <p:cNvPr id="5" name="Picture 4">
-            <a:extLst>
-              <a:ext uri="{FF2B5EF4-FFF2-40B4-BE49-F238E27FC236}">
-                <a16:creationId xmlns:a16="http://schemas.microsoft.com/office/drawing/2014/main" id="{DD9A7690-A370-273E-B3E6-944A8D544D5A}"/>
-              </a:ext>
-            </a:extLst>
-          </p:cNvPr>
-          <p:cNvPicPr>
-            <a:picLocks noChangeAspect="1"/>
-          </p:cNvPicPr>
-          <p:nvPr/>
-        </p:nvPicPr>
-        <p:blipFill>
-          <a:blip r:embed="rId2"/>
-          <a:stretch>
-            <a:fillRect/>
-          </a:stretch>
-        </p:blipFill>
-        <p:spPr>
-          <a:xfrm>
-            <a:off x="155924" y="664496"/>
-            <a:ext cx="5917460" cy="4584127"/>
-          </a:xfrm>
-          <a:prstGeom prst="rect">
-            <a:avLst/>
-          </a:prstGeom>
-        </p:spPr>
-      </p:pic>
-      <p:pic>
-        <p:nvPicPr>
-          <p:cNvPr id="6" name="Picture 5">
-            <a:extLst>
-              <a:ext uri="{FF2B5EF4-FFF2-40B4-BE49-F238E27FC236}">
-                <a16:creationId xmlns:a16="http://schemas.microsoft.com/office/drawing/2014/main" id="{580F73B3-F061-C045-FE9F-B097E5074CB5}"/>
-              </a:ext>
-            </a:extLst>
-          </p:cNvPr>
-          <p:cNvPicPr>
-            <a:picLocks noChangeAspect="1"/>
-          </p:cNvPicPr>
-          <p:nvPr/>
-        </p:nvPicPr>
-        <p:blipFill>
-          <a:blip r:embed="rId3"/>
-          <a:stretch>
-            <a:fillRect/>
-          </a:stretch>
-        </p:blipFill>
-        <p:spPr>
-          <a:xfrm>
-            <a:off x="6073384" y="664495"/>
-            <a:ext cx="5917460" cy="4584127"/>
-          </a:xfrm>
-          <a:prstGeom prst="rect">
-            <a:avLst/>
-          </a:prstGeom>
-        </p:spPr>
-      </p:pic>
-    </p:spTree>
-    <p:extLst>
-      <p:ext uri="{BB962C8B-B14F-4D97-AF65-F5344CB8AC3E}">
-        <p14:creationId xmlns:p14="http://schemas.microsoft.com/office/powerpoint/2010/main" val="254873656"/>
-      </p:ext>
-    </p:extLst>
-  </p:cSld>
-  <p:clrMapOvr>
-    <a:masterClrMapping/>
-  </p:clrMapOvr>
-</p:sld>
-</file>
-
-<file path=ppt/slides/slide6.xml><?xml version="1.0" encoding="utf-8"?>
-<p:sld xmlns:a="http://schemas.openxmlformats.org/drawingml/2006/main" xmlns:r="http://schemas.openxmlformats.org/officeDocument/2006/relationships" xmlns:p="http://schemas.openxmlformats.org/presentationml/2006/main">
-  <p:cSld>
-    <p:spTree>
-      <p:nvGrpSpPr>
-        <p:cNvPr id="1" name=""/>
-        <p:cNvGrpSpPr/>
-        <p:nvPr/>
-      </p:nvGrpSpPr>
-      <p:grpSpPr>
-        <a:xfrm>
-          <a:off x="0" y="0"/>
-          <a:ext cx="0" cy="0"/>
-          <a:chOff x="0" y="0"/>
-          <a:chExt cx="0" cy="0"/>
-        </a:xfrm>
-      </p:grpSpPr>
-      <p:pic>
-        <p:nvPicPr>
-          <p:cNvPr id="5" name="Picture 4">
-            <a:extLst>
-              <a:ext uri="{FF2B5EF4-FFF2-40B4-BE49-F238E27FC236}">
-                <a16:creationId xmlns:a16="http://schemas.microsoft.com/office/drawing/2014/main" id="{DC2C7366-67F3-16B2-24CC-17CCD4A7A55E}"/>
-              </a:ext>
-            </a:extLst>
-          </p:cNvPr>
-          <p:cNvPicPr>
-            <a:picLocks noChangeAspect="1"/>
-          </p:cNvPicPr>
-          <p:nvPr/>
-        </p:nvPicPr>
-        <p:blipFill>
-          <a:blip r:embed="rId2"/>
-          <a:stretch>
-            <a:fillRect/>
-          </a:stretch>
-        </p:blipFill>
-        <p:spPr>
-          <a:xfrm>
-            <a:off x="359574" y="177997"/>
-            <a:ext cx="4761905" cy="3149206"/>
-          </a:xfrm>
-          <a:prstGeom prst="rect">
-            <a:avLst/>
-          </a:prstGeom>
-        </p:spPr>
-      </p:pic>
-      <p:pic>
-        <p:nvPicPr>
-          <p:cNvPr id="7" name="Picture 6">
-            <a:extLst>
-              <a:ext uri="{FF2B5EF4-FFF2-40B4-BE49-F238E27FC236}">
-                <a16:creationId xmlns:a16="http://schemas.microsoft.com/office/drawing/2014/main" id="{0289442B-8AD9-E219-D94B-6852E34218C3}"/>
-              </a:ext>
-            </a:extLst>
-          </p:cNvPr>
-          <p:cNvPicPr>
-            <a:picLocks noChangeAspect="1"/>
-          </p:cNvPicPr>
-          <p:nvPr/>
-        </p:nvPicPr>
-        <p:blipFill>
-          <a:blip r:embed="rId3"/>
-          <a:stretch>
-            <a:fillRect/>
-          </a:stretch>
-        </p:blipFill>
-        <p:spPr>
-          <a:xfrm>
-            <a:off x="5544055" y="181472"/>
-            <a:ext cx="4600070" cy="3175206"/>
-          </a:xfrm>
-          <a:prstGeom prst="rect">
-            <a:avLst/>
-          </a:prstGeom>
-        </p:spPr>
-      </p:pic>
-      <p:pic>
-        <p:nvPicPr>
-          <p:cNvPr id="9" name="Picture 8">
-            <a:extLst>
-              <a:ext uri="{FF2B5EF4-FFF2-40B4-BE49-F238E27FC236}">
-                <a16:creationId xmlns:a16="http://schemas.microsoft.com/office/drawing/2014/main" id="{36459F9E-805F-623D-280F-5DF263DFF398}"/>
-              </a:ext>
-            </a:extLst>
-          </p:cNvPr>
-          <p:cNvPicPr>
-            <a:picLocks noChangeAspect="1"/>
-          </p:cNvPicPr>
-          <p:nvPr/>
-        </p:nvPicPr>
-        <p:blipFill>
-          <a:blip r:embed="rId4"/>
-          <a:stretch>
-            <a:fillRect/>
-          </a:stretch>
-        </p:blipFill>
-        <p:spPr>
-          <a:xfrm>
-            <a:off x="642055" y="3501323"/>
-            <a:ext cx="4479424" cy="3111498"/>
-          </a:xfrm>
-          <a:prstGeom prst="rect">
-            <a:avLst/>
-          </a:prstGeom>
-        </p:spPr>
-      </p:pic>
-      <p:pic>
-        <p:nvPicPr>
-          <p:cNvPr id="12" name="Picture 11">
-            <a:extLst>
-              <a:ext uri="{FF2B5EF4-FFF2-40B4-BE49-F238E27FC236}">
-                <a16:creationId xmlns:a16="http://schemas.microsoft.com/office/drawing/2014/main" id="{D9C5A000-E022-43D5-EF4A-11ADA08E339D}"/>
-              </a:ext>
-            </a:extLst>
-          </p:cNvPr>
-          <p:cNvPicPr>
-            <a:picLocks noChangeAspect="1"/>
-          </p:cNvPicPr>
-          <p:nvPr/>
-        </p:nvPicPr>
-        <p:blipFill>
-          <a:blip r:embed="rId5"/>
-          <a:stretch>
-            <a:fillRect/>
-          </a:stretch>
-        </p:blipFill>
-        <p:spPr>
-          <a:xfrm>
-            <a:off x="5772150" y="3523726"/>
-            <a:ext cx="4292013" cy="3066691"/>
-          </a:xfrm>
-          <a:prstGeom prst="rect">
-            <a:avLst/>
-          </a:prstGeom>
-        </p:spPr>
-      </p:pic>
-    </p:spTree>
-    <p:extLst>
-      <p:ext uri="{BB962C8B-B14F-4D97-AF65-F5344CB8AC3E}">
-        <p14:creationId xmlns:p14="http://schemas.microsoft.com/office/powerpoint/2010/main" val="2218779817"/>
-      </p:ext>
-    </p:extLst>
-  </p:cSld>
-  <p:clrMapOvr>
-    <a:masterClrMapping/>
-  </p:clrMapOvr>
-</p:sld>
-</file>
-
-<file path=ppt/slides/slide7.xml><?xml version="1.0" encoding="utf-8"?>
-<p:sld xmlns:a="http://schemas.openxmlformats.org/drawingml/2006/main" xmlns:r="http://schemas.openxmlformats.org/officeDocument/2006/relationships" xmlns:p="http://schemas.openxmlformats.org/presentationml/2006/main">
-  <p:cSld>
-    <p:spTree>
-      <p:nvGrpSpPr>
-        <p:cNvPr id="1" name=""/>
-        <p:cNvGrpSpPr/>
-        <p:nvPr/>
-      </p:nvGrpSpPr>
-      <p:grpSpPr>
-        <a:xfrm>
-          <a:off x="0" y="0"/>
-          <a:ext cx="0" cy="0"/>
-          <a:chOff x="0" y="0"/>
-          <a:chExt cx="0" cy="0"/>
-        </a:xfrm>
-      </p:grpSpPr>
-      <p:pic>
-        <p:nvPicPr>
-          <p:cNvPr id="3" name="Picture 2">
-            <a:extLst>
-              <a:ext uri="{FF2B5EF4-FFF2-40B4-BE49-F238E27FC236}">
-                <a16:creationId xmlns:a16="http://schemas.microsoft.com/office/drawing/2014/main" id="{AA422AB3-970D-C397-6148-C62678E7D2C6}"/>
-              </a:ext>
-            </a:extLst>
-          </p:cNvPr>
-          <p:cNvPicPr>
-            <a:picLocks noChangeAspect="1"/>
-          </p:cNvPicPr>
-          <p:nvPr/>
-        </p:nvPicPr>
-        <p:blipFill>
-          <a:blip r:embed="rId2"/>
-          <a:stretch>
-            <a:fillRect/>
-          </a:stretch>
-        </p:blipFill>
-        <p:spPr>
-          <a:xfrm>
-            <a:off x="156086" y="1810109"/>
-            <a:ext cx="5515664" cy="3885841"/>
-          </a:xfrm>
-          <a:prstGeom prst="rect">
-            <a:avLst/>
-          </a:prstGeom>
-        </p:spPr>
-      </p:pic>
-      <p:pic>
-        <p:nvPicPr>
-          <p:cNvPr id="4" name="Picture 3">
-            <a:extLst>
-              <a:ext uri="{FF2B5EF4-FFF2-40B4-BE49-F238E27FC236}">
-                <a16:creationId xmlns:a16="http://schemas.microsoft.com/office/drawing/2014/main" id="{3A946418-B61F-DF6F-EA30-069000B6C64E}"/>
-              </a:ext>
-            </a:extLst>
-          </p:cNvPr>
-          <p:cNvPicPr>
-            <a:picLocks noChangeAspect="1"/>
-          </p:cNvPicPr>
-          <p:nvPr/>
-        </p:nvPicPr>
-        <p:blipFill>
-          <a:blip r:embed="rId3"/>
-          <a:stretch>
-            <a:fillRect/>
-          </a:stretch>
-        </p:blipFill>
-        <p:spPr>
-          <a:xfrm>
-            <a:off x="6096000" y="1899780"/>
-            <a:ext cx="5261100" cy="3706498"/>
-          </a:xfrm>
-          <a:prstGeom prst="rect">
-            <a:avLst/>
-          </a:prstGeom>
-        </p:spPr>
-      </p:pic>
+            <a:pPr indent="-228600">
+              <a:lnSpc>
+                <a:spcPct val="90000"/>
+              </a:lnSpc>
+              <a:spcAft>
+                <a:spcPts val="600"/>
+              </a:spcAft>
+              <a:buFont typeface="Arial" panose="020B0604020202020204" pitchFamily="34" charset="0"/>
+              <a:buChar char="•"/>
+            </a:pPr>
+            <a:r>
+              <a:rPr lang="en-US" sz="2200" dirty="0"/>
+              <a:t>Observe the most important feature using violin and swamp distribution plot</a:t>
+            </a:r>
+          </a:p>
+        </p:txBody>
+      </p:sp>
     </p:spTree>
     <p:extLst>
       <p:ext uri="{BB962C8B-B14F-4D97-AF65-F5344CB8AC3E}">
         <p14:creationId xmlns:p14="http://schemas.microsoft.com/office/powerpoint/2010/main" val="3637107579"/>
-      </p:ext>
-    </p:extLst>
-  </p:cSld>
-  <p:clrMapOvr>
-    <a:masterClrMapping/>
-  </p:clrMapOvr>
-</p:sld>
-</file>
-
-<file path=ppt/slides/slide8.xml><?xml version="1.0" encoding="utf-8"?>
-<p:sld xmlns:a="http://schemas.openxmlformats.org/drawingml/2006/main" xmlns:r="http://schemas.openxmlformats.org/officeDocument/2006/relationships" xmlns:p="http://schemas.openxmlformats.org/presentationml/2006/main">
-  <p:cSld>
-    <p:spTree>
-      <p:nvGrpSpPr>
-        <p:cNvPr id="1" name=""/>
-        <p:cNvGrpSpPr/>
-        <p:nvPr/>
-      </p:nvGrpSpPr>
-      <p:grpSpPr>
-        <a:xfrm>
-          <a:off x="0" y="0"/>
-          <a:ext cx="0" cy="0"/>
-          <a:chOff x="0" y="0"/>
-          <a:chExt cx="0" cy="0"/>
-        </a:xfrm>
-      </p:grpSpPr>
-    </p:spTree>
-    <p:extLst>
-      <p:ext uri="{BB962C8B-B14F-4D97-AF65-F5344CB8AC3E}">
-        <p14:creationId xmlns:p14="http://schemas.microsoft.com/office/powerpoint/2010/main" val="2716552756"/>
       </p:ext>
     </p:extLst>
   </p:cSld>

--- a/Study cases/breastcancer/Breast cancer.pptx
+++ b/Study cases/breastcancer/Breast cancer.pptx
@@ -6,13 +6,12 @@
   </p:sldMasterIdLst>
   <p:sldIdLst>
     <p:sldId id="264" r:id="rId2"/>
-    <p:sldId id="256" r:id="rId3"/>
-    <p:sldId id="257" r:id="rId4"/>
-    <p:sldId id="258" r:id="rId5"/>
-    <p:sldId id="259" r:id="rId6"/>
-    <p:sldId id="260" r:id="rId7"/>
-    <p:sldId id="261" r:id="rId8"/>
-    <p:sldId id="262" r:id="rId9"/>
+    <p:sldId id="266" r:id="rId3"/>
+    <p:sldId id="261" r:id="rId4"/>
+    <p:sldId id="267" r:id="rId5"/>
+    <p:sldId id="262" r:id="rId6"/>
+    <p:sldId id="256" r:id="rId7"/>
+    <p:sldId id="268" r:id="rId8"/>
   </p:sldIdLst>
   <p:sldSz cx="12192000" cy="6858000"/>
   <p:notesSz cx="6858000" cy="9144000"/>
@@ -268,7 +267,7 @@
           <a:p>
             <a:fld id="{682CB48D-0125-4568-9D26-C9DBBF36EE83}" type="datetimeFigureOut">
               <a:rPr lang="en-NZ" smtClean="0"/>
-              <a:t>11/08/2023</a:t>
+              <a:t>16/02/2024</a:t>
             </a:fld>
             <a:endParaRPr lang="en-NZ"/>
           </a:p>
@@ -468,7 +467,7 @@
           <a:p>
             <a:fld id="{682CB48D-0125-4568-9D26-C9DBBF36EE83}" type="datetimeFigureOut">
               <a:rPr lang="en-NZ" smtClean="0"/>
-              <a:t>11/08/2023</a:t>
+              <a:t>16/02/2024</a:t>
             </a:fld>
             <a:endParaRPr lang="en-NZ"/>
           </a:p>
@@ -678,7 +677,7 @@
           <a:p>
             <a:fld id="{682CB48D-0125-4568-9D26-C9DBBF36EE83}" type="datetimeFigureOut">
               <a:rPr lang="en-NZ" smtClean="0"/>
-              <a:t>11/08/2023</a:t>
+              <a:t>16/02/2024</a:t>
             </a:fld>
             <a:endParaRPr lang="en-NZ"/>
           </a:p>
@@ -878,7 +877,7 @@
           <a:p>
             <a:fld id="{682CB48D-0125-4568-9D26-C9DBBF36EE83}" type="datetimeFigureOut">
               <a:rPr lang="en-NZ" smtClean="0"/>
-              <a:t>11/08/2023</a:t>
+              <a:t>16/02/2024</a:t>
             </a:fld>
             <a:endParaRPr lang="en-NZ"/>
           </a:p>
@@ -1154,7 +1153,7 @@
           <a:p>
             <a:fld id="{682CB48D-0125-4568-9D26-C9DBBF36EE83}" type="datetimeFigureOut">
               <a:rPr lang="en-NZ" smtClean="0"/>
-              <a:t>11/08/2023</a:t>
+              <a:t>16/02/2024</a:t>
             </a:fld>
             <a:endParaRPr lang="en-NZ"/>
           </a:p>
@@ -1422,7 +1421,7 @@
           <a:p>
             <a:fld id="{682CB48D-0125-4568-9D26-C9DBBF36EE83}" type="datetimeFigureOut">
               <a:rPr lang="en-NZ" smtClean="0"/>
-              <a:t>11/08/2023</a:t>
+              <a:t>16/02/2024</a:t>
             </a:fld>
             <a:endParaRPr lang="en-NZ"/>
           </a:p>
@@ -1837,7 +1836,7 @@
           <a:p>
             <a:fld id="{682CB48D-0125-4568-9D26-C9DBBF36EE83}" type="datetimeFigureOut">
               <a:rPr lang="en-NZ" smtClean="0"/>
-              <a:t>11/08/2023</a:t>
+              <a:t>16/02/2024</a:t>
             </a:fld>
             <a:endParaRPr lang="en-NZ"/>
           </a:p>
@@ -1979,7 +1978,7 @@
           <a:p>
             <a:fld id="{682CB48D-0125-4568-9D26-C9DBBF36EE83}" type="datetimeFigureOut">
               <a:rPr lang="en-NZ" smtClean="0"/>
-              <a:t>11/08/2023</a:t>
+              <a:t>16/02/2024</a:t>
             </a:fld>
             <a:endParaRPr lang="en-NZ"/>
           </a:p>
@@ -2092,7 +2091,7 @@
           <a:p>
             <a:fld id="{682CB48D-0125-4568-9D26-C9DBBF36EE83}" type="datetimeFigureOut">
               <a:rPr lang="en-NZ" smtClean="0"/>
-              <a:t>11/08/2023</a:t>
+              <a:t>16/02/2024</a:t>
             </a:fld>
             <a:endParaRPr lang="en-NZ"/>
           </a:p>
@@ -2405,7 +2404,7 @@
           <a:p>
             <a:fld id="{682CB48D-0125-4568-9D26-C9DBBF36EE83}" type="datetimeFigureOut">
               <a:rPr lang="en-NZ" smtClean="0"/>
-              <a:t>11/08/2023</a:t>
+              <a:t>16/02/2024</a:t>
             </a:fld>
             <a:endParaRPr lang="en-NZ"/>
           </a:p>
@@ -2694,7 +2693,7 @@
           <a:p>
             <a:fld id="{682CB48D-0125-4568-9D26-C9DBBF36EE83}" type="datetimeFigureOut">
               <a:rPr lang="en-NZ" smtClean="0"/>
-              <a:t>11/08/2023</a:t>
+              <a:t>16/02/2024</a:t>
             </a:fld>
             <a:endParaRPr lang="en-NZ"/>
           </a:p>
@@ -2937,7 +2936,7 @@
           <a:p>
             <a:fld id="{682CB48D-0125-4568-9D26-C9DBBF36EE83}" type="datetimeFigureOut">
               <a:rPr lang="en-NZ" smtClean="0"/>
-              <a:t>11/08/2023</a:t>
+              <a:t>16/02/2024</a:t>
             </a:fld>
             <a:endParaRPr lang="en-NZ"/>
           </a:p>
@@ -3852,14 +3851,6 @@
 <file path=ppt/slides/slide2.xml><?xml version="1.0" encoding="utf-8"?>
 <p:sld xmlns:a="http://schemas.openxmlformats.org/drawingml/2006/main" xmlns:r="http://schemas.openxmlformats.org/officeDocument/2006/relationships" xmlns:p="http://schemas.openxmlformats.org/presentationml/2006/main">
   <p:cSld>
-    <p:bg>
-      <p:bgPr>
-        <a:solidFill>
-          <a:schemeClr val="bg1"/>
-        </a:solidFill>
-        <a:effectLst/>
-      </p:bgPr>
-    </p:bg>
     <p:spTree>
       <p:nvGrpSpPr>
         <p:cNvPr id="1" name=""/>
@@ -3874,82 +3865,22 @@
           <a:chExt cx="0" cy="0"/>
         </a:xfrm>
       </p:grpSpPr>
-      <p:sp useBgFill="1">
-        <p:nvSpPr>
-          <p:cNvPr id="15" name="Rectangle 14">
-            <a:extLst>
-              <a:ext uri="{FF2B5EF4-FFF2-40B4-BE49-F238E27FC236}">
-                <a16:creationId xmlns:a16="http://schemas.microsoft.com/office/drawing/2014/main" id="{53B021B3-DE93-4AB7-8A18-CF5F1CED88B8}"/>
-              </a:ext>
-              <a:ext uri="{C183D7F6-B498-43B3-948B-1728B52AA6E4}">
-                <adec:decorative xmlns:adec="http://schemas.microsoft.com/office/drawing/2017/decorative" val="1"/>
-              </a:ext>
-            </a:extLst>
-          </p:cNvPr>
-          <p:cNvSpPr>
-            <a:spLocks noGrp="1" noRot="1" noChangeAspect="1" noMove="1" noResize="1" noEditPoints="1" noAdjustHandles="1" noChangeArrowheads="1" noChangeShapeType="1" noTextEdit="1"/>
-          </p:cNvSpPr>
-          <p:nvPr>
-            <p:extLst>
-              <p:ext uri="{386F3935-93C4-4BCD-93E2-E3B085C9AB24}">
-                <p16:designElem xmlns:p16="http://schemas.microsoft.com/office/powerpoint/2015/main" val="1"/>
-              </p:ext>
-            </p:extLst>
-          </p:nvPr>
+      <p:sp>
+        <p:nvSpPr>
+          <p:cNvPr id="2" name="TextBox 1">
+            <a:extLst>
+              <a:ext uri="{FF2B5EF4-FFF2-40B4-BE49-F238E27FC236}">
+                <a16:creationId xmlns:a16="http://schemas.microsoft.com/office/drawing/2014/main" id="{5A2E63F1-1B0C-9DEE-CBDB-7633D12031B4}"/>
+              </a:ext>
+            </a:extLst>
+          </p:cNvPr>
+          <p:cNvSpPr txBox="1"/>
+          <p:nvPr/>
         </p:nvSpPr>
         <p:spPr>
           <a:xfrm>
-            <a:off x="0" y="0"/>
-            <a:ext cx="12192000" cy="6858000"/>
-          </a:xfrm>
-          <a:prstGeom prst="rect">
-            <a:avLst/>
-          </a:prstGeom>
-          <a:ln>
-            <a:noFill/>
-          </a:ln>
-        </p:spPr>
-        <p:style>
-          <a:lnRef idx="2">
-            <a:schemeClr val="accent1">
-              <a:shade val="50000"/>
-            </a:schemeClr>
-          </a:lnRef>
-          <a:fillRef idx="1">
-            <a:schemeClr val="accent1"/>
-          </a:fillRef>
-          <a:effectRef idx="0">
-            <a:schemeClr val="accent1"/>
-          </a:effectRef>
-          <a:fontRef idx="minor">
-            <a:schemeClr val="lt1"/>
-          </a:fontRef>
-        </p:style>
-        <p:txBody>
-          <a:bodyPr rtlCol="0" anchor="ctr"/>
-          <a:lstStyle/>
-          <a:p>
-            <a:pPr algn="ctr"/>
-            <a:endParaRPr lang="en-US"/>
-          </a:p>
-        </p:txBody>
-      </p:sp>
-      <p:sp>
-        <p:nvSpPr>
-          <p:cNvPr id="2" name="TextBox 1">
-            <a:extLst>
-              <a:ext uri="{FF2B5EF4-FFF2-40B4-BE49-F238E27FC236}">
-                <a16:creationId xmlns:a16="http://schemas.microsoft.com/office/drawing/2014/main" id="{5A2E63F1-1B0C-9DEE-CBDB-7633D12031B4}"/>
-              </a:ext>
-            </a:extLst>
-          </p:cNvPr>
-          <p:cNvSpPr txBox="1"/>
-          <p:nvPr/>
-        </p:nvSpPr>
-        <p:spPr>
-          <a:xfrm>
-            <a:off x="841248" y="256032"/>
-            <a:ext cx="10506456" cy="1014984"/>
+            <a:off x="841248" y="256031"/>
+            <a:ext cx="10506456" cy="1360392"/>
           </a:xfrm>
           <a:prstGeom prst="rect">
             <a:avLst/>
@@ -3957,9 +3888,96 @@
         </p:spPr>
         <p:txBody>
           <a:bodyPr vert="horz" lIns="91440" tIns="45720" rIns="91440" bIns="45720" rtlCol="0" anchor="b">
-            <a:normAutofit/>
+            <a:normAutofit lnSpcReduction="10000"/>
           </a:bodyPr>
           <a:lstStyle/>
+          <a:p>
+            <a:pPr algn="ctr">
+              <a:lnSpc>
+                <a:spcPct val="90000"/>
+              </a:lnSpc>
+              <a:spcBef>
+                <a:spcPct val="0"/>
+              </a:spcBef>
+              <a:spcAft>
+                <a:spcPts val="600"/>
+              </a:spcAft>
+            </a:pPr>
+            <a:r>
+              <a:rPr lang="en-US" sz="3100" kern="1200" dirty="0">
+                <a:solidFill>
+                  <a:schemeClr val="tx1"/>
+                </a:solidFill>
+                <a:latin typeface="+mj-lt"/>
+                <a:ea typeface="+mj-ea"/>
+                <a:cs typeface="+mj-cs"/>
+              </a:rPr>
+              <a:t>Exploratory analysis of breast cancer data: Finding important variables to classify </a:t>
+            </a:r>
+            <a:r>
+              <a:rPr lang="en-US" sz="3100" kern="1200" dirty="0" err="1">
+                <a:solidFill>
+                  <a:schemeClr val="tx1"/>
+                </a:solidFill>
+                <a:latin typeface="+mj-lt"/>
+                <a:ea typeface="+mj-ea"/>
+                <a:cs typeface="+mj-cs"/>
+              </a:rPr>
+              <a:t>Begnin</a:t>
+            </a:r>
+            <a:r>
+              <a:rPr lang="en-US" sz="3100" kern="1200" dirty="0">
+                <a:solidFill>
+                  <a:schemeClr val="tx1"/>
+                </a:solidFill>
+                <a:latin typeface="+mj-lt"/>
+                <a:ea typeface="+mj-ea"/>
+                <a:cs typeface="+mj-cs"/>
+              </a:rPr>
+              <a:t> [1</a:t>
+            </a:r>
+            <a:r>
+              <a:rPr lang="en-US" sz="3100" dirty="0">
+                <a:latin typeface="+mj-lt"/>
+                <a:ea typeface="+mj-ea"/>
+                <a:cs typeface="+mj-cs"/>
+              </a:rPr>
+              <a:t>]</a:t>
+            </a:r>
+            <a:r>
+              <a:rPr lang="en-US" sz="3100" kern="1200" dirty="0">
+                <a:solidFill>
+                  <a:schemeClr val="tx1"/>
+                </a:solidFill>
+                <a:latin typeface="+mj-lt"/>
+                <a:ea typeface="+mj-ea"/>
+                <a:cs typeface="+mj-cs"/>
+              </a:rPr>
+              <a:t> : non-breast cancer from </a:t>
+            </a:r>
+            <a:r>
+              <a:rPr lang="en-US" sz="3100" kern="1200" dirty="0" err="1">
+                <a:solidFill>
+                  <a:schemeClr val="tx1"/>
+                </a:solidFill>
+                <a:latin typeface="+mj-lt"/>
+                <a:ea typeface="+mj-ea"/>
+                <a:cs typeface="+mj-cs"/>
+              </a:rPr>
+              <a:t>Maglinent</a:t>
+            </a:r>
+            <a:r>
+              <a:rPr lang="en-US" sz="3100" kern="1200" dirty="0">
+                <a:solidFill>
+                  <a:schemeClr val="tx1"/>
+                </a:solidFill>
+                <a:latin typeface="+mj-lt"/>
+                <a:ea typeface="+mj-ea"/>
+                <a:cs typeface="+mj-cs"/>
+              </a:rPr>
+              <a:t> [0] : breast cancer </a:t>
+            </a:r>
+          </a:p>
           <a:p>
             <a:pPr>
               <a:lnSpc>
@@ -3972,163 +3990,23 @@
                 <a:spcPts val="600"/>
               </a:spcAft>
             </a:pPr>
-            <a:r>
-              <a:rPr lang="en-US" sz="3100" kern="1200">
-                <a:solidFill>
-                  <a:schemeClr val="tx1"/>
-                </a:solidFill>
-                <a:latin typeface="+mj-lt"/>
-                <a:ea typeface="+mj-ea"/>
-                <a:cs typeface="+mj-cs"/>
-              </a:rPr>
-              <a:t>Classification of breast cancer patients (1) from non-breast cancer (0) using Principal component analysis (PCA) </a:t>
-            </a:r>
-          </a:p>
-        </p:txBody>
-      </p:sp>
-      <p:sp>
-        <p:nvSpPr>
-          <p:cNvPr id="17" name="Rectangle 16">
-            <a:extLst>
-              <a:ext uri="{FF2B5EF4-FFF2-40B4-BE49-F238E27FC236}">
-                <a16:creationId xmlns:a16="http://schemas.microsoft.com/office/drawing/2014/main" id="{52D502E5-F6B4-4D58-B4AE-FC466FF15EE8}"/>
-              </a:ext>
-              <a:ext uri="{C183D7F6-B498-43B3-948B-1728B52AA6E4}">
-                <adec:decorative xmlns:adec="http://schemas.microsoft.com/office/drawing/2017/decorative" val="1"/>
-              </a:ext>
-            </a:extLst>
-          </p:cNvPr>
-          <p:cNvSpPr>
-            <a:spLocks noGrp="1" noRot="1" noChangeAspect="1" noMove="1" noResize="1" noEditPoints="1" noAdjustHandles="1" noChangeArrowheads="1" noChangeShapeType="1" noTextEdit="1"/>
-          </p:cNvSpPr>
-          <p:nvPr>
-            <p:extLst>
-              <p:ext uri="{386F3935-93C4-4BCD-93E2-E3B085C9AB24}">
-                <p16:designElem xmlns:p16="http://schemas.microsoft.com/office/powerpoint/2015/main" val="1"/>
-              </p:ext>
-            </p:extLst>
-          </p:nvPr>
-        </p:nvSpPr>
-        <p:spPr>
-          <a:xfrm>
-            <a:off x="865953" y="1634502"/>
-            <a:ext cx="10451592" cy="18288"/>
-          </a:xfrm>
-          <a:prstGeom prst="rect">
-            <a:avLst/>
-          </a:prstGeom>
-          <a:solidFill>
-            <a:srgbClr val="D5D5D5"/>
-          </a:solidFill>
-          <a:ln w="3175">
-            <a:noFill/>
-          </a:ln>
-          <a:effectLst/>
-        </p:spPr>
-        <p:style>
-          <a:lnRef idx="2">
-            <a:schemeClr val="accent1">
-              <a:shade val="50000"/>
-            </a:schemeClr>
-          </a:lnRef>
-          <a:fillRef idx="1">
-            <a:schemeClr val="accent1"/>
-          </a:fillRef>
-          <a:effectRef idx="0">
-            <a:schemeClr val="accent1"/>
-          </a:effectRef>
-          <a:fontRef idx="minor">
-            <a:schemeClr val="lt1"/>
-          </a:fontRef>
-        </p:style>
-        <p:txBody>
-          <a:bodyPr rtlCol="0" anchor="ctr"/>
-          <a:lstStyle/>
-          <a:p>
-            <a:pPr algn="ctr"/>
-            <a:endParaRPr lang="en-US">
+            <a:endParaRPr lang="en-US" sz="3100" kern="1200" dirty="0">
               <a:solidFill>
-                <a:prstClr val="white"/>
+                <a:schemeClr val="tx1"/>
               </a:solidFill>
-              <a:latin typeface="Calibri" panose="020F0502020204030204"/>
-            </a:endParaRPr>
-          </a:p>
-        </p:txBody>
-      </p:sp>
-      <p:sp>
-        <p:nvSpPr>
-          <p:cNvPr id="19" name="Rectangle 18">
-            <a:extLst>
-              <a:ext uri="{FF2B5EF4-FFF2-40B4-BE49-F238E27FC236}">
-                <a16:creationId xmlns:a16="http://schemas.microsoft.com/office/drawing/2014/main" id="{9DECDBF4-02B6-4BB4-B65B-B8107AD6A9E8}"/>
-              </a:ext>
-              <a:ext uri="{C183D7F6-B498-43B3-948B-1728B52AA6E4}">
-                <adec:decorative xmlns:adec="http://schemas.microsoft.com/office/drawing/2017/decorative" val="1"/>
-              </a:ext>
-            </a:extLst>
-          </p:cNvPr>
-          <p:cNvSpPr>
-            <a:spLocks noGrp="1" noRot="1" noChangeAspect="1" noMove="1" noResize="1" noEditPoints="1" noAdjustHandles="1" noChangeArrowheads="1" noChangeShapeType="1" noTextEdit="1"/>
-          </p:cNvSpPr>
-          <p:nvPr>
-            <p:extLst>
-              <p:ext uri="{386F3935-93C4-4BCD-93E2-E3B085C9AB24}">
-                <p16:designElem xmlns:p16="http://schemas.microsoft.com/office/powerpoint/2015/main" val="1"/>
-              </p:ext>
-            </p:extLst>
-          </p:nvPr>
-        </p:nvSpPr>
-        <p:spPr>
-          <a:xfrm flipV="1">
-            <a:off x="841248" y="1538176"/>
-            <a:ext cx="1873457" cy="109814"/>
-          </a:xfrm>
-          <a:prstGeom prst="rect">
-            <a:avLst/>
-          </a:prstGeom>
-          <a:solidFill>
-            <a:schemeClr val="accent2"/>
-          </a:solidFill>
-          <a:ln>
-            <a:noFill/>
-          </a:ln>
-        </p:spPr>
-        <p:style>
-          <a:lnRef idx="2">
-            <a:schemeClr val="accent1">
-              <a:shade val="50000"/>
-            </a:schemeClr>
-          </a:lnRef>
-          <a:fillRef idx="1">
-            <a:schemeClr val="accent1"/>
-          </a:fillRef>
-          <a:effectRef idx="0">
-            <a:schemeClr val="accent1"/>
-          </a:effectRef>
-          <a:fontRef idx="minor">
-            <a:schemeClr val="lt1"/>
-          </a:fontRef>
-        </p:style>
-        <p:txBody>
-          <a:bodyPr rtlCol="0" anchor="ctr"/>
-          <a:lstStyle/>
-          <a:p>
-            <a:pPr algn="ctr"/>
-            <a:endParaRPr lang="en-US">
-              <a:solidFill>
-                <a:prstClr val="white"/>
-              </a:solidFill>
-              <a:latin typeface="Calibri" panose="020F0502020204030204"/>
+              <a:latin typeface="+mj-lt"/>
+              <a:ea typeface="+mj-ea"/>
+              <a:cs typeface="+mj-cs"/>
             </a:endParaRPr>
           </a:p>
         </p:txBody>
       </p:sp>
       <p:pic>
         <p:nvPicPr>
-          <p:cNvPr id="5" name="Picture 4">
-            <a:extLst>
-              <a:ext uri="{FF2B5EF4-FFF2-40B4-BE49-F238E27FC236}">
-                <a16:creationId xmlns:a16="http://schemas.microsoft.com/office/drawing/2014/main" id="{F9B4A547-740B-6037-6A89-F4C9AA6EE05C}"/>
+          <p:cNvPr id="3" name="Picture 2">
+            <a:extLst>
+              <a:ext uri="{FF2B5EF4-FFF2-40B4-BE49-F238E27FC236}">
+                <a16:creationId xmlns:a16="http://schemas.microsoft.com/office/drawing/2014/main" id="{60D9204B-636F-6A11-8CF6-4C9BC50AC2D1}"/>
               </a:ext>
             </a:extLst>
           </p:cNvPr>
@@ -4145,8 +4023,8 @@
         </p:blipFill>
         <p:spPr>
           <a:xfrm>
-            <a:off x="6435759" y="1926266"/>
-            <a:ext cx="3546797" cy="2358530"/>
+            <a:off x="480157" y="1987205"/>
+            <a:ext cx="3820474" cy="4446049"/>
           </a:xfrm>
           <a:prstGeom prst="rect">
             <a:avLst/>
@@ -4155,10 +4033,10 @@
       </p:pic>
       <p:sp>
         <p:nvSpPr>
-          <p:cNvPr id="6" name="TextBox 5">
-            <a:extLst>
-              <a:ext uri="{FF2B5EF4-FFF2-40B4-BE49-F238E27FC236}">
-                <a16:creationId xmlns:a16="http://schemas.microsoft.com/office/drawing/2014/main" id="{400D47EF-B31C-9330-896B-D98C42B11CCF}"/>
+          <p:cNvPr id="7" name="TextBox 6">
+            <a:extLst>
+              <a:ext uri="{FF2B5EF4-FFF2-40B4-BE49-F238E27FC236}">
+                <a16:creationId xmlns:a16="http://schemas.microsoft.com/office/drawing/2014/main" id="{3FF2EAD9-D9A7-B738-939F-661489FD8EF5}"/>
               </a:ext>
             </a:extLst>
           </p:cNvPr>
@@ -4167,8 +4045,8 @@
         </p:nvSpPr>
         <p:spPr>
           <a:xfrm>
-            <a:off x="3267518" y="2470443"/>
-            <a:ext cx="994311" cy="286232"/>
+            <a:off x="381983" y="1542773"/>
+            <a:ext cx="4856644" cy="341632"/>
           </a:xfrm>
           <a:prstGeom prst="rect">
             <a:avLst/>
@@ -4176,37 +4054,32 @@
           <a:noFill/>
         </p:spPr>
         <p:txBody>
-          <a:bodyPr wrap="none" rtlCol="0">
+          <a:bodyPr wrap="square">
             <a:spAutoFit/>
           </a:bodyPr>
           <a:lstStyle/>
           <a:p>
-            <a:pPr defTabSz="640080">
+            <a:pPr>
+              <a:lnSpc>
+                <a:spcPct val="90000"/>
+              </a:lnSpc>
               <a:spcAft>
                 <a:spcPts val="600"/>
               </a:spcAft>
             </a:pPr>
             <a:r>
-              <a:rPr lang="en-US" sz="1260" kern="1200">
-                <a:solidFill>
-                  <a:schemeClr val="tx1"/>
-                </a:solidFill>
-                <a:latin typeface="+mn-lt"/>
-                <a:ea typeface="+mn-ea"/>
-                <a:cs typeface="+mn-cs"/>
-              </a:rPr>
-              <a:t>PCA analysis</a:t>
-            </a:r>
-            <a:endParaRPr lang="en-NZ"/>
+              <a:rPr lang="en-US" dirty="0"/>
+              <a:t>Correlation heatmap between variables</a:t>
+            </a:r>
           </a:p>
         </p:txBody>
       </p:sp>
       <p:pic>
         <p:nvPicPr>
-          <p:cNvPr id="8" name="Picture 7">
-            <a:extLst>
-              <a:ext uri="{FF2B5EF4-FFF2-40B4-BE49-F238E27FC236}">
-                <a16:creationId xmlns:a16="http://schemas.microsoft.com/office/drawing/2014/main" id="{A057DE44-00FE-C1DD-0BE4-821F7DAB5253}"/>
+          <p:cNvPr id="11" name="Picture 10">
+            <a:extLst>
+              <a:ext uri="{FF2B5EF4-FFF2-40B4-BE49-F238E27FC236}">
+                <a16:creationId xmlns:a16="http://schemas.microsoft.com/office/drawing/2014/main" id="{35F4C3DF-F064-966A-C609-AAE99425E139}"/>
               </a:ext>
             </a:extLst>
           </p:cNvPr>
@@ -4223,48 +4096,202 @@
         </p:blipFill>
         <p:spPr>
           <a:xfrm>
-            <a:off x="2209444" y="2828366"/>
-            <a:ext cx="3348752" cy="2232502"/>
+            <a:off x="6094476" y="1843570"/>
+            <a:ext cx="4601054" cy="4589684"/>
           </a:xfrm>
           <a:prstGeom prst="rect">
             <a:avLst/>
           </a:prstGeom>
         </p:spPr>
       </p:pic>
-      <p:pic>
-        <p:nvPicPr>
-          <p:cNvPr id="10" name="Picture 9">
-            <a:extLst>
-              <a:ext uri="{FF2B5EF4-FFF2-40B4-BE49-F238E27FC236}">
-                <a16:creationId xmlns:a16="http://schemas.microsoft.com/office/drawing/2014/main" id="{B29AF275-E4E3-6B3C-2442-8C722943F731}"/>
-              </a:ext>
-            </a:extLst>
-          </p:cNvPr>
-          <p:cNvPicPr>
-            <a:picLocks noChangeAspect="1"/>
-          </p:cNvPicPr>
+      <p:sp>
+        <p:nvSpPr>
+          <p:cNvPr id="12" name="TextBox 11">
+            <a:extLst>
+              <a:ext uri="{FF2B5EF4-FFF2-40B4-BE49-F238E27FC236}">
+                <a16:creationId xmlns:a16="http://schemas.microsoft.com/office/drawing/2014/main" id="{E7E00BB6-31BB-35CB-A6FA-3342A59F2697}"/>
+              </a:ext>
+            </a:extLst>
+          </p:cNvPr>
+          <p:cNvSpPr txBox="1"/>
           <p:nvPr/>
-        </p:nvPicPr>
-        <p:blipFill>
-          <a:blip r:embed="rId4"/>
-          <a:stretch>
-            <a:fillRect/>
-          </a:stretch>
-        </p:blipFill>
+        </p:nvSpPr>
         <p:spPr>
           <a:xfrm>
-            <a:off x="6797682" y="4159483"/>
-            <a:ext cx="2822951" cy="2124307"/>
+            <a:off x="10875755" y="2274078"/>
+            <a:ext cx="943897" cy="341632"/>
           </a:xfrm>
           <a:prstGeom prst="rect">
             <a:avLst/>
           </a:prstGeom>
+          <a:noFill/>
         </p:spPr>
-      </p:pic>
+        <p:txBody>
+          <a:bodyPr wrap="square">
+            <a:spAutoFit/>
+          </a:bodyPr>
+          <a:lstStyle/>
+          <a:p>
+            <a:pPr>
+              <a:lnSpc>
+                <a:spcPct val="90000"/>
+              </a:lnSpc>
+              <a:spcAft>
+                <a:spcPts val="600"/>
+              </a:spcAft>
+            </a:pPr>
+            <a:r>
+              <a:rPr lang="en-US" dirty="0">
+                <a:solidFill>
+                  <a:srgbClr val="FF0000"/>
+                </a:solidFill>
+              </a:rPr>
+              <a:t>outliers</a:t>
+            </a:r>
+          </a:p>
+        </p:txBody>
+      </p:sp>
+      <p:sp>
+        <p:nvSpPr>
+          <p:cNvPr id="13" name="Oval 12">
+            <a:extLst>
+              <a:ext uri="{FF2B5EF4-FFF2-40B4-BE49-F238E27FC236}">
+                <a16:creationId xmlns:a16="http://schemas.microsoft.com/office/drawing/2014/main" id="{49562417-2403-F361-7C72-662491C5F1B8}"/>
+              </a:ext>
+            </a:extLst>
+          </p:cNvPr>
+          <p:cNvSpPr/>
+          <p:nvPr/>
+        </p:nvSpPr>
+        <p:spPr>
+          <a:xfrm>
+            <a:off x="9515659" y="1978908"/>
+            <a:ext cx="235974" cy="148361"/>
+          </a:xfrm>
+          <a:prstGeom prst="ellipse">
+            <a:avLst/>
+          </a:prstGeom>
+          <a:noFill/>
+          <a:ln>
+            <a:solidFill>
+              <a:srgbClr val="FF0000"/>
+            </a:solidFill>
+          </a:ln>
+        </p:spPr>
+        <p:style>
+          <a:lnRef idx="2">
+            <a:schemeClr val="accent1">
+              <a:shade val="15000"/>
+            </a:schemeClr>
+          </a:lnRef>
+          <a:fillRef idx="1">
+            <a:schemeClr val="accent1"/>
+          </a:fillRef>
+          <a:effectRef idx="0">
+            <a:schemeClr val="accent1"/>
+          </a:effectRef>
+          <a:fontRef idx="minor">
+            <a:schemeClr val="lt1"/>
+          </a:fontRef>
+        </p:style>
+        <p:txBody>
+          <a:bodyPr rtlCol="0" anchor="ctr"/>
+          <a:lstStyle/>
+          <a:p>
+            <a:pPr algn="ctr"/>
+            <a:endParaRPr lang="en-NZ"/>
+          </a:p>
+        </p:txBody>
+      </p:sp>
+      <p:sp>
+        <p:nvSpPr>
+          <p:cNvPr id="14" name="TextBox 13">
+            <a:extLst>
+              <a:ext uri="{FF2B5EF4-FFF2-40B4-BE49-F238E27FC236}">
+                <a16:creationId xmlns:a16="http://schemas.microsoft.com/office/drawing/2014/main" id="{08162A40-1242-2E9A-89E5-C3C07D6F8F0B}"/>
+              </a:ext>
+            </a:extLst>
+          </p:cNvPr>
+          <p:cNvSpPr txBox="1"/>
+          <p:nvPr/>
+        </p:nvSpPr>
+        <p:spPr>
+          <a:xfrm>
+            <a:off x="7459341" y="1646041"/>
+            <a:ext cx="3282401" cy="341632"/>
+          </a:xfrm>
+          <a:prstGeom prst="rect">
+            <a:avLst/>
+          </a:prstGeom>
+          <a:noFill/>
+        </p:spPr>
+        <p:txBody>
+          <a:bodyPr wrap="square">
+            <a:spAutoFit/>
+          </a:bodyPr>
+          <a:lstStyle/>
+          <a:p>
+            <a:pPr>
+              <a:lnSpc>
+                <a:spcPct val="90000"/>
+              </a:lnSpc>
+              <a:spcAft>
+                <a:spcPts val="600"/>
+              </a:spcAft>
+            </a:pPr>
+            <a:r>
+              <a:rPr lang="en-US" dirty="0"/>
+              <a:t>Box plot for all variables</a:t>
+            </a:r>
+          </a:p>
+        </p:txBody>
+      </p:sp>
+      <p:cxnSp>
+        <p:nvCxnSpPr>
+          <p:cNvPr id="18" name="Straight Arrow Connector 17">
+            <a:extLst>
+              <a:ext uri="{FF2B5EF4-FFF2-40B4-BE49-F238E27FC236}">
+                <a16:creationId xmlns:a16="http://schemas.microsoft.com/office/drawing/2014/main" id="{03BA6B20-4AF4-6B2F-383A-497892E25C08}"/>
+              </a:ext>
+            </a:extLst>
+          </p:cNvPr>
+          <p:cNvCxnSpPr/>
+          <p:nvPr/>
+        </p:nvCxnSpPr>
+        <p:spPr>
+          <a:xfrm>
+            <a:off x="9751633" y="2127269"/>
+            <a:ext cx="1073683" cy="303265"/>
+          </a:xfrm>
+          <a:prstGeom prst="straightConnector1">
+            <a:avLst/>
+          </a:prstGeom>
+          <a:ln>
+            <a:solidFill>
+              <a:srgbClr val="FF0000"/>
+            </a:solidFill>
+            <a:tailEnd type="triangle"/>
+          </a:ln>
+        </p:spPr>
+        <p:style>
+          <a:lnRef idx="1">
+            <a:schemeClr val="accent1"/>
+          </a:lnRef>
+          <a:fillRef idx="0">
+            <a:schemeClr val="accent1"/>
+          </a:fillRef>
+          <a:effectRef idx="0">
+            <a:schemeClr val="accent1"/>
+          </a:effectRef>
+          <a:fontRef idx="minor">
+            <a:schemeClr val="tx1"/>
+          </a:fontRef>
+        </p:style>
+      </p:cxnSp>
     </p:spTree>
     <p:extLst>
       <p:ext uri="{BB962C8B-B14F-4D97-AF65-F5344CB8AC3E}">
-        <p14:creationId xmlns:p14="http://schemas.microsoft.com/office/powerpoint/2010/main" val="2526964036"/>
+        <p14:creationId xmlns:p14="http://schemas.microsoft.com/office/powerpoint/2010/main" val="4162098418"/>
       </p:ext>
     </p:extLst>
   </p:cSld>
@@ -4299,374 +4326,12 @@
           <a:chExt cx="0" cy="0"/>
         </a:xfrm>
       </p:grpSpPr>
-      <p:sp>
-        <p:nvSpPr>
-          <p:cNvPr id="15" name="Rectangle 14">
-            <a:extLst>
-              <a:ext uri="{FF2B5EF4-FFF2-40B4-BE49-F238E27FC236}">
-                <a16:creationId xmlns:a16="http://schemas.microsoft.com/office/drawing/2014/main" id="{B9FF99BD-075F-4761-A995-6FC574BD25EA}"/>
-              </a:ext>
-              <a:ext uri="{C183D7F6-B498-43B3-948B-1728B52AA6E4}">
-                <adec:decorative xmlns:adec="http://schemas.microsoft.com/office/drawing/2017/decorative" val="1"/>
-              </a:ext>
-            </a:extLst>
-          </p:cNvPr>
-          <p:cNvSpPr>
-            <a:spLocks noGrp="1" noRot="1" noChangeAspect="1" noMove="1" noResize="1" noEditPoints="1" noAdjustHandles="1" noChangeArrowheads="1" noChangeShapeType="1" noTextEdit="1"/>
-          </p:cNvSpPr>
-          <p:nvPr>
-            <p:extLst>
-              <p:ext uri="{386F3935-93C4-4BCD-93E2-E3B085C9AB24}">
-                <p16:designElem xmlns:p16="http://schemas.microsoft.com/office/powerpoint/2015/main" val="1"/>
-              </p:ext>
-            </p:extLst>
-          </p:nvPr>
-        </p:nvSpPr>
-        <p:spPr>
-          <a:xfrm>
-            <a:off x="0" y="0"/>
-            <a:ext cx="12192000" cy="6858000"/>
-          </a:xfrm>
-          <a:prstGeom prst="rect">
-            <a:avLst/>
-          </a:prstGeom>
-          <a:solidFill>
-            <a:schemeClr val="bg1">
-              <a:lumMod val="65000"/>
-            </a:schemeClr>
-          </a:solidFill>
-          <a:ln>
-            <a:noFill/>
-          </a:ln>
-        </p:spPr>
-        <p:style>
-          <a:lnRef idx="2">
-            <a:schemeClr val="accent1">
-              <a:shade val="50000"/>
-            </a:schemeClr>
-          </a:lnRef>
-          <a:fillRef idx="1">
-            <a:schemeClr val="accent1"/>
-          </a:fillRef>
-          <a:effectRef idx="0">
-            <a:schemeClr val="accent1"/>
-          </a:effectRef>
-          <a:fontRef idx="minor">
-            <a:schemeClr val="lt1"/>
-          </a:fontRef>
-        </p:style>
-        <p:txBody>
-          <a:bodyPr rtlCol="0" anchor="ctr"/>
-          <a:lstStyle/>
-          <a:p>
-            <a:pPr algn="ctr"/>
-            <a:endParaRPr lang="en-US"/>
-          </a:p>
-        </p:txBody>
-      </p:sp>
-      <p:sp>
-        <p:nvSpPr>
-          <p:cNvPr id="17" name="Rectangle 16">
-            <a:extLst>
-              <a:ext uri="{FF2B5EF4-FFF2-40B4-BE49-F238E27FC236}">
-                <a16:creationId xmlns:a16="http://schemas.microsoft.com/office/drawing/2014/main" id="{A7B21A54-9BA3-4EA9-B460-5A829ADD9051}"/>
-              </a:ext>
-              <a:ext uri="{C183D7F6-B498-43B3-948B-1728B52AA6E4}">
-                <adec:decorative xmlns:adec="http://schemas.microsoft.com/office/drawing/2017/decorative" val="1"/>
-              </a:ext>
-            </a:extLst>
-          </p:cNvPr>
-          <p:cNvSpPr>
-            <a:spLocks noGrp="1" noRot="1" noChangeAspect="1" noMove="1" noResize="1" noEditPoints="1" noAdjustHandles="1" noChangeArrowheads="1" noChangeShapeType="1" noTextEdit="1"/>
-          </p:cNvSpPr>
-          <p:nvPr>
-            <p:extLst>
-              <p:ext uri="{386F3935-93C4-4BCD-93E2-E3B085C9AB24}">
-                <p16:designElem xmlns:p16="http://schemas.microsoft.com/office/powerpoint/2015/main" val="1"/>
-              </p:ext>
-            </p:extLst>
-          </p:nvPr>
-        </p:nvSpPr>
-        <p:spPr>
-          <a:xfrm>
-            <a:off x="477012" y="480060"/>
-            <a:ext cx="11237976" cy="5897880"/>
-          </a:xfrm>
-          <a:prstGeom prst="rect">
-            <a:avLst/>
-          </a:prstGeom>
-          <a:noFill/>
-          <a:ln>
-            <a:solidFill>
-              <a:schemeClr val="bg1"/>
-            </a:solidFill>
-          </a:ln>
-        </p:spPr>
-        <p:style>
-          <a:lnRef idx="2">
-            <a:schemeClr val="accent1">
-              <a:shade val="50000"/>
-            </a:schemeClr>
-          </a:lnRef>
-          <a:fillRef idx="1">
-            <a:schemeClr val="accent1"/>
-          </a:fillRef>
-          <a:effectRef idx="0">
-            <a:schemeClr val="accent1"/>
-          </a:effectRef>
-          <a:fontRef idx="minor">
-            <a:schemeClr val="lt1"/>
-          </a:fontRef>
-        </p:style>
-        <p:txBody>
-          <a:bodyPr rtlCol="0" anchor="ctr"/>
-          <a:lstStyle/>
-          <a:p>
-            <a:pPr algn="ctr"/>
-            <a:endParaRPr lang="en-US"/>
-          </a:p>
-        </p:txBody>
-      </p:sp>
-      <p:sp>
-        <p:nvSpPr>
-          <p:cNvPr id="19" name="Rectangle 18">
-            <a:extLst>
-              <a:ext uri="{FF2B5EF4-FFF2-40B4-BE49-F238E27FC236}">
-                <a16:creationId xmlns:a16="http://schemas.microsoft.com/office/drawing/2014/main" id="{6FA8F714-B9D8-488A-8CCA-E9948FF913A9}"/>
-              </a:ext>
-              <a:ext uri="{C183D7F6-B498-43B3-948B-1728B52AA6E4}">
-                <adec:decorative xmlns:adec="http://schemas.microsoft.com/office/drawing/2017/decorative" val="1"/>
-              </a:ext>
-            </a:extLst>
-          </p:cNvPr>
-          <p:cNvSpPr>
-            <a:spLocks noGrp="1" noRot="1" noChangeAspect="1" noMove="1" noResize="1" noEditPoints="1" noAdjustHandles="1" noChangeArrowheads="1" noChangeShapeType="1" noTextEdit="1"/>
-          </p:cNvSpPr>
-          <p:nvPr>
-            <p:extLst>
-              <p:ext uri="{386F3935-93C4-4BCD-93E2-E3B085C9AB24}">
-                <p16:designElem xmlns:p16="http://schemas.microsoft.com/office/powerpoint/2015/main" val="1"/>
-              </p:ext>
-            </p:extLst>
-          </p:nvPr>
-        </p:nvSpPr>
-        <p:spPr>
-          <a:xfrm>
-            <a:off x="643466" y="643468"/>
-            <a:ext cx="10905067" cy="5571066"/>
-          </a:xfrm>
-          <a:prstGeom prst="rect">
-            <a:avLst/>
-          </a:prstGeom>
-          <a:solidFill>
-            <a:srgbClr val="FFFFFF"/>
-          </a:solidFill>
-          <a:ln>
-            <a:noFill/>
-          </a:ln>
-        </p:spPr>
-        <p:style>
-          <a:lnRef idx="2">
-            <a:schemeClr val="accent1">
-              <a:shade val="50000"/>
-            </a:schemeClr>
-          </a:lnRef>
-          <a:fillRef idx="1">
-            <a:schemeClr val="accent1"/>
-          </a:fillRef>
-          <a:effectRef idx="0">
-            <a:schemeClr val="accent1"/>
-          </a:effectRef>
-          <a:fontRef idx="minor">
-            <a:schemeClr val="lt1"/>
-          </a:fontRef>
-        </p:style>
-        <p:txBody>
-          <a:bodyPr rtlCol="0" anchor="ctr"/>
-          <a:lstStyle/>
-          <a:p>
-            <a:pPr algn="ctr"/>
-            <a:endParaRPr lang="en-US"/>
-          </a:p>
-        </p:txBody>
-      </p:sp>
-      <p:sp>
-        <p:nvSpPr>
-          <p:cNvPr id="5" name="TextBox 4">
-            <a:extLst>
-              <a:ext uri="{FF2B5EF4-FFF2-40B4-BE49-F238E27FC236}">
-                <a16:creationId xmlns:a16="http://schemas.microsoft.com/office/drawing/2014/main" id="{A9B27968-EFC2-331E-AAD6-EE3BD604B11A}"/>
-              </a:ext>
-            </a:extLst>
-          </p:cNvPr>
-          <p:cNvSpPr txBox="1"/>
-          <p:nvPr/>
-        </p:nvSpPr>
-        <p:spPr>
-          <a:xfrm>
-            <a:off x="6996830" y="996018"/>
-            <a:ext cx="2586414" cy="2160079"/>
-          </a:xfrm>
-          <a:prstGeom prst="rect">
-            <a:avLst/>
-          </a:prstGeom>
-          <a:noFill/>
-        </p:spPr>
-        <p:txBody>
-          <a:bodyPr wrap="none" rtlCol="0">
-            <a:spAutoFit/>
-          </a:bodyPr>
-          <a:lstStyle/>
-          <a:p>
-            <a:pPr defTabSz="630936">
-              <a:spcAft>
-                <a:spcPts val="600"/>
-              </a:spcAft>
-            </a:pPr>
-            <a:r>
-              <a:rPr lang="en-US" sz="1242" kern="1200" dirty="0">
-                <a:solidFill>
-                  <a:schemeClr val="tx1"/>
-                </a:solidFill>
-                <a:latin typeface="+mn-lt"/>
-                <a:ea typeface="+mn-ea"/>
-                <a:cs typeface="+mn-cs"/>
-              </a:rPr>
-              <a:t>Important variables:</a:t>
-            </a:r>
-          </a:p>
-          <a:p>
-            <a:pPr defTabSz="630936">
-              <a:spcAft>
-                <a:spcPts val="600"/>
-              </a:spcAft>
-            </a:pPr>
-            <a:endParaRPr lang="en-US" sz="1242" kern="1200" dirty="0">
-              <a:solidFill>
-                <a:schemeClr val="tx1"/>
-              </a:solidFill>
-              <a:latin typeface="+mn-lt"/>
-              <a:ea typeface="+mn-ea"/>
-              <a:cs typeface="+mn-cs"/>
-            </a:endParaRPr>
-          </a:p>
-          <a:p>
-            <a:pPr defTabSz="630936">
-              <a:spcAft>
-                <a:spcPts val="600"/>
-              </a:spcAft>
-            </a:pPr>
-            <a:r>
-              <a:rPr lang="en-US" sz="1242" b="1" kern="1200" dirty="0">
-                <a:solidFill>
-                  <a:srgbClr val="FF0000"/>
-                </a:solidFill>
-                <a:latin typeface="+mn-lt"/>
-                <a:ea typeface="+mn-ea"/>
-                <a:cs typeface="+mn-cs"/>
-              </a:rPr>
-              <a:t>Mean fractal dimension &amp; worst FD</a:t>
-            </a:r>
-          </a:p>
-          <a:p>
-            <a:pPr defTabSz="630936">
-              <a:spcAft>
-                <a:spcPts val="600"/>
-              </a:spcAft>
-            </a:pPr>
-            <a:r>
-              <a:rPr lang="en-US" sz="1242" kern="1200" dirty="0">
-                <a:solidFill>
-                  <a:schemeClr val="tx1"/>
-                </a:solidFill>
-                <a:latin typeface="+mn-lt"/>
-                <a:ea typeface="+mn-ea"/>
-                <a:cs typeface="+mn-cs"/>
-              </a:rPr>
-              <a:t>Mean symmetry &amp; worst symmetry</a:t>
-            </a:r>
-          </a:p>
-          <a:p>
-            <a:pPr defTabSz="630936">
-              <a:spcAft>
-                <a:spcPts val="600"/>
-              </a:spcAft>
-            </a:pPr>
-            <a:r>
-              <a:rPr lang="en-US" sz="1242" kern="1200" dirty="0">
-                <a:solidFill>
-                  <a:schemeClr val="tx1"/>
-                </a:solidFill>
-                <a:latin typeface="+mn-lt"/>
-                <a:ea typeface="+mn-ea"/>
-                <a:cs typeface="+mn-cs"/>
-              </a:rPr>
-              <a:t>Mean area &amp; worst area </a:t>
-            </a:r>
-          </a:p>
-          <a:p>
-            <a:pPr defTabSz="630936">
-              <a:spcAft>
-                <a:spcPts val="600"/>
-              </a:spcAft>
-            </a:pPr>
-            <a:r>
-              <a:rPr lang="en-US" sz="1242" kern="1200" dirty="0">
-                <a:solidFill>
-                  <a:schemeClr val="tx1"/>
-                </a:solidFill>
-                <a:latin typeface="+mn-lt"/>
-                <a:ea typeface="+mn-ea"/>
-                <a:cs typeface="+mn-cs"/>
-              </a:rPr>
-              <a:t>Mean smoothness worst smoothness</a:t>
-            </a:r>
-          </a:p>
-          <a:p>
-            <a:pPr defTabSz="630936">
-              <a:spcAft>
-                <a:spcPts val="600"/>
-              </a:spcAft>
-            </a:pPr>
-            <a:r>
-              <a:rPr lang="en-US" sz="1242" kern="1200" dirty="0">
-                <a:solidFill>
-                  <a:schemeClr val="tx1"/>
-                </a:solidFill>
-                <a:latin typeface="+mn-lt"/>
-                <a:ea typeface="+mn-ea"/>
-                <a:cs typeface="+mn-cs"/>
-              </a:rPr>
-              <a:t>Mean perimeter &amp; worst perimeter</a:t>
-            </a:r>
-          </a:p>
-          <a:p>
-            <a:pPr defTabSz="630936">
-              <a:spcAft>
-                <a:spcPts val="600"/>
-              </a:spcAft>
-            </a:pPr>
-            <a:r>
-              <a:rPr lang="en-US" sz="1242" kern="1200" dirty="0">
-                <a:solidFill>
-                  <a:schemeClr val="tx1"/>
-                </a:solidFill>
-                <a:latin typeface="+mn-lt"/>
-                <a:ea typeface="+mn-ea"/>
-                <a:cs typeface="+mn-cs"/>
-              </a:rPr>
-              <a:t>Mean texture &amp; worst texture </a:t>
-            </a:r>
-            <a:endParaRPr lang="en-NZ" dirty="0"/>
-          </a:p>
-        </p:txBody>
-      </p:sp>
       <p:pic>
         <p:nvPicPr>
-          <p:cNvPr id="7" name="Picture 6">
-            <a:extLst>
-              <a:ext uri="{FF2B5EF4-FFF2-40B4-BE49-F238E27FC236}">
-                <a16:creationId xmlns:a16="http://schemas.microsoft.com/office/drawing/2014/main" id="{4E1F45D0-8E93-A843-59BD-8AE0DC9C447D}"/>
+          <p:cNvPr id="6" name="Picture 5">
+            <a:extLst>
+              <a:ext uri="{FF2B5EF4-FFF2-40B4-BE49-F238E27FC236}">
+                <a16:creationId xmlns:a16="http://schemas.microsoft.com/office/drawing/2014/main" id="{BE3C0201-EC25-5590-5092-BE518917AA0C}"/>
               </a:ext>
             </a:extLst>
           </p:cNvPr>
@@ -4683,20 +4348,72 @@
         </p:blipFill>
         <p:spPr>
           <a:xfrm>
-            <a:off x="1639712" y="784503"/>
-            <a:ext cx="4943164" cy="2559402"/>
+            <a:off x="493368" y="1123527"/>
+            <a:ext cx="3499647" cy="4604800"/>
           </a:xfrm>
           <a:prstGeom prst="rect">
             <a:avLst/>
           </a:prstGeom>
         </p:spPr>
       </p:pic>
+      <p:cxnSp>
+        <p:nvCxnSpPr>
+          <p:cNvPr id="26" name="Straight Connector 25">
+            <a:extLst>
+              <a:ext uri="{FF2B5EF4-FFF2-40B4-BE49-F238E27FC236}">
+                <a16:creationId xmlns:a16="http://schemas.microsoft.com/office/drawing/2014/main" id="{DCD67800-37AC-4E14-89B0-F79DCB3FB86D}"/>
+              </a:ext>
+              <a:ext uri="{C183D7F6-B498-43B3-948B-1728B52AA6E4}">
+                <adec:decorative xmlns:adec="http://schemas.microsoft.com/office/drawing/2017/decorative" val="1"/>
+              </a:ext>
+            </a:extLst>
+          </p:cNvPr>
+          <p:cNvCxnSpPr>
+            <a:cxnSpLocks noGrp="1" noRot="1" noChangeAspect="1" noMove="1" noResize="1" noEditPoints="1" noAdjustHandles="1" noChangeArrowheads="1" noChangeShapeType="1"/>
+          </p:cNvCxnSpPr>
+          <p:nvPr>
+            <p:extLst>
+              <p:ext uri="{386F3935-93C4-4BCD-93E2-E3B085C9AB24}">
+                <p16:designElem xmlns:p16="http://schemas.microsoft.com/office/powerpoint/2015/main" val="1"/>
+              </p:ext>
+            </p:extLst>
+          </p:nvPr>
+        </p:nvCxnSpPr>
+        <p:spPr>
+          <a:xfrm>
+            <a:off x="4165600" y="1573887"/>
+            <a:ext cx="0" cy="3710227"/>
+          </a:xfrm>
+          <a:prstGeom prst="line">
+            <a:avLst/>
+          </a:prstGeom>
+          <a:ln w="19050">
+            <a:solidFill>
+              <a:srgbClr val="7F7F7F"/>
+            </a:solidFill>
+          </a:ln>
+        </p:spPr>
+        <p:style>
+          <a:lnRef idx="1">
+            <a:schemeClr val="accent1"/>
+          </a:lnRef>
+          <a:fillRef idx="0">
+            <a:schemeClr val="accent1"/>
+          </a:fillRef>
+          <a:effectRef idx="0">
+            <a:schemeClr val="accent1"/>
+          </a:effectRef>
+          <a:fontRef idx="minor">
+            <a:schemeClr val="tx1"/>
+          </a:fontRef>
+        </p:style>
+      </p:cxnSp>
       <p:pic>
         <p:nvPicPr>
-          <p:cNvPr id="9" name="Picture 8">
-            <a:extLst>
-              <a:ext uri="{FF2B5EF4-FFF2-40B4-BE49-F238E27FC236}">
-                <a16:creationId xmlns:a16="http://schemas.microsoft.com/office/drawing/2014/main" id="{2AAAD57D-C103-713D-0B1E-08E96EDF1327}"/>
+          <p:cNvPr id="7" name="Picture 6">
+            <a:extLst>
+              <a:ext uri="{FF2B5EF4-FFF2-40B4-BE49-F238E27FC236}">
+                <a16:creationId xmlns:a16="http://schemas.microsoft.com/office/drawing/2014/main" id="{0289442B-8AD9-E219-D94B-6852E34218C3}"/>
               </a:ext>
             </a:extLst>
           </p:cNvPr>
@@ -4713,20 +4430,102 @@
         </p:blipFill>
         <p:spPr>
           <a:xfrm>
-            <a:off x="1639711" y="3343905"/>
-            <a:ext cx="4943164" cy="2842319"/>
+            <a:off x="4310676" y="2205543"/>
+            <a:ext cx="3537345" cy="2440768"/>
           </a:xfrm>
           <a:prstGeom prst="rect">
             <a:avLst/>
           </a:prstGeom>
         </p:spPr>
       </p:pic>
-      <p:sp>
-        <p:nvSpPr>
-          <p:cNvPr id="10" name="TextBox 9">
-            <a:extLst>
-              <a:ext uri="{FF2B5EF4-FFF2-40B4-BE49-F238E27FC236}">
-                <a16:creationId xmlns:a16="http://schemas.microsoft.com/office/drawing/2014/main" id="{64AE02C6-B65B-AD83-1770-DA7F4AD7337B}"/>
+      <p:cxnSp>
+        <p:nvCxnSpPr>
+          <p:cNvPr id="28" name="Straight Connector 27">
+            <a:extLst>
+              <a:ext uri="{FF2B5EF4-FFF2-40B4-BE49-F238E27FC236}">
+                <a16:creationId xmlns:a16="http://schemas.microsoft.com/office/drawing/2014/main" id="{20F1788F-A5AE-4188-8274-F7F2E3833ECD}"/>
+              </a:ext>
+              <a:ext uri="{C183D7F6-B498-43B3-948B-1728B52AA6E4}">
+                <adec:decorative xmlns:adec="http://schemas.microsoft.com/office/drawing/2017/decorative" val="1"/>
+              </a:ext>
+            </a:extLst>
+          </p:cNvPr>
+          <p:cNvCxnSpPr>
+            <a:cxnSpLocks noGrp="1" noRot="1" noChangeAspect="1" noMove="1" noResize="1" noEditPoints="1" noAdjustHandles="1" noChangeArrowheads="1" noChangeShapeType="1"/>
+          </p:cNvCxnSpPr>
+          <p:nvPr>
+            <p:extLst>
+              <p:ext uri="{386F3935-93C4-4BCD-93E2-E3B085C9AB24}">
+                <p16:designElem xmlns:p16="http://schemas.microsoft.com/office/powerpoint/2015/main" val="1"/>
+              </p:ext>
+            </p:extLst>
+          </p:nvPr>
+        </p:nvCxnSpPr>
+        <p:spPr>
+          <a:xfrm>
+            <a:off x="7995920" y="1573887"/>
+            <a:ext cx="0" cy="3710227"/>
+          </a:xfrm>
+          <a:prstGeom prst="line">
+            <a:avLst/>
+          </a:prstGeom>
+          <a:ln w="19050">
+            <a:solidFill>
+              <a:srgbClr val="7F7F7F"/>
+            </a:solidFill>
+          </a:ln>
+        </p:spPr>
+        <p:style>
+          <a:lnRef idx="1">
+            <a:schemeClr val="accent1"/>
+          </a:lnRef>
+          <a:fillRef idx="0">
+            <a:schemeClr val="accent1"/>
+          </a:fillRef>
+          <a:effectRef idx="0">
+            <a:schemeClr val="accent1"/>
+          </a:effectRef>
+          <a:fontRef idx="minor">
+            <a:schemeClr val="tx1"/>
+          </a:fontRef>
+        </p:style>
+      </p:cxnSp>
+      <p:pic>
+        <p:nvPicPr>
+          <p:cNvPr id="3" name="Picture 2">
+            <a:extLst>
+              <a:ext uri="{FF2B5EF4-FFF2-40B4-BE49-F238E27FC236}">
+                <a16:creationId xmlns:a16="http://schemas.microsoft.com/office/drawing/2014/main" id="{E0A22D1F-6D3A-70DE-8969-E37B7E1AB256}"/>
+              </a:ext>
+            </a:extLst>
+          </p:cNvPr>
+          <p:cNvPicPr>
+            <a:picLocks noChangeAspect="1"/>
+          </p:cNvPicPr>
+          <p:nvPr/>
+        </p:nvPicPr>
+        <p:blipFill>
+          <a:blip r:embed="rId4"/>
+          <a:stretch>
+            <a:fillRect/>
+          </a:stretch>
+        </p:blipFill>
+        <p:spPr>
+          <a:xfrm>
+            <a:off x="8162336" y="1178567"/>
+            <a:ext cx="3517120" cy="4494722"/>
+          </a:xfrm>
+          <a:prstGeom prst="rect">
+            <a:avLst/>
+          </a:prstGeom>
+        </p:spPr>
+      </p:pic>
+      <p:sp>
+        <p:nvSpPr>
+          <p:cNvPr id="8" name="TextBox 7">
+            <a:extLst>
+              <a:ext uri="{FF2B5EF4-FFF2-40B4-BE49-F238E27FC236}">
+                <a16:creationId xmlns:a16="http://schemas.microsoft.com/office/drawing/2014/main" id="{D81E5319-1A6D-BDC8-638B-D05541C16A36}"/>
               </a:ext>
             </a:extLst>
           </p:cNvPr>
@@ -4735,8 +4534,8 @@
         </p:nvSpPr>
         <p:spPr>
           <a:xfrm>
-            <a:off x="6996830" y="3830759"/>
-            <a:ext cx="2586414" cy="1891993"/>
+            <a:off x="4382546" y="298009"/>
+            <a:ext cx="4856644" cy="341632"/>
           </a:xfrm>
           <a:prstGeom prst="rect">
             <a:avLst/>
@@ -4744,147 +4543,30 @@
           <a:noFill/>
         </p:spPr>
         <p:txBody>
-          <a:bodyPr wrap="none" rtlCol="0">
+          <a:bodyPr wrap="square">
             <a:spAutoFit/>
           </a:bodyPr>
           <a:lstStyle/>
           <a:p>
-            <a:pPr defTabSz="630936">
+            <a:pPr>
+              <a:lnSpc>
+                <a:spcPct val="90000"/>
+              </a:lnSpc>
               <a:spcAft>
                 <a:spcPts val="600"/>
               </a:spcAft>
             </a:pPr>
             <a:r>
-              <a:rPr lang="en-US" sz="1242" kern="1200" dirty="0">
-                <a:solidFill>
-                  <a:schemeClr val="tx1"/>
-                </a:solidFill>
-                <a:latin typeface="+mn-lt"/>
-                <a:ea typeface="+mn-ea"/>
-                <a:cs typeface="+mn-cs"/>
-              </a:rPr>
-              <a:t>Important variables:</a:t>
-            </a:r>
-          </a:p>
-          <a:p>
-            <a:pPr defTabSz="630936">
-              <a:spcAft>
-                <a:spcPts val="600"/>
-              </a:spcAft>
-            </a:pPr>
-            <a:r>
-              <a:rPr lang="en-US" sz="1242" kern="1200" dirty="0">
-                <a:solidFill>
-                  <a:schemeClr val="tx1"/>
-                </a:solidFill>
-                <a:latin typeface="+mn-lt"/>
-                <a:ea typeface="+mn-ea"/>
-                <a:cs typeface="+mn-cs"/>
-              </a:rPr>
-              <a:t>Mean fractal dimension &amp; worst FD</a:t>
-            </a:r>
-          </a:p>
-          <a:p>
-            <a:pPr defTabSz="630936">
-              <a:spcAft>
-                <a:spcPts val="600"/>
-              </a:spcAft>
-            </a:pPr>
-            <a:r>
-              <a:rPr lang="en-US" sz="1242" kern="1200" dirty="0">
-                <a:solidFill>
-                  <a:schemeClr val="tx1"/>
-                </a:solidFill>
-                <a:latin typeface="+mn-lt"/>
-                <a:ea typeface="+mn-ea"/>
-                <a:cs typeface="+mn-cs"/>
-              </a:rPr>
-              <a:t>Mean symmetry &amp; worst symmetry</a:t>
-            </a:r>
-          </a:p>
-          <a:p>
-            <a:pPr defTabSz="630936">
-              <a:spcAft>
-                <a:spcPts val="600"/>
-              </a:spcAft>
-            </a:pPr>
-            <a:r>
-              <a:rPr lang="en-US" sz="1242" kern="1200" dirty="0">
-                <a:solidFill>
-                  <a:schemeClr val="tx1"/>
-                </a:solidFill>
-                <a:latin typeface="+mn-lt"/>
-                <a:ea typeface="+mn-ea"/>
-                <a:cs typeface="+mn-cs"/>
-              </a:rPr>
-              <a:t>Mean area &amp; worst area </a:t>
-            </a:r>
-          </a:p>
-          <a:p>
-            <a:pPr defTabSz="630936">
-              <a:spcAft>
-                <a:spcPts val="600"/>
-              </a:spcAft>
-            </a:pPr>
-            <a:r>
-              <a:rPr lang="en-US" sz="1242" kern="1200" dirty="0">
-                <a:solidFill>
-                  <a:schemeClr val="tx1"/>
-                </a:solidFill>
-                <a:latin typeface="+mn-lt"/>
-                <a:ea typeface="+mn-ea"/>
-                <a:cs typeface="+mn-cs"/>
-              </a:rPr>
-              <a:t>Mean smoothness worst smoothness</a:t>
-            </a:r>
-          </a:p>
-          <a:p>
-            <a:pPr defTabSz="630936">
-              <a:spcAft>
-                <a:spcPts val="600"/>
-              </a:spcAft>
-            </a:pPr>
-            <a:r>
-              <a:rPr lang="en-US" sz="1242" kern="1200" dirty="0">
-                <a:solidFill>
-                  <a:schemeClr val="tx1"/>
-                </a:solidFill>
-                <a:latin typeface="+mn-lt"/>
-                <a:ea typeface="+mn-ea"/>
-                <a:cs typeface="+mn-cs"/>
-              </a:rPr>
-              <a:t>Mean perimeter &amp; worst perimeter</a:t>
-            </a:r>
-          </a:p>
-          <a:p>
-            <a:pPr defTabSz="630936">
-              <a:spcAft>
-                <a:spcPts val="600"/>
-              </a:spcAft>
-            </a:pPr>
-            <a:r>
-              <a:rPr lang="en-US" sz="1242" b="1" kern="1200" dirty="0">
-                <a:solidFill>
-                  <a:srgbClr val="FF0000"/>
-                </a:solidFill>
-                <a:latin typeface="+mn-lt"/>
-                <a:ea typeface="+mn-ea"/>
-                <a:cs typeface="+mn-cs"/>
-              </a:rPr>
-              <a:t>Mean texture &amp; worst texture </a:t>
-            </a:r>
-            <a:endParaRPr lang="en-NZ" b="1" dirty="0">
-              <a:solidFill>
-                <a:srgbClr val="FF0000"/>
-              </a:solidFill>
-            </a:endParaRPr>
+              <a:rPr lang="en-US" dirty="0"/>
+              <a:t>Detection of outliers</a:t>
+            </a:r>
           </a:p>
         </p:txBody>
       </p:sp>
     </p:spTree>
     <p:extLst>
       <p:ext uri="{BB962C8B-B14F-4D97-AF65-F5344CB8AC3E}">
-        <p14:creationId xmlns:p14="http://schemas.microsoft.com/office/powerpoint/2010/main" val="3862661207"/>
+        <p14:creationId xmlns:p14="http://schemas.microsoft.com/office/powerpoint/2010/main" val="2218779817"/>
       </p:ext>
     </p:extLst>
   </p:cSld>
@@ -4897,14 +4579,6 @@
 <file path=ppt/slides/slide4.xml><?xml version="1.0" encoding="utf-8"?>
 <p:sld xmlns:a="http://schemas.openxmlformats.org/drawingml/2006/main" xmlns:r="http://schemas.openxmlformats.org/officeDocument/2006/relationships" xmlns:p="http://schemas.openxmlformats.org/presentationml/2006/main">
   <p:cSld>
-    <p:bg>
-      <p:bgPr>
-        <a:solidFill>
-          <a:schemeClr val="bg1"/>
-        </a:solidFill>
-        <a:effectLst/>
-      </p:bgPr>
-    </p:bg>
     <p:spTree>
       <p:nvGrpSpPr>
         <p:cNvPr id="1" name=""/>
@@ -4919,416 +4593,12 @@
           <a:chExt cx="0" cy="0"/>
         </a:xfrm>
       </p:grpSpPr>
-      <p:sp>
-        <p:nvSpPr>
-          <p:cNvPr id="14" name="Rectangle 13">
-            <a:extLst>
-              <a:ext uri="{FF2B5EF4-FFF2-40B4-BE49-F238E27FC236}">
-                <a16:creationId xmlns:a16="http://schemas.microsoft.com/office/drawing/2014/main" id="{86FF76B9-219D-4469-AF87-0236D29032F1}"/>
-              </a:ext>
-              <a:ext uri="{C183D7F6-B498-43B3-948B-1728B52AA6E4}">
-                <adec:decorative xmlns:adec="http://schemas.microsoft.com/office/drawing/2017/decorative" val="1"/>
-              </a:ext>
-            </a:extLst>
-          </p:cNvPr>
-          <p:cNvSpPr>
-            <a:spLocks noGrp="1" noRot="1" noChangeAspect="1" noMove="1" noResize="1" noEditPoints="1" noAdjustHandles="1" noChangeArrowheads="1" noChangeShapeType="1" noTextEdit="1"/>
-          </p:cNvSpPr>
-          <p:nvPr>
-            <p:extLst>
-              <p:ext uri="{386F3935-93C4-4BCD-93E2-E3B085C9AB24}">
-                <p16:designElem xmlns:p16="http://schemas.microsoft.com/office/powerpoint/2015/main" val="1"/>
-              </p:ext>
-            </p:extLst>
-          </p:nvPr>
-        </p:nvSpPr>
-        <p:spPr>
-          <a:xfrm>
-            <a:off x="0" y="0"/>
-            <a:ext cx="12192000" cy="6858000"/>
-          </a:xfrm>
-          <a:prstGeom prst="rect">
-            <a:avLst/>
-          </a:prstGeom>
-          <a:solidFill>
-            <a:schemeClr val="bg1"/>
-          </a:solidFill>
-          <a:ln>
-            <a:noFill/>
-          </a:ln>
-        </p:spPr>
-        <p:style>
-          <a:lnRef idx="2">
-            <a:schemeClr val="accent1">
-              <a:shade val="50000"/>
-            </a:schemeClr>
-          </a:lnRef>
-          <a:fillRef idx="1">
-            <a:schemeClr val="accent1"/>
-          </a:fillRef>
-          <a:effectRef idx="0">
-            <a:schemeClr val="accent1"/>
-          </a:effectRef>
-          <a:fontRef idx="minor">
-            <a:schemeClr val="lt1"/>
-          </a:fontRef>
-        </p:style>
-        <p:txBody>
-          <a:bodyPr rtlCol="0" anchor="ctr"/>
-          <a:lstStyle/>
-          <a:p>
-            <a:pPr algn="ctr"/>
-            <a:endParaRPr lang="en-US" dirty="0"/>
-          </a:p>
-        </p:txBody>
-      </p:sp>
-      <p:grpSp>
-        <p:nvGrpSpPr>
-          <p:cNvPr id="16" name="Group 15">
-            <a:extLst>
-              <a:ext uri="{FF2B5EF4-FFF2-40B4-BE49-F238E27FC236}">
-                <a16:creationId xmlns:a16="http://schemas.microsoft.com/office/drawing/2014/main" id="{DB88BD78-87E1-424D-B479-C37D8E41B12E}"/>
-              </a:ext>
-              <a:ext uri="{C183D7F6-B498-43B3-948B-1728B52AA6E4}">
-                <adec:decorative xmlns:adec="http://schemas.microsoft.com/office/drawing/2017/decorative" val="1"/>
-              </a:ext>
-            </a:extLst>
-          </p:cNvPr>
-          <p:cNvGrpSpPr>
-            <a:grpSpLocks noGrp="1" noUngrp="1" noRot="1" noChangeAspect="1" noMove="1" noResize="1"/>
-          </p:cNvGrpSpPr>
-          <p:nvPr>
-            <p:extLst>
-              <p:ext uri="{386F3935-93C4-4BCD-93E2-E3B085C9AB24}">
-                <p16:designElem xmlns:p16="http://schemas.microsoft.com/office/powerpoint/2015/main" val="1"/>
-              </p:ext>
-            </p:extLst>
-          </p:nvPr>
-        </p:nvGrpSpPr>
-        <p:grpSpPr>
-          <a:xfrm flipH="1">
-            <a:off x="10964637" y="2358"/>
-            <a:ext cx="1876653" cy="1766008"/>
-            <a:chOff x="-648769" y="2358"/>
-            <a:chExt cx="1876653" cy="1766008"/>
-          </a:xfrm>
-        </p:grpSpPr>
-        <p:sp>
-          <p:nvSpPr>
-            <p:cNvPr id="17" name="Freeform: Shape 16">
-              <a:extLst>
-                <a:ext uri="{FF2B5EF4-FFF2-40B4-BE49-F238E27FC236}">
-                  <a16:creationId xmlns:a16="http://schemas.microsoft.com/office/drawing/2014/main" id="{C05EB894-9410-4B20-95E4-7A25101AB895}"/>
-                </a:ext>
-                <a:ext uri="{C183D7F6-B498-43B3-948B-1728B52AA6E4}">
-                  <adec:decorative xmlns:adec="http://schemas.microsoft.com/office/drawing/2017/decorative" val="1"/>
-                </a:ext>
-              </a:extLst>
-            </p:cNvPr>
-            <p:cNvSpPr/>
-            <p:nvPr>
-              <p:extLst>
-                <p:ext uri="{386F3935-93C4-4BCD-93E2-E3B085C9AB24}">
-                  <p16:designElem xmlns:p16="http://schemas.microsoft.com/office/powerpoint/2015/main" val="1"/>
-                </p:ext>
-              </p:extLst>
-            </p:nvPr>
-          </p:nvSpPr>
-          <p:spPr>
-            <a:xfrm rot="2700000">
-              <a:off x="-415188" y="-231223"/>
-              <a:ext cx="1409491" cy="1876653"/>
-            </a:xfrm>
-            <a:custGeom>
-              <a:avLst/>
-              <a:gdLst>
-                <a:gd name="connsiteX0" fmla="*/ 0 w 1409491"/>
-                <a:gd name="connsiteY0" fmla="*/ 643075 h 1876653"/>
-                <a:gd name="connsiteX1" fmla="*/ 643075 w 1409491"/>
-                <a:gd name="connsiteY1" fmla="*/ 0 h 1876653"/>
-                <a:gd name="connsiteX2" fmla="*/ 1409491 w 1409491"/>
-                <a:gd name="connsiteY2" fmla="*/ 0 h 1876653"/>
-                <a:gd name="connsiteX3" fmla="*/ 1409491 w 1409491"/>
-                <a:gd name="connsiteY3" fmla="*/ 1876653 h 1876653"/>
-                <a:gd name="connsiteX4" fmla="*/ 1233578 w 1409491"/>
-                <a:gd name="connsiteY4" fmla="*/ 1876653 h 1876653"/>
-              </a:gdLst>
-              <a:ahLst/>
-              <a:cxnLst>
-                <a:cxn ang="0">
-                  <a:pos x="connsiteX0" y="connsiteY0"/>
-                </a:cxn>
-                <a:cxn ang="0">
-                  <a:pos x="connsiteX1" y="connsiteY1"/>
-                </a:cxn>
-                <a:cxn ang="0">
-                  <a:pos x="connsiteX2" y="connsiteY2"/>
-                </a:cxn>
-                <a:cxn ang="0">
-                  <a:pos x="connsiteX3" y="connsiteY3"/>
-                </a:cxn>
-                <a:cxn ang="0">
-                  <a:pos x="connsiteX4" y="connsiteY4"/>
-                </a:cxn>
-              </a:cxnLst>
-              <a:rect l="l" t="t" r="r" b="b"/>
-              <a:pathLst>
-                <a:path w="1409491" h="1876653">
-                  <a:moveTo>
-                    <a:pt x="0" y="643075"/>
-                  </a:moveTo>
-                  <a:lnTo>
-                    <a:pt x="643075" y="0"/>
-                  </a:lnTo>
-                  <a:lnTo>
-                    <a:pt x="1409491" y="0"/>
-                  </a:lnTo>
-                  <a:lnTo>
-                    <a:pt x="1409491" y="1876653"/>
-                  </a:lnTo>
-                  <a:lnTo>
-                    <a:pt x="1233578" y="1876653"/>
-                  </a:lnTo>
-                  <a:close/>
-                </a:path>
-              </a:pathLst>
-            </a:custGeom>
-            <a:solidFill>
-              <a:schemeClr val="accent1">
-                <a:alpha val="30000"/>
-              </a:schemeClr>
-            </a:solidFill>
-            <a:ln>
-              <a:noFill/>
-            </a:ln>
-          </p:spPr>
-          <p:style>
-            <a:lnRef idx="2">
-              <a:schemeClr val="accent1">
-                <a:shade val="50000"/>
-              </a:schemeClr>
-            </a:lnRef>
-            <a:fillRef idx="1">
-              <a:schemeClr val="accent1"/>
-            </a:fillRef>
-            <a:effectRef idx="0">
-              <a:schemeClr val="accent1"/>
-            </a:effectRef>
-            <a:fontRef idx="minor">
-              <a:schemeClr val="lt1"/>
-            </a:fontRef>
-          </p:style>
-          <p:txBody>
-            <a:bodyPr rtlCol="0" anchor="ctr"/>
-            <a:lstStyle/>
-            <a:p>
-              <a:pPr algn="ctr"/>
-              <a:endParaRPr lang="en-US"/>
-            </a:p>
-          </p:txBody>
-        </p:sp>
-        <p:sp>
-          <p:nvSpPr>
-            <p:cNvPr id="18" name="Rectangle 17">
-              <a:extLst>
-                <a:ext uri="{FF2B5EF4-FFF2-40B4-BE49-F238E27FC236}">
-                  <a16:creationId xmlns:a16="http://schemas.microsoft.com/office/drawing/2014/main" id="{166E38B6-B050-4340-8E8F-3A971DADC031}"/>
-                </a:ext>
-                <a:ext uri="{C183D7F6-B498-43B3-948B-1728B52AA6E4}">
-                  <adec:decorative xmlns:adec="http://schemas.microsoft.com/office/drawing/2017/decorative" val="1"/>
-                </a:ext>
-              </a:extLst>
-            </p:cNvPr>
-            <p:cNvSpPr/>
-            <p:nvPr>
-              <p:extLst>
-                <p:ext uri="{386F3935-93C4-4BCD-93E2-E3B085C9AB24}">
-                  <p16:designElem xmlns:p16="http://schemas.microsoft.com/office/powerpoint/2015/main" val="1"/>
-                </p:ext>
-              </p:extLst>
-            </p:nvPr>
-          </p:nvSpPr>
-          <p:spPr>
-            <a:xfrm rot="2700000">
-              <a:off x="301285" y="1282788"/>
-              <a:ext cx="485578" cy="485578"/>
-            </a:xfrm>
-            <a:prstGeom prst="rect">
-              <a:avLst/>
-            </a:prstGeom>
-            <a:solidFill>
-              <a:schemeClr val="accent1">
-                <a:alpha val="30000"/>
-              </a:schemeClr>
-            </a:solidFill>
-            <a:ln>
-              <a:noFill/>
-            </a:ln>
-          </p:spPr>
-          <p:style>
-            <a:lnRef idx="2">
-              <a:schemeClr val="accent1">
-                <a:shade val="50000"/>
-              </a:schemeClr>
-            </a:lnRef>
-            <a:fillRef idx="1">
-              <a:schemeClr val="accent1"/>
-            </a:fillRef>
-            <a:effectRef idx="0">
-              <a:schemeClr val="accent1"/>
-            </a:effectRef>
-            <a:fontRef idx="minor">
-              <a:schemeClr val="lt1"/>
-            </a:fontRef>
-          </p:style>
-          <p:txBody>
-            <a:bodyPr rtlCol="0" anchor="ctr"/>
-            <a:lstStyle/>
-            <a:p>
-              <a:pPr algn="ctr"/>
-              <a:endParaRPr lang="en-US"/>
-            </a:p>
-          </p:txBody>
-        </p:sp>
-      </p:grpSp>
-      <p:sp>
-        <p:nvSpPr>
-          <p:cNvPr id="20" name="Rectangle 19">
-            <a:extLst>
-              <a:ext uri="{FF2B5EF4-FFF2-40B4-BE49-F238E27FC236}">
-                <a16:creationId xmlns:a16="http://schemas.microsoft.com/office/drawing/2014/main" id="{2E80C965-DB6D-4F81-9E9E-B027384D0BD6}"/>
-              </a:ext>
-              <a:ext uri="{C183D7F6-B498-43B3-948B-1728B52AA6E4}">
-                <adec:decorative xmlns:adec="http://schemas.microsoft.com/office/drawing/2017/decorative" val="1"/>
-              </a:ext>
-            </a:extLst>
-          </p:cNvPr>
-          <p:cNvSpPr>
-            <a:spLocks noGrp="1" noRot="1" noChangeAspect="1" noMove="1" noResize="1" noEditPoints="1" noAdjustHandles="1" noChangeArrowheads="1" noChangeShapeType="1" noTextEdit="1"/>
-          </p:cNvSpPr>
-          <p:nvPr>
-            <p:extLst>
-              <p:ext uri="{386F3935-93C4-4BCD-93E2-E3B085C9AB24}">
-                <p16:designElem xmlns:p16="http://schemas.microsoft.com/office/powerpoint/2015/main" val="1"/>
-              </p:ext>
-            </p:extLst>
-          </p:nvPr>
-        </p:nvSpPr>
-        <p:spPr>
-          <a:xfrm rot="2700000">
-            <a:off x="2737196" y="6033666"/>
-            <a:ext cx="645368" cy="645368"/>
-          </a:xfrm>
-          <a:prstGeom prst="rect">
-            <a:avLst/>
-          </a:prstGeom>
-          <a:solidFill>
-            <a:schemeClr val="accent4">
-              <a:alpha val="30000"/>
-            </a:schemeClr>
-          </a:solidFill>
-          <a:ln>
-            <a:noFill/>
-          </a:ln>
-        </p:spPr>
-        <p:style>
-          <a:lnRef idx="2">
-            <a:schemeClr val="accent1">
-              <a:shade val="50000"/>
-            </a:schemeClr>
-          </a:lnRef>
-          <a:fillRef idx="1">
-            <a:schemeClr val="accent1"/>
-          </a:fillRef>
-          <a:effectRef idx="0">
-            <a:schemeClr val="accent1"/>
-          </a:effectRef>
-          <a:fontRef idx="minor">
-            <a:schemeClr val="lt1"/>
-          </a:fontRef>
-        </p:style>
-        <p:txBody>
-          <a:bodyPr rtlCol="0" anchor="ctr"/>
-          <a:lstStyle/>
-          <a:p>
-            <a:pPr algn="ctr"/>
-            <a:endParaRPr lang="en-US"/>
-          </a:p>
-        </p:txBody>
-      </p:sp>
-      <p:sp>
-        <p:nvSpPr>
-          <p:cNvPr id="22" name="Isosceles Triangle 21">
-            <a:extLst>
-              <a:ext uri="{FF2B5EF4-FFF2-40B4-BE49-F238E27FC236}">
-                <a16:creationId xmlns:a16="http://schemas.microsoft.com/office/drawing/2014/main" id="{633C5E46-DAC5-4661-9C87-22B08E2A512F}"/>
-              </a:ext>
-              <a:ext uri="{C183D7F6-B498-43B3-948B-1728B52AA6E4}">
-                <adec:decorative xmlns:adec="http://schemas.microsoft.com/office/drawing/2017/decorative" val="1"/>
-              </a:ext>
-            </a:extLst>
-          </p:cNvPr>
-          <p:cNvSpPr>
-            <a:spLocks noGrp="1" noRot="1" noChangeAspect="1" noMove="1" noResize="1" noEditPoints="1" noAdjustHandles="1" noChangeArrowheads="1" noChangeShapeType="1" noTextEdit="1"/>
-          </p:cNvSpPr>
-          <p:nvPr>
-            <p:extLst>
-              <p:ext uri="{386F3935-93C4-4BCD-93E2-E3B085C9AB24}">
-                <p16:designElem xmlns:p16="http://schemas.microsoft.com/office/powerpoint/2015/main" val="1"/>
-              </p:ext>
-            </p:extLst>
-          </p:nvPr>
-        </p:nvSpPr>
-        <p:spPr>
-          <a:xfrm>
-            <a:off x="1343436" y="5721108"/>
-            <a:ext cx="2261965" cy="1136891"/>
-          </a:xfrm>
-          <a:prstGeom prst="triangle">
-            <a:avLst>
-              <a:gd name="adj" fmla="val 50000"/>
-            </a:avLst>
-          </a:prstGeom>
-          <a:solidFill>
-            <a:schemeClr val="accent4">
-              <a:alpha val="30000"/>
-            </a:schemeClr>
-          </a:solidFill>
-          <a:ln>
-            <a:noFill/>
-          </a:ln>
-        </p:spPr>
-        <p:style>
-          <a:lnRef idx="2">
-            <a:schemeClr val="accent1">
-              <a:shade val="50000"/>
-            </a:schemeClr>
-          </a:lnRef>
-          <a:fillRef idx="1">
-            <a:schemeClr val="accent1"/>
-          </a:fillRef>
-          <a:effectRef idx="0">
-            <a:schemeClr val="accent1"/>
-          </a:effectRef>
-          <a:fontRef idx="minor">
-            <a:schemeClr val="lt1"/>
-          </a:fontRef>
-        </p:style>
-        <p:txBody>
-          <a:bodyPr rtlCol="0" anchor="ctr"/>
-          <a:lstStyle/>
-          <a:p>
-            <a:pPr algn="ctr"/>
-            <a:endParaRPr lang="en-US"/>
-          </a:p>
-        </p:txBody>
-      </p:sp>
       <p:pic>
         <p:nvPicPr>
           <p:cNvPr id="5" name="Picture 4">
             <a:extLst>
               <a:ext uri="{FF2B5EF4-FFF2-40B4-BE49-F238E27FC236}">
-                <a16:creationId xmlns:a16="http://schemas.microsoft.com/office/drawing/2014/main" id="{67F0D473-17C0-3892-CBEE-4B5BF2AA8347}"/>
+                <a16:creationId xmlns:a16="http://schemas.microsoft.com/office/drawing/2014/main" id="{6B865BFD-3335-E4A3-7C25-7282307C0885}"/>
               </a:ext>
             </a:extLst>
           </p:cNvPr>
@@ -5345,191 +4615,20 @@
         </p:blipFill>
         <p:spPr>
           <a:xfrm>
-            <a:off x="1105691" y="643467"/>
-            <a:ext cx="4806262" cy="2763601"/>
+            <a:off x="3643032" y="3608676"/>
+            <a:ext cx="4590656" cy="3249324"/>
           </a:xfrm>
           <a:prstGeom prst="rect">
             <a:avLst/>
           </a:prstGeom>
         </p:spPr>
       </p:pic>
-      <p:sp>
-        <p:nvSpPr>
-          <p:cNvPr id="6" name="TextBox 5">
-            <a:extLst>
-              <a:ext uri="{FF2B5EF4-FFF2-40B4-BE49-F238E27FC236}">
-                <a16:creationId xmlns:a16="http://schemas.microsoft.com/office/drawing/2014/main" id="{96CD8BCE-3B2D-A2FA-FFC7-65C140F6860C}"/>
-              </a:ext>
-            </a:extLst>
-          </p:cNvPr>
-          <p:cNvSpPr txBox="1"/>
-          <p:nvPr/>
-        </p:nvSpPr>
-        <p:spPr>
-          <a:xfrm>
-            <a:off x="6848525" y="643467"/>
-            <a:ext cx="3294748" cy="2603277"/>
-          </a:xfrm>
-          <a:prstGeom prst="rect">
-            <a:avLst/>
-          </a:prstGeom>
-          <a:noFill/>
-        </p:spPr>
-        <p:txBody>
-          <a:bodyPr wrap="none" rtlCol="0">
-            <a:spAutoFit/>
-          </a:bodyPr>
-          <a:lstStyle/>
-          <a:p>
-            <a:pPr defTabSz="813816">
-              <a:spcAft>
-                <a:spcPts val="600"/>
-              </a:spcAft>
-            </a:pPr>
-            <a:r>
-              <a:rPr lang="en-US" sz="1602" kern="1200" dirty="0">
-                <a:solidFill>
-                  <a:schemeClr val="tx1"/>
-                </a:solidFill>
-                <a:latin typeface="+mn-lt"/>
-                <a:ea typeface="+mn-ea"/>
-                <a:cs typeface="+mn-cs"/>
-              </a:rPr>
-              <a:t>Important variables:</a:t>
-            </a:r>
-          </a:p>
-          <a:p>
-            <a:pPr defTabSz="813816">
-              <a:spcAft>
-                <a:spcPts val="600"/>
-              </a:spcAft>
-            </a:pPr>
-            <a:endParaRPr lang="en-US" sz="1602" kern="1200" dirty="0">
-              <a:solidFill>
-                <a:schemeClr val="tx1"/>
-              </a:solidFill>
-              <a:latin typeface="+mn-lt"/>
-              <a:ea typeface="+mn-ea"/>
-              <a:cs typeface="+mn-cs"/>
-            </a:endParaRPr>
-          </a:p>
-          <a:p>
-            <a:pPr defTabSz="813816">
-              <a:spcAft>
-                <a:spcPts val="600"/>
-              </a:spcAft>
-            </a:pPr>
-            <a:r>
-              <a:rPr lang="en-US" sz="1602" kern="1200" dirty="0">
-                <a:solidFill>
-                  <a:schemeClr val="tx1"/>
-                </a:solidFill>
-                <a:latin typeface="+mn-lt"/>
-                <a:ea typeface="+mn-ea"/>
-                <a:cs typeface="+mn-cs"/>
-              </a:rPr>
-              <a:t>Mean fractal dimension &amp; worst FD</a:t>
-            </a:r>
-          </a:p>
-          <a:p>
-            <a:pPr defTabSz="813816">
-              <a:spcAft>
-                <a:spcPts val="600"/>
-              </a:spcAft>
-            </a:pPr>
-            <a:r>
-              <a:rPr lang="en-US" sz="1602" b="1" kern="1200" dirty="0">
-                <a:solidFill>
-                  <a:srgbClr val="FF0000"/>
-                </a:solidFill>
-                <a:latin typeface="+mn-lt"/>
-                <a:ea typeface="+mn-ea"/>
-                <a:cs typeface="+mn-cs"/>
-              </a:rPr>
-              <a:t>Mean symmetry &amp; worst symmetry</a:t>
-            </a:r>
-          </a:p>
-          <a:p>
-            <a:pPr defTabSz="813816">
-              <a:spcAft>
-                <a:spcPts val="600"/>
-              </a:spcAft>
-            </a:pPr>
-            <a:r>
-              <a:rPr lang="en-US" sz="1602" kern="1200" dirty="0">
-                <a:solidFill>
-                  <a:schemeClr val="tx1"/>
-                </a:solidFill>
-                <a:latin typeface="+mn-lt"/>
-                <a:ea typeface="+mn-ea"/>
-                <a:cs typeface="+mn-cs"/>
-              </a:rPr>
-              <a:t>Mean area &amp; worst area </a:t>
-            </a:r>
-          </a:p>
-          <a:p>
-            <a:pPr defTabSz="813816">
-              <a:spcAft>
-                <a:spcPts val="600"/>
-              </a:spcAft>
-            </a:pPr>
-            <a:r>
-              <a:rPr lang="en-US" sz="1602" kern="1200" dirty="0">
-                <a:solidFill>
-                  <a:schemeClr val="tx1"/>
-                </a:solidFill>
-                <a:latin typeface="+mn-lt"/>
-                <a:ea typeface="+mn-ea"/>
-                <a:cs typeface="+mn-cs"/>
-              </a:rPr>
-              <a:t>Mean smoothness worst smoothness</a:t>
-            </a:r>
-          </a:p>
-          <a:p>
-            <a:pPr defTabSz="813816">
-              <a:spcAft>
-                <a:spcPts val="600"/>
-              </a:spcAft>
-            </a:pPr>
-            <a:r>
-              <a:rPr lang="en-US" sz="1602" kern="1200" dirty="0">
-                <a:solidFill>
-                  <a:schemeClr val="tx1"/>
-                </a:solidFill>
-                <a:latin typeface="+mn-lt"/>
-                <a:ea typeface="+mn-ea"/>
-                <a:cs typeface="+mn-cs"/>
-              </a:rPr>
-              <a:t>Mean perimeter &amp; worst perimeter</a:t>
-            </a:r>
-          </a:p>
-          <a:p>
-            <a:pPr defTabSz="813816">
-              <a:spcAft>
-                <a:spcPts val="600"/>
-              </a:spcAft>
-            </a:pPr>
-            <a:r>
-              <a:rPr lang="en-US" sz="1602" kern="1200" dirty="0">
-                <a:solidFill>
-                  <a:schemeClr val="tx1"/>
-                </a:solidFill>
-                <a:latin typeface="+mn-lt"/>
-                <a:ea typeface="+mn-ea"/>
-                <a:cs typeface="+mn-cs"/>
-              </a:rPr>
-              <a:t>Mean texture &amp; worst texture </a:t>
-            </a:r>
-            <a:endParaRPr lang="en-NZ" dirty="0"/>
-          </a:p>
-        </p:txBody>
-      </p:sp>
       <p:pic>
         <p:nvPicPr>
-          <p:cNvPr id="8" name="Picture 7">
-            <a:extLst>
-              <a:ext uri="{FF2B5EF4-FFF2-40B4-BE49-F238E27FC236}">
-                <a16:creationId xmlns:a16="http://schemas.microsoft.com/office/drawing/2014/main" id="{AC431862-21FB-9070-D179-08E38E290A85}"/>
+          <p:cNvPr id="7" name="Picture 6">
+            <a:extLst>
+              <a:ext uri="{FF2B5EF4-FFF2-40B4-BE49-F238E27FC236}">
+                <a16:creationId xmlns:a16="http://schemas.microsoft.com/office/drawing/2014/main" id="{62604ADC-E83D-8A8D-0479-3B0E67860C5B}"/>
               </a:ext>
             </a:extLst>
           </p:cNvPr>
@@ -5546,20 +4645,50 @@
         </p:blipFill>
         <p:spPr>
           <a:xfrm>
-            <a:off x="1105691" y="3529291"/>
-            <a:ext cx="4669984" cy="2685241"/>
+            <a:off x="6096000" y="613118"/>
+            <a:ext cx="3978287" cy="2815882"/>
           </a:xfrm>
           <a:prstGeom prst="rect">
             <a:avLst/>
           </a:prstGeom>
         </p:spPr>
       </p:pic>
-      <p:sp>
-        <p:nvSpPr>
-          <p:cNvPr id="9" name="TextBox 8">
-            <a:extLst>
-              <a:ext uri="{FF2B5EF4-FFF2-40B4-BE49-F238E27FC236}">
-                <a16:creationId xmlns:a16="http://schemas.microsoft.com/office/drawing/2014/main" id="{5246DDC1-8553-2E64-852F-11CFA396CCF6}"/>
+      <p:pic>
+        <p:nvPicPr>
+          <p:cNvPr id="9" name="Picture 8">
+            <a:extLst>
+              <a:ext uri="{FF2B5EF4-FFF2-40B4-BE49-F238E27FC236}">
+                <a16:creationId xmlns:a16="http://schemas.microsoft.com/office/drawing/2014/main" id="{19028D68-CDF5-CBEC-4166-75F63ABABE63}"/>
+              </a:ext>
+            </a:extLst>
+          </p:cNvPr>
+          <p:cNvPicPr>
+            <a:picLocks noChangeAspect="1"/>
+          </p:cNvPicPr>
+          <p:nvPr/>
+        </p:nvPicPr>
+        <p:blipFill>
+          <a:blip r:embed="rId4"/>
+          <a:stretch>
+            <a:fillRect/>
+          </a:stretch>
+        </p:blipFill>
+        <p:spPr>
+          <a:xfrm>
+            <a:off x="701720" y="611802"/>
+            <a:ext cx="4140587" cy="2930759"/>
+          </a:xfrm>
+          <a:prstGeom prst="rect">
+            <a:avLst/>
+          </a:prstGeom>
+        </p:spPr>
+      </p:pic>
+      <p:sp>
+        <p:nvSpPr>
+          <p:cNvPr id="10" name="TextBox 9">
+            <a:extLst>
+              <a:ext uri="{FF2B5EF4-FFF2-40B4-BE49-F238E27FC236}">
+                <a16:creationId xmlns:a16="http://schemas.microsoft.com/office/drawing/2014/main" id="{654A0B64-5B66-9C4E-EB6B-F471F482DBF9}"/>
               </a:ext>
             </a:extLst>
           </p:cNvPr>
@@ -5568,8 +4697,8 @@
         </p:nvSpPr>
         <p:spPr>
           <a:xfrm>
-            <a:off x="7119111" y="4000704"/>
-            <a:ext cx="3294748" cy="2279791"/>
+            <a:off x="2976209" y="180332"/>
+            <a:ext cx="5825628" cy="341632"/>
           </a:xfrm>
           <a:prstGeom prst="rect">
             <a:avLst/>
@@ -5577,143 +4706,30 @@
           <a:noFill/>
         </p:spPr>
         <p:txBody>
-          <a:bodyPr wrap="none" rtlCol="0">
+          <a:bodyPr wrap="square">
             <a:spAutoFit/>
           </a:bodyPr>
           <a:lstStyle/>
           <a:p>
-            <a:pPr defTabSz="813816">
+            <a:pPr>
+              <a:lnSpc>
+                <a:spcPct val="90000"/>
+              </a:lnSpc>
               <a:spcAft>
                 <a:spcPts val="600"/>
               </a:spcAft>
             </a:pPr>
             <a:r>
-              <a:rPr lang="en-US" sz="1602" kern="1200" dirty="0">
-                <a:solidFill>
-                  <a:schemeClr val="tx1"/>
-                </a:solidFill>
-                <a:latin typeface="+mn-lt"/>
-                <a:ea typeface="+mn-ea"/>
-                <a:cs typeface="+mn-cs"/>
-              </a:rPr>
-              <a:t>Important variables:</a:t>
-            </a:r>
-          </a:p>
-          <a:p>
-            <a:pPr defTabSz="813816">
-              <a:spcAft>
-                <a:spcPts val="600"/>
-              </a:spcAft>
-            </a:pPr>
-            <a:r>
-              <a:rPr lang="en-US" sz="1602" kern="1200" dirty="0">
-                <a:solidFill>
-                  <a:srgbClr val="FF0000"/>
-                </a:solidFill>
-                <a:latin typeface="+mn-lt"/>
-                <a:ea typeface="+mn-ea"/>
-                <a:cs typeface="+mn-cs"/>
-              </a:rPr>
-              <a:t>Mean fractal dimension &amp; worst FD</a:t>
-            </a:r>
-          </a:p>
-          <a:p>
-            <a:pPr defTabSz="813816">
-              <a:spcAft>
-                <a:spcPts val="600"/>
-              </a:spcAft>
-            </a:pPr>
-            <a:r>
-              <a:rPr lang="en-US" sz="1602" kern="1200" dirty="0">
-                <a:solidFill>
-                  <a:schemeClr val="tx1"/>
-                </a:solidFill>
-                <a:latin typeface="+mn-lt"/>
-                <a:ea typeface="+mn-ea"/>
-                <a:cs typeface="+mn-cs"/>
-              </a:rPr>
-              <a:t>Mean symmetry &amp; worst symmetry</a:t>
-            </a:r>
-          </a:p>
-          <a:p>
-            <a:pPr defTabSz="813816">
-              <a:spcAft>
-                <a:spcPts val="600"/>
-              </a:spcAft>
-            </a:pPr>
-            <a:r>
-              <a:rPr lang="en-US" sz="1602" kern="1200" dirty="0">
-                <a:solidFill>
-                  <a:schemeClr val="tx1"/>
-                </a:solidFill>
-                <a:latin typeface="+mn-lt"/>
-                <a:ea typeface="+mn-ea"/>
-                <a:cs typeface="+mn-cs"/>
-              </a:rPr>
-              <a:t>Mean area &amp; worst area </a:t>
-            </a:r>
-          </a:p>
-          <a:p>
-            <a:pPr defTabSz="813816">
-              <a:spcAft>
-                <a:spcPts val="600"/>
-              </a:spcAft>
-            </a:pPr>
-            <a:r>
-              <a:rPr lang="en-US" sz="1602" kern="1200" dirty="0">
-                <a:solidFill>
-                  <a:srgbClr val="FF0000"/>
-                </a:solidFill>
-                <a:latin typeface="+mn-lt"/>
-                <a:ea typeface="+mn-ea"/>
-                <a:cs typeface="+mn-cs"/>
-              </a:rPr>
-              <a:t>Mean smoothness worst smoothness</a:t>
-            </a:r>
-          </a:p>
-          <a:p>
-            <a:pPr defTabSz="813816">
-              <a:spcAft>
-                <a:spcPts val="600"/>
-              </a:spcAft>
-            </a:pPr>
-            <a:r>
-              <a:rPr lang="en-US" sz="1602" kern="1200" dirty="0">
-                <a:solidFill>
-                  <a:schemeClr val="tx1"/>
-                </a:solidFill>
-                <a:latin typeface="+mn-lt"/>
-                <a:ea typeface="+mn-ea"/>
-                <a:cs typeface="+mn-cs"/>
-              </a:rPr>
-              <a:t>Mean perimeter &amp; worst perimeter</a:t>
-            </a:r>
-          </a:p>
-          <a:p>
-            <a:pPr defTabSz="813816">
-              <a:spcAft>
-                <a:spcPts val="600"/>
-              </a:spcAft>
-            </a:pPr>
-            <a:r>
-              <a:rPr lang="en-US" sz="1602" kern="1200" dirty="0">
-                <a:solidFill>
-                  <a:schemeClr val="tx1"/>
-                </a:solidFill>
-                <a:latin typeface="+mn-lt"/>
-                <a:ea typeface="+mn-ea"/>
-                <a:cs typeface="+mn-cs"/>
-              </a:rPr>
-              <a:t>Mean texture &amp; worst texture </a:t>
-            </a:r>
-            <a:endParaRPr lang="en-NZ" dirty="0"/>
+              <a:rPr lang="en-US" dirty="0"/>
+              <a:t>Observe important variables between mean and worst</a:t>
+            </a:r>
           </a:p>
         </p:txBody>
       </p:sp>
     </p:spTree>
     <p:extLst>
       <p:ext uri="{BB962C8B-B14F-4D97-AF65-F5344CB8AC3E}">
-        <p14:creationId xmlns:p14="http://schemas.microsoft.com/office/powerpoint/2010/main" val="1197110385"/>
+        <p14:creationId xmlns:p14="http://schemas.microsoft.com/office/powerpoint/2010/main" val="1570497856"/>
       </p:ext>
     </p:extLst>
   </p:cSld>
@@ -5750,1351 +4766,6 @@
       </p:grpSpPr>
       <p:sp useBgFill="1">
         <p:nvSpPr>
-          <p:cNvPr id="17" name="Rectangle 16">
-            <a:extLst>
-              <a:ext uri="{FF2B5EF4-FFF2-40B4-BE49-F238E27FC236}">
-                <a16:creationId xmlns:a16="http://schemas.microsoft.com/office/drawing/2014/main" id="{524E9777-DF7E-45E5-B387-86C306DA64AB}"/>
-              </a:ext>
-              <a:ext uri="{C183D7F6-B498-43B3-948B-1728B52AA6E4}">
-                <adec:decorative xmlns:adec="http://schemas.microsoft.com/office/drawing/2017/decorative" val="1"/>
-              </a:ext>
-            </a:extLst>
-          </p:cNvPr>
-          <p:cNvSpPr>
-            <a:spLocks noGrp="1" noRot="1" noChangeAspect="1" noMove="1" noResize="1" noEditPoints="1" noAdjustHandles="1" noChangeArrowheads="1" noChangeShapeType="1" noTextEdit="1"/>
-          </p:cNvSpPr>
-          <p:nvPr>
-            <p:extLst>
-              <p:ext uri="{386F3935-93C4-4BCD-93E2-E3B085C9AB24}">
-                <p16:designElem xmlns:p16="http://schemas.microsoft.com/office/powerpoint/2015/main" val="1"/>
-              </p:ext>
-            </p:extLst>
-          </p:nvPr>
-        </p:nvSpPr>
-        <p:spPr>
-          <a:xfrm>
-            <a:off x="0" y="0"/>
-            <a:ext cx="12191999" cy="6857365"/>
-          </a:xfrm>
-          <a:prstGeom prst="rect">
-            <a:avLst/>
-          </a:prstGeom>
-          <a:ln>
-            <a:noFill/>
-          </a:ln>
-        </p:spPr>
-        <p:style>
-          <a:lnRef idx="2">
-            <a:schemeClr val="accent1">
-              <a:shade val="50000"/>
-            </a:schemeClr>
-          </a:lnRef>
-          <a:fillRef idx="1">
-            <a:schemeClr val="accent1"/>
-          </a:fillRef>
-          <a:effectRef idx="0">
-            <a:schemeClr val="accent1"/>
-          </a:effectRef>
-          <a:fontRef idx="minor">
-            <a:schemeClr val="lt1"/>
-          </a:fontRef>
-        </p:style>
-        <p:txBody>
-          <a:bodyPr rtlCol="0" anchor="ctr"/>
-          <a:lstStyle/>
-          <a:p>
-            <a:pPr algn="ctr"/>
-            <a:endParaRPr lang="en-US"/>
-          </a:p>
-        </p:txBody>
-      </p:sp>
-      <p:sp>
-        <p:nvSpPr>
-          <p:cNvPr id="19" name="Rectangle 18">
-            <a:extLst>
-              <a:ext uri="{FF2B5EF4-FFF2-40B4-BE49-F238E27FC236}">
-                <a16:creationId xmlns:a16="http://schemas.microsoft.com/office/drawing/2014/main" id="{90464369-70FA-42AF-948F-80664CA7BFE5}"/>
-              </a:ext>
-              <a:ext uri="{C183D7F6-B498-43B3-948B-1728B52AA6E4}">
-                <adec:decorative xmlns:adec="http://schemas.microsoft.com/office/drawing/2017/decorative" val="1"/>
-              </a:ext>
-            </a:extLst>
-          </p:cNvPr>
-          <p:cNvSpPr>
-            <a:spLocks noGrp="1" noRot="1" noChangeAspect="1" noMove="1" noResize="1" noEditPoints="1" noAdjustHandles="1" noChangeArrowheads="1" noChangeShapeType="1" noTextEdit="1"/>
-          </p:cNvSpPr>
-          <p:nvPr>
-            <p:extLst>
-              <p:ext uri="{386F3935-93C4-4BCD-93E2-E3B085C9AB24}">
-                <p16:designElem xmlns:p16="http://schemas.microsoft.com/office/powerpoint/2015/main" val="1"/>
-              </p:ext>
-            </p:extLst>
-          </p:nvPr>
-        </p:nvSpPr>
-        <p:spPr>
-          <a:xfrm>
-            <a:off x="0" y="0"/>
-            <a:ext cx="12192000" cy="2146816"/>
-          </a:xfrm>
-          <a:prstGeom prst="rect">
-            <a:avLst/>
-          </a:prstGeom>
-          <a:solidFill>
-            <a:schemeClr val="bg1">
-              <a:lumMod val="85000"/>
-              <a:alpha val="35000"/>
-            </a:schemeClr>
-          </a:solidFill>
-          <a:ln>
-            <a:noFill/>
-          </a:ln>
-        </p:spPr>
-        <p:style>
-          <a:lnRef idx="2">
-            <a:schemeClr val="accent1">
-              <a:shade val="50000"/>
-            </a:schemeClr>
-          </a:lnRef>
-          <a:fillRef idx="1">
-            <a:schemeClr val="accent1"/>
-          </a:fillRef>
-          <a:effectRef idx="0">
-            <a:schemeClr val="accent1"/>
-          </a:effectRef>
-          <a:fontRef idx="minor">
-            <a:schemeClr val="lt1"/>
-          </a:fontRef>
-        </p:style>
-        <p:txBody>
-          <a:bodyPr rtlCol="0" anchor="ctr"/>
-          <a:lstStyle/>
-          <a:p>
-            <a:pPr algn="ctr"/>
-            <a:endParaRPr lang="en-US"/>
-          </a:p>
-        </p:txBody>
-      </p:sp>
-      <p:sp>
-        <p:nvSpPr>
-          <p:cNvPr id="6" name="TextBox 5">
-            <a:extLst>
-              <a:ext uri="{FF2B5EF4-FFF2-40B4-BE49-F238E27FC236}">
-                <a16:creationId xmlns:a16="http://schemas.microsoft.com/office/drawing/2014/main" id="{ECB9E5FF-A8E9-4C28-5B61-03FEF08C5977}"/>
-              </a:ext>
-            </a:extLst>
-          </p:cNvPr>
-          <p:cNvSpPr txBox="1"/>
-          <p:nvPr/>
-        </p:nvSpPr>
-        <p:spPr>
-          <a:xfrm>
-            <a:off x="587987" y="2620641"/>
-            <a:ext cx="3634877" cy="3023702"/>
-          </a:xfrm>
-          <a:prstGeom prst="rect">
-            <a:avLst/>
-          </a:prstGeom>
-        </p:spPr>
-        <p:txBody>
-          <a:bodyPr vert="horz" lIns="91440" tIns="45720" rIns="91440" bIns="45720" rtlCol="0" anchor="ctr">
-            <a:normAutofit/>
-          </a:bodyPr>
-          <a:lstStyle/>
-          <a:p>
-            <a:pPr indent="-228600">
-              <a:lnSpc>
-                <a:spcPct val="90000"/>
-              </a:lnSpc>
-              <a:spcAft>
-                <a:spcPts val="600"/>
-              </a:spcAft>
-              <a:buFont typeface="Arial" panose="020B0604020202020204" pitchFamily="34" charset="0"/>
-              <a:buChar char="•"/>
-            </a:pPr>
-            <a:r>
-              <a:rPr lang="en-US" dirty="0"/>
-              <a:t>PCA analysis: after dropping 8 variables</a:t>
-            </a:r>
-            <a:endParaRPr lang="en-US"/>
-          </a:p>
-        </p:txBody>
-      </p:sp>
-      <p:sp>
-        <p:nvSpPr>
-          <p:cNvPr id="21" name="Rectangle 20">
-            <a:extLst>
-              <a:ext uri="{FF2B5EF4-FFF2-40B4-BE49-F238E27FC236}">
-                <a16:creationId xmlns:a16="http://schemas.microsoft.com/office/drawing/2014/main" id="{A6604B49-AD5C-4590-B051-06C8222ECD99}"/>
-              </a:ext>
-              <a:ext uri="{C183D7F6-B498-43B3-948B-1728B52AA6E4}">
-                <adec:decorative xmlns:adec="http://schemas.microsoft.com/office/drawing/2017/decorative" val="1"/>
-              </a:ext>
-            </a:extLst>
-          </p:cNvPr>
-          <p:cNvSpPr>
-            <a:spLocks noGrp="1" noRot="1" noChangeAspect="1" noMove="1" noResize="1" noEditPoints="1" noAdjustHandles="1" noChangeArrowheads="1" noChangeShapeType="1" noTextEdit="1"/>
-          </p:cNvSpPr>
-          <p:nvPr>
-            <p:extLst>
-              <p:ext uri="{386F3935-93C4-4BCD-93E2-E3B085C9AB24}">
-                <p16:designElem xmlns:p16="http://schemas.microsoft.com/office/powerpoint/2015/main" val="1"/>
-              </p:ext>
-            </p:extLst>
-          </p:nvPr>
-        </p:nvSpPr>
-        <p:spPr>
-          <a:xfrm rot="16200000" flipH="1">
-            <a:off x="5669568" y="277912"/>
-            <a:ext cx="524256" cy="11863390"/>
-          </a:xfrm>
-          <a:prstGeom prst="rect">
-            <a:avLst/>
-          </a:prstGeom>
-          <a:solidFill>
-            <a:schemeClr val="accent4"/>
-          </a:solidFill>
-          <a:ln>
-            <a:noFill/>
-          </a:ln>
-        </p:spPr>
-        <p:style>
-          <a:lnRef idx="2">
-            <a:schemeClr val="accent1">
-              <a:shade val="50000"/>
-            </a:schemeClr>
-          </a:lnRef>
-          <a:fillRef idx="1">
-            <a:schemeClr val="accent1"/>
-          </a:fillRef>
-          <a:effectRef idx="0">
-            <a:schemeClr val="accent1"/>
-          </a:effectRef>
-          <a:fontRef idx="minor">
-            <a:schemeClr val="lt1"/>
-          </a:fontRef>
-        </p:style>
-        <p:txBody>
-          <a:bodyPr rtlCol="0" anchor="ctr"/>
-          <a:lstStyle/>
-          <a:p>
-            <a:pPr algn="ctr"/>
-            <a:endParaRPr lang="en-US"/>
-          </a:p>
-        </p:txBody>
-      </p:sp>
-      <p:sp>
-        <p:nvSpPr>
-          <p:cNvPr id="23" name="Rectangle 22">
-            <a:extLst>
-              <a:ext uri="{FF2B5EF4-FFF2-40B4-BE49-F238E27FC236}">
-                <a16:creationId xmlns:a16="http://schemas.microsoft.com/office/drawing/2014/main" id="{A648176E-454C-437C-B0FC-9B82FCF32B24}"/>
-              </a:ext>
-              <a:ext uri="{C183D7F6-B498-43B3-948B-1728B52AA6E4}">
-                <adec:decorative xmlns:adec="http://schemas.microsoft.com/office/drawing/2017/decorative" val="1"/>
-              </a:ext>
-            </a:extLst>
-          </p:cNvPr>
-          <p:cNvSpPr>
-            <a:spLocks noGrp="1" noRot="1" noChangeAspect="1" noMove="1" noResize="1" noEditPoints="1" noAdjustHandles="1" noChangeArrowheads="1" noChangeShapeType="1" noTextEdit="1"/>
-          </p:cNvSpPr>
-          <p:nvPr>
-            <p:extLst>
-              <p:ext uri="{386F3935-93C4-4BCD-93E2-E3B085C9AB24}">
-                <p16:designElem xmlns:p16="http://schemas.microsoft.com/office/powerpoint/2015/main" val="1"/>
-              </p:ext>
-            </p:extLst>
-          </p:nvPr>
-        </p:nvSpPr>
-        <p:spPr>
-          <a:xfrm rot="5400000">
-            <a:off x="11771105" y="6131892"/>
-            <a:ext cx="524256" cy="152382"/>
-          </a:xfrm>
-          <a:prstGeom prst="rect">
-            <a:avLst/>
-          </a:prstGeom>
-          <a:solidFill>
-            <a:schemeClr val="accent4"/>
-          </a:solidFill>
-          <a:ln>
-            <a:noFill/>
-          </a:ln>
-        </p:spPr>
-        <p:style>
-          <a:lnRef idx="2">
-            <a:schemeClr val="accent1">
-              <a:shade val="50000"/>
-            </a:schemeClr>
-          </a:lnRef>
-          <a:fillRef idx="1">
-            <a:schemeClr val="accent1"/>
-          </a:fillRef>
-          <a:effectRef idx="0">
-            <a:schemeClr val="accent1"/>
-          </a:effectRef>
-          <a:fontRef idx="minor">
-            <a:schemeClr val="lt1"/>
-          </a:fontRef>
-        </p:style>
-        <p:txBody>
-          <a:bodyPr rtlCol="0" anchor="ctr"/>
-          <a:lstStyle/>
-          <a:p>
-            <a:pPr algn="ctr"/>
-            <a:endParaRPr lang="en-US"/>
-          </a:p>
-        </p:txBody>
-      </p:sp>
-      <p:sp>
-        <p:nvSpPr>
-          <p:cNvPr id="25" name="Rectangle 24">
-            <a:extLst>
-              <a:ext uri="{FF2B5EF4-FFF2-40B4-BE49-F238E27FC236}">
-                <a16:creationId xmlns:a16="http://schemas.microsoft.com/office/drawing/2014/main" id="{4335D5A6-AB7A-4677-8D44-034515D66C4B}"/>
-              </a:ext>
-              <a:ext uri="{C183D7F6-B498-43B3-948B-1728B52AA6E4}">
-                <adec:decorative xmlns:adec="http://schemas.microsoft.com/office/drawing/2017/decorative" val="1"/>
-              </a:ext>
-            </a:extLst>
-          </p:cNvPr>
-          <p:cNvSpPr>
-            <a:spLocks noGrp="1" noRot="1" noChangeAspect="1" noMove="1" noResize="1" noEditPoints="1" noAdjustHandles="1" noChangeArrowheads="1" noChangeShapeType="1" noTextEdit="1"/>
-          </p:cNvSpPr>
-          <p:nvPr>
-            <p:extLst>
-              <p:ext uri="{386F3935-93C4-4BCD-93E2-E3B085C9AB24}">
-                <p16:designElem xmlns:p16="http://schemas.microsoft.com/office/powerpoint/2015/main" val="1"/>
-              </p:ext>
-            </p:extLst>
-          </p:nvPr>
-        </p:nvSpPr>
-        <p:spPr>
-          <a:xfrm>
-            <a:off x="4804757" y="703666"/>
-            <a:ext cx="7168911" cy="5638114"/>
-          </a:xfrm>
-          <a:prstGeom prst="rect">
-            <a:avLst/>
-          </a:prstGeom>
-          <a:solidFill>
-            <a:schemeClr val="bg1"/>
-          </a:solidFill>
-          <a:ln>
-            <a:noFill/>
-          </a:ln>
-          <a:effectLst>
-            <a:outerShdw blurRad="139700" dist="127000" dir="5400000" algn="t" rotWithShape="0">
-              <a:prstClr val="black">
-                <a:alpha val="15000"/>
-              </a:prstClr>
-            </a:outerShdw>
-          </a:effectLst>
-        </p:spPr>
-        <p:style>
-          <a:lnRef idx="2">
-            <a:schemeClr val="accent1">
-              <a:shade val="50000"/>
-            </a:schemeClr>
-          </a:lnRef>
-          <a:fillRef idx="1">
-            <a:schemeClr val="accent1"/>
-          </a:fillRef>
-          <a:effectRef idx="0">
-            <a:schemeClr val="accent1"/>
-          </a:effectRef>
-          <a:fontRef idx="minor">
-            <a:schemeClr val="lt1"/>
-          </a:fontRef>
-        </p:style>
-        <p:txBody>
-          <a:bodyPr rtlCol="0" anchor="ctr"/>
-          <a:lstStyle/>
-          <a:p>
-            <a:pPr algn="ctr"/>
-            <a:endParaRPr lang="en-US"/>
-          </a:p>
-        </p:txBody>
-      </p:sp>
-      <p:pic>
-        <p:nvPicPr>
-          <p:cNvPr id="8" name="Picture 7">
-            <a:extLst>
-              <a:ext uri="{FF2B5EF4-FFF2-40B4-BE49-F238E27FC236}">
-                <a16:creationId xmlns:a16="http://schemas.microsoft.com/office/drawing/2014/main" id="{723BF09B-868F-7AAA-16D4-D7014A38823A}"/>
-              </a:ext>
-            </a:extLst>
-          </p:cNvPr>
-          <p:cNvPicPr>
-            <a:picLocks noChangeAspect="1"/>
-          </p:cNvPicPr>
-          <p:nvPr/>
-        </p:nvPicPr>
-        <p:blipFill>
-          <a:blip r:embed="rId2"/>
-          <a:stretch>
-            <a:fillRect/>
-          </a:stretch>
-        </p:blipFill>
-        <p:spPr>
-          <a:xfrm>
-            <a:off x="5061949" y="978793"/>
-            <a:ext cx="2121408" cy="1447419"/>
-          </a:xfrm>
-          <a:prstGeom prst="rect">
-            <a:avLst/>
-          </a:prstGeom>
-        </p:spPr>
-      </p:pic>
-      <p:pic>
-        <p:nvPicPr>
-          <p:cNvPr id="10" name="Picture 9">
-            <a:extLst>
-              <a:ext uri="{FF2B5EF4-FFF2-40B4-BE49-F238E27FC236}">
-                <a16:creationId xmlns:a16="http://schemas.microsoft.com/office/drawing/2014/main" id="{8C260F12-DD26-DFF6-C0B1-7953F88C9EEB}"/>
-              </a:ext>
-            </a:extLst>
-          </p:cNvPr>
-          <p:cNvPicPr>
-            <a:picLocks noChangeAspect="1"/>
-          </p:cNvPicPr>
-          <p:nvPr/>
-        </p:nvPicPr>
-        <p:blipFill>
-          <a:blip r:embed="rId3"/>
-          <a:stretch>
-            <a:fillRect/>
-          </a:stretch>
-        </p:blipFill>
-        <p:spPr>
-          <a:xfrm>
-            <a:off x="7341319" y="980578"/>
-            <a:ext cx="2121408" cy="1447419"/>
-          </a:xfrm>
-          <a:prstGeom prst="rect">
-            <a:avLst/>
-          </a:prstGeom>
-        </p:spPr>
-      </p:pic>
-      <p:pic>
-        <p:nvPicPr>
-          <p:cNvPr id="5" name="Picture 4">
-            <a:extLst>
-              <a:ext uri="{FF2B5EF4-FFF2-40B4-BE49-F238E27FC236}">
-                <a16:creationId xmlns:a16="http://schemas.microsoft.com/office/drawing/2014/main" id="{EE3782B7-7003-621E-F279-D28B4977896A}"/>
-              </a:ext>
-            </a:extLst>
-          </p:cNvPr>
-          <p:cNvPicPr>
-            <a:picLocks noChangeAspect="1"/>
-          </p:cNvPicPr>
-          <p:nvPr/>
-        </p:nvPicPr>
-        <p:blipFill>
-          <a:blip r:embed="rId4"/>
-          <a:stretch>
-            <a:fillRect/>
-          </a:stretch>
-        </p:blipFill>
-        <p:spPr>
-          <a:xfrm>
-            <a:off x="9620689" y="995366"/>
-            <a:ext cx="2121408" cy="1414272"/>
-          </a:xfrm>
-          <a:prstGeom prst="rect">
-            <a:avLst/>
-          </a:prstGeom>
-        </p:spPr>
-      </p:pic>
-      <p:pic>
-        <p:nvPicPr>
-          <p:cNvPr id="12" name="Picture 11">
-            <a:extLst>
-              <a:ext uri="{FF2B5EF4-FFF2-40B4-BE49-F238E27FC236}">
-                <a16:creationId xmlns:a16="http://schemas.microsoft.com/office/drawing/2014/main" id="{DF11A678-DDD2-1814-414A-C98A1F00A83D}"/>
-              </a:ext>
-            </a:extLst>
-          </p:cNvPr>
-          <p:cNvPicPr>
-            <a:picLocks noChangeAspect="1"/>
-          </p:cNvPicPr>
-          <p:nvPr/>
-        </p:nvPicPr>
-        <p:blipFill>
-          <a:blip r:embed="rId5"/>
-          <a:stretch>
-            <a:fillRect/>
-          </a:stretch>
-        </p:blipFill>
-        <p:spPr>
-          <a:xfrm>
-            <a:off x="5061949" y="2810508"/>
-            <a:ext cx="6680148" cy="3122968"/>
-          </a:xfrm>
-          <a:prstGeom prst="rect">
-            <a:avLst/>
-          </a:prstGeom>
-        </p:spPr>
-      </p:pic>
-    </p:spTree>
-    <p:extLst>
-      <p:ext uri="{BB962C8B-B14F-4D97-AF65-F5344CB8AC3E}">
-        <p14:creationId xmlns:p14="http://schemas.microsoft.com/office/powerpoint/2010/main" val="3209596447"/>
-      </p:ext>
-    </p:extLst>
-  </p:cSld>
-  <p:clrMapOvr>
-    <a:masterClrMapping/>
-  </p:clrMapOvr>
-</p:sld>
-</file>
-
-<file path=ppt/slides/slide6.xml><?xml version="1.0" encoding="utf-8"?>
-<p:sld xmlns:a="http://schemas.openxmlformats.org/drawingml/2006/main" xmlns:r="http://schemas.openxmlformats.org/officeDocument/2006/relationships" xmlns:p="http://schemas.openxmlformats.org/presentationml/2006/main">
-  <p:cSld>
-    <p:bg>
-      <p:bgPr>
-        <a:solidFill>
-          <a:schemeClr val="bg1"/>
-        </a:solidFill>
-        <a:effectLst/>
-      </p:bgPr>
-    </p:bg>
-    <p:spTree>
-      <p:nvGrpSpPr>
-        <p:cNvPr id="1" name=""/>
-        <p:cNvGrpSpPr/>
-        <p:nvPr/>
-      </p:nvGrpSpPr>
-      <p:grpSpPr>
-        <a:xfrm>
-          <a:off x="0" y="0"/>
-          <a:ext cx="0" cy="0"/>
-          <a:chOff x="0" y="0"/>
-          <a:chExt cx="0" cy="0"/>
-        </a:xfrm>
-      </p:grpSpPr>
-      <p:sp useBgFill="1">
-        <p:nvSpPr>
-          <p:cNvPr id="11" name="Rectangle 10">
-            <a:extLst>
-              <a:ext uri="{FF2B5EF4-FFF2-40B4-BE49-F238E27FC236}">
-                <a16:creationId xmlns:a16="http://schemas.microsoft.com/office/drawing/2014/main" id="{F5A5F1D7-F0D0-4687-9BD3-CA6A0714C634}"/>
-              </a:ext>
-              <a:ext uri="{C183D7F6-B498-43B3-948B-1728B52AA6E4}">
-                <adec:decorative xmlns:adec="http://schemas.microsoft.com/office/drawing/2017/decorative" val="1"/>
-              </a:ext>
-            </a:extLst>
-          </p:cNvPr>
-          <p:cNvSpPr>
-            <a:spLocks noGrp="1" noRot="1" noChangeAspect="1" noMove="1" noResize="1" noEditPoints="1" noAdjustHandles="1" noChangeArrowheads="1" noChangeShapeType="1" noTextEdit="1"/>
-          </p:cNvSpPr>
-          <p:nvPr>
-            <p:extLst>
-              <p:ext uri="{386F3935-93C4-4BCD-93E2-E3B085C9AB24}">
-                <p16:designElem xmlns:p16="http://schemas.microsoft.com/office/powerpoint/2015/main" val="1"/>
-              </p:ext>
-            </p:extLst>
-          </p:nvPr>
-        </p:nvSpPr>
-        <p:spPr>
-          <a:xfrm>
-            <a:off x="0" y="0"/>
-            <a:ext cx="12191999" cy="6857365"/>
-          </a:xfrm>
-          <a:prstGeom prst="rect">
-            <a:avLst/>
-          </a:prstGeom>
-          <a:ln>
-            <a:noFill/>
-          </a:ln>
-        </p:spPr>
-        <p:style>
-          <a:lnRef idx="2">
-            <a:schemeClr val="accent1">
-              <a:shade val="50000"/>
-            </a:schemeClr>
-          </a:lnRef>
-          <a:fillRef idx="1">
-            <a:schemeClr val="accent1"/>
-          </a:fillRef>
-          <a:effectRef idx="0">
-            <a:schemeClr val="accent1"/>
-          </a:effectRef>
-          <a:fontRef idx="minor">
-            <a:schemeClr val="lt1"/>
-          </a:fontRef>
-        </p:style>
-        <p:txBody>
-          <a:bodyPr rtlCol="0" anchor="ctr"/>
-          <a:lstStyle/>
-          <a:p>
-            <a:pPr algn="ctr"/>
-            <a:endParaRPr lang="en-US"/>
-          </a:p>
-        </p:txBody>
-      </p:sp>
-      <p:grpSp>
-        <p:nvGrpSpPr>
-          <p:cNvPr id="13" name="Group 12">
-            <a:extLst>
-              <a:ext uri="{FF2B5EF4-FFF2-40B4-BE49-F238E27FC236}">
-                <a16:creationId xmlns:a16="http://schemas.microsoft.com/office/drawing/2014/main" id="{AE1C45F0-260A-458C-96ED-C1F6D2151219}"/>
-              </a:ext>
-              <a:ext uri="{C183D7F6-B498-43B3-948B-1728B52AA6E4}">
-                <adec:decorative xmlns:adec="http://schemas.microsoft.com/office/drawing/2017/decorative" val="1"/>
-              </a:ext>
-            </a:extLst>
-          </p:cNvPr>
-          <p:cNvGrpSpPr>
-            <a:grpSpLocks noGrp="1" noUngrp="1" noRot="1" noChangeAspect="1" noMove="1" noResize="1"/>
-          </p:cNvGrpSpPr>
-          <p:nvPr>
-            <p:extLst>
-              <p:ext uri="{386F3935-93C4-4BCD-93E2-E3B085C9AB24}">
-                <p16:designElem xmlns:p16="http://schemas.microsoft.com/office/powerpoint/2015/main" val="1"/>
-              </p:ext>
-            </p:extLst>
-          </p:nvPr>
-        </p:nvGrpSpPr>
-        <p:grpSpPr>
-          <a:xfrm>
-            <a:off x="4" y="1062849"/>
-            <a:ext cx="731521" cy="673460"/>
-            <a:chOff x="3940602" y="308034"/>
-            <a:chExt cx="2116791" cy="3428999"/>
-          </a:xfrm>
-          <a:solidFill>
-            <a:schemeClr val="accent4"/>
-          </a:solidFill>
-        </p:grpSpPr>
-        <p:sp>
-          <p:nvSpPr>
-            <p:cNvPr id="14" name="Rectangle 13">
-              <a:extLst>
-                <a:ext uri="{FF2B5EF4-FFF2-40B4-BE49-F238E27FC236}">
-                  <a16:creationId xmlns:a16="http://schemas.microsoft.com/office/drawing/2014/main" id="{A6604B49-AD5C-4590-B051-06C8222ECD99}"/>
-                </a:ext>
-                <a:ext uri="{C183D7F6-B498-43B3-948B-1728B52AA6E4}">
-                  <adec:decorative xmlns:adec="http://schemas.microsoft.com/office/drawing/2017/decorative" val="1"/>
-                </a:ext>
-              </a:extLst>
-            </p:cNvPr>
-            <p:cNvSpPr/>
-            <p:nvPr>
-              <p:extLst>
-                <p:ext uri="{386F3935-93C4-4BCD-93E2-E3B085C9AB24}">
-                  <p16:designElem xmlns:p16="http://schemas.microsoft.com/office/powerpoint/2015/main" val="1"/>
-                </p:ext>
-              </p:extLst>
-            </p:nvPr>
-          </p:nvSpPr>
-          <p:spPr>
-            <a:xfrm>
-              <a:off x="3940602" y="308034"/>
-              <a:ext cx="566743" cy="3428999"/>
-            </a:xfrm>
-            <a:prstGeom prst="rect">
-              <a:avLst/>
-            </a:prstGeom>
-            <a:grpFill/>
-            <a:ln>
-              <a:noFill/>
-            </a:ln>
-          </p:spPr>
-          <p:style>
-            <a:lnRef idx="2">
-              <a:schemeClr val="accent1">
-                <a:shade val="50000"/>
-              </a:schemeClr>
-            </a:lnRef>
-            <a:fillRef idx="1">
-              <a:schemeClr val="accent1"/>
-            </a:fillRef>
-            <a:effectRef idx="0">
-              <a:schemeClr val="accent1"/>
-            </a:effectRef>
-            <a:fontRef idx="minor">
-              <a:schemeClr val="lt1"/>
-            </a:fontRef>
-          </p:style>
-          <p:txBody>
-            <a:bodyPr rtlCol="0" anchor="ctr"/>
-            <a:lstStyle/>
-            <a:p>
-              <a:pPr algn="ctr"/>
-              <a:endParaRPr lang="en-US"/>
-            </a:p>
-          </p:txBody>
-        </p:sp>
-        <p:sp>
-          <p:nvSpPr>
-            <p:cNvPr id="15" name="Rectangle 14">
-              <a:extLst>
-                <a:ext uri="{FF2B5EF4-FFF2-40B4-BE49-F238E27FC236}">
-                  <a16:creationId xmlns:a16="http://schemas.microsoft.com/office/drawing/2014/main" id="{743ECCAF-29C5-4537-947C-7EA1292463DB}"/>
-                </a:ext>
-                <a:ext uri="{C183D7F6-B498-43B3-948B-1728B52AA6E4}">
-                  <adec:decorative xmlns:adec="http://schemas.microsoft.com/office/drawing/2017/decorative" val="1"/>
-                </a:ext>
-              </a:extLst>
-            </p:cNvPr>
-            <p:cNvSpPr/>
-            <p:nvPr>
-              <p:extLst>
-                <p:ext uri="{386F3935-93C4-4BCD-93E2-E3B085C9AB24}">
-                  <p16:designElem xmlns:p16="http://schemas.microsoft.com/office/powerpoint/2015/main" val="1"/>
-                </p:ext>
-              </p:extLst>
-            </p:nvPr>
-          </p:nvSpPr>
-          <p:spPr>
-            <a:xfrm>
-              <a:off x="4715626" y="308034"/>
-              <a:ext cx="566743" cy="3428999"/>
-            </a:xfrm>
-            <a:prstGeom prst="rect">
-              <a:avLst/>
-            </a:prstGeom>
-            <a:grpFill/>
-            <a:ln>
-              <a:noFill/>
-            </a:ln>
-          </p:spPr>
-          <p:style>
-            <a:lnRef idx="2">
-              <a:schemeClr val="accent1">
-                <a:shade val="50000"/>
-              </a:schemeClr>
-            </a:lnRef>
-            <a:fillRef idx="1">
-              <a:schemeClr val="accent1"/>
-            </a:fillRef>
-            <a:effectRef idx="0">
-              <a:schemeClr val="accent1"/>
-            </a:effectRef>
-            <a:fontRef idx="minor">
-              <a:schemeClr val="lt1"/>
-            </a:fontRef>
-          </p:style>
-          <p:txBody>
-            <a:bodyPr rtlCol="0" anchor="ctr"/>
-            <a:lstStyle/>
-            <a:p>
-              <a:pPr algn="ctr"/>
-              <a:endParaRPr lang="en-US"/>
-            </a:p>
-          </p:txBody>
-        </p:sp>
-        <p:sp>
-          <p:nvSpPr>
-            <p:cNvPr id="16" name="Rectangle 15">
-              <a:extLst>
-                <a:ext uri="{FF2B5EF4-FFF2-40B4-BE49-F238E27FC236}">
-                  <a16:creationId xmlns:a16="http://schemas.microsoft.com/office/drawing/2014/main" id="{ED49787B-8DE6-4467-AD0A-8DECC6E0C2D6}"/>
-                </a:ext>
-                <a:ext uri="{C183D7F6-B498-43B3-948B-1728B52AA6E4}">
-                  <adec:decorative xmlns:adec="http://schemas.microsoft.com/office/drawing/2017/decorative" val="1"/>
-                </a:ext>
-              </a:extLst>
-            </p:cNvPr>
-            <p:cNvSpPr/>
-            <p:nvPr>
-              <p:extLst>
-                <p:ext uri="{386F3935-93C4-4BCD-93E2-E3B085C9AB24}">
-                  <p16:designElem xmlns:p16="http://schemas.microsoft.com/office/powerpoint/2015/main" val="1"/>
-                </p:ext>
-              </p:extLst>
-            </p:nvPr>
-          </p:nvSpPr>
-          <p:spPr>
-            <a:xfrm>
-              <a:off x="5490650" y="308034"/>
-              <a:ext cx="566743" cy="3428999"/>
-            </a:xfrm>
-            <a:prstGeom prst="rect">
-              <a:avLst/>
-            </a:prstGeom>
-            <a:grpFill/>
-            <a:ln>
-              <a:noFill/>
-            </a:ln>
-          </p:spPr>
-          <p:style>
-            <a:lnRef idx="2">
-              <a:schemeClr val="accent1">
-                <a:shade val="50000"/>
-              </a:schemeClr>
-            </a:lnRef>
-            <a:fillRef idx="1">
-              <a:schemeClr val="accent1"/>
-            </a:fillRef>
-            <a:effectRef idx="0">
-              <a:schemeClr val="accent1"/>
-            </a:effectRef>
-            <a:fontRef idx="minor">
-              <a:schemeClr val="lt1"/>
-            </a:fontRef>
-          </p:style>
-          <p:txBody>
-            <a:bodyPr rtlCol="0" anchor="ctr"/>
-            <a:lstStyle/>
-            <a:p>
-              <a:pPr algn="ctr"/>
-              <a:endParaRPr lang="en-US"/>
-            </a:p>
-          </p:txBody>
-        </p:sp>
-      </p:grpSp>
-      <p:sp>
-        <p:nvSpPr>
-          <p:cNvPr id="18" name="Rectangle 17">
-            <a:extLst>
-              <a:ext uri="{FF2B5EF4-FFF2-40B4-BE49-F238E27FC236}">
-                <a16:creationId xmlns:a16="http://schemas.microsoft.com/office/drawing/2014/main" id="{D5B0017B-2ECA-49AF-B397-DC140825DF8D}"/>
-              </a:ext>
-              <a:ext uri="{C183D7F6-B498-43B3-948B-1728B52AA6E4}">
-                <adec:decorative xmlns:adec="http://schemas.microsoft.com/office/drawing/2017/decorative" val="1"/>
-              </a:ext>
-            </a:extLst>
-          </p:cNvPr>
-          <p:cNvSpPr>
-            <a:spLocks noGrp="1" noRot="1" noChangeAspect="1" noMove="1" noResize="1" noEditPoints="1" noAdjustHandles="1" noChangeArrowheads="1" noChangeShapeType="1" noTextEdit="1"/>
-          </p:cNvSpPr>
-          <p:nvPr>
-            <p:extLst>
-              <p:ext uri="{386F3935-93C4-4BCD-93E2-E3B085C9AB24}">
-                <p16:designElem xmlns:p16="http://schemas.microsoft.com/office/powerpoint/2015/main" val="1"/>
-              </p:ext>
-            </p:extLst>
-          </p:nvPr>
-        </p:nvSpPr>
-        <p:spPr>
-          <a:xfrm>
-            <a:off x="640080" y="656150"/>
-            <a:ext cx="5590787" cy="1431591"/>
-          </a:xfrm>
-          <a:prstGeom prst="rect">
-            <a:avLst/>
-          </a:prstGeom>
-          <a:solidFill>
-            <a:schemeClr val="bg1"/>
-          </a:solidFill>
-          <a:ln>
-            <a:noFill/>
-          </a:ln>
-          <a:effectLst>
-            <a:outerShdw blurRad="139700" dist="127000" dir="5400000" algn="t" rotWithShape="0">
-              <a:prstClr val="black">
-                <a:alpha val="15000"/>
-              </a:prstClr>
-            </a:outerShdw>
-          </a:effectLst>
-        </p:spPr>
-        <p:style>
-          <a:lnRef idx="2">
-            <a:schemeClr val="accent1">
-              <a:shade val="50000"/>
-            </a:schemeClr>
-          </a:lnRef>
-          <a:fillRef idx="1">
-            <a:schemeClr val="accent1"/>
-          </a:fillRef>
-          <a:effectRef idx="0">
-            <a:schemeClr val="accent1"/>
-          </a:effectRef>
-          <a:fontRef idx="minor">
-            <a:schemeClr val="lt1"/>
-          </a:fontRef>
-        </p:style>
-        <p:txBody>
-          <a:bodyPr rtlCol="0" anchor="ctr"/>
-          <a:lstStyle/>
-          <a:p>
-            <a:pPr algn="ctr"/>
-            <a:endParaRPr lang="en-US"/>
-          </a:p>
-        </p:txBody>
-      </p:sp>
-      <p:sp>
-        <p:nvSpPr>
-          <p:cNvPr id="2" name="TextBox 1">
-            <a:extLst>
-              <a:ext uri="{FF2B5EF4-FFF2-40B4-BE49-F238E27FC236}">
-                <a16:creationId xmlns:a16="http://schemas.microsoft.com/office/drawing/2014/main" id="{ACF17ED6-B8D3-92A7-7BE3-2F080C0B6EAD}"/>
-              </a:ext>
-            </a:extLst>
-          </p:cNvPr>
-          <p:cNvSpPr txBox="1"/>
-          <p:nvPr/>
-        </p:nvSpPr>
-        <p:spPr>
-          <a:xfrm>
-            <a:off x="1045029" y="2524721"/>
-            <a:ext cx="4991629" cy="3677123"/>
-          </a:xfrm>
-          <a:prstGeom prst="rect">
-            <a:avLst/>
-          </a:prstGeom>
-        </p:spPr>
-        <p:txBody>
-          <a:bodyPr vert="horz" lIns="91440" tIns="45720" rIns="91440" bIns="45720" rtlCol="0" anchor="ctr">
-            <a:normAutofit/>
-          </a:bodyPr>
-          <a:lstStyle/>
-          <a:p>
-            <a:pPr indent="-228600">
-              <a:lnSpc>
-                <a:spcPct val="90000"/>
-              </a:lnSpc>
-              <a:spcAft>
-                <a:spcPts val="600"/>
-              </a:spcAft>
-              <a:buFont typeface="Arial" panose="020B0604020202020204" pitchFamily="34" charset="0"/>
-              <a:buChar char="•"/>
-            </a:pPr>
-            <a:r>
-              <a:rPr lang="en-US"/>
-              <a:t>Correlation heatmap between important variables</a:t>
-            </a:r>
-          </a:p>
-        </p:txBody>
-      </p:sp>
-      <p:cxnSp>
-        <p:nvCxnSpPr>
-          <p:cNvPr id="20" name="Straight Connector 19">
-            <a:extLst>
-              <a:ext uri="{FF2B5EF4-FFF2-40B4-BE49-F238E27FC236}">
-                <a16:creationId xmlns:a16="http://schemas.microsoft.com/office/drawing/2014/main" id="{6CF1BAF6-AD41-4082-B212-8A1F9A2E8779}"/>
-              </a:ext>
-              <a:ext uri="{C183D7F6-B498-43B3-948B-1728B52AA6E4}">
-                <adec:decorative xmlns:adec="http://schemas.microsoft.com/office/drawing/2017/decorative" val="1"/>
-              </a:ext>
-            </a:extLst>
-          </p:cNvPr>
-          <p:cNvCxnSpPr>
-            <a:cxnSpLocks noGrp="1" noRot="1" noChangeAspect="1" noMove="1" noResize="1" noEditPoints="1" noAdjustHandles="1" noChangeArrowheads="1" noChangeShapeType="1"/>
-          </p:cNvCxnSpPr>
-          <p:nvPr>
-            <p:extLst>
-              <p:ext uri="{386F3935-93C4-4BCD-93E2-E3B085C9AB24}">
-                <p16:designElem xmlns:p16="http://schemas.microsoft.com/office/powerpoint/2015/main" val="1"/>
-              </p:ext>
-            </p:extLst>
-          </p:nvPr>
-        </p:nvCxnSpPr>
-        <p:spPr>
-          <a:xfrm flipH="1">
-            <a:off x="838200" y="6492240"/>
-            <a:ext cx="10515600" cy="0"/>
-          </a:xfrm>
-          <a:prstGeom prst="line">
-            <a:avLst/>
-          </a:prstGeom>
-          <a:ln w="57150">
-            <a:solidFill>
-              <a:schemeClr val="accent4"/>
-            </a:solidFill>
-          </a:ln>
-        </p:spPr>
-        <p:style>
-          <a:lnRef idx="1">
-            <a:schemeClr val="accent1"/>
-          </a:lnRef>
-          <a:fillRef idx="0">
-            <a:schemeClr val="accent1"/>
-          </a:fillRef>
-          <a:effectRef idx="0">
-            <a:schemeClr val="accent1"/>
-          </a:effectRef>
-          <a:fontRef idx="minor">
-            <a:schemeClr val="tx1"/>
-          </a:fontRef>
-        </p:style>
-      </p:cxnSp>
-      <p:pic>
-        <p:nvPicPr>
-          <p:cNvPr id="4" name="Picture 3">
-            <a:extLst>
-              <a:ext uri="{FF2B5EF4-FFF2-40B4-BE49-F238E27FC236}">
-                <a16:creationId xmlns:a16="http://schemas.microsoft.com/office/drawing/2014/main" id="{2938C05B-C610-7C54-90D2-6B5D6D911697}"/>
-              </a:ext>
-            </a:extLst>
-          </p:cNvPr>
-          <p:cNvPicPr>
-            <a:picLocks noChangeAspect="1"/>
-          </p:cNvPicPr>
-          <p:nvPr/>
-        </p:nvPicPr>
-        <p:blipFill>
-          <a:blip r:embed="rId2"/>
-          <a:stretch>
-            <a:fillRect/>
-          </a:stretch>
-        </p:blipFill>
-        <p:spPr>
-          <a:xfrm>
-            <a:off x="6006308" y="1068526"/>
-            <a:ext cx="6047700" cy="4836404"/>
-          </a:xfrm>
-          <a:prstGeom prst="rect">
-            <a:avLst/>
-          </a:prstGeom>
-        </p:spPr>
-      </p:pic>
-    </p:spTree>
-    <p:extLst>
-      <p:ext uri="{BB962C8B-B14F-4D97-AF65-F5344CB8AC3E}">
-        <p14:creationId xmlns:p14="http://schemas.microsoft.com/office/powerpoint/2010/main" val="254873656"/>
-      </p:ext>
-    </p:extLst>
-  </p:cSld>
-  <p:clrMapOvr>
-    <a:masterClrMapping/>
-  </p:clrMapOvr>
-</p:sld>
-</file>
-
-<file path=ppt/slides/slide7.xml><?xml version="1.0" encoding="utf-8"?>
-<p:sld xmlns:a="http://schemas.openxmlformats.org/drawingml/2006/main" xmlns:r="http://schemas.openxmlformats.org/officeDocument/2006/relationships" xmlns:p="http://schemas.openxmlformats.org/presentationml/2006/main">
-  <p:cSld>
-    <p:bg>
-      <p:bgPr>
-        <a:solidFill>
-          <a:schemeClr val="bg1"/>
-        </a:solidFill>
-        <a:effectLst/>
-      </p:bgPr>
-    </p:bg>
-    <p:spTree>
-      <p:nvGrpSpPr>
-        <p:cNvPr id="1" name=""/>
-        <p:cNvGrpSpPr/>
-        <p:nvPr/>
-      </p:nvGrpSpPr>
-      <p:grpSpPr>
-        <a:xfrm>
-          <a:off x="0" y="0"/>
-          <a:ext cx="0" cy="0"/>
-          <a:chOff x="0" y="0"/>
-          <a:chExt cx="0" cy="0"/>
-        </a:xfrm>
-      </p:grpSpPr>
-      <p:pic>
-        <p:nvPicPr>
-          <p:cNvPr id="7" name="Picture 6">
-            <a:extLst>
-              <a:ext uri="{FF2B5EF4-FFF2-40B4-BE49-F238E27FC236}">
-                <a16:creationId xmlns:a16="http://schemas.microsoft.com/office/drawing/2014/main" id="{0289442B-8AD9-E219-D94B-6852E34218C3}"/>
-              </a:ext>
-            </a:extLst>
-          </p:cNvPr>
-          <p:cNvPicPr>
-            <a:picLocks noChangeAspect="1"/>
-          </p:cNvPicPr>
-          <p:nvPr/>
-        </p:nvPicPr>
-        <p:blipFill>
-          <a:blip r:embed="rId2"/>
-          <a:stretch>
-            <a:fillRect/>
-          </a:stretch>
-        </p:blipFill>
-        <p:spPr>
-          <a:xfrm>
-            <a:off x="1648489" y="643467"/>
-            <a:ext cx="3685821" cy="2543217"/>
-          </a:xfrm>
-          <a:prstGeom prst="rect">
-            <a:avLst/>
-          </a:prstGeom>
-        </p:spPr>
-      </p:pic>
-      <p:cxnSp>
-        <p:nvCxnSpPr>
-          <p:cNvPr id="17" name="Straight Connector 16">
-            <a:extLst>
-              <a:ext uri="{FF2B5EF4-FFF2-40B4-BE49-F238E27FC236}">
-                <a16:creationId xmlns:a16="http://schemas.microsoft.com/office/drawing/2014/main" id="{91B6081D-D3E8-4209-B85B-EB1C655A6272}"/>
-              </a:ext>
-              <a:ext uri="{C183D7F6-B498-43B3-948B-1728B52AA6E4}">
-                <adec:decorative xmlns:adec="http://schemas.microsoft.com/office/drawing/2017/decorative" val="1"/>
-              </a:ext>
-            </a:extLst>
-          </p:cNvPr>
-          <p:cNvCxnSpPr>
-            <a:cxnSpLocks noGrp="1" noRot="1" noChangeAspect="1" noMove="1" noResize="1" noEditPoints="1" noAdjustHandles="1" noChangeArrowheads="1" noChangeShapeType="1"/>
-          </p:cNvCxnSpPr>
-          <p:nvPr>
-            <p:extLst>
-              <p:ext uri="{386F3935-93C4-4BCD-93E2-E3B085C9AB24}">
-                <p16:designElem xmlns:p16="http://schemas.microsoft.com/office/powerpoint/2015/main" val="1"/>
-              </p:ext>
-            </p:extLst>
-          </p:nvPr>
-        </p:nvCxnSpPr>
-        <p:spPr>
-          <a:xfrm>
-            <a:off x="6091214" y="1111170"/>
-            <a:ext cx="11040" cy="4645103"/>
-          </a:xfrm>
-          <a:prstGeom prst="line">
-            <a:avLst/>
-          </a:prstGeom>
-          <a:ln w="19050">
-            <a:solidFill>
-              <a:srgbClr val="7F7F7F"/>
-            </a:solidFill>
-          </a:ln>
-        </p:spPr>
-        <p:style>
-          <a:lnRef idx="1">
-            <a:schemeClr val="accent1"/>
-          </a:lnRef>
-          <a:fillRef idx="0">
-            <a:schemeClr val="accent1"/>
-          </a:fillRef>
-          <a:effectRef idx="0">
-            <a:schemeClr val="accent1"/>
-          </a:effectRef>
-          <a:fontRef idx="minor">
-            <a:schemeClr val="tx1"/>
-          </a:fontRef>
-        </p:style>
-      </p:cxnSp>
-      <p:pic>
-        <p:nvPicPr>
-          <p:cNvPr id="5" name="Picture 4">
-            <a:extLst>
-              <a:ext uri="{FF2B5EF4-FFF2-40B4-BE49-F238E27FC236}">
-                <a16:creationId xmlns:a16="http://schemas.microsoft.com/office/drawing/2014/main" id="{DC2C7366-67F3-16B2-24CC-17CCD4A7A55E}"/>
-              </a:ext>
-            </a:extLst>
-          </p:cNvPr>
-          <p:cNvPicPr>
-            <a:picLocks noChangeAspect="1"/>
-          </p:cNvPicPr>
-          <p:nvPr/>
-        </p:nvPicPr>
-        <p:blipFill>
-          <a:blip r:embed="rId3"/>
-          <a:stretch>
-            <a:fillRect/>
-          </a:stretch>
-        </p:blipFill>
-        <p:spPr>
-          <a:xfrm>
-            <a:off x="6781991" y="643467"/>
-            <a:ext cx="3845590" cy="2543217"/>
-          </a:xfrm>
-          <a:prstGeom prst="rect">
-            <a:avLst/>
-          </a:prstGeom>
-        </p:spPr>
-      </p:pic>
-      <p:cxnSp>
-        <p:nvCxnSpPr>
-          <p:cNvPr id="19" name="Straight Connector 18">
-            <a:extLst>
-              <a:ext uri="{FF2B5EF4-FFF2-40B4-BE49-F238E27FC236}">
-                <a16:creationId xmlns:a16="http://schemas.microsoft.com/office/drawing/2014/main" id="{28CA55E4-1295-45C8-BA05-5A9E705B749A}"/>
-              </a:ext>
-              <a:ext uri="{C183D7F6-B498-43B3-948B-1728B52AA6E4}">
-                <adec:decorative xmlns:adec="http://schemas.microsoft.com/office/drawing/2017/decorative" val="1"/>
-              </a:ext>
-            </a:extLst>
-          </p:cNvPr>
-          <p:cNvCxnSpPr>
-            <a:cxnSpLocks noGrp="1" noRot="1" noChangeAspect="1" noMove="1" noResize="1" noEditPoints="1" noAdjustHandles="1" noChangeArrowheads="1" noChangeShapeType="1"/>
-          </p:cNvCxnSpPr>
-          <p:nvPr>
-            <p:extLst>
-              <p:ext uri="{386F3935-93C4-4BCD-93E2-E3B085C9AB24}">
-                <p16:designElem xmlns:p16="http://schemas.microsoft.com/office/powerpoint/2015/main" val="1"/>
-              </p:ext>
-            </p:extLst>
-          </p:nvPr>
-        </p:nvCxnSpPr>
-        <p:spPr>
-          <a:xfrm>
-            <a:off x="1403027" y="3428998"/>
-            <a:ext cx="4188904" cy="1"/>
-          </a:xfrm>
-          <a:prstGeom prst="line">
-            <a:avLst/>
-          </a:prstGeom>
-          <a:ln w="19050">
-            <a:solidFill>
-              <a:srgbClr val="7F7F7F"/>
-            </a:solidFill>
-          </a:ln>
-        </p:spPr>
-        <p:style>
-          <a:lnRef idx="1">
-            <a:schemeClr val="accent1"/>
-          </a:lnRef>
-          <a:fillRef idx="0">
-            <a:schemeClr val="accent1"/>
-          </a:fillRef>
-          <a:effectRef idx="0">
-            <a:schemeClr val="accent1"/>
-          </a:effectRef>
-          <a:fontRef idx="minor">
-            <a:schemeClr val="tx1"/>
-          </a:fontRef>
-        </p:style>
-      </p:cxnSp>
-      <p:cxnSp>
-        <p:nvCxnSpPr>
-          <p:cNvPr id="21" name="Straight Connector 20">
-            <a:extLst>
-              <a:ext uri="{FF2B5EF4-FFF2-40B4-BE49-F238E27FC236}">
-                <a16:creationId xmlns:a16="http://schemas.microsoft.com/office/drawing/2014/main" id="{08C5794E-A9A1-4A23-AF68-C79A7822334C}"/>
-              </a:ext>
-              <a:ext uri="{C183D7F6-B498-43B3-948B-1728B52AA6E4}">
-                <adec:decorative xmlns:adec="http://schemas.microsoft.com/office/drawing/2017/decorative" val="1"/>
-              </a:ext>
-            </a:extLst>
-          </p:cNvPr>
-          <p:cNvCxnSpPr>
-            <a:cxnSpLocks noGrp="1" noRot="1" noChangeAspect="1" noMove="1" noResize="1" noEditPoints="1" noAdjustHandles="1" noChangeArrowheads="1" noChangeShapeType="1"/>
-          </p:cNvCxnSpPr>
-          <p:nvPr>
-            <p:extLst>
-              <p:ext uri="{386F3935-93C4-4BCD-93E2-E3B085C9AB24}">
-                <p16:designElem xmlns:p16="http://schemas.microsoft.com/office/powerpoint/2015/main" val="1"/>
-              </p:ext>
-            </p:extLst>
-          </p:nvPr>
-        </p:nvCxnSpPr>
-        <p:spPr>
-          <a:xfrm>
-            <a:off x="6610334" y="3428998"/>
-            <a:ext cx="4188904" cy="1"/>
-          </a:xfrm>
-          <a:prstGeom prst="line">
-            <a:avLst/>
-          </a:prstGeom>
-          <a:ln w="19050">
-            <a:solidFill>
-              <a:srgbClr val="7F7F7F"/>
-            </a:solidFill>
-          </a:ln>
-        </p:spPr>
-        <p:style>
-          <a:lnRef idx="1">
-            <a:schemeClr val="accent1"/>
-          </a:lnRef>
-          <a:fillRef idx="0">
-            <a:schemeClr val="accent1"/>
-          </a:fillRef>
-          <a:effectRef idx="0">
-            <a:schemeClr val="accent1"/>
-          </a:effectRef>
-          <a:fontRef idx="minor">
-            <a:schemeClr val="tx1"/>
-          </a:fontRef>
-        </p:style>
-      </p:cxnSp>
-      <p:pic>
-        <p:nvPicPr>
-          <p:cNvPr id="9" name="Picture 8">
-            <a:extLst>
-              <a:ext uri="{FF2B5EF4-FFF2-40B4-BE49-F238E27FC236}">
-                <a16:creationId xmlns:a16="http://schemas.microsoft.com/office/drawing/2014/main" id="{36459F9E-805F-623D-280F-5DF263DFF398}"/>
-              </a:ext>
-            </a:extLst>
-          </p:cNvPr>
-          <p:cNvPicPr>
-            <a:picLocks noChangeAspect="1"/>
-          </p:cNvPicPr>
-          <p:nvPr/>
-        </p:nvPicPr>
-        <p:blipFill>
-          <a:blip r:embed="rId4"/>
-          <a:stretch>
-            <a:fillRect/>
-          </a:stretch>
-        </p:blipFill>
-        <p:spPr>
-          <a:xfrm>
-            <a:off x="1659844" y="3671316"/>
-            <a:ext cx="3663110" cy="2545862"/>
-          </a:xfrm>
-          <a:prstGeom prst="rect">
-            <a:avLst/>
-          </a:prstGeom>
-        </p:spPr>
-      </p:pic>
-      <p:pic>
-        <p:nvPicPr>
-          <p:cNvPr id="12" name="Picture 11">
-            <a:extLst>
-              <a:ext uri="{FF2B5EF4-FFF2-40B4-BE49-F238E27FC236}">
-                <a16:creationId xmlns:a16="http://schemas.microsoft.com/office/drawing/2014/main" id="{D9C5A000-E022-43D5-EF4A-11ADA08E339D}"/>
-              </a:ext>
-            </a:extLst>
-          </p:cNvPr>
-          <p:cNvPicPr>
-            <a:picLocks noChangeAspect="1"/>
-          </p:cNvPicPr>
-          <p:nvPr/>
-        </p:nvPicPr>
-        <p:blipFill>
-          <a:blip r:embed="rId5"/>
-          <a:stretch>
-            <a:fillRect/>
-          </a:stretch>
-        </p:blipFill>
-        <p:spPr>
-          <a:xfrm>
-            <a:off x="6919143" y="3671316"/>
-            <a:ext cx="3571285" cy="2553469"/>
-          </a:xfrm>
-          <a:prstGeom prst="rect">
-            <a:avLst/>
-          </a:prstGeom>
-        </p:spPr>
-      </p:pic>
-    </p:spTree>
-    <p:extLst>
-      <p:ext uri="{BB962C8B-B14F-4D97-AF65-F5344CB8AC3E}">
-        <p14:creationId xmlns:p14="http://schemas.microsoft.com/office/powerpoint/2010/main" val="2218779817"/>
-      </p:ext>
-    </p:extLst>
-  </p:cSld>
-  <p:clrMapOvr>
-    <a:masterClrMapping/>
-  </p:clrMapOvr>
-</p:sld>
-</file>
-
-<file path=ppt/slides/slide8.xml><?xml version="1.0" encoding="utf-8"?>
-<p:sld xmlns:a="http://schemas.openxmlformats.org/drawingml/2006/main" xmlns:r="http://schemas.openxmlformats.org/officeDocument/2006/relationships" xmlns:p="http://schemas.openxmlformats.org/presentationml/2006/main">
-  <p:cSld>
-    <p:bg>
-      <p:bgPr>
-        <a:solidFill>
-          <a:schemeClr val="bg1"/>
-        </a:solidFill>
-        <a:effectLst/>
-      </p:bgPr>
-    </p:bg>
-    <p:spTree>
-      <p:nvGrpSpPr>
-        <p:cNvPr id="1" name=""/>
-        <p:cNvGrpSpPr/>
-        <p:nvPr/>
-      </p:nvGrpSpPr>
-      <p:grpSpPr>
-        <a:xfrm>
-          <a:off x="0" y="0"/>
-          <a:ext cx="0" cy="0"/>
-          <a:chOff x="0" y="0"/>
-          <a:chExt cx="0" cy="0"/>
-        </a:xfrm>
-      </p:grpSpPr>
-      <p:sp useBgFill="1">
-        <p:nvSpPr>
           <p:cNvPr id="21" name="Rectangle 8">
             <a:extLst>
               <a:ext uri="{FF2B5EF4-FFF2-40B4-BE49-F238E27FC236}">
@@ -7153,66 +4824,6 @@
           </a:p>
         </p:txBody>
       </p:sp>
-      <p:pic>
-        <p:nvPicPr>
-          <p:cNvPr id="3" name="Picture 2">
-            <a:extLst>
-              <a:ext uri="{FF2B5EF4-FFF2-40B4-BE49-F238E27FC236}">
-                <a16:creationId xmlns:a16="http://schemas.microsoft.com/office/drawing/2014/main" id="{AA422AB3-970D-C397-6148-C62678E7D2C6}"/>
-              </a:ext>
-            </a:extLst>
-          </p:cNvPr>
-          <p:cNvPicPr>
-            <a:picLocks noChangeAspect="1"/>
-          </p:cNvPicPr>
-          <p:nvPr/>
-        </p:nvPicPr>
-        <p:blipFill>
-          <a:blip r:embed="rId2"/>
-          <a:stretch>
-            <a:fillRect/>
-          </a:stretch>
-        </p:blipFill>
-        <p:spPr>
-          <a:xfrm>
-            <a:off x="463296" y="354972"/>
-            <a:ext cx="5471160" cy="3857167"/>
-          </a:xfrm>
-          <a:prstGeom prst="rect">
-            <a:avLst/>
-          </a:prstGeom>
-        </p:spPr>
-      </p:pic>
-      <p:pic>
-        <p:nvPicPr>
-          <p:cNvPr id="4" name="Picture 3">
-            <a:extLst>
-              <a:ext uri="{FF2B5EF4-FFF2-40B4-BE49-F238E27FC236}">
-                <a16:creationId xmlns:a16="http://schemas.microsoft.com/office/drawing/2014/main" id="{3A946418-B61F-DF6F-EA30-069000B6C64E}"/>
-              </a:ext>
-            </a:extLst>
-          </p:cNvPr>
-          <p:cNvPicPr>
-            <a:picLocks noChangeAspect="1"/>
-          </p:cNvPicPr>
-          <p:nvPr/>
-        </p:nvPicPr>
-        <p:blipFill>
-          <a:blip r:embed="rId3"/>
-          <a:stretch>
-            <a:fillRect/>
-          </a:stretch>
-        </p:blipFill>
-        <p:spPr>
-          <a:xfrm>
-            <a:off x="6254496" y="354972"/>
-            <a:ext cx="5471160" cy="3857167"/>
-          </a:xfrm>
-          <a:prstGeom prst="rect">
-            <a:avLst/>
-          </a:prstGeom>
-        </p:spPr>
-      </p:pic>
       <p:sp>
         <p:nvSpPr>
           <p:cNvPr id="22" name="sketchy line">
@@ -7480,10 +5091,1057 @@
           </a:p>
         </p:txBody>
       </p:sp>
+      <p:pic>
+        <p:nvPicPr>
+          <p:cNvPr id="6" name="Picture 5">
+            <a:extLst>
+              <a:ext uri="{FF2B5EF4-FFF2-40B4-BE49-F238E27FC236}">
+                <a16:creationId xmlns:a16="http://schemas.microsoft.com/office/drawing/2014/main" id="{0AB9A9F7-31C6-2771-8097-EC6250D42D67}"/>
+              </a:ext>
+            </a:extLst>
+          </p:cNvPr>
+          <p:cNvPicPr>
+            <a:picLocks noChangeAspect="1"/>
+          </p:cNvPicPr>
+          <p:nvPr/>
+        </p:nvPicPr>
+        <p:blipFill>
+          <a:blip r:embed="rId2"/>
+          <a:stretch>
+            <a:fillRect/>
+          </a:stretch>
+        </p:blipFill>
+        <p:spPr>
+          <a:xfrm>
+            <a:off x="529522" y="291439"/>
+            <a:ext cx="4667333" cy="3348463"/>
+          </a:xfrm>
+          <a:prstGeom prst="rect">
+            <a:avLst/>
+          </a:prstGeom>
+        </p:spPr>
+      </p:pic>
+      <p:pic>
+        <p:nvPicPr>
+          <p:cNvPr id="8" name="Picture 7">
+            <a:extLst>
+              <a:ext uri="{FF2B5EF4-FFF2-40B4-BE49-F238E27FC236}">
+                <a16:creationId xmlns:a16="http://schemas.microsoft.com/office/drawing/2014/main" id="{6B0728EF-4DAB-DFCF-DD4B-A1E3AAE009E3}"/>
+              </a:ext>
+            </a:extLst>
+          </p:cNvPr>
+          <p:cNvPicPr>
+            <a:picLocks noChangeAspect="1"/>
+          </p:cNvPicPr>
+          <p:nvPr/>
+        </p:nvPicPr>
+        <p:blipFill>
+          <a:blip r:embed="rId3"/>
+          <a:stretch>
+            <a:fillRect/>
+          </a:stretch>
+        </p:blipFill>
+        <p:spPr>
+          <a:xfrm>
+            <a:off x="5822663" y="291439"/>
+            <a:ext cx="4580722" cy="3336664"/>
+          </a:xfrm>
+          <a:prstGeom prst="rect">
+            <a:avLst/>
+          </a:prstGeom>
+        </p:spPr>
+      </p:pic>
     </p:spTree>
     <p:extLst>
       <p:ext uri="{BB962C8B-B14F-4D97-AF65-F5344CB8AC3E}">
         <p14:creationId xmlns:p14="http://schemas.microsoft.com/office/powerpoint/2010/main" val="3637107579"/>
+      </p:ext>
+    </p:extLst>
+  </p:cSld>
+  <p:clrMapOvr>
+    <a:masterClrMapping/>
+  </p:clrMapOvr>
+</p:sld>
+</file>
+
+<file path=ppt/slides/slide6.xml><?xml version="1.0" encoding="utf-8"?>
+<p:sld xmlns:a="http://schemas.openxmlformats.org/drawingml/2006/main" xmlns:r="http://schemas.openxmlformats.org/officeDocument/2006/relationships" xmlns:p="http://schemas.openxmlformats.org/presentationml/2006/main">
+  <p:cSld>
+    <p:bg>
+      <p:bgPr>
+        <a:solidFill>
+          <a:schemeClr val="bg1"/>
+        </a:solidFill>
+        <a:effectLst/>
+      </p:bgPr>
+    </p:bg>
+    <p:spTree>
+      <p:nvGrpSpPr>
+        <p:cNvPr id="1" name=""/>
+        <p:cNvGrpSpPr/>
+        <p:nvPr/>
+      </p:nvGrpSpPr>
+      <p:grpSpPr>
+        <a:xfrm>
+          <a:off x="0" y="0"/>
+          <a:ext cx="0" cy="0"/>
+          <a:chOff x="0" y="0"/>
+          <a:chExt cx="0" cy="0"/>
+        </a:xfrm>
+      </p:grpSpPr>
+      <p:sp useBgFill="1">
+        <p:nvSpPr>
+          <p:cNvPr id="15" name="Rectangle 14">
+            <a:extLst>
+              <a:ext uri="{FF2B5EF4-FFF2-40B4-BE49-F238E27FC236}">
+                <a16:creationId xmlns:a16="http://schemas.microsoft.com/office/drawing/2014/main" id="{53B021B3-DE93-4AB7-8A18-CF5F1CED88B8}"/>
+              </a:ext>
+              <a:ext uri="{C183D7F6-B498-43B3-948B-1728B52AA6E4}">
+                <adec:decorative xmlns:adec="http://schemas.microsoft.com/office/drawing/2017/decorative" val="1"/>
+              </a:ext>
+            </a:extLst>
+          </p:cNvPr>
+          <p:cNvSpPr>
+            <a:spLocks noGrp="1" noRot="1" noChangeAspect="1" noMove="1" noResize="1" noEditPoints="1" noAdjustHandles="1" noChangeArrowheads="1" noChangeShapeType="1" noTextEdit="1"/>
+          </p:cNvSpPr>
+          <p:nvPr>
+            <p:extLst>
+              <p:ext uri="{386F3935-93C4-4BCD-93E2-E3B085C9AB24}">
+                <p16:designElem xmlns:p16="http://schemas.microsoft.com/office/powerpoint/2015/main" val="1"/>
+              </p:ext>
+            </p:extLst>
+          </p:nvPr>
+        </p:nvSpPr>
+        <p:spPr>
+          <a:xfrm>
+            <a:off x="0" y="0"/>
+            <a:ext cx="12192000" cy="6858000"/>
+          </a:xfrm>
+          <a:prstGeom prst="rect">
+            <a:avLst/>
+          </a:prstGeom>
+          <a:ln>
+            <a:noFill/>
+          </a:ln>
+        </p:spPr>
+        <p:style>
+          <a:lnRef idx="2">
+            <a:schemeClr val="accent1">
+              <a:shade val="50000"/>
+            </a:schemeClr>
+          </a:lnRef>
+          <a:fillRef idx="1">
+            <a:schemeClr val="accent1"/>
+          </a:fillRef>
+          <a:effectRef idx="0">
+            <a:schemeClr val="accent1"/>
+          </a:effectRef>
+          <a:fontRef idx="minor">
+            <a:schemeClr val="lt1"/>
+          </a:fontRef>
+        </p:style>
+        <p:txBody>
+          <a:bodyPr rtlCol="0" anchor="ctr"/>
+          <a:lstStyle/>
+          <a:p>
+            <a:pPr algn="ctr"/>
+            <a:endParaRPr lang="en-US"/>
+          </a:p>
+        </p:txBody>
+      </p:sp>
+      <p:sp>
+        <p:nvSpPr>
+          <p:cNvPr id="2" name="TextBox 1">
+            <a:extLst>
+              <a:ext uri="{FF2B5EF4-FFF2-40B4-BE49-F238E27FC236}">
+                <a16:creationId xmlns:a16="http://schemas.microsoft.com/office/drawing/2014/main" id="{5A2E63F1-1B0C-9DEE-CBDB-7633D12031B4}"/>
+              </a:ext>
+            </a:extLst>
+          </p:cNvPr>
+          <p:cNvSpPr txBox="1"/>
+          <p:nvPr/>
+        </p:nvSpPr>
+        <p:spPr>
+          <a:xfrm>
+            <a:off x="841248" y="256032"/>
+            <a:ext cx="10506456" cy="1014984"/>
+          </a:xfrm>
+          <a:prstGeom prst="rect">
+            <a:avLst/>
+          </a:prstGeom>
+        </p:spPr>
+        <p:txBody>
+          <a:bodyPr vert="horz" lIns="91440" tIns="45720" rIns="91440" bIns="45720" rtlCol="0" anchor="b">
+            <a:normAutofit/>
+          </a:bodyPr>
+          <a:lstStyle/>
+          <a:p>
+            <a:pPr>
+              <a:lnSpc>
+                <a:spcPct val="90000"/>
+              </a:lnSpc>
+              <a:spcBef>
+                <a:spcPct val="0"/>
+              </a:spcBef>
+              <a:spcAft>
+                <a:spcPts val="600"/>
+              </a:spcAft>
+            </a:pPr>
+            <a:r>
+              <a:rPr lang="en-US" sz="3100" kern="1200">
+                <a:solidFill>
+                  <a:schemeClr val="tx1"/>
+                </a:solidFill>
+                <a:latin typeface="+mj-lt"/>
+                <a:ea typeface="+mj-ea"/>
+                <a:cs typeface="+mj-cs"/>
+              </a:rPr>
+              <a:t>Classification of breast cancer patients (1) from non-breast cancer (0) using Principal component analysis (PCA) </a:t>
+            </a:r>
+          </a:p>
+        </p:txBody>
+      </p:sp>
+      <p:sp>
+        <p:nvSpPr>
+          <p:cNvPr id="17" name="Rectangle 16">
+            <a:extLst>
+              <a:ext uri="{FF2B5EF4-FFF2-40B4-BE49-F238E27FC236}">
+                <a16:creationId xmlns:a16="http://schemas.microsoft.com/office/drawing/2014/main" id="{52D502E5-F6B4-4D58-B4AE-FC466FF15EE8}"/>
+              </a:ext>
+              <a:ext uri="{C183D7F6-B498-43B3-948B-1728B52AA6E4}">
+                <adec:decorative xmlns:adec="http://schemas.microsoft.com/office/drawing/2017/decorative" val="1"/>
+              </a:ext>
+            </a:extLst>
+          </p:cNvPr>
+          <p:cNvSpPr>
+            <a:spLocks noGrp="1" noRot="1" noChangeAspect="1" noMove="1" noResize="1" noEditPoints="1" noAdjustHandles="1" noChangeArrowheads="1" noChangeShapeType="1" noTextEdit="1"/>
+          </p:cNvSpPr>
+          <p:nvPr>
+            <p:extLst>
+              <p:ext uri="{386F3935-93C4-4BCD-93E2-E3B085C9AB24}">
+                <p16:designElem xmlns:p16="http://schemas.microsoft.com/office/powerpoint/2015/main" val="1"/>
+              </p:ext>
+            </p:extLst>
+          </p:nvPr>
+        </p:nvSpPr>
+        <p:spPr>
+          <a:xfrm>
+            <a:off x="865953" y="1634502"/>
+            <a:ext cx="10451592" cy="18288"/>
+          </a:xfrm>
+          <a:prstGeom prst="rect">
+            <a:avLst/>
+          </a:prstGeom>
+          <a:solidFill>
+            <a:srgbClr val="D5D5D5"/>
+          </a:solidFill>
+          <a:ln w="3175">
+            <a:noFill/>
+          </a:ln>
+          <a:effectLst/>
+        </p:spPr>
+        <p:style>
+          <a:lnRef idx="2">
+            <a:schemeClr val="accent1">
+              <a:shade val="50000"/>
+            </a:schemeClr>
+          </a:lnRef>
+          <a:fillRef idx="1">
+            <a:schemeClr val="accent1"/>
+          </a:fillRef>
+          <a:effectRef idx="0">
+            <a:schemeClr val="accent1"/>
+          </a:effectRef>
+          <a:fontRef idx="minor">
+            <a:schemeClr val="lt1"/>
+          </a:fontRef>
+        </p:style>
+        <p:txBody>
+          <a:bodyPr rtlCol="0" anchor="ctr"/>
+          <a:lstStyle/>
+          <a:p>
+            <a:pPr algn="ctr"/>
+            <a:endParaRPr lang="en-US">
+              <a:solidFill>
+                <a:prstClr val="white"/>
+              </a:solidFill>
+              <a:latin typeface="Calibri" panose="020F0502020204030204"/>
+            </a:endParaRPr>
+          </a:p>
+        </p:txBody>
+      </p:sp>
+      <p:sp>
+        <p:nvSpPr>
+          <p:cNvPr id="19" name="Rectangle 18">
+            <a:extLst>
+              <a:ext uri="{FF2B5EF4-FFF2-40B4-BE49-F238E27FC236}">
+                <a16:creationId xmlns:a16="http://schemas.microsoft.com/office/drawing/2014/main" id="{9DECDBF4-02B6-4BB4-B65B-B8107AD6A9E8}"/>
+              </a:ext>
+              <a:ext uri="{C183D7F6-B498-43B3-948B-1728B52AA6E4}">
+                <adec:decorative xmlns:adec="http://schemas.microsoft.com/office/drawing/2017/decorative" val="1"/>
+              </a:ext>
+            </a:extLst>
+          </p:cNvPr>
+          <p:cNvSpPr>
+            <a:spLocks noGrp="1" noRot="1" noChangeAspect="1" noMove="1" noResize="1" noEditPoints="1" noAdjustHandles="1" noChangeArrowheads="1" noChangeShapeType="1" noTextEdit="1"/>
+          </p:cNvSpPr>
+          <p:nvPr>
+            <p:extLst>
+              <p:ext uri="{386F3935-93C4-4BCD-93E2-E3B085C9AB24}">
+                <p16:designElem xmlns:p16="http://schemas.microsoft.com/office/powerpoint/2015/main" val="1"/>
+              </p:ext>
+            </p:extLst>
+          </p:nvPr>
+        </p:nvSpPr>
+        <p:spPr>
+          <a:xfrm flipV="1">
+            <a:off x="841248" y="1538176"/>
+            <a:ext cx="1873457" cy="109814"/>
+          </a:xfrm>
+          <a:prstGeom prst="rect">
+            <a:avLst/>
+          </a:prstGeom>
+          <a:solidFill>
+            <a:schemeClr val="accent2"/>
+          </a:solidFill>
+          <a:ln>
+            <a:noFill/>
+          </a:ln>
+        </p:spPr>
+        <p:style>
+          <a:lnRef idx="2">
+            <a:schemeClr val="accent1">
+              <a:shade val="50000"/>
+            </a:schemeClr>
+          </a:lnRef>
+          <a:fillRef idx="1">
+            <a:schemeClr val="accent1"/>
+          </a:fillRef>
+          <a:effectRef idx="0">
+            <a:schemeClr val="accent1"/>
+          </a:effectRef>
+          <a:fontRef idx="minor">
+            <a:schemeClr val="lt1"/>
+          </a:fontRef>
+        </p:style>
+        <p:txBody>
+          <a:bodyPr rtlCol="0" anchor="ctr"/>
+          <a:lstStyle/>
+          <a:p>
+            <a:pPr algn="ctr"/>
+            <a:endParaRPr lang="en-US">
+              <a:solidFill>
+                <a:prstClr val="white"/>
+              </a:solidFill>
+              <a:latin typeface="Calibri" panose="020F0502020204030204"/>
+            </a:endParaRPr>
+          </a:p>
+        </p:txBody>
+      </p:sp>
+      <p:pic>
+        <p:nvPicPr>
+          <p:cNvPr id="4" name="Picture 3">
+            <a:extLst>
+              <a:ext uri="{FF2B5EF4-FFF2-40B4-BE49-F238E27FC236}">
+                <a16:creationId xmlns:a16="http://schemas.microsoft.com/office/drawing/2014/main" id="{C656ECC4-DEA6-64A2-ABD8-CC5E5BBBFD56}"/>
+              </a:ext>
+            </a:extLst>
+          </p:cNvPr>
+          <p:cNvPicPr>
+            <a:picLocks noChangeAspect="1"/>
+          </p:cNvPicPr>
+          <p:nvPr/>
+        </p:nvPicPr>
+        <p:blipFill>
+          <a:blip r:embed="rId2"/>
+          <a:stretch>
+            <a:fillRect/>
+          </a:stretch>
+        </p:blipFill>
+        <p:spPr>
+          <a:xfrm>
+            <a:off x="420216" y="2340129"/>
+            <a:ext cx="5249065" cy="2901657"/>
+          </a:xfrm>
+          <a:prstGeom prst="rect">
+            <a:avLst/>
+          </a:prstGeom>
+        </p:spPr>
+      </p:pic>
+      <p:pic>
+        <p:nvPicPr>
+          <p:cNvPr id="9" name="Picture 8">
+            <a:extLst>
+              <a:ext uri="{FF2B5EF4-FFF2-40B4-BE49-F238E27FC236}">
+                <a16:creationId xmlns:a16="http://schemas.microsoft.com/office/drawing/2014/main" id="{55B01327-29C3-D0D4-56FF-DCF316C60568}"/>
+              </a:ext>
+            </a:extLst>
+          </p:cNvPr>
+          <p:cNvPicPr>
+            <a:picLocks noChangeAspect="1"/>
+          </p:cNvPicPr>
+          <p:nvPr/>
+        </p:nvPicPr>
+        <p:blipFill>
+          <a:blip r:embed="rId3"/>
+          <a:stretch>
+            <a:fillRect/>
+          </a:stretch>
+        </p:blipFill>
+        <p:spPr>
+          <a:xfrm>
+            <a:off x="6418498" y="2390644"/>
+            <a:ext cx="5696841" cy="3155339"/>
+          </a:xfrm>
+          <a:prstGeom prst="rect">
+            <a:avLst/>
+          </a:prstGeom>
+        </p:spPr>
+      </p:pic>
+      <p:sp>
+        <p:nvSpPr>
+          <p:cNvPr id="11" name="TextBox 10">
+            <a:extLst>
+              <a:ext uri="{FF2B5EF4-FFF2-40B4-BE49-F238E27FC236}">
+                <a16:creationId xmlns:a16="http://schemas.microsoft.com/office/drawing/2014/main" id="{D98C5C32-4635-CC9D-475B-58AC8D48E65C}"/>
+              </a:ext>
+            </a:extLst>
+          </p:cNvPr>
+          <p:cNvSpPr txBox="1"/>
+          <p:nvPr/>
+        </p:nvSpPr>
+        <p:spPr>
+          <a:xfrm>
+            <a:off x="8104731" y="5646486"/>
+            <a:ext cx="2649793" cy="341632"/>
+          </a:xfrm>
+          <a:prstGeom prst="rect">
+            <a:avLst/>
+          </a:prstGeom>
+          <a:noFill/>
+        </p:spPr>
+        <p:txBody>
+          <a:bodyPr wrap="square">
+            <a:spAutoFit/>
+          </a:bodyPr>
+          <a:lstStyle/>
+          <a:p>
+            <a:pPr>
+              <a:lnSpc>
+                <a:spcPct val="90000"/>
+              </a:lnSpc>
+              <a:spcAft>
+                <a:spcPts val="600"/>
+              </a:spcAft>
+            </a:pPr>
+            <a:r>
+              <a:rPr lang="en-US" dirty="0"/>
+              <a:t>Variables loading scores</a:t>
+            </a:r>
+          </a:p>
+        </p:txBody>
+      </p:sp>
+      <p:sp>
+        <p:nvSpPr>
+          <p:cNvPr id="12" name="TextBox 11">
+            <a:extLst>
+              <a:ext uri="{FF2B5EF4-FFF2-40B4-BE49-F238E27FC236}">
+                <a16:creationId xmlns:a16="http://schemas.microsoft.com/office/drawing/2014/main" id="{B92E53DB-D793-242A-74B8-C83F1F80640C}"/>
+              </a:ext>
+            </a:extLst>
+          </p:cNvPr>
+          <p:cNvSpPr txBox="1"/>
+          <p:nvPr/>
+        </p:nvSpPr>
+        <p:spPr>
+          <a:xfrm>
+            <a:off x="2753342" y="5739893"/>
+            <a:ext cx="1357526" cy="341632"/>
+          </a:xfrm>
+          <a:prstGeom prst="rect">
+            <a:avLst/>
+          </a:prstGeom>
+          <a:noFill/>
+        </p:spPr>
+        <p:txBody>
+          <a:bodyPr wrap="square">
+            <a:spAutoFit/>
+          </a:bodyPr>
+          <a:lstStyle/>
+          <a:p>
+            <a:pPr>
+              <a:lnSpc>
+                <a:spcPct val="90000"/>
+              </a:lnSpc>
+              <a:spcAft>
+                <a:spcPts val="600"/>
+              </a:spcAft>
+            </a:pPr>
+            <a:r>
+              <a:rPr lang="en-US" dirty="0"/>
+              <a:t>PCA scores</a:t>
+            </a:r>
+          </a:p>
+        </p:txBody>
+      </p:sp>
+    </p:spTree>
+    <p:extLst>
+      <p:ext uri="{BB962C8B-B14F-4D97-AF65-F5344CB8AC3E}">
+        <p14:creationId xmlns:p14="http://schemas.microsoft.com/office/powerpoint/2010/main" val="2526964036"/>
+      </p:ext>
+    </p:extLst>
+  </p:cSld>
+  <p:clrMapOvr>
+    <a:masterClrMapping/>
+  </p:clrMapOvr>
+</p:sld>
+</file>
+
+<file path=ppt/slides/slide7.xml><?xml version="1.0" encoding="utf-8"?>
+<p:sld xmlns:a="http://schemas.openxmlformats.org/drawingml/2006/main" xmlns:r="http://schemas.openxmlformats.org/officeDocument/2006/relationships" xmlns:p="http://schemas.openxmlformats.org/presentationml/2006/main">
+  <p:cSld>
+    <p:spTree>
+      <p:nvGrpSpPr>
+        <p:cNvPr id="1" name=""/>
+        <p:cNvGrpSpPr/>
+        <p:nvPr/>
+      </p:nvGrpSpPr>
+      <p:grpSpPr>
+        <a:xfrm>
+          <a:off x="0" y="0"/>
+          <a:ext cx="0" cy="0"/>
+          <a:chOff x="0" y="0"/>
+          <a:chExt cx="0" cy="0"/>
+        </a:xfrm>
+      </p:grpSpPr>
+      <p:sp>
+        <p:nvSpPr>
+          <p:cNvPr id="2" name="Title 1">
+            <a:extLst>
+              <a:ext uri="{FF2B5EF4-FFF2-40B4-BE49-F238E27FC236}">
+                <a16:creationId xmlns:a16="http://schemas.microsoft.com/office/drawing/2014/main" id="{EC6C25B1-D995-A33E-BC21-14896A190F1C}"/>
+              </a:ext>
+            </a:extLst>
+          </p:cNvPr>
+          <p:cNvSpPr>
+            <a:spLocks noGrp="1"/>
+          </p:cNvSpPr>
+          <p:nvPr>
+            <p:ph type="title"/>
+          </p:nvPr>
+        </p:nvSpPr>
+        <p:spPr/>
+        <p:txBody>
+          <a:bodyPr/>
+          <a:lstStyle/>
+          <a:p>
+            <a:r>
+              <a:rPr lang="en-US" dirty="0"/>
+              <a:t>Multivariate classification</a:t>
+            </a:r>
+            <a:endParaRPr lang="en-NZ" dirty="0"/>
+          </a:p>
+        </p:txBody>
+      </p:sp>
+      <p:graphicFrame>
+        <p:nvGraphicFramePr>
+          <p:cNvPr id="4" name="Content Placeholder 3">
+            <a:extLst>
+              <a:ext uri="{FF2B5EF4-FFF2-40B4-BE49-F238E27FC236}">
+                <a16:creationId xmlns:a16="http://schemas.microsoft.com/office/drawing/2014/main" id="{96DB5087-99EF-49E2-5D1E-AB7FF597951B}"/>
+              </a:ext>
+            </a:extLst>
+          </p:cNvPr>
+          <p:cNvGraphicFramePr>
+            <a:graphicFrameLocks noGrp="1"/>
+          </p:cNvGraphicFramePr>
+          <p:nvPr>
+            <p:ph idx="1"/>
+            <p:extLst>
+              <p:ext uri="{D42A27DB-BD31-4B8C-83A1-F6EECF244321}">
+                <p14:modId xmlns:p14="http://schemas.microsoft.com/office/powerpoint/2010/main" val="975088522"/>
+              </p:ext>
+            </p:extLst>
+          </p:nvPr>
+        </p:nvGraphicFramePr>
+        <p:xfrm>
+          <a:off x="990355" y="4397744"/>
+          <a:ext cx="8330626" cy="1112520"/>
+        </p:xfrm>
+        <a:graphic>
+          <a:graphicData uri="http://schemas.openxmlformats.org/drawingml/2006/table">
+            <a:tbl>
+              <a:tblPr firstRow="1" bandRow="1">
+                <a:tableStyleId>{F5AB1C69-6EDB-4FF4-983F-18BD219EF322}</a:tableStyleId>
+              </a:tblPr>
+              <a:tblGrid>
+                <a:gridCol w="2583426">
+                  <a:extLst>
+                    <a:ext uri="{9D8B030D-6E8A-4147-A177-3AD203B41FA5}">
+                      <a16:colId xmlns:a16="http://schemas.microsoft.com/office/drawing/2014/main" val="2238055591"/>
+                    </a:ext>
+                  </a:extLst>
+                </a:gridCol>
+                <a:gridCol w="1463334">
+                  <a:extLst>
+                    <a:ext uri="{9D8B030D-6E8A-4147-A177-3AD203B41FA5}">
+                      <a16:colId xmlns:a16="http://schemas.microsoft.com/office/drawing/2014/main" val="928070526"/>
+                    </a:ext>
+                  </a:extLst>
+                </a:gridCol>
+                <a:gridCol w="1056918">
+                  <a:extLst>
+                    <a:ext uri="{9D8B030D-6E8A-4147-A177-3AD203B41FA5}">
+                      <a16:colId xmlns:a16="http://schemas.microsoft.com/office/drawing/2014/main" val="3054825956"/>
+                    </a:ext>
+                  </a:extLst>
+                </a:gridCol>
+                <a:gridCol w="1339154">
+                  <a:extLst>
+                    <a:ext uri="{9D8B030D-6E8A-4147-A177-3AD203B41FA5}">
+                      <a16:colId xmlns:a16="http://schemas.microsoft.com/office/drawing/2014/main" val="2631837170"/>
+                    </a:ext>
+                  </a:extLst>
+                </a:gridCol>
+                <a:gridCol w="1887794">
+                  <a:extLst>
+                    <a:ext uri="{9D8B030D-6E8A-4147-A177-3AD203B41FA5}">
+                      <a16:colId xmlns:a16="http://schemas.microsoft.com/office/drawing/2014/main" val="714264"/>
+                    </a:ext>
+                  </a:extLst>
+                </a:gridCol>
+              </a:tblGrid>
+              <a:tr h="370840">
+                <a:tc>
+                  <a:txBody>
+                    <a:bodyPr/>
+                    <a:lstStyle/>
+                    <a:p>
+                      <a:r>
+                        <a:rPr lang="en-US" dirty="0"/>
+                        <a:t>Classification methods</a:t>
+                      </a:r>
+                      <a:endParaRPr lang="en-NZ" dirty="0"/>
+                    </a:p>
+                  </a:txBody>
+                  <a:tcPr/>
+                </a:tc>
+                <a:tc>
+                  <a:txBody>
+                    <a:bodyPr/>
+                    <a:lstStyle/>
+                    <a:p>
+                      <a:r>
+                        <a:rPr lang="en-US" dirty="0"/>
+                        <a:t>Precision</a:t>
+                      </a:r>
+                      <a:endParaRPr lang="en-NZ" dirty="0"/>
+                    </a:p>
+                  </a:txBody>
+                  <a:tcPr/>
+                </a:tc>
+                <a:tc>
+                  <a:txBody>
+                    <a:bodyPr/>
+                    <a:lstStyle/>
+                    <a:p>
+                      <a:r>
+                        <a:rPr lang="en-US" dirty="0"/>
+                        <a:t>Recall</a:t>
+                      </a:r>
+                      <a:endParaRPr lang="en-NZ" dirty="0"/>
+                    </a:p>
+                  </a:txBody>
+                  <a:tcPr/>
+                </a:tc>
+                <a:tc>
+                  <a:txBody>
+                    <a:bodyPr/>
+                    <a:lstStyle/>
+                    <a:p>
+                      <a:r>
+                        <a:rPr lang="en-US" dirty="0"/>
+                        <a:t>F1 score</a:t>
+                      </a:r>
+                      <a:endParaRPr lang="en-NZ" dirty="0"/>
+                    </a:p>
+                  </a:txBody>
+                  <a:tcPr/>
+                </a:tc>
+                <a:tc>
+                  <a:txBody>
+                    <a:bodyPr/>
+                    <a:lstStyle/>
+                    <a:p>
+                      <a:r>
+                        <a:rPr lang="en-US" dirty="0"/>
+                        <a:t>Overall Accuracy</a:t>
+                      </a:r>
+                      <a:endParaRPr lang="en-NZ" dirty="0"/>
+                    </a:p>
+                  </a:txBody>
+                  <a:tcPr/>
+                </a:tc>
+                <a:extLst>
+                  <a:ext uri="{0D108BD9-81ED-4DB2-BD59-A6C34878D82A}">
+                    <a16:rowId xmlns:a16="http://schemas.microsoft.com/office/drawing/2014/main" val="1222470642"/>
+                  </a:ext>
+                </a:extLst>
+              </a:tr>
+              <a:tr h="370840">
+                <a:tc>
+                  <a:txBody>
+                    <a:bodyPr/>
+                    <a:lstStyle/>
+                    <a:p>
+                      <a:r>
+                        <a:rPr lang="en-US" dirty="0"/>
+                        <a:t>Logistic regression </a:t>
+                      </a:r>
+                      <a:endParaRPr lang="en-NZ" dirty="0"/>
+                    </a:p>
+                  </a:txBody>
+                  <a:tcPr/>
+                </a:tc>
+                <a:tc>
+                  <a:txBody>
+                    <a:bodyPr/>
+                    <a:lstStyle/>
+                    <a:p>
+                      <a:r>
+                        <a:rPr lang="en-US" dirty="0"/>
+                        <a:t>0.82</a:t>
+                      </a:r>
+                      <a:endParaRPr lang="en-NZ" dirty="0"/>
+                    </a:p>
+                  </a:txBody>
+                  <a:tcPr/>
+                </a:tc>
+                <a:tc>
+                  <a:txBody>
+                    <a:bodyPr/>
+                    <a:lstStyle/>
+                    <a:p>
+                      <a:r>
+                        <a:rPr lang="en-US" dirty="0"/>
+                        <a:t>1.0</a:t>
+                      </a:r>
+                      <a:endParaRPr lang="en-NZ" dirty="0"/>
+                    </a:p>
+                  </a:txBody>
+                  <a:tcPr/>
+                </a:tc>
+                <a:tc>
+                  <a:txBody>
+                    <a:bodyPr/>
+                    <a:lstStyle/>
+                    <a:p>
+                      <a:r>
+                        <a:rPr lang="en-US" dirty="0"/>
+                        <a:t>0.9</a:t>
+                      </a:r>
+                      <a:endParaRPr lang="en-NZ" dirty="0"/>
+                    </a:p>
+                  </a:txBody>
+                  <a:tcPr/>
+                </a:tc>
+                <a:tc>
+                  <a:txBody>
+                    <a:bodyPr/>
+                    <a:lstStyle/>
+                    <a:p>
+                      <a:r>
+                        <a:rPr lang="en-US" dirty="0"/>
+                        <a:t>0.87</a:t>
+                      </a:r>
+                      <a:endParaRPr lang="en-NZ" dirty="0"/>
+                    </a:p>
+                  </a:txBody>
+                  <a:tcPr/>
+                </a:tc>
+                <a:extLst>
+                  <a:ext uri="{0D108BD9-81ED-4DB2-BD59-A6C34878D82A}">
+                    <a16:rowId xmlns:a16="http://schemas.microsoft.com/office/drawing/2014/main" val="3736757888"/>
+                  </a:ext>
+                </a:extLst>
+              </a:tr>
+              <a:tr h="370840">
+                <a:tc>
+                  <a:txBody>
+                    <a:bodyPr/>
+                    <a:lstStyle/>
+                    <a:p>
+                      <a:r>
+                        <a:rPr lang="en-US" dirty="0" err="1"/>
+                        <a:t>LinearSVM</a:t>
+                      </a:r>
+                      <a:endParaRPr lang="en-NZ" dirty="0"/>
+                    </a:p>
+                  </a:txBody>
+                  <a:tcPr/>
+                </a:tc>
+                <a:tc>
+                  <a:txBody>
+                    <a:bodyPr/>
+                    <a:lstStyle/>
+                    <a:p>
+                      <a:r>
+                        <a:rPr lang="en-US" dirty="0"/>
+                        <a:t>0.92</a:t>
+                      </a:r>
+                      <a:endParaRPr lang="en-NZ" dirty="0"/>
+                    </a:p>
+                  </a:txBody>
+                  <a:tcPr/>
+                </a:tc>
+                <a:tc>
+                  <a:txBody>
+                    <a:bodyPr/>
+                    <a:lstStyle/>
+                    <a:p>
+                      <a:r>
+                        <a:rPr lang="en-US" dirty="0"/>
+                        <a:t>0.98</a:t>
+                      </a:r>
+                      <a:endParaRPr lang="en-NZ" dirty="0"/>
+                    </a:p>
+                  </a:txBody>
+                  <a:tcPr/>
+                </a:tc>
+                <a:tc>
+                  <a:txBody>
+                    <a:bodyPr/>
+                    <a:lstStyle/>
+                    <a:p>
+                      <a:r>
+                        <a:rPr lang="en-US" dirty="0"/>
+                        <a:t>0.95</a:t>
+                      </a:r>
+                      <a:endParaRPr lang="en-NZ" dirty="0"/>
+                    </a:p>
+                  </a:txBody>
+                  <a:tcPr/>
+                </a:tc>
+                <a:tc>
+                  <a:txBody>
+                    <a:bodyPr/>
+                    <a:lstStyle/>
+                    <a:p>
+                      <a:r>
+                        <a:rPr lang="en-US" dirty="0"/>
+                        <a:t>0.94</a:t>
+                      </a:r>
+                      <a:endParaRPr lang="en-NZ" dirty="0"/>
+                    </a:p>
+                  </a:txBody>
+                  <a:tcPr/>
+                </a:tc>
+                <a:extLst>
+                  <a:ext uri="{0D108BD9-81ED-4DB2-BD59-A6C34878D82A}">
+                    <a16:rowId xmlns:a16="http://schemas.microsoft.com/office/drawing/2014/main" val="3196281446"/>
+                  </a:ext>
+                </a:extLst>
+              </a:tr>
+            </a:tbl>
+          </a:graphicData>
+        </a:graphic>
+      </p:graphicFrame>
+      <p:sp>
+        <p:nvSpPr>
+          <p:cNvPr id="5" name="TextBox 4">
+            <a:extLst>
+              <a:ext uri="{FF2B5EF4-FFF2-40B4-BE49-F238E27FC236}">
+                <a16:creationId xmlns:a16="http://schemas.microsoft.com/office/drawing/2014/main" id="{90237F5E-397C-2AC3-E84C-0816D770990F}"/>
+              </a:ext>
+            </a:extLst>
+          </p:cNvPr>
+          <p:cNvSpPr txBox="1"/>
+          <p:nvPr/>
+        </p:nvSpPr>
+        <p:spPr>
+          <a:xfrm>
+            <a:off x="891294" y="1415845"/>
+            <a:ext cx="4134957" cy="2862322"/>
+          </a:xfrm>
+          <a:prstGeom prst="rect">
+            <a:avLst/>
+          </a:prstGeom>
+          <a:noFill/>
+        </p:spPr>
+        <p:txBody>
+          <a:bodyPr wrap="square" rtlCol="0">
+            <a:spAutoFit/>
+          </a:bodyPr>
+          <a:lstStyle/>
+          <a:p>
+            <a:pPr marL="0" algn="l" rtl="0" eaLnBrk="1" fontAlgn="t" latinLnBrk="0" hangingPunct="1">
+              <a:spcBef>
+                <a:spcPts val="0"/>
+              </a:spcBef>
+              <a:spcAft>
+                <a:spcPts val="0"/>
+              </a:spcAft>
+            </a:pPr>
+            <a:r>
+              <a:rPr lang="en-US" sz="1800" b="1" i="0" u="none" strike="noStrike" kern="1200" dirty="0">
+                <a:effectLst/>
+                <a:latin typeface="Calibri" panose="020F0502020204030204" pitchFamily="34" charset="0"/>
+              </a:rPr>
+              <a:t>Purpose: Build a model to classify patients having breast cancer from patients without </a:t>
+            </a:r>
+            <a:r>
+              <a:rPr lang="en-US" sz="1800" b="1" i="0" u="none" strike="noStrike" kern="1200" dirty="0" err="1">
+                <a:effectLst/>
+                <a:latin typeface="Calibri" panose="020F0502020204030204" pitchFamily="34" charset="0"/>
+              </a:rPr>
+              <a:t>cancer</a:t>
+            </a:r>
+            <a:r>
+              <a:rPr lang="en-US" sz="1800" b="1" i="0" u="none" strike="noStrike" kern="1200" dirty="0" err="1">
+                <a:solidFill>
+                  <a:srgbClr val="FFFFFF"/>
+                </a:solidFill>
+                <a:effectLst/>
+                <a:latin typeface="Calibri" panose="020F0502020204030204" pitchFamily="34" charset="0"/>
+              </a:rPr>
+              <a:t>ssification</a:t>
+            </a:r>
+            <a:r>
+              <a:rPr lang="en-US" sz="1800" b="1" i="0" u="none" strike="noStrike" kern="1200" dirty="0">
+                <a:solidFill>
+                  <a:srgbClr val="FFFFFF"/>
+                </a:solidFill>
+                <a:effectLst/>
+                <a:latin typeface="Calibri" panose="020F0502020204030204" pitchFamily="34" charset="0"/>
+              </a:rPr>
+              <a:t> methods</a:t>
+            </a:r>
+            <a:endParaRPr lang="en-NZ" sz="1800" b="0" i="0" u="none" strike="noStrike" dirty="0">
+              <a:effectLst/>
+              <a:latin typeface="Arial" panose="020B0604020202020204" pitchFamily="34" charset="0"/>
+            </a:endParaRPr>
+          </a:p>
+          <a:p>
+            <a:pPr marL="0" algn="l" rtl="0" eaLnBrk="1" fontAlgn="t" latinLnBrk="0" hangingPunct="1">
+              <a:spcBef>
+                <a:spcPts val="0"/>
+              </a:spcBef>
+              <a:spcAft>
+                <a:spcPts val="0"/>
+              </a:spcAft>
+            </a:pPr>
+            <a:endParaRPr lang="en-US" sz="1800" b="0" i="0" u="none" strike="noStrike" kern="1200" dirty="0">
+              <a:solidFill>
+                <a:srgbClr val="000000"/>
+              </a:solidFill>
+              <a:effectLst/>
+              <a:latin typeface="Calibri" panose="020F0502020204030204" pitchFamily="34" charset="0"/>
+            </a:endParaRPr>
+          </a:p>
+          <a:p>
+            <a:pPr marL="0" algn="l" rtl="0" eaLnBrk="1" fontAlgn="t" latinLnBrk="0" hangingPunct="1">
+              <a:spcBef>
+                <a:spcPts val="0"/>
+              </a:spcBef>
+              <a:spcAft>
+                <a:spcPts val="0"/>
+              </a:spcAft>
+            </a:pPr>
+            <a:r>
+              <a:rPr lang="en-US" sz="1800" b="0" i="0" u="none" strike="noStrike" kern="1200" dirty="0">
+                <a:solidFill>
+                  <a:srgbClr val="000000"/>
+                </a:solidFill>
+                <a:effectLst/>
+                <a:latin typeface="Calibri" panose="020F0502020204030204" pitchFamily="34" charset="0"/>
+              </a:rPr>
+              <a:t>Data: n = 568 patients</a:t>
+            </a:r>
+          </a:p>
+          <a:p>
+            <a:pPr marL="0" algn="l" rtl="0" eaLnBrk="1" fontAlgn="t" latinLnBrk="0" hangingPunct="1">
+              <a:spcBef>
+                <a:spcPts val="0"/>
+              </a:spcBef>
+              <a:spcAft>
+                <a:spcPts val="0"/>
+              </a:spcAft>
+            </a:pPr>
+            <a:r>
+              <a:rPr lang="en-US" dirty="0">
+                <a:solidFill>
+                  <a:srgbClr val="000000"/>
+                </a:solidFill>
+                <a:latin typeface="Calibri" panose="020F0502020204030204" pitchFamily="34" charset="0"/>
+              </a:rPr>
+              <a:t>          variables = 20 </a:t>
+            </a:r>
+          </a:p>
+          <a:p>
+            <a:pPr marL="0" algn="l" rtl="0" eaLnBrk="1" fontAlgn="t" latinLnBrk="0" hangingPunct="1">
+              <a:spcBef>
+                <a:spcPts val="0"/>
+              </a:spcBef>
+              <a:spcAft>
+                <a:spcPts val="0"/>
+              </a:spcAft>
+            </a:pPr>
+            <a:r>
+              <a:rPr lang="en-US" sz="1800" b="0" i="0" u="none" strike="noStrike" kern="1200" dirty="0">
+                <a:solidFill>
+                  <a:srgbClr val="000000"/>
+                </a:solidFill>
+                <a:effectLst/>
+                <a:latin typeface="Calibri" panose="020F0502020204030204" pitchFamily="34" charset="0"/>
+              </a:rPr>
+              <a:t>Training set: 397 patients</a:t>
+            </a:r>
+          </a:p>
+          <a:p>
+            <a:pPr marL="0" algn="l" rtl="0" eaLnBrk="1" fontAlgn="t" latinLnBrk="0" hangingPunct="1">
+              <a:spcBef>
+                <a:spcPts val="0"/>
+              </a:spcBef>
+              <a:spcAft>
+                <a:spcPts val="0"/>
+              </a:spcAft>
+            </a:pPr>
+            <a:r>
+              <a:rPr lang="en-US" dirty="0">
+                <a:solidFill>
+                  <a:srgbClr val="000000"/>
+                </a:solidFill>
+                <a:latin typeface="Calibri" panose="020F0502020204030204" pitchFamily="34" charset="0"/>
+              </a:rPr>
+              <a:t>Test set: 171 patients</a:t>
+            </a:r>
+          </a:p>
+          <a:p>
+            <a:pPr marL="0" algn="l" rtl="0" eaLnBrk="1" fontAlgn="t" latinLnBrk="0" hangingPunct="1">
+              <a:spcBef>
+                <a:spcPts val="0"/>
+              </a:spcBef>
+              <a:spcAft>
+                <a:spcPts val="0"/>
+              </a:spcAft>
+            </a:pPr>
+            <a:r>
+              <a:rPr lang="en-US" sz="1800" b="0" i="0" u="none" strike="noStrike" kern="1200" dirty="0">
+                <a:solidFill>
+                  <a:srgbClr val="000000"/>
+                </a:solidFill>
+                <a:effectLst/>
+                <a:latin typeface="Calibri" panose="020F0502020204030204" pitchFamily="34" charset="0"/>
+              </a:rPr>
+              <a:t>Tool: Python’s scikit-learn</a:t>
+            </a:r>
+          </a:p>
+        </p:txBody>
+      </p:sp>
+    </p:spTree>
+    <p:extLst>
+      <p:ext uri="{BB962C8B-B14F-4D97-AF65-F5344CB8AC3E}">
+        <p14:creationId xmlns:p14="http://schemas.microsoft.com/office/powerpoint/2010/main" val="3163641283"/>
       </p:ext>
     </p:extLst>
   </p:cSld>
